--- a/chapter_06/figures/verif_training_test_breakdown_pr_curve.pptx
+++ b/chapter_06/figures/verif_training_test_breakdown_pr_curve.pptx
@@ -115,7 +115,7 @@
 <file path=ppt/revisionInfo.xml><?xml version="1.0" encoding="utf-8"?>
 <p1510:revInfo xmlns:a="http://schemas.openxmlformats.org/drawingml/2006/main" xmlns:r="http://schemas.openxmlformats.org/officeDocument/2006/relationships" xmlns:p1510="http://schemas.microsoft.com/office/powerpoint/2015/10/main">
   <p1510:revLst>
-    <p1510:client id="{39E4DD93-62FF-426E-ACE3-AEC539F82A6D}" v="34" dt="2025-07-04T22:14:33.371"/>
+    <p1510:client id="{39E4DD93-62FF-426E-ACE3-AEC539F82A6D}" v="35" dt="2025-07-08T13:17:35.228"/>
   </p1510:revLst>
 </p1510:revInfo>
 </file>
@@ -125,12 +125,12 @@
   <pc:docChgLst>
     <pc:chgData name="Fatima Pillosu" userId="a6295d4dc9e22643" providerId="LiveId" clId="{39E4DD93-62FF-426E-ACE3-AEC539F82A6D}"/>
     <pc:docChg chg="undo custSel modSld modMainMaster">
-      <pc:chgData name="Fatima Pillosu" userId="a6295d4dc9e22643" providerId="LiveId" clId="{39E4DD93-62FF-426E-ACE3-AEC539F82A6D}" dt="2025-07-04T23:39:38.932" v="836" actId="1038"/>
+      <pc:chgData name="Fatima Pillosu" userId="a6295d4dc9e22643" providerId="LiveId" clId="{39E4DD93-62FF-426E-ACE3-AEC539F82A6D}" dt="2025-07-08T13:18:25.639" v="922" actId="1037"/>
       <pc:docMkLst>
         <pc:docMk/>
       </pc:docMkLst>
       <pc:sldChg chg="addSp delSp modSp mod">
-        <pc:chgData name="Fatima Pillosu" userId="a6295d4dc9e22643" providerId="LiveId" clId="{39E4DD93-62FF-426E-ACE3-AEC539F82A6D}" dt="2025-07-04T23:39:38.932" v="836" actId="1038"/>
+        <pc:chgData name="Fatima Pillosu" userId="a6295d4dc9e22643" providerId="LiveId" clId="{39E4DD93-62FF-426E-ACE3-AEC539F82A6D}" dt="2025-07-08T13:18:25.639" v="922" actId="1037"/>
         <pc:sldMkLst>
           <pc:docMk/>
           <pc:sldMk cId="2517527664" sldId="257"/>
@@ -407,12 +407,20 @@
             <ac:spMk id="63" creationId="{9A81B02D-E6FF-BA50-6AB9-3CB70971C58B}"/>
           </ac:spMkLst>
         </pc:spChg>
-        <pc:spChg chg="del">
-          <ac:chgData name="Fatima Pillosu" userId="a6295d4dc9e22643" providerId="LiveId" clId="{39E4DD93-62FF-426E-ACE3-AEC539F82A6D}" dt="2025-07-04T21:20:18.375" v="22" actId="478"/>
+        <pc:spChg chg="add mod">
+          <ac:chgData name="Fatima Pillosu" userId="a6295d4dc9e22643" providerId="LiveId" clId="{39E4DD93-62FF-426E-ACE3-AEC539F82A6D}" dt="2025-07-08T13:17:35.228" v="837"/>
           <ac:spMkLst>
             <pc:docMk/>
             <pc:sldMk cId="2517527664" sldId="257"/>
-            <ac:spMk id="65" creationId="{7759FCF0-A088-4365-A707-420A8A4F3CB8}"/>
+            <ac:spMk id="63" creationId="{F202536B-EDFA-2985-D247-DFF25F396E3C}"/>
+          </ac:spMkLst>
+        </pc:spChg>
+        <pc:spChg chg="add mod">
+          <ac:chgData name="Fatima Pillosu" userId="a6295d4dc9e22643" providerId="LiveId" clId="{39E4DD93-62FF-426E-ACE3-AEC539F82A6D}" dt="2025-07-08T13:17:35.228" v="837"/>
+          <ac:spMkLst>
+            <pc:docMk/>
+            <pc:sldMk cId="2517527664" sldId="257"/>
+            <ac:spMk id="64" creationId="{B637CF7A-D6B1-A968-FF70-0D7FCDE182C0}"/>
           </ac:spMkLst>
         </pc:spChg>
         <pc:spChg chg="del">
@@ -420,7 +428,31 @@
           <ac:spMkLst>
             <pc:docMk/>
             <pc:sldMk cId="2517527664" sldId="257"/>
-            <ac:spMk id="67" creationId="{671305C2-FCBD-37DB-4CB5-230F48F94CD3}"/>
+            <ac:spMk id="65" creationId="{7759FCF0-A088-4365-A707-420A8A4F3CB8}"/>
+          </ac:spMkLst>
+        </pc:spChg>
+        <pc:spChg chg="add mod">
+          <ac:chgData name="Fatima Pillosu" userId="a6295d4dc9e22643" providerId="LiveId" clId="{39E4DD93-62FF-426E-ACE3-AEC539F82A6D}" dt="2025-07-08T13:17:35.228" v="837"/>
+          <ac:spMkLst>
+            <pc:docMk/>
+            <pc:sldMk cId="2517527664" sldId="257"/>
+            <ac:spMk id="65" creationId="{B98DB5ED-7BC0-3E40-5F10-81F5CD0DF69A}"/>
+          </ac:spMkLst>
+        </pc:spChg>
+        <pc:spChg chg="add mod">
+          <ac:chgData name="Fatima Pillosu" userId="a6295d4dc9e22643" providerId="LiveId" clId="{39E4DD93-62FF-426E-ACE3-AEC539F82A6D}" dt="2025-07-08T13:17:35.228" v="837"/>
+          <ac:spMkLst>
+            <pc:docMk/>
+            <pc:sldMk cId="2517527664" sldId="257"/>
+            <ac:spMk id="66" creationId="{C52D8A27-9766-A4EF-7421-9552168B7CB8}"/>
+          </ac:spMkLst>
+        </pc:spChg>
+        <pc:spChg chg="add mod">
+          <ac:chgData name="Fatima Pillosu" userId="a6295d4dc9e22643" providerId="LiveId" clId="{39E4DD93-62FF-426E-ACE3-AEC539F82A6D}" dt="2025-07-08T13:17:35.228" v="837"/>
+          <ac:spMkLst>
+            <pc:docMk/>
+            <pc:sldMk cId="2517527664" sldId="257"/>
+            <ac:spMk id="67" creationId="{5DFAD630-B6F1-EF01-D3D9-9983613BEEF2}"/>
           </ac:spMkLst>
         </pc:spChg>
         <pc:spChg chg="del">
@@ -428,7 +460,15 @@
           <ac:spMkLst>
             <pc:docMk/>
             <pc:sldMk cId="2517527664" sldId="257"/>
-            <ac:spMk id="69" creationId="{11AD914C-7720-549A-E250-58DED5410A4E}"/>
+            <ac:spMk id="67" creationId="{671305C2-FCBD-37DB-4CB5-230F48F94CD3}"/>
+          </ac:spMkLst>
+        </pc:spChg>
+        <pc:spChg chg="add mod">
+          <ac:chgData name="Fatima Pillosu" userId="a6295d4dc9e22643" providerId="LiveId" clId="{39E4DD93-62FF-426E-ACE3-AEC539F82A6D}" dt="2025-07-08T13:17:35.228" v="837"/>
+          <ac:spMkLst>
+            <pc:docMk/>
+            <pc:sldMk cId="2517527664" sldId="257"/>
+            <ac:spMk id="68" creationId="{422BBFF7-FC41-25C9-A922-6CF0BBDDC962}"/>
           </ac:spMkLst>
         </pc:spChg>
         <pc:spChg chg="del">
@@ -436,7 +476,39 @@
           <ac:spMkLst>
             <pc:docMk/>
             <pc:sldMk cId="2517527664" sldId="257"/>
-            <ac:spMk id="73" creationId="{2E433A89-43C0-4984-BEB0-19AE99E929FD}"/>
+            <ac:spMk id="69" creationId="{11AD914C-7720-549A-E250-58DED5410A4E}"/>
+          </ac:spMkLst>
+        </pc:spChg>
+        <pc:spChg chg="add mod">
+          <ac:chgData name="Fatima Pillosu" userId="a6295d4dc9e22643" providerId="LiveId" clId="{39E4DD93-62FF-426E-ACE3-AEC539F82A6D}" dt="2025-07-08T13:17:35.228" v="837"/>
+          <ac:spMkLst>
+            <pc:docMk/>
+            <pc:sldMk cId="2517527664" sldId="257"/>
+            <ac:spMk id="69" creationId="{E788FAF3-F6BC-014D-7FF9-B56E70B7B4A9}"/>
+          </ac:spMkLst>
+        </pc:spChg>
+        <pc:spChg chg="add mod">
+          <ac:chgData name="Fatima Pillosu" userId="a6295d4dc9e22643" providerId="LiveId" clId="{39E4DD93-62FF-426E-ACE3-AEC539F82A6D}" dt="2025-07-08T13:17:35.228" v="837"/>
+          <ac:spMkLst>
+            <pc:docMk/>
+            <pc:sldMk cId="2517527664" sldId="257"/>
+            <ac:spMk id="70" creationId="{FEE27923-8CA7-DEF6-792D-F82BB9DE4DA4}"/>
+          </ac:spMkLst>
+        </pc:spChg>
+        <pc:spChg chg="add mod">
+          <ac:chgData name="Fatima Pillosu" userId="a6295d4dc9e22643" providerId="LiveId" clId="{39E4DD93-62FF-426E-ACE3-AEC539F82A6D}" dt="2025-07-08T13:17:35.228" v="837"/>
+          <ac:spMkLst>
+            <pc:docMk/>
+            <pc:sldMk cId="2517527664" sldId="257"/>
+            <ac:spMk id="71" creationId="{EBCA519A-9B72-6F53-69C8-C2E08A6A15BB}"/>
+          </ac:spMkLst>
+        </pc:spChg>
+        <pc:spChg chg="add mod">
+          <ac:chgData name="Fatima Pillosu" userId="a6295d4dc9e22643" providerId="LiveId" clId="{39E4DD93-62FF-426E-ACE3-AEC539F82A6D}" dt="2025-07-08T13:17:35.228" v="837"/>
+          <ac:spMkLst>
+            <pc:docMk/>
+            <pc:sldMk cId="2517527664" sldId="257"/>
+            <ac:spMk id="72" creationId="{E58BBBFF-228F-F117-5DAD-42E65361E70E}"/>
           </ac:spMkLst>
         </pc:spChg>
         <pc:spChg chg="del">
@@ -444,7 +516,39 @@
           <ac:spMkLst>
             <pc:docMk/>
             <pc:sldMk cId="2517527664" sldId="257"/>
+            <ac:spMk id="73" creationId="{2E433A89-43C0-4984-BEB0-19AE99E929FD}"/>
+          </ac:spMkLst>
+        </pc:spChg>
+        <pc:spChg chg="add mod">
+          <ac:chgData name="Fatima Pillosu" userId="a6295d4dc9e22643" providerId="LiveId" clId="{39E4DD93-62FF-426E-ACE3-AEC539F82A6D}" dt="2025-07-08T13:17:35.228" v="837"/>
+          <ac:spMkLst>
+            <pc:docMk/>
+            <pc:sldMk cId="2517527664" sldId="257"/>
+            <ac:spMk id="73" creationId="{D2CD1009-8F78-4953-8CA0-D9DBC7CC21F6}"/>
+          </ac:spMkLst>
+        </pc:spChg>
+        <pc:spChg chg="add mod">
+          <ac:chgData name="Fatima Pillosu" userId="a6295d4dc9e22643" providerId="LiveId" clId="{39E4DD93-62FF-426E-ACE3-AEC539F82A6D}" dt="2025-07-08T13:17:35.228" v="837"/>
+          <ac:spMkLst>
+            <pc:docMk/>
+            <pc:sldMk cId="2517527664" sldId="257"/>
+            <ac:spMk id="74" creationId="{1EE2CAB7-CD67-EB81-112B-303FC4699A6C}"/>
+          </ac:spMkLst>
+        </pc:spChg>
+        <pc:spChg chg="del">
+          <ac:chgData name="Fatima Pillosu" userId="a6295d4dc9e22643" providerId="LiveId" clId="{39E4DD93-62FF-426E-ACE3-AEC539F82A6D}" dt="2025-07-04T21:20:18.375" v="22" actId="478"/>
+          <ac:spMkLst>
+            <pc:docMk/>
+            <pc:sldMk cId="2517527664" sldId="257"/>
             <ac:spMk id="74" creationId="{FC2A37EE-4179-8773-EECA-9FF4E0D55861}"/>
+          </ac:spMkLst>
+        </pc:spChg>
+        <pc:spChg chg="add mod">
+          <ac:chgData name="Fatima Pillosu" userId="a6295d4dc9e22643" providerId="LiveId" clId="{39E4DD93-62FF-426E-ACE3-AEC539F82A6D}" dt="2025-07-08T13:17:35.228" v="837"/>
+          <ac:spMkLst>
+            <pc:docMk/>
+            <pc:sldMk cId="2517527664" sldId="257"/>
+            <ac:spMk id="75" creationId="{682F650E-C0E6-DC56-06B5-B5FEF66D9DAC}"/>
           </ac:spMkLst>
         </pc:spChg>
         <pc:spChg chg="del">
@@ -463,12 +567,12 @@
             <ac:spMk id="76" creationId="{09CDFA7A-64F4-A4E2-D311-D90F70FB0CB6}"/>
           </ac:spMkLst>
         </pc:spChg>
-        <pc:spChg chg="del">
-          <ac:chgData name="Fatima Pillosu" userId="a6295d4dc9e22643" providerId="LiveId" clId="{39E4DD93-62FF-426E-ACE3-AEC539F82A6D}" dt="2025-07-04T21:20:18.375" v="22" actId="478"/>
+        <pc:spChg chg="add mod">
+          <ac:chgData name="Fatima Pillosu" userId="a6295d4dc9e22643" providerId="LiveId" clId="{39E4DD93-62FF-426E-ACE3-AEC539F82A6D}" dt="2025-07-08T13:17:35.228" v="837"/>
           <ac:spMkLst>
             <pc:docMk/>
             <pc:sldMk cId="2517527664" sldId="257"/>
-            <ac:spMk id="77" creationId="{33022537-2611-4783-9485-63C6A5D2EF29}"/>
+            <ac:spMk id="76" creationId="{D05539DD-6AFA-E4C9-7881-E46462113377}"/>
           </ac:spMkLst>
         </pc:spChg>
         <pc:spChg chg="del">
@@ -476,7 +580,15 @@
           <ac:spMkLst>
             <pc:docMk/>
             <pc:sldMk cId="2517527664" sldId="257"/>
-            <ac:spMk id="78" creationId="{6FE80ACD-2628-5292-906C-ED2CE16BD2F1}"/>
+            <ac:spMk id="77" creationId="{33022537-2611-4783-9485-63C6A5D2EF29}"/>
+          </ac:spMkLst>
+        </pc:spChg>
+        <pc:spChg chg="add mod">
+          <ac:chgData name="Fatima Pillosu" userId="a6295d4dc9e22643" providerId="LiveId" clId="{39E4DD93-62FF-426E-ACE3-AEC539F82A6D}" dt="2025-07-08T13:17:35.228" v="837"/>
+          <ac:spMkLst>
+            <pc:docMk/>
+            <pc:sldMk cId="2517527664" sldId="257"/>
+            <ac:spMk id="77" creationId="{5697321A-0C44-34B4-C8C8-F17BAE6CD5EB}"/>
           </ac:spMkLst>
         </pc:spChg>
         <pc:spChg chg="del">
@@ -484,7 +596,15 @@
           <ac:spMkLst>
             <pc:docMk/>
             <pc:sldMk cId="2517527664" sldId="257"/>
-            <ac:spMk id="79" creationId="{7858CCFC-9FFB-3539-527A-8FA788D7717B}"/>
+            <ac:spMk id="78" creationId="{6FE80ACD-2628-5292-906C-ED2CE16BD2F1}"/>
+          </ac:spMkLst>
+        </pc:spChg>
+        <pc:spChg chg="add mod">
+          <ac:chgData name="Fatima Pillosu" userId="a6295d4dc9e22643" providerId="LiveId" clId="{39E4DD93-62FF-426E-ACE3-AEC539F82A6D}" dt="2025-07-08T13:17:35.228" v="837"/>
+          <ac:spMkLst>
+            <pc:docMk/>
+            <pc:sldMk cId="2517527664" sldId="257"/>
+            <ac:spMk id="78" creationId="{7709B7CE-0135-DDFE-5C95-6F8781181154}"/>
           </ac:spMkLst>
         </pc:spChg>
         <pc:spChg chg="del">
@@ -492,7 +612,39 @@
           <ac:spMkLst>
             <pc:docMk/>
             <pc:sldMk cId="2517527664" sldId="257"/>
+            <ac:spMk id="79" creationId="{7858CCFC-9FFB-3539-527A-8FA788D7717B}"/>
+          </ac:spMkLst>
+        </pc:spChg>
+        <pc:spChg chg="add mod">
+          <ac:chgData name="Fatima Pillosu" userId="a6295d4dc9e22643" providerId="LiveId" clId="{39E4DD93-62FF-426E-ACE3-AEC539F82A6D}" dt="2025-07-08T13:17:35.228" v="837"/>
+          <ac:spMkLst>
+            <pc:docMk/>
+            <pc:sldMk cId="2517527664" sldId="257"/>
+            <ac:spMk id="79" creationId="{D8D22CC2-78C0-B7D0-9CC0-07F2EA266B8D}"/>
+          </ac:spMkLst>
+        </pc:spChg>
+        <pc:spChg chg="del">
+          <ac:chgData name="Fatima Pillosu" userId="a6295d4dc9e22643" providerId="LiveId" clId="{39E4DD93-62FF-426E-ACE3-AEC539F82A6D}" dt="2025-07-04T21:20:18.375" v="22" actId="478"/>
+          <ac:spMkLst>
+            <pc:docMk/>
+            <pc:sldMk cId="2517527664" sldId="257"/>
             <ac:spMk id="80" creationId="{130DB7DF-0167-BC69-775A-12EBB397F252}"/>
+          </ac:spMkLst>
+        </pc:spChg>
+        <pc:spChg chg="add mod">
+          <ac:chgData name="Fatima Pillosu" userId="a6295d4dc9e22643" providerId="LiveId" clId="{39E4DD93-62FF-426E-ACE3-AEC539F82A6D}" dt="2025-07-08T13:17:35.228" v="837"/>
+          <ac:spMkLst>
+            <pc:docMk/>
+            <pc:sldMk cId="2517527664" sldId="257"/>
+            <ac:spMk id="80" creationId="{AEFC9243-6D1C-C4CB-F28E-4B0F078E0E0B}"/>
+          </ac:spMkLst>
+        </pc:spChg>
+        <pc:spChg chg="add mod">
+          <ac:chgData name="Fatima Pillosu" userId="a6295d4dc9e22643" providerId="LiveId" clId="{39E4DD93-62FF-426E-ACE3-AEC539F82A6D}" dt="2025-07-08T13:17:35.228" v="837"/>
+          <ac:spMkLst>
+            <pc:docMk/>
+            <pc:sldMk cId="2517527664" sldId="257"/>
+            <ac:spMk id="81" creationId="{1C141F47-71EA-F1FC-1328-8A7186E937CC}"/>
           </ac:spMkLst>
         </pc:spChg>
         <pc:spChg chg="del">
@@ -511,12 +663,36 @@
             <ac:spMk id="82" creationId="{D6530FCD-A9BC-68BB-85FD-11A016C952EE}"/>
           </ac:spMkLst>
         </pc:spChg>
+        <pc:spChg chg="add mod">
+          <ac:chgData name="Fatima Pillosu" userId="a6295d4dc9e22643" providerId="LiveId" clId="{39E4DD93-62FF-426E-ACE3-AEC539F82A6D}" dt="2025-07-08T13:17:35.228" v="837"/>
+          <ac:spMkLst>
+            <pc:docMk/>
+            <pc:sldMk cId="2517527664" sldId="257"/>
+            <ac:spMk id="82" creationId="{E10A0598-C8CC-7B6A-B151-9DFBCC793BFB}"/>
+          </ac:spMkLst>
+        </pc:spChg>
+        <pc:spChg chg="add mod">
+          <ac:chgData name="Fatima Pillosu" userId="a6295d4dc9e22643" providerId="LiveId" clId="{39E4DD93-62FF-426E-ACE3-AEC539F82A6D}" dt="2025-07-08T13:17:35.228" v="837"/>
+          <ac:spMkLst>
+            <pc:docMk/>
+            <pc:sldMk cId="2517527664" sldId="257"/>
+            <ac:spMk id="83" creationId="{3405D2E1-D581-0E25-022B-909DEAC74FFD}"/>
+          </ac:spMkLst>
+        </pc:spChg>
         <pc:spChg chg="del">
           <ac:chgData name="Fatima Pillosu" userId="a6295d4dc9e22643" providerId="LiveId" clId="{39E4DD93-62FF-426E-ACE3-AEC539F82A6D}" dt="2025-07-04T21:20:18.375" v="22" actId="478"/>
           <ac:spMkLst>
             <pc:docMk/>
             <pc:sldMk cId="2517527664" sldId="257"/>
             <ac:spMk id="83" creationId="{9D4ACCB5-28A8-AC8D-7449-2416970B3F18}"/>
+          </ac:spMkLst>
+        </pc:spChg>
+        <pc:spChg chg="add mod">
+          <ac:chgData name="Fatima Pillosu" userId="a6295d4dc9e22643" providerId="LiveId" clId="{39E4DD93-62FF-426E-ACE3-AEC539F82A6D}" dt="2025-07-08T13:17:35.228" v="837"/>
+          <ac:spMkLst>
+            <pc:docMk/>
+            <pc:sldMk cId="2517527664" sldId="257"/>
+            <ac:spMk id="84" creationId="{6DCC7B45-6E78-9BB5-CB94-F2FE408FC1B4}"/>
           </ac:spMkLst>
         </pc:spChg>
         <pc:spChg chg="del">
@@ -535,6 +711,22 @@
             <ac:spMk id="85" creationId="{84D5B9D5-66ED-3EFB-3406-179079CB72D9}"/>
           </ac:spMkLst>
         </pc:spChg>
+        <pc:spChg chg="add mod">
+          <ac:chgData name="Fatima Pillosu" userId="a6295d4dc9e22643" providerId="LiveId" clId="{39E4DD93-62FF-426E-ACE3-AEC539F82A6D}" dt="2025-07-08T13:17:35.228" v="837"/>
+          <ac:spMkLst>
+            <pc:docMk/>
+            <pc:sldMk cId="2517527664" sldId="257"/>
+            <ac:spMk id="85" creationId="{E31E8750-F1F5-09FE-9B62-E2DAACA89CC4}"/>
+          </ac:spMkLst>
+        </pc:spChg>
+        <pc:spChg chg="add mod">
+          <ac:chgData name="Fatima Pillosu" userId="a6295d4dc9e22643" providerId="LiveId" clId="{39E4DD93-62FF-426E-ACE3-AEC539F82A6D}" dt="2025-07-08T13:17:35.228" v="837"/>
+          <ac:spMkLst>
+            <pc:docMk/>
+            <pc:sldMk cId="2517527664" sldId="257"/>
+            <ac:spMk id="86" creationId="{418DEADB-322B-F248-431D-0EA2AB6C7A30}"/>
+          </ac:spMkLst>
+        </pc:spChg>
         <pc:spChg chg="del">
           <ac:chgData name="Fatima Pillosu" userId="a6295d4dc9e22643" providerId="LiveId" clId="{39E4DD93-62FF-426E-ACE3-AEC539F82A6D}" dt="2025-07-04T21:20:18.375" v="22" actId="478"/>
           <ac:spMkLst>
@@ -551,12 +743,20 @@
             <ac:spMk id="87" creationId="{7A798DBF-0357-D76F-93DF-5A61C76144C5}"/>
           </ac:spMkLst>
         </pc:spChg>
-        <pc:spChg chg="del">
-          <ac:chgData name="Fatima Pillosu" userId="a6295d4dc9e22643" providerId="LiveId" clId="{39E4DD93-62FF-426E-ACE3-AEC539F82A6D}" dt="2025-07-04T21:20:18.375" v="22" actId="478"/>
+        <pc:spChg chg="add mod">
+          <ac:chgData name="Fatima Pillosu" userId="a6295d4dc9e22643" providerId="LiveId" clId="{39E4DD93-62FF-426E-ACE3-AEC539F82A6D}" dt="2025-07-08T13:17:35.228" v="837"/>
           <ac:spMkLst>
             <pc:docMk/>
             <pc:sldMk cId="2517527664" sldId="257"/>
-            <ac:spMk id="88" creationId="{C483CEEA-18C9-93AD-F3FC-41805E2806BB}"/>
+            <ac:spMk id="87" creationId="{DE5AF050-3863-061B-3BA3-496503CF0368}"/>
+          </ac:spMkLst>
+        </pc:spChg>
+        <pc:spChg chg="add mod">
+          <ac:chgData name="Fatima Pillosu" userId="a6295d4dc9e22643" providerId="LiveId" clId="{39E4DD93-62FF-426E-ACE3-AEC539F82A6D}" dt="2025-07-08T13:17:35.228" v="837"/>
+          <ac:spMkLst>
+            <pc:docMk/>
+            <pc:sldMk cId="2517527664" sldId="257"/>
+            <ac:spMk id="88" creationId="{826F7D6A-0485-363C-FA9B-44D7B9450F7D}"/>
           </ac:spMkLst>
         </pc:spChg>
         <pc:spChg chg="del">
@@ -564,7 +764,31 @@
           <ac:spMkLst>
             <pc:docMk/>
             <pc:sldMk cId="2517527664" sldId="257"/>
+            <ac:spMk id="88" creationId="{C483CEEA-18C9-93AD-F3FC-41805E2806BB}"/>
+          </ac:spMkLst>
+        </pc:spChg>
+        <pc:spChg chg="add mod">
+          <ac:chgData name="Fatima Pillosu" userId="a6295d4dc9e22643" providerId="LiveId" clId="{39E4DD93-62FF-426E-ACE3-AEC539F82A6D}" dt="2025-07-08T13:17:35.228" v="837"/>
+          <ac:spMkLst>
+            <pc:docMk/>
+            <pc:sldMk cId="2517527664" sldId="257"/>
+            <ac:spMk id="89" creationId="{2518B4BE-F9D3-6EF4-E875-03B16FA1A63D}"/>
+          </ac:spMkLst>
+        </pc:spChg>
+        <pc:spChg chg="del">
+          <ac:chgData name="Fatima Pillosu" userId="a6295d4dc9e22643" providerId="LiveId" clId="{39E4DD93-62FF-426E-ACE3-AEC539F82A6D}" dt="2025-07-04T21:20:18.375" v="22" actId="478"/>
+          <ac:spMkLst>
+            <pc:docMk/>
+            <pc:sldMk cId="2517527664" sldId="257"/>
             <ac:spMk id="89" creationId="{51A48BC4-6E7B-23A5-D744-47F954C1A206}"/>
+          </ac:spMkLst>
+        </pc:spChg>
+        <pc:spChg chg="add mod">
+          <ac:chgData name="Fatima Pillosu" userId="a6295d4dc9e22643" providerId="LiveId" clId="{39E4DD93-62FF-426E-ACE3-AEC539F82A6D}" dt="2025-07-08T13:17:35.228" v="837"/>
+          <ac:spMkLst>
+            <pc:docMk/>
+            <pc:sldMk cId="2517527664" sldId="257"/>
+            <ac:spMk id="90" creationId="{108668C1-2E6C-D9A9-6A08-44C95D1B1C6F}"/>
           </ac:spMkLst>
         </pc:spChg>
         <pc:spChg chg="del">
@@ -583,6 +807,22 @@
             <ac:spMk id="91" creationId="{E49FAE4A-1F0E-4E9F-4F9C-1CA58CB152BA}"/>
           </ac:spMkLst>
         </pc:spChg>
+        <pc:spChg chg="add mod">
+          <ac:chgData name="Fatima Pillosu" userId="a6295d4dc9e22643" providerId="LiveId" clId="{39E4DD93-62FF-426E-ACE3-AEC539F82A6D}" dt="2025-07-08T13:17:35.228" v="837"/>
+          <ac:spMkLst>
+            <pc:docMk/>
+            <pc:sldMk cId="2517527664" sldId="257"/>
+            <ac:spMk id="91" creationId="{FE77F52B-9BD9-76BF-05D5-C2EB27800F40}"/>
+          </ac:spMkLst>
+        </pc:spChg>
+        <pc:spChg chg="add mod">
+          <ac:chgData name="Fatima Pillosu" userId="a6295d4dc9e22643" providerId="LiveId" clId="{39E4DD93-62FF-426E-ACE3-AEC539F82A6D}" dt="2025-07-08T13:17:35.228" v="837"/>
+          <ac:spMkLst>
+            <pc:docMk/>
+            <pc:sldMk cId="2517527664" sldId="257"/>
+            <ac:spMk id="92" creationId="{262D0F52-A70F-D6BD-F4D3-8E7CC38A9067}"/>
+          </ac:spMkLst>
+        </pc:spChg>
         <pc:spChg chg="del">
           <ac:chgData name="Fatima Pillosu" userId="a6295d4dc9e22643" providerId="LiveId" clId="{39E4DD93-62FF-426E-ACE3-AEC539F82A6D}" dt="2025-07-04T21:20:18.375" v="22" actId="478"/>
           <ac:spMkLst>
@@ -599,6 +839,150 @@
             <ac:spMk id="93" creationId="{D30E9B19-F020-D6B3-44C6-20B22393D24E}"/>
           </ac:spMkLst>
         </pc:spChg>
+        <pc:spChg chg="add mod">
+          <ac:chgData name="Fatima Pillosu" userId="a6295d4dc9e22643" providerId="LiveId" clId="{39E4DD93-62FF-426E-ACE3-AEC539F82A6D}" dt="2025-07-08T13:17:35.228" v="837"/>
+          <ac:spMkLst>
+            <pc:docMk/>
+            <pc:sldMk cId="2517527664" sldId="257"/>
+            <ac:spMk id="93" creationId="{F001538A-5E9D-174E-8BAD-768AA6B2412E}"/>
+          </ac:spMkLst>
+        </pc:spChg>
+        <pc:spChg chg="add mod">
+          <ac:chgData name="Fatima Pillosu" userId="a6295d4dc9e22643" providerId="LiveId" clId="{39E4DD93-62FF-426E-ACE3-AEC539F82A6D}" dt="2025-07-08T13:17:35.228" v="837"/>
+          <ac:spMkLst>
+            <pc:docMk/>
+            <pc:sldMk cId="2517527664" sldId="257"/>
+            <ac:spMk id="94" creationId="{AE26F274-39A8-0703-90B9-8019514D3847}"/>
+          </ac:spMkLst>
+        </pc:spChg>
+        <pc:spChg chg="add mod">
+          <ac:chgData name="Fatima Pillosu" userId="a6295d4dc9e22643" providerId="LiveId" clId="{39E4DD93-62FF-426E-ACE3-AEC539F82A6D}" dt="2025-07-08T13:17:35.228" v="837"/>
+          <ac:spMkLst>
+            <pc:docMk/>
+            <pc:sldMk cId="2517527664" sldId="257"/>
+            <ac:spMk id="95" creationId="{381F126D-6ADA-5AAE-DE92-554EBF26694A}"/>
+          </ac:spMkLst>
+        </pc:spChg>
+        <pc:spChg chg="add mod">
+          <ac:chgData name="Fatima Pillosu" userId="a6295d4dc9e22643" providerId="LiveId" clId="{39E4DD93-62FF-426E-ACE3-AEC539F82A6D}" dt="2025-07-08T13:17:35.228" v="837"/>
+          <ac:spMkLst>
+            <pc:docMk/>
+            <pc:sldMk cId="2517527664" sldId="257"/>
+            <ac:spMk id="96" creationId="{7244FD1E-0D90-B81C-54CF-8022140E1FE2}"/>
+          </ac:spMkLst>
+        </pc:spChg>
+        <pc:spChg chg="add mod">
+          <ac:chgData name="Fatima Pillosu" userId="a6295d4dc9e22643" providerId="LiveId" clId="{39E4DD93-62FF-426E-ACE3-AEC539F82A6D}" dt="2025-07-08T13:17:35.228" v="837"/>
+          <ac:spMkLst>
+            <pc:docMk/>
+            <pc:sldMk cId="2517527664" sldId="257"/>
+            <ac:spMk id="97" creationId="{3B91AD00-9822-CC76-A17F-33B6AAFCB7BA}"/>
+          </ac:spMkLst>
+        </pc:spChg>
+        <pc:spChg chg="add mod">
+          <ac:chgData name="Fatima Pillosu" userId="a6295d4dc9e22643" providerId="LiveId" clId="{39E4DD93-62FF-426E-ACE3-AEC539F82A6D}" dt="2025-07-08T13:17:35.228" v="837"/>
+          <ac:spMkLst>
+            <pc:docMk/>
+            <pc:sldMk cId="2517527664" sldId="257"/>
+            <ac:spMk id="98" creationId="{86CDC3FB-D3A8-18FB-3F05-19E1309E0471}"/>
+          </ac:spMkLst>
+        </pc:spChg>
+        <pc:spChg chg="add mod">
+          <ac:chgData name="Fatima Pillosu" userId="a6295d4dc9e22643" providerId="LiveId" clId="{39E4DD93-62FF-426E-ACE3-AEC539F82A6D}" dt="2025-07-08T13:17:35.228" v="837"/>
+          <ac:spMkLst>
+            <pc:docMk/>
+            <pc:sldMk cId="2517527664" sldId="257"/>
+            <ac:spMk id="99" creationId="{AC50417A-F333-D7B3-9249-4C66429FD4DC}"/>
+          </ac:spMkLst>
+        </pc:spChg>
+        <pc:spChg chg="add mod">
+          <ac:chgData name="Fatima Pillosu" userId="a6295d4dc9e22643" providerId="LiveId" clId="{39E4DD93-62FF-426E-ACE3-AEC539F82A6D}" dt="2025-07-08T13:17:35.228" v="837"/>
+          <ac:spMkLst>
+            <pc:docMk/>
+            <pc:sldMk cId="2517527664" sldId="257"/>
+            <ac:spMk id="100" creationId="{20B3428E-D2B0-60FB-6426-9E41889E3E85}"/>
+          </ac:spMkLst>
+        </pc:spChg>
+        <pc:spChg chg="add mod">
+          <ac:chgData name="Fatima Pillosu" userId="a6295d4dc9e22643" providerId="LiveId" clId="{39E4DD93-62FF-426E-ACE3-AEC539F82A6D}" dt="2025-07-08T13:17:35.228" v="837"/>
+          <ac:spMkLst>
+            <pc:docMk/>
+            <pc:sldMk cId="2517527664" sldId="257"/>
+            <ac:spMk id="101" creationId="{59E875D0-3DBB-FED2-E84A-3D27DECD68EA}"/>
+          </ac:spMkLst>
+        </pc:spChg>
+        <pc:spChg chg="add mod">
+          <ac:chgData name="Fatima Pillosu" userId="a6295d4dc9e22643" providerId="LiveId" clId="{39E4DD93-62FF-426E-ACE3-AEC539F82A6D}" dt="2025-07-08T13:17:35.228" v="837"/>
+          <ac:spMkLst>
+            <pc:docMk/>
+            <pc:sldMk cId="2517527664" sldId="257"/>
+            <ac:spMk id="102" creationId="{2C811F63-C1D5-D26D-349A-7A428D13BB54}"/>
+          </ac:spMkLst>
+        </pc:spChg>
+        <pc:spChg chg="add mod">
+          <ac:chgData name="Fatima Pillosu" userId="a6295d4dc9e22643" providerId="LiveId" clId="{39E4DD93-62FF-426E-ACE3-AEC539F82A6D}" dt="2025-07-08T13:17:35.228" v="837"/>
+          <ac:spMkLst>
+            <pc:docMk/>
+            <pc:sldMk cId="2517527664" sldId="257"/>
+            <ac:spMk id="103" creationId="{AC25351C-53F3-7899-5C96-F956F1BD4F27}"/>
+          </ac:spMkLst>
+        </pc:spChg>
+        <pc:spChg chg="add mod">
+          <ac:chgData name="Fatima Pillosu" userId="a6295d4dc9e22643" providerId="LiveId" clId="{39E4DD93-62FF-426E-ACE3-AEC539F82A6D}" dt="2025-07-08T13:17:35.228" v="837"/>
+          <ac:spMkLst>
+            <pc:docMk/>
+            <pc:sldMk cId="2517527664" sldId="257"/>
+            <ac:spMk id="104" creationId="{3E29F8FF-EB71-8683-C145-9A77D07C9933}"/>
+          </ac:spMkLst>
+        </pc:spChg>
+        <pc:spChg chg="add mod">
+          <ac:chgData name="Fatima Pillosu" userId="a6295d4dc9e22643" providerId="LiveId" clId="{39E4DD93-62FF-426E-ACE3-AEC539F82A6D}" dt="2025-07-08T13:17:35.228" v="837"/>
+          <ac:spMkLst>
+            <pc:docMk/>
+            <pc:sldMk cId="2517527664" sldId="257"/>
+            <ac:spMk id="105" creationId="{F7B9AAE9-6AB5-7D8B-D731-01CEB599A02C}"/>
+          </ac:spMkLst>
+        </pc:spChg>
+        <pc:spChg chg="add mod">
+          <ac:chgData name="Fatima Pillosu" userId="a6295d4dc9e22643" providerId="LiveId" clId="{39E4DD93-62FF-426E-ACE3-AEC539F82A6D}" dt="2025-07-08T13:17:35.228" v="837"/>
+          <ac:spMkLst>
+            <pc:docMk/>
+            <pc:sldMk cId="2517527664" sldId="257"/>
+            <ac:spMk id="106" creationId="{3549F6BC-07B2-EC62-388E-F6D35A2AA408}"/>
+          </ac:spMkLst>
+        </pc:spChg>
+        <pc:spChg chg="add mod">
+          <ac:chgData name="Fatima Pillosu" userId="a6295d4dc9e22643" providerId="LiveId" clId="{39E4DD93-62FF-426E-ACE3-AEC539F82A6D}" dt="2025-07-08T13:17:35.228" v="837"/>
+          <ac:spMkLst>
+            <pc:docMk/>
+            <pc:sldMk cId="2517527664" sldId="257"/>
+            <ac:spMk id="107" creationId="{6EFAB028-879A-F0D8-2C01-5D655AED23FF}"/>
+          </ac:spMkLst>
+        </pc:spChg>
+        <pc:spChg chg="add mod">
+          <ac:chgData name="Fatima Pillosu" userId="a6295d4dc9e22643" providerId="LiveId" clId="{39E4DD93-62FF-426E-ACE3-AEC539F82A6D}" dt="2025-07-08T13:17:35.228" v="837"/>
+          <ac:spMkLst>
+            <pc:docMk/>
+            <pc:sldMk cId="2517527664" sldId="257"/>
+            <ac:spMk id="108" creationId="{4D397A5F-C637-B908-AC19-3205AABDA51C}"/>
+          </ac:spMkLst>
+        </pc:spChg>
+        <pc:spChg chg="add mod">
+          <ac:chgData name="Fatima Pillosu" userId="a6295d4dc9e22643" providerId="LiveId" clId="{39E4DD93-62FF-426E-ACE3-AEC539F82A6D}" dt="2025-07-08T13:17:35.228" v="837"/>
+          <ac:spMkLst>
+            <pc:docMk/>
+            <pc:sldMk cId="2517527664" sldId="257"/>
+            <ac:spMk id="109" creationId="{859E6FBF-2066-74A2-B867-B7D12203A649}"/>
+          </ac:spMkLst>
+        </pc:spChg>
+        <pc:spChg chg="add mod">
+          <ac:chgData name="Fatima Pillosu" userId="a6295d4dc9e22643" providerId="LiveId" clId="{39E4DD93-62FF-426E-ACE3-AEC539F82A6D}" dt="2025-07-08T13:17:35.228" v="837"/>
+          <ac:spMkLst>
+            <pc:docMk/>
+            <pc:sldMk cId="2517527664" sldId="257"/>
+            <ac:spMk id="110" creationId="{2B95A850-B3B6-4380-0AC9-FC6A1D5B6977}"/>
+          </ac:spMkLst>
+        </pc:spChg>
         <pc:spChg chg="add del">
           <ac:chgData name="Fatima Pillosu" userId="a6295d4dc9e22643" providerId="LiveId" clId="{39E4DD93-62FF-426E-ACE3-AEC539F82A6D}" dt="2025-07-04T21:54:14.196" v="790" actId="478"/>
           <ac:spMkLst>
@@ -815,6 +1199,198 @@
             <ac:spMk id="208" creationId="{E4473764-DC01-39F2-E0E1-7D860A3DB86E}"/>
           </ac:spMkLst>
         </pc:spChg>
+        <pc:grpChg chg="add mod">
+          <ac:chgData name="Fatima Pillosu" userId="a6295d4dc9e22643" providerId="LiveId" clId="{39E4DD93-62FF-426E-ACE3-AEC539F82A6D}" dt="2025-07-08T13:17:50.583" v="890" actId="1037"/>
+          <ac:grpSpMkLst>
+            <pc:docMk/>
+            <pc:sldMk cId="2517527664" sldId="257"/>
+            <ac:grpSpMk id="2" creationId="{ABBC841B-8291-D207-C3ED-367122D3E4C5}"/>
+          </ac:grpSpMkLst>
+        </pc:grpChg>
+        <pc:grpChg chg="add mod">
+          <ac:chgData name="Fatima Pillosu" userId="a6295d4dc9e22643" providerId="LiveId" clId="{39E4DD93-62FF-426E-ACE3-AEC539F82A6D}" dt="2025-07-08T13:17:58.923" v="894" actId="1036"/>
+          <ac:grpSpMkLst>
+            <pc:docMk/>
+            <pc:sldMk cId="2517527664" sldId="257"/>
+            <ac:grpSpMk id="40" creationId="{7A714024-DA32-2A1B-D990-D84E4C1EA9CE}"/>
+          </ac:grpSpMkLst>
+        </pc:grpChg>
+        <pc:grpChg chg="add mod">
+          <ac:chgData name="Fatima Pillosu" userId="a6295d4dc9e22643" providerId="LiveId" clId="{39E4DD93-62FF-426E-ACE3-AEC539F82A6D}" dt="2025-07-08T13:18:02.284" v="896" actId="1036"/>
+          <ac:grpSpMkLst>
+            <pc:docMk/>
+            <pc:sldMk cId="2517527664" sldId="257"/>
+            <ac:grpSpMk id="41" creationId="{8397FA33-2D91-E812-3EE5-559325E9E586}"/>
+          </ac:grpSpMkLst>
+        </pc:grpChg>
+        <pc:grpChg chg="add mod">
+          <ac:chgData name="Fatima Pillosu" userId="a6295d4dc9e22643" providerId="LiveId" clId="{39E4DD93-62FF-426E-ACE3-AEC539F82A6D}" dt="2025-07-08T13:18:04.495" v="900" actId="1036"/>
+          <ac:grpSpMkLst>
+            <pc:docMk/>
+            <pc:sldMk cId="2517527664" sldId="257"/>
+            <ac:grpSpMk id="42" creationId="{40D15C36-973C-CBE3-49D8-786B7B69FAB4}"/>
+          </ac:grpSpMkLst>
+        </pc:grpChg>
+        <pc:grpChg chg="add mod">
+          <ac:chgData name="Fatima Pillosu" userId="a6295d4dc9e22643" providerId="LiveId" clId="{39E4DD93-62FF-426E-ACE3-AEC539F82A6D}" dt="2025-07-08T13:18:06.675" v="904" actId="1036"/>
+          <ac:grpSpMkLst>
+            <pc:docMk/>
+            <pc:sldMk cId="2517527664" sldId="257"/>
+            <ac:grpSpMk id="43" creationId="{C83592FD-8F45-7E30-EF10-34B424CE3CDD}"/>
+          </ac:grpSpMkLst>
+        </pc:grpChg>
+        <pc:grpChg chg="add mod">
+          <ac:chgData name="Fatima Pillosu" userId="a6295d4dc9e22643" providerId="LiveId" clId="{39E4DD93-62FF-426E-ACE3-AEC539F82A6D}" dt="2025-07-08T13:18:09.716" v="910" actId="1035"/>
+          <ac:grpSpMkLst>
+            <pc:docMk/>
+            <pc:sldMk cId="2517527664" sldId="257"/>
+            <ac:grpSpMk id="44" creationId="{5164188A-DBF3-9616-194C-1CE7DD34A6AC}"/>
+          </ac:grpSpMkLst>
+        </pc:grpChg>
+        <pc:grpChg chg="add mod">
+          <ac:chgData name="Fatima Pillosu" userId="a6295d4dc9e22643" providerId="LiveId" clId="{39E4DD93-62FF-426E-ACE3-AEC539F82A6D}" dt="2025-07-08T13:18:25.639" v="922" actId="1037"/>
+          <ac:grpSpMkLst>
+            <pc:docMk/>
+            <pc:sldMk cId="2517527664" sldId="257"/>
+            <ac:grpSpMk id="45" creationId="{78A29F31-84FE-48AC-EC17-778DF8473EC9}"/>
+          </ac:grpSpMkLst>
+        </pc:grpChg>
+        <pc:grpChg chg="add mod">
+          <ac:chgData name="Fatima Pillosu" userId="a6295d4dc9e22643" providerId="LiveId" clId="{39E4DD93-62FF-426E-ACE3-AEC539F82A6D}" dt="2025-07-08T13:18:25.639" v="922" actId="1037"/>
+          <ac:grpSpMkLst>
+            <pc:docMk/>
+            <pc:sldMk cId="2517527664" sldId="257"/>
+            <ac:grpSpMk id="46" creationId="{22A6480C-CDE2-D415-4F27-64439F55FEB3}"/>
+          </ac:grpSpMkLst>
+        </pc:grpChg>
+        <pc:grpChg chg="add mod">
+          <ac:chgData name="Fatima Pillosu" userId="a6295d4dc9e22643" providerId="LiveId" clId="{39E4DD93-62FF-426E-ACE3-AEC539F82A6D}" dt="2025-07-08T13:18:25.639" v="922" actId="1037"/>
+          <ac:grpSpMkLst>
+            <pc:docMk/>
+            <pc:sldMk cId="2517527664" sldId="257"/>
+            <ac:grpSpMk id="47" creationId="{F1B74AA0-5C25-984B-9675-ECFD3A41FE2E}"/>
+          </ac:grpSpMkLst>
+        </pc:grpChg>
+        <pc:grpChg chg="add mod">
+          <ac:chgData name="Fatima Pillosu" userId="a6295d4dc9e22643" providerId="LiveId" clId="{39E4DD93-62FF-426E-ACE3-AEC539F82A6D}" dt="2025-07-08T13:18:25.639" v="922" actId="1037"/>
+          <ac:grpSpMkLst>
+            <pc:docMk/>
+            <pc:sldMk cId="2517527664" sldId="257"/>
+            <ac:grpSpMk id="48" creationId="{BD35CFD9-36E1-7F20-7BBA-8F8A5F62744F}"/>
+          </ac:grpSpMkLst>
+        </pc:grpChg>
+        <pc:grpChg chg="add mod">
+          <ac:chgData name="Fatima Pillosu" userId="a6295d4dc9e22643" providerId="LiveId" clId="{39E4DD93-62FF-426E-ACE3-AEC539F82A6D}" dt="2025-07-08T13:18:25.639" v="922" actId="1037"/>
+          <ac:grpSpMkLst>
+            <pc:docMk/>
+            <pc:sldMk cId="2517527664" sldId="257"/>
+            <ac:grpSpMk id="49" creationId="{04DDEB43-1FE8-E395-3E59-F36AB61BCB91}"/>
+          </ac:grpSpMkLst>
+        </pc:grpChg>
+        <pc:grpChg chg="add mod">
+          <ac:chgData name="Fatima Pillosu" userId="a6295d4dc9e22643" providerId="LiveId" clId="{39E4DD93-62FF-426E-ACE3-AEC539F82A6D}" dt="2025-07-08T13:18:25.639" v="922" actId="1037"/>
+          <ac:grpSpMkLst>
+            <pc:docMk/>
+            <pc:sldMk cId="2517527664" sldId="257"/>
+            <ac:grpSpMk id="50" creationId="{F952F9DC-DDCD-6DC2-1C59-5E0DAFFA7D68}"/>
+          </ac:grpSpMkLst>
+        </pc:grpChg>
+        <pc:grpChg chg="add mod">
+          <ac:chgData name="Fatima Pillosu" userId="a6295d4dc9e22643" providerId="LiveId" clId="{39E4DD93-62FF-426E-ACE3-AEC539F82A6D}" dt="2025-07-08T13:18:21.356" v="920" actId="1036"/>
+          <ac:grpSpMkLst>
+            <pc:docMk/>
+            <pc:sldMk cId="2517527664" sldId="257"/>
+            <ac:grpSpMk id="51" creationId="{480769DA-F716-434E-71E2-25B6DB4E1CF1}"/>
+          </ac:grpSpMkLst>
+        </pc:grpChg>
+        <pc:grpChg chg="add mod">
+          <ac:chgData name="Fatima Pillosu" userId="a6295d4dc9e22643" providerId="LiveId" clId="{39E4DD93-62FF-426E-ACE3-AEC539F82A6D}" dt="2025-07-08T13:18:21.356" v="920" actId="1036"/>
+          <ac:grpSpMkLst>
+            <pc:docMk/>
+            <pc:sldMk cId="2517527664" sldId="257"/>
+            <ac:grpSpMk id="52" creationId="{88F37D14-C4E0-DF81-63A1-36D64305E3B0}"/>
+          </ac:grpSpMkLst>
+        </pc:grpChg>
+        <pc:grpChg chg="add mod">
+          <ac:chgData name="Fatima Pillosu" userId="a6295d4dc9e22643" providerId="LiveId" clId="{39E4DD93-62FF-426E-ACE3-AEC539F82A6D}" dt="2025-07-08T13:18:21.356" v="920" actId="1036"/>
+          <ac:grpSpMkLst>
+            <pc:docMk/>
+            <pc:sldMk cId="2517527664" sldId="257"/>
+            <ac:grpSpMk id="53" creationId="{10376424-2747-0D29-1889-EA6AFE0E1A28}"/>
+          </ac:grpSpMkLst>
+        </pc:grpChg>
+        <pc:grpChg chg="add mod">
+          <ac:chgData name="Fatima Pillosu" userId="a6295d4dc9e22643" providerId="LiveId" clId="{39E4DD93-62FF-426E-ACE3-AEC539F82A6D}" dt="2025-07-08T13:18:21.356" v="920" actId="1036"/>
+          <ac:grpSpMkLst>
+            <pc:docMk/>
+            <pc:sldMk cId="2517527664" sldId="257"/>
+            <ac:grpSpMk id="54" creationId="{17802ACB-B185-D384-D23B-4692E887925E}"/>
+          </ac:grpSpMkLst>
+        </pc:grpChg>
+        <pc:grpChg chg="add mod">
+          <ac:chgData name="Fatima Pillosu" userId="a6295d4dc9e22643" providerId="LiveId" clId="{39E4DD93-62FF-426E-ACE3-AEC539F82A6D}" dt="2025-07-08T13:18:21.356" v="920" actId="1036"/>
+          <ac:grpSpMkLst>
+            <pc:docMk/>
+            <pc:sldMk cId="2517527664" sldId="257"/>
+            <ac:grpSpMk id="55" creationId="{973F93A5-C1FF-CF39-8236-E06A4553CD4B}"/>
+          </ac:grpSpMkLst>
+        </pc:grpChg>
+        <pc:grpChg chg="add mod">
+          <ac:chgData name="Fatima Pillosu" userId="a6295d4dc9e22643" providerId="LiveId" clId="{39E4DD93-62FF-426E-ACE3-AEC539F82A6D}" dt="2025-07-08T13:18:21.356" v="920" actId="1036"/>
+          <ac:grpSpMkLst>
+            <pc:docMk/>
+            <pc:sldMk cId="2517527664" sldId="257"/>
+            <ac:grpSpMk id="56" creationId="{4D2AAAEE-4DF0-CAC9-D317-27F86D129FF8}"/>
+          </ac:grpSpMkLst>
+        </pc:grpChg>
+        <pc:grpChg chg="add mod">
+          <ac:chgData name="Fatima Pillosu" userId="a6295d4dc9e22643" providerId="LiveId" clId="{39E4DD93-62FF-426E-ACE3-AEC539F82A6D}" dt="2025-07-08T13:18:15.420" v="915" actId="1037"/>
+          <ac:grpSpMkLst>
+            <pc:docMk/>
+            <pc:sldMk cId="2517527664" sldId="257"/>
+            <ac:grpSpMk id="57" creationId="{93C68509-CD09-F9C6-AB81-0E0A198BD776}"/>
+          </ac:grpSpMkLst>
+        </pc:grpChg>
+        <pc:grpChg chg="add mod">
+          <ac:chgData name="Fatima Pillosu" userId="a6295d4dc9e22643" providerId="LiveId" clId="{39E4DD93-62FF-426E-ACE3-AEC539F82A6D}" dt="2025-07-08T13:18:15.420" v="915" actId="1037"/>
+          <ac:grpSpMkLst>
+            <pc:docMk/>
+            <pc:sldMk cId="2517527664" sldId="257"/>
+            <ac:grpSpMk id="58" creationId="{5531B576-52CC-628C-681B-4CDC5CEF2F00}"/>
+          </ac:grpSpMkLst>
+        </pc:grpChg>
+        <pc:grpChg chg="add mod">
+          <ac:chgData name="Fatima Pillosu" userId="a6295d4dc9e22643" providerId="LiveId" clId="{39E4DD93-62FF-426E-ACE3-AEC539F82A6D}" dt="2025-07-08T13:18:15.420" v="915" actId="1037"/>
+          <ac:grpSpMkLst>
+            <pc:docMk/>
+            <pc:sldMk cId="2517527664" sldId="257"/>
+            <ac:grpSpMk id="59" creationId="{B4C205E4-C670-E617-504F-5147EA778540}"/>
+          </ac:grpSpMkLst>
+        </pc:grpChg>
+        <pc:grpChg chg="add mod">
+          <ac:chgData name="Fatima Pillosu" userId="a6295d4dc9e22643" providerId="LiveId" clId="{39E4DD93-62FF-426E-ACE3-AEC539F82A6D}" dt="2025-07-08T13:18:15.420" v="915" actId="1037"/>
+          <ac:grpSpMkLst>
+            <pc:docMk/>
+            <pc:sldMk cId="2517527664" sldId="257"/>
+            <ac:grpSpMk id="60" creationId="{127890CE-5719-1BE8-0B8E-A371EF4A3665}"/>
+          </ac:grpSpMkLst>
+        </pc:grpChg>
+        <pc:grpChg chg="add mod">
+          <ac:chgData name="Fatima Pillosu" userId="a6295d4dc9e22643" providerId="LiveId" clId="{39E4DD93-62FF-426E-ACE3-AEC539F82A6D}" dt="2025-07-08T13:18:15.420" v="915" actId="1037"/>
+          <ac:grpSpMkLst>
+            <pc:docMk/>
+            <pc:sldMk cId="2517527664" sldId="257"/>
+            <ac:grpSpMk id="61" creationId="{EA972415-6B96-F9ED-DDF7-6EE84B43956E}"/>
+          </ac:grpSpMkLst>
+        </pc:grpChg>
+        <pc:grpChg chg="add mod">
+          <ac:chgData name="Fatima Pillosu" userId="a6295d4dc9e22643" providerId="LiveId" clId="{39E4DD93-62FF-426E-ACE3-AEC539F82A6D}" dt="2025-07-08T13:18:15.420" v="915" actId="1037"/>
+          <ac:grpSpMkLst>
+            <pc:docMk/>
+            <pc:sldMk cId="2517527664" sldId="257"/>
+            <ac:grpSpMk id="62" creationId="{F92D72A9-0A55-FF71-DA80-530852A0ECD1}"/>
+          </ac:grpSpMkLst>
+        </pc:grpChg>
         <pc:picChg chg="add mod">
           <ac:chgData name="Fatima Pillosu" userId="a6295d4dc9e22643" providerId="LiveId" clId="{39E4DD93-62FF-426E-ACE3-AEC539F82A6D}" dt="2025-07-04T22:14:54.286" v="822" actId="1035"/>
           <ac:picMkLst>
@@ -2330,7 +2906,7 @@
           <a:p>
             <a:fld id="{F0820250-0589-45C6-A87F-3E34BBC48915}" type="datetimeFigureOut">
               <a:rPr lang="en-GB" smtClean="0"/>
-              <a:t>05/07/2025</a:t>
+              <a:t>08/07/2025</a:t>
             </a:fld>
             <a:endParaRPr lang="en-GB"/>
           </a:p>
@@ -2500,7 +3076,7 @@
           <a:p>
             <a:fld id="{F0820250-0589-45C6-A87F-3E34BBC48915}" type="datetimeFigureOut">
               <a:rPr lang="en-GB" smtClean="0"/>
-              <a:t>05/07/2025</a:t>
+              <a:t>08/07/2025</a:t>
             </a:fld>
             <a:endParaRPr lang="en-GB"/>
           </a:p>
@@ -2680,7 +3256,7 @@
           <a:p>
             <a:fld id="{F0820250-0589-45C6-A87F-3E34BBC48915}" type="datetimeFigureOut">
               <a:rPr lang="en-GB" smtClean="0"/>
-              <a:t>05/07/2025</a:t>
+              <a:t>08/07/2025</a:t>
             </a:fld>
             <a:endParaRPr lang="en-GB"/>
           </a:p>
@@ -2850,7 +3426,7 @@
           <a:p>
             <a:fld id="{F0820250-0589-45C6-A87F-3E34BBC48915}" type="datetimeFigureOut">
               <a:rPr lang="en-GB" smtClean="0"/>
-              <a:t>05/07/2025</a:t>
+              <a:t>08/07/2025</a:t>
             </a:fld>
             <a:endParaRPr lang="en-GB"/>
           </a:p>
@@ -3096,7 +3672,7 @@
           <a:p>
             <a:fld id="{F0820250-0589-45C6-A87F-3E34BBC48915}" type="datetimeFigureOut">
               <a:rPr lang="en-GB" smtClean="0"/>
-              <a:t>05/07/2025</a:t>
+              <a:t>08/07/2025</a:t>
             </a:fld>
             <a:endParaRPr lang="en-GB"/>
           </a:p>
@@ -3328,7 +3904,7 @@
           <a:p>
             <a:fld id="{F0820250-0589-45C6-A87F-3E34BBC48915}" type="datetimeFigureOut">
               <a:rPr lang="en-GB" smtClean="0"/>
-              <a:t>05/07/2025</a:t>
+              <a:t>08/07/2025</a:t>
             </a:fld>
             <a:endParaRPr lang="en-GB"/>
           </a:p>
@@ -3695,7 +4271,7 @@
           <a:p>
             <a:fld id="{F0820250-0589-45C6-A87F-3E34BBC48915}" type="datetimeFigureOut">
               <a:rPr lang="en-GB" smtClean="0"/>
-              <a:t>05/07/2025</a:t>
+              <a:t>08/07/2025</a:t>
             </a:fld>
             <a:endParaRPr lang="en-GB"/>
           </a:p>
@@ -3813,7 +4389,7 @@
           <a:p>
             <a:fld id="{F0820250-0589-45C6-A87F-3E34BBC48915}" type="datetimeFigureOut">
               <a:rPr lang="en-GB" smtClean="0"/>
-              <a:t>05/07/2025</a:t>
+              <a:t>08/07/2025</a:t>
             </a:fld>
             <a:endParaRPr lang="en-GB"/>
           </a:p>
@@ -3908,7 +4484,7 @@
           <a:p>
             <a:fld id="{F0820250-0589-45C6-A87F-3E34BBC48915}" type="datetimeFigureOut">
               <a:rPr lang="en-GB" smtClean="0"/>
-              <a:t>05/07/2025</a:t>
+              <a:t>08/07/2025</a:t>
             </a:fld>
             <a:endParaRPr lang="en-GB"/>
           </a:p>
@@ -4185,7 +4761,7 @@
           <a:p>
             <a:fld id="{F0820250-0589-45C6-A87F-3E34BBC48915}" type="datetimeFigureOut">
               <a:rPr lang="en-GB" smtClean="0"/>
-              <a:t>05/07/2025</a:t>
+              <a:t>08/07/2025</a:t>
             </a:fld>
             <a:endParaRPr lang="en-GB"/>
           </a:p>
@@ -4442,7 +5018,7 @@
           <a:p>
             <a:fld id="{F0820250-0589-45C6-A87F-3E34BBC48915}" type="datetimeFigureOut">
               <a:rPr lang="en-GB" smtClean="0"/>
-              <a:t>05/07/2025</a:t>
+              <a:t>08/07/2025</a:t>
             </a:fld>
             <a:endParaRPr lang="en-GB"/>
           </a:p>
@@ -4655,7 +5231,7 @@
           <a:p>
             <a:fld id="{F0820250-0589-45C6-A87F-3E34BBC48915}" type="datetimeFigureOut">
               <a:rPr lang="en-GB" smtClean="0"/>
-              <a:t>05/07/2025</a:t>
+              <a:t>08/07/2025</a:t>
             </a:fld>
             <a:endParaRPr lang="en-GB"/>
           </a:p>
@@ -6936,6 +7512,7350 @@
           </a:prstGeom>
         </p:spPr>
       </p:pic>
+      <p:grpSp>
+        <p:nvGrpSpPr>
+          <p:cNvPr id="2" name="Group 1">
+            <a:extLst>
+              <a:ext uri="{FF2B5EF4-FFF2-40B4-BE49-F238E27FC236}">
+                <a16:creationId xmlns:a16="http://schemas.microsoft.com/office/drawing/2014/main" id="{ABBC841B-8291-D207-C3ED-367122D3E4C5}"/>
+              </a:ext>
+            </a:extLst>
+          </p:cNvPr>
+          <p:cNvGrpSpPr/>
+          <p:nvPr/>
+        </p:nvGrpSpPr>
+        <p:grpSpPr>
+          <a:xfrm>
+            <a:off x="1029060" y="746950"/>
+            <a:ext cx="216000" cy="216000"/>
+            <a:chOff x="1002190" y="1572253"/>
+            <a:chExt cx="216000" cy="216000"/>
+          </a:xfrm>
+        </p:grpSpPr>
+        <p:sp>
+          <p:nvSpPr>
+            <p:cNvPr id="109" name="TextBox 2">
+              <a:extLst>
+                <a:ext uri="{FF2B5EF4-FFF2-40B4-BE49-F238E27FC236}">
+                  <a16:creationId xmlns:a16="http://schemas.microsoft.com/office/drawing/2014/main" id="{859E6FBF-2066-74A2-B867-B7D12203A649}"/>
+                </a:ext>
+              </a:extLst>
+            </p:cNvPr>
+            <p:cNvSpPr txBox="1"/>
+            <p:nvPr/>
+          </p:nvSpPr>
+          <p:spPr>
+            <a:xfrm>
+              <a:off x="1002190" y="1572253"/>
+              <a:ext cx="216000" cy="216000"/>
+            </a:xfrm>
+            <a:prstGeom prst="rect">
+              <a:avLst/>
+            </a:prstGeom>
+            <a:noFill/>
+          </p:spPr>
+          <p:txBody>
+            <a:bodyPr wrap="square" rtlCol="0">
+              <a:spAutoFit/>
+            </a:bodyPr>
+            <a:lstStyle>
+              <a:defPPr>
+                <a:defRPr lang="en-US"/>
+              </a:defPPr>
+              <a:lvl1pPr marL="0" algn="l" defTabSz="457200" rtl="0" eaLnBrk="1" latinLnBrk="0" hangingPunct="1">
+                <a:defRPr sz="1800" kern="1200">
+                  <a:solidFill>
+                    <a:schemeClr val="tx1"/>
+                  </a:solidFill>
+                  <a:latin typeface="+mn-lt"/>
+                  <a:ea typeface="+mn-ea"/>
+                  <a:cs typeface="+mn-cs"/>
+                </a:defRPr>
+              </a:lvl1pPr>
+              <a:lvl2pPr marL="457200" algn="l" defTabSz="457200" rtl="0" eaLnBrk="1" latinLnBrk="0" hangingPunct="1">
+                <a:defRPr sz="1800" kern="1200">
+                  <a:solidFill>
+                    <a:schemeClr val="tx1"/>
+                  </a:solidFill>
+                  <a:latin typeface="+mn-lt"/>
+                  <a:ea typeface="+mn-ea"/>
+                  <a:cs typeface="+mn-cs"/>
+                </a:defRPr>
+              </a:lvl2pPr>
+              <a:lvl3pPr marL="914400" algn="l" defTabSz="457200" rtl="0" eaLnBrk="1" latinLnBrk="0" hangingPunct="1">
+                <a:defRPr sz="1800" kern="1200">
+                  <a:solidFill>
+                    <a:schemeClr val="tx1"/>
+                  </a:solidFill>
+                  <a:latin typeface="+mn-lt"/>
+                  <a:ea typeface="+mn-ea"/>
+                  <a:cs typeface="+mn-cs"/>
+                </a:defRPr>
+              </a:lvl3pPr>
+              <a:lvl4pPr marL="1371600" algn="l" defTabSz="457200" rtl="0" eaLnBrk="1" latinLnBrk="0" hangingPunct="1">
+                <a:defRPr sz="1800" kern="1200">
+                  <a:solidFill>
+                    <a:schemeClr val="tx1"/>
+                  </a:solidFill>
+                  <a:latin typeface="+mn-lt"/>
+                  <a:ea typeface="+mn-ea"/>
+                  <a:cs typeface="+mn-cs"/>
+                </a:defRPr>
+              </a:lvl4pPr>
+              <a:lvl5pPr marL="1828800" algn="l" defTabSz="457200" rtl="0" eaLnBrk="1" latinLnBrk="0" hangingPunct="1">
+                <a:defRPr sz="1800" kern="1200">
+                  <a:solidFill>
+                    <a:schemeClr val="tx1"/>
+                  </a:solidFill>
+                  <a:latin typeface="+mn-lt"/>
+                  <a:ea typeface="+mn-ea"/>
+                  <a:cs typeface="+mn-cs"/>
+                </a:defRPr>
+              </a:lvl5pPr>
+              <a:lvl6pPr marL="2286000" algn="l" defTabSz="457200" rtl="0" eaLnBrk="1" latinLnBrk="0" hangingPunct="1">
+                <a:defRPr sz="1800" kern="1200">
+                  <a:solidFill>
+                    <a:schemeClr val="tx1"/>
+                  </a:solidFill>
+                  <a:latin typeface="+mn-lt"/>
+                  <a:ea typeface="+mn-ea"/>
+                  <a:cs typeface="+mn-cs"/>
+                </a:defRPr>
+              </a:lvl6pPr>
+              <a:lvl7pPr marL="2743200" algn="l" defTabSz="457200" rtl="0" eaLnBrk="1" latinLnBrk="0" hangingPunct="1">
+                <a:defRPr sz="1800" kern="1200">
+                  <a:solidFill>
+                    <a:schemeClr val="tx1"/>
+                  </a:solidFill>
+                  <a:latin typeface="+mn-lt"/>
+                  <a:ea typeface="+mn-ea"/>
+                  <a:cs typeface="+mn-cs"/>
+                </a:defRPr>
+              </a:lvl7pPr>
+              <a:lvl8pPr marL="3200400" algn="l" defTabSz="457200" rtl="0" eaLnBrk="1" latinLnBrk="0" hangingPunct="1">
+                <a:defRPr sz="1800" kern="1200">
+                  <a:solidFill>
+                    <a:schemeClr val="tx1"/>
+                  </a:solidFill>
+                  <a:latin typeface="+mn-lt"/>
+                  <a:ea typeface="+mn-ea"/>
+                  <a:cs typeface="+mn-cs"/>
+                </a:defRPr>
+              </a:lvl8pPr>
+              <a:lvl9pPr marL="3657600" algn="l" defTabSz="457200" rtl="0" eaLnBrk="1" latinLnBrk="0" hangingPunct="1">
+                <a:defRPr sz="1800" kern="1200">
+                  <a:solidFill>
+                    <a:schemeClr val="tx1"/>
+                  </a:solidFill>
+                  <a:latin typeface="+mn-lt"/>
+                  <a:ea typeface="+mn-ea"/>
+                  <a:cs typeface="+mn-cs"/>
+                </a:defRPr>
+              </a:lvl9pPr>
+            </a:lstStyle>
+            <a:p>
+              <a:r>
+                <a:rPr lang="en-US" sz="800" dirty="0">
+                  <a:latin typeface="Calibri" panose="020F0502020204030204" pitchFamily="34" charset="0"/>
+                  <a:cs typeface="Calibri" panose="020F0502020204030204" pitchFamily="34" charset="0"/>
+                </a:rPr>
+                <a:t>a</a:t>
+              </a:r>
+              <a:endParaRPr lang="en-GB" sz="800" dirty="0">
+                <a:latin typeface="Calibri" panose="020F0502020204030204" pitchFamily="34" charset="0"/>
+                <a:cs typeface="Calibri" panose="020F0502020204030204" pitchFamily="34" charset="0"/>
+              </a:endParaRPr>
+            </a:p>
+          </p:txBody>
+        </p:sp>
+        <p:sp>
+          <p:nvSpPr>
+            <p:cNvPr id="110" name="Rectangle 109">
+              <a:extLst>
+                <a:ext uri="{FF2B5EF4-FFF2-40B4-BE49-F238E27FC236}">
+                  <a16:creationId xmlns:a16="http://schemas.microsoft.com/office/drawing/2014/main" id="{2B95A850-B3B6-4380-0AC9-FC6A1D5B6977}"/>
+                </a:ext>
+              </a:extLst>
+            </p:cNvPr>
+            <p:cNvSpPr/>
+            <p:nvPr/>
+          </p:nvSpPr>
+          <p:spPr>
+            <a:xfrm>
+              <a:off x="1040747" y="1619373"/>
+              <a:ext cx="144000" cy="144000"/>
+            </a:xfrm>
+            <a:prstGeom prst="rect">
+              <a:avLst/>
+            </a:prstGeom>
+            <a:noFill/>
+            <a:ln w="3175">
+              <a:solidFill>
+                <a:schemeClr val="tx1">
+                  <a:lumMod val="75000"/>
+                  <a:lumOff val="25000"/>
+                </a:schemeClr>
+              </a:solidFill>
+            </a:ln>
+          </p:spPr>
+          <p:style>
+            <a:lnRef idx="2">
+              <a:schemeClr val="accent1">
+                <a:shade val="15000"/>
+              </a:schemeClr>
+            </a:lnRef>
+            <a:fillRef idx="1">
+              <a:schemeClr val="accent1"/>
+            </a:fillRef>
+            <a:effectRef idx="0">
+              <a:schemeClr val="accent1"/>
+            </a:effectRef>
+            <a:fontRef idx="minor">
+              <a:schemeClr val="lt1"/>
+            </a:fontRef>
+          </p:style>
+          <p:txBody>
+            <a:bodyPr rtlCol="0" anchor="ctr"/>
+            <a:lstStyle>
+              <a:defPPr>
+                <a:defRPr lang="en-US"/>
+              </a:defPPr>
+              <a:lvl1pPr marL="0" algn="l" defTabSz="457200" rtl="0" eaLnBrk="1" latinLnBrk="0" hangingPunct="1">
+                <a:defRPr sz="1800" kern="1200">
+                  <a:solidFill>
+                    <a:schemeClr val="lt1"/>
+                  </a:solidFill>
+                  <a:latin typeface="+mn-lt"/>
+                  <a:ea typeface="+mn-ea"/>
+                  <a:cs typeface="+mn-cs"/>
+                </a:defRPr>
+              </a:lvl1pPr>
+              <a:lvl2pPr marL="457200" algn="l" defTabSz="457200" rtl="0" eaLnBrk="1" latinLnBrk="0" hangingPunct="1">
+                <a:defRPr sz="1800" kern="1200">
+                  <a:solidFill>
+                    <a:schemeClr val="lt1"/>
+                  </a:solidFill>
+                  <a:latin typeface="+mn-lt"/>
+                  <a:ea typeface="+mn-ea"/>
+                  <a:cs typeface="+mn-cs"/>
+                </a:defRPr>
+              </a:lvl2pPr>
+              <a:lvl3pPr marL="914400" algn="l" defTabSz="457200" rtl="0" eaLnBrk="1" latinLnBrk="0" hangingPunct="1">
+                <a:defRPr sz="1800" kern="1200">
+                  <a:solidFill>
+                    <a:schemeClr val="lt1"/>
+                  </a:solidFill>
+                  <a:latin typeface="+mn-lt"/>
+                  <a:ea typeface="+mn-ea"/>
+                  <a:cs typeface="+mn-cs"/>
+                </a:defRPr>
+              </a:lvl3pPr>
+              <a:lvl4pPr marL="1371600" algn="l" defTabSz="457200" rtl="0" eaLnBrk="1" latinLnBrk="0" hangingPunct="1">
+                <a:defRPr sz="1800" kern="1200">
+                  <a:solidFill>
+                    <a:schemeClr val="lt1"/>
+                  </a:solidFill>
+                  <a:latin typeface="+mn-lt"/>
+                  <a:ea typeface="+mn-ea"/>
+                  <a:cs typeface="+mn-cs"/>
+                </a:defRPr>
+              </a:lvl4pPr>
+              <a:lvl5pPr marL="1828800" algn="l" defTabSz="457200" rtl="0" eaLnBrk="1" latinLnBrk="0" hangingPunct="1">
+                <a:defRPr sz="1800" kern="1200">
+                  <a:solidFill>
+                    <a:schemeClr val="lt1"/>
+                  </a:solidFill>
+                  <a:latin typeface="+mn-lt"/>
+                  <a:ea typeface="+mn-ea"/>
+                  <a:cs typeface="+mn-cs"/>
+                </a:defRPr>
+              </a:lvl5pPr>
+              <a:lvl6pPr marL="2286000" algn="l" defTabSz="457200" rtl="0" eaLnBrk="1" latinLnBrk="0" hangingPunct="1">
+                <a:defRPr sz="1800" kern="1200">
+                  <a:solidFill>
+                    <a:schemeClr val="lt1"/>
+                  </a:solidFill>
+                  <a:latin typeface="+mn-lt"/>
+                  <a:ea typeface="+mn-ea"/>
+                  <a:cs typeface="+mn-cs"/>
+                </a:defRPr>
+              </a:lvl6pPr>
+              <a:lvl7pPr marL="2743200" algn="l" defTabSz="457200" rtl="0" eaLnBrk="1" latinLnBrk="0" hangingPunct="1">
+                <a:defRPr sz="1800" kern="1200">
+                  <a:solidFill>
+                    <a:schemeClr val="lt1"/>
+                  </a:solidFill>
+                  <a:latin typeface="+mn-lt"/>
+                  <a:ea typeface="+mn-ea"/>
+                  <a:cs typeface="+mn-cs"/>
+                </a:defRPr>
+              </a:lvl7pPr>
+              <a:lvl8pPr marL="3200400" algn="l" defTabSz="457200" rtl="0" eaLnBrk="1" latinLnBrk="0" hangingPunct="1">
+                <a:defRPr sz="1800" kern="1200">
+                  <a:solidFill>
+                    <a:schemeClr val="lt1"/>
+                  </a:solidFill>
+                  <a:latin typeface="+mn-lt"/>
+                  <a:ea typeface="+mn-ea"/>
+                  <a:cs typeface="+mn-cs"/>
+                </a:defRPr>
+              </a:lvl8pPr>
+              <a:lvl9pPr marL="3657600" algn="l" defTabSz="457200" rtl="0" eaLnBrk="1" latinLnBrk="0" hangingPunct="1">
+                <a:defRPr sz="1800" kern="1200">
+                  <a:solidFill>
+                    <a:schemeClr val="lt1"/>
+                  </a:solidFill>
+                  <a:latin typeface="+mn-lt"/>
+                  <a:ea typeface="+mn-ea"/>
+                  <a:cs typeface="+mn-cs"/>
+                </a:defRPr>
+              </a:lvl9pPr>
+            </a:lstStyle>
+            <a:p>
+              <a:pPr algn="ctr"/>
+              <a:endParaRPr lang="en-GB"/>
+            </a:p>
+          </p:txBody>
+        </p:sp>
+      </p:grpSp>
+      <p:grpSp>
+        <p:nvGrpSpPr>
+          <p:cNvPr id="40" name="Group 39">
+            <a:extLst>
+              <a:ext uri="{FF2B5EF4-FFF2-40B4-BE49-F238E27FC236}">
+                <a16:creationId xmlns:a16="http://schemas.microsoft.com/office/drawing/2014/main" id="{7A714024-DA32-2A1B-D990-D84E4C1EA9CE}"/>
+              </a:ext>
+            </a:extLst>
+          </p:cNvPr>
+          <p:cNvGrpSpPr/>
+          <p:nvPr/>
+        </p:nvGrpSpPr>
+        <p:grpSpPr>
+          <a:xfrm>
+            <a:off x="1029060" y="1628619"/>
+            <a:ext cx="216000" cy="216000"/>
+            <a:chOff x="1002190" y="1572253"/>
+            <a:chExt cx="216000" cy="216000"/>
+          </a:xfrm>
+        </p:grpSpPr>
+        <p:sp>
+          <p:nvSpPr>
+            <p:cNvPr id="107" name="TextBox 5">
+              <a:extLst>
+                <a:ext uri="{FF2B5EF4-FFF2-40B4-BE49-F238E27FC236}">
+                  <a16:creationId xmlns:a16="http://schemas.microsoft.com/office/drawing/2014/main" id="{6EFAB028-879A-F0D8-2C01-5D655AED23FF}"/>
+                </a:ext>
+              </a:extLst>
+            </p:cNvPr>
+            <p:cNvSpPr txBox="1"/>
+            <p:nvPr/>
+          </p:nvSpPr>
+          <p:spPr>
+            <a:xfrm>
+              <a:off x="1002190" y="1572253"/>
+              <a:ext cx="216000" cy="216000"/>
+            </a:xfrm>
+            <a:prstGeom prst="rect">
+              <a:avLst/>
+            </a:prstGeom>
+            <a:noFill/>
+          </p:spPr>
+          <p:txBody>
+            <a:bodyPr wrap="square" rtlCol="0">
+              <a:spAutoFit/>
+            </a:bodyPr>
+            <a:lstStyle>
+              <a:defPPr>
+                <a:defRPr lang="en-US"/>
+              </a:defPPr>
+              <a:lvl1pPr marL="0" algn="l" defTabSz="457200" rtl="0" eaLnBrk="1" latinLnBrk="0" hangingPunct="1">
+                <a:defRPr sz="1800" kern="1200">
+                  <a:solidFill>
+                    <a:schemeClr val="tx1"/>
+                  </a:solidFill>
+                  <a:latin typeface="+mn-lt"/>
+                  <a:ea typeface="+mn-ea"/>
+                  <a:cs typeface="+mn-cs"/>
+                </a:defRPr>
+              </a:lvl1pPr>
+              <a:lvl2pPr marL="457200" algn="l" defTabSz="457200" rtl="0" eaLnBrk="1" latinLnBrk="0" hangingPunct="1">
+                <a:defRPr sz="1800" kern="1200">
+                  <a:solidFill>
+                    <a:schemeClr val="tx1"/>
+                  </a:solidFill>
+                  <a:latin typeface="+mn-lt"/>
+                  <a:ea typeface="+mn-ea"/>
+                  <a:cs typeface="+mn-cs"/>
+                </a:defRPr>
+              </a:lvl2pPr>
+              <a:lvl3pPr marL="914400" algn="l" defTabSz="457200" rtl="0" eaLnBrk="1" latinLnBrk="0" hangingPunct="1">
+                <a:defRPr sz="1800" kern="1200">
+                  <a:solidFill>
+                    <a:schemeClr val="tx1"/>
+                  </a:solidFill>
+                  <a:latin typeface="+mn-lt"/>
+                  <a:ea typeface="+mn-ea"/>
+                  <a:cs typeface="+mn-cs"/>
+                </a:defRPr>
+              </a:lvl3pPr>
+              <a:lvl4pPr marL="1371600" algn="l" defTabSz="457200" rtl="0" eaLnBrk="1" latinLnBrk="0" hangingPunct="1">
+                <a:defRPr sz="1800" kern="1200">
+                  <a:solidFill>
+                    <a:schemeClr val="tx1"/>
+                  </a:solidFill>
+                  <a:latin typeface="+mn-lt"/>
+                  <a:ea typeface="+mn-ea"/>
+                  <a:cs typeface="+mn-cs"/>
+                </a:defRPr>
+              </a:lvl4pPr>
+              <a:lvl5pPr marL="1828800" algn="l" defTabSz="457200" rtl="0" eaLnBrk="1" latinLnBrk="0" hangingPunct="1">
+                <a:defRPr sz="1800" kern="1200">
+                  <a:solidFill>
+                    <a:schemeClr val="tx1"/>
+                  </a:solidFill>
+                  <a:latin typeface="+mn-lt"/>
+                  <a:ea typeface="+mn-ea"/>
+                  <a:cs typeface="+mn-cs"/>
+                </a:defRPr>
+              </a:lvl5pPr>
+              <a:lvl6pPr marL="2286000" algn="l" defTabSz="457200" rtl="0" eaLnBrk="1" latinLnBrk="0" hangingPunct="1">
+                <a:defRPr sz="1800" kern="1200">
+                  <a:solidFill>
+                    <a:schemeClr val="tx1"/>
+                  </a:solidFill>
+                  <a:latin typeface="+mn-lt"/>
+                  <a:ea typeface="+mn-ea"/>
+                  <a:cs typeface="+mn-cs"/>
+                </a:defRPr>
+              </a:lvl6pPr>
+              <a:lvl7pPr marL="2743200" algn="l" defTabSz="457200" rtl="0" eaLnBrk="1" latinLnBrk="0" hangingPunct="1">
+                <a:defRPr sz="1800" kern="1200">
+                  <a:solidFill>
+                    <a:schemeClr val="tx1"/>
+                  </a:solidFill>
+                  <a:latin typeface="+mn-lt"/>
+                  <a:ea typeface="+mn-ea"/>
+                  <a:cs typeface="+mn-cs"/>
+                </a:defRPr>
+              </a:lvl7pPr>
+              <a:lvl8pPr marL="3200400" algn="l" defTabSz="457200" rtl="0" eaLnBrk="1" latinLnBrk="0" hangingPunct="1">
+                <a:defRPr sz="1800" kern="1200">
+                  <a:solidFill>
+                    <a:schemeClr val="tx1"/>
+                  </a:solidFill>
+                  <a:latin typeface="+mn-lt"/>
+                  <a:ea typeface="+mn-ea"/>
+                  <a:cs typeface="+mn-cs"/>
+                </a:defRPr>
+              </a:lvl8pPr>
+              <a:lvl9pPr marL="3657600" algn="l" defTabSz="457200" rtl="0" eaLnBrk="1" latinLnBrk="0" hangingPunct="1">
+                <a:defRPr sz="1800" kern="1200">
+                  <a:solidFill>
+                    <a:schemeClr val="tx1"/>
+                  </a:solidFill>
+                  <a:latin typeface="+mn-lt"/>
+                  <a:ea typeface="+mn-ea"/>
+                  <a:cs typeface="+mn-cs"/>
+                </a:defRPr>
+              </a:lvl9pPr>
+            </a:lstStyle>
+            <a:p>
+              <a:r>
+                <a:rPr lang="en-US" sz="800" dirty="0">
+                  <a:latin typeface="Calibri" panose="020F0502020204030204" pitchFamily="34" charset="0"/>
+                  <a:cs typeface="Calibri" panose="020F0502020204030204" pitchFamily="34" charset="0"/>
+                </a:rPr>
+                <a:t>b</a:t>
+              </a:r>
+              <a:endParaRPr lang="en-GB" sz="800" dirty="0">
+                <a:latin typeface="Calibri" panose="020F0502020204030204" pitchFamily="34" charset="0"/>
+                <a:cs typeface="Calibri" panose="020F0502020204030204" pitchFamily="34" charset="0"/>
+              </a:endParaRPr>
+            </a:p>
+          </p:txBody>
+        </p:sp>
+        <p:sp>
+          <p:nvSpPr>
+            <p:cNvPr id="108" name="Rectangle 107">
+              <a:extLst>
+                <a:ext uri="{FF2B5EF4-FFF2-40B4-BE49-F238E27FC236}">
+                  <a16:creationId xmlns:a16="http://schemas.microsoft.com/office/drawing/2014/main" id="{4D397A5F-C637-B908-AC19-3205AABDA51C}"/>
+                </a:ext>
+              </a:extLst>
+            </p:cNvPr>
+            <p:cNvSpPr/>
+            <p:nvPr/>
+          </p:nvSpPr>
+          <p:spPr>
+            <a:xfrm>
+              <a:off x="1040747" y="1619373"/>
+              <a:ext cx="144000" cy="144000"/>
+            </a:xfrm>
+            <a:prstGeom prst="rect">
+              <a:avLst/>
+            </a:prstGeom>
+            <a:noFill/>
+            <a:ln w="3175">
+              <a:solidFill>
+                <a:schemeClr val="tx1">
+                  <a:lumMod val="75000"/>
+                  <a:lumOff val="25000"/>
+                </a:schemeClr>
+              </a:solidFill>
+            </a:ln>
+          </p:spPr>
+          <p:style>
+            <a:lnRef idx="2">
+              <a:schemeClr val="accent1">
+                <a:shade val="15000"/>
+              </a:schemeClr>
+            </a:lnRef>
+            <a:fillRef idx="1">
+              <a:schemeClr val="accent1"/>
+            </a:fillRef>
+            <a:effectRef idx="0">
+              <a:schemeClr val="accent1"/>
+            </a:effectRef>
+            <a:fontRef idx="minor">
+              <a:schemeClr val="lt1"/>
+            </a:fontRef>
+          </p:style>
+          <p:txBody>
+            <a:bodyPr rtlCol="0" anchor="ctr"/>
+            <a:lstStyle>
+              <a:defPPr>
+                <a:defRPr lang="en-US"/>
+              </a:defPPr>
+              <a:lvl1pPr marL="0" algn="l" defTabSz="457200" rtl="0" eaLnBrk="1" latinLnBrk="0" hangingPunct="1">
+                <a:defRPr sz="1800" kern="1200">
+                  <a:solidFill>
+                    <a:schemeClr val="lt1"/>
+                  </a:solidFill>
+                  <a:latin typeface="+mn-lt"/>
+                  <a:ea typeface="+mn-ea"/>
+                  <a:cs typeface="+mn-cs"/>
+                </a:defRPr>
+              </a:lvl1pPr>
+              <a:lvl2pPr marL="457200" algn="l" defTabSz="457200" rtl="0" eaLnBrk="1" latinLnBrk="0" hangingPunct="1">
+                <a:defRPr sz="1800" kern="1200">
+                  <a:solidFill>
+                    <a:schemeClr val="lt1"/>
+                  </a:solidFill>
+                  <a:latin typeface="+mn-lt"/>
+                  <a:ea typeface="+mn-ea"/>
+                  <a:cs typeface="+mn-cs"/>
+                </a:defRPr>
+              </a:lvl2pPr>
+              <a:lvl3pPr marL="914400" algn="l" defTabSz="457200" rtl="0" eaLnBrk="1" latinLnBrk="0" hangingPunct="1">
+                <a:defRPr sz="1800" kern="1200">
+                  <a:solidFill>
+                    <a:schemeClr val="lt1"/>
+                  </a:solidFill>
+                  <a:latin typeface="+mn-lt"/>
+                  <a:ea typeface="+mn-ea"/>
+                  <a:cs typeface="+mn-cs"/>
+                </a:defRPr>
+              </a:lvl3pPr>
+              <a:lvl4pPr marL="1371600" algn="l" defTabSz="457200" rtl="0" eaLnBrk="1" latinLnBrk="0" hangingPunct="1">
+                <a:defRPr sz="1800" kern="1200">
+                  <a:solidFill>
+                    <a:schemeClr val="lt1"/>
+                  </a:solidFill>
+                  <a:latin typeface="+mn-lt"/>
+                  <a:ea typeface="+mn-ea"/>
+                  <a:cs typeface="+mn-cs"/>
+                </a:defRPr>
+              </a:lvl4pPr>
+              <a:lvl5pPr marL="1828800" algn="l" defTabSz="457200" rtl="0" eaLnBrk="1" latinLnBrk="0" hangingPunct="1">
+                <a:defRPr sz="1800" kern="1200">
+                  <a:solidFill>
+                    <a:schemeClr val="lt1"/>
+                  </a:solidFill>
+                  <a:latin typeface="+mn-lt"/>
+                  <a:ea typeface="+mn-ea"/>
+                  <a:cs typeface="+mn-cs"/>
+                </a:defRPr>
+              </a:lvl5pPr>
+              <a:lvl6pPr marL="2286000" algn="l" defTabSz="457200" rtl="0" eaLnBrk="1" latinLnBrk="0" hangingPunct="1">
+                <a:defRPr sz="1800" kern="1200">
+                  <a:solidFill>
+                    <a:schemeClr val="lt1"/>
+                  </a:solidFill>
+                  <a:latin typeface="+mn-lt"/>
+                  <a:ea typeface="+mn-ea"/>
+                  <a:cs typeface="+mn-cs"/>
+                </a:defRPr>
+              </a:lvl6pPr>
+              <a:lvl7pPr marL="2743200" algn="l" defTabSz="457200" rtl="0" eaLnBrk="1" latinLnBrk="0" hangingPunct="1">
+                <a:defRPr sz="1800" kern="1200">
+                  <a:solidFill>
+                    <a:schemeClr val="lt1"/>
+                  </a:solidFill>
+                  <a:latin typeface="+mn-lt"/>
+                  <a:ea typeface="+mn-ea"/>
+                  <a:cs typeface="+mn-cs"/>
+                </a:defRPr>
+              </a:lvl7pPr>
+              <a:lvl8pPr marL="3200400" algn="l" defTabSz="457200" rtl="0" eaLnBrk="1" latinLnBrk="0" hangingPunct="1">
+                <a:defRPr sz="1800" kern="1200">
+                  <a:solidFill>
+                    <a:schemeClr val="lt1"/>
+                  </a:solidFill>
+                  <a:latin typeface="+mn-lt"/>
+                  <a:ea typeface="+mn-ea"/>
+                  <a:cs typeface="+mn-cs"/>
+                </a:defRPr>
+              </a:lvl8pPr>
+              <a:lvl9pPr marL="3657600" algn="l" defTabSz="457200" rtl="0" eaLnBrk="1" latinLnBrk="0" hangingPunct="1">
+                <a:defRPr sz="1800" kern="1200">
+                  <a:solidFill>
+                    <a:schemeClr val="lt1"/>
+                  </a:solidFill>
+                  <a:latin typeface="+mn-lt"/>
+                  <a:ea typeface="+mn-ea"/>
+                  <a:cs typeface="+mn-cs"/>
+                </a:defRPr>
+              </a:lvl9pPr>
+            </a:lstStyle>
+            <a:p>
+              <a:pPr algn="ctr"/>
+              <a:endParaRPr lang="en-GB"/>
+            </a:p>
+          </p:txBody>
+        </p:sp>
+      </p:grpSp>
+      <p:grpSp>
+        <p:nvGrpSpPr>
+          <p:cNvPr id="41" name="Group 40">
+            <a:extLst>
+              <a:ext uri="{FF2B5EF4-FFF2-40B4-BE49-F238E27FC236}">
+                <a16:creationId xmlns:a16="http://schemas.microsoft.com/office/drawing/2014/main" id="{8397FA33-2D91-E812-3EE5-559325E9E586}"/>
+              </a:ext>
+            </a:extLst>
+          </p:cNvPr>
+          <p:cNvGrpSpPr/>
+          <p:nvPr/>
+        </p:nvGrpSpPr>
+        <p:grpSpPr>
+          <a:xfrm>
+            <a:off x="1029060" y="2502407"/>
+            <a:ext cx="216000" cy="216000"/>
+            <a:chOff x="1002190" y="1572253"/>
+            <a:chExt cx="216000" cy="216000"/>
+          </a:xfrm>
+        </p:grpSpPr>
+        <p:sp>
+          <p:nvSpPr>
+            <p:cNvPr id="105" name="TextBox 8">
+              <a:extLst>
+                <a:ext uri="{FF2B5EF4-FFF2-40B4-BE49-F238E27FC236}">
+                  <a16:creationId xmlns:a16="http://schemas.microsoft.com/office/drawing/2014/main" id="{F7B9AAE9-6AB5-7D8B-D731-01CEB599A02C}"/>
+                </a:ext>
+              </a:extLst>
+            </p:cNvPr>
+            <p:cNvSpPr txBox="1"/>
+            <p:nvPr/>
+          </p:nvSpPr>
+          <p:spPr>
+            <a:xfrm>
+              <a:off x="1002190" y="1572253"/>
+              <a:ext cx="216000" cy="216000"/>
+            </a:xfrm>
+            <a:prstGeom prst="rect">
+              <a:avLst/>
+            </a:prstGeom>
+            <a:noFill/>
+          </p:spPr>
+          <p:txBody>
+            <a:bodyPr wrap="square" rtlCol="0">
+              <a:spAutoFit/>
+            </a:bodyPr>
+            <a:lstStyle>
+              <a:defPPr>
+                <a:defRPr lang="en-US"/>
+              </a:defPPr>
+              <a:lvl1pPr marL="0" algn="l" defTabSz="457200" rtl="0" eaLnBrk="1" latinLnBrk="0" hangingPunct="1">
+                <a:defRPr sz="1800" kern="1200">
+                  <a:solidFill>
+                    <a:schemeClr val="tx1"/>
+                  </a:solidFill>
+                  <a:latin typeface="+mn-lt"/>
+                  <a:ea typeface="+mn-ea"/>
+                  <a:cs typeface="+mn-cs"/>
+                </a:defRPr>
+              </a:lvl1pPr>
+              <a:lvl2pPr marL="457200" algn="l" defTabSz="457200" rtl="0" eaLnBrk="1" latinLnBrk="0" hangingPunct="1">
+                <a:defRPr sz="1800" kern="1200">
+                  <a:solidFill>
+                    <a:schemeClr val="tx1"/>
+                  </a:solidFill>
+                  <a:latin typeface="+mn-lt"/>
+                  <a:ea typeface="+mn-ea"/>
+                  <a:cs typeface="+mn-cs"/>
+                </a:defRPr>
+              </a:lvl2pPr>
+              <a:lvl3pPr marL="914400" algn="l" defTabSz="457200" rtl="0" eaLnBrk="1" latinLnBrk="0" hangingPunct="1">
+                <a:defRPr sz="1800" kern="1200">
+                  <a:solidFill>
+                    <a:schemeClr val="tx1"/>
+                  </a:solidFill>
+                  <a:latin typeface="+mn-lt"/>
+                  <a:ea typeface="+mn-ea"/>
+                  <a:cs typeface="+mn-cs"/>
+                </a:defRPr>
+              </a:lvl3pPr>
+              <a:lvl4pPr marL="1371600" algn="l" defTabSz="457200" rtl="0" eaLnBrk="1" latinLnBrk="0" hangingPunct="1">
+                <a:defRPr sz="1800" kern="1200">
+                  <a:solidFill>
+                    <a:schemeClr val="tx1"/>
+                  </a:solidFill>
+                  <a:latin typeface="+mn-lt"/>
+                  <a:ea typeface="+mn-ea"/>
+                  <a:cs typeface="+mn-cs"/>
+                </a:defRPr>
+              </a:lvl4pPr>
+              <a:lvl5pPr marL="1828800" algn="l" defTabSz="457200" rtl="0" eaLnBrk="1" latinLnBrk="0" hangingPunct="1">
+                <a:defRPr sz="1800" kern="1200">
+                  <a:solidFill>
+                    <a:schemeClr val="tx1"/>
+                  </a:solidFill>
+                  <a:latin typeface="+mn-lt"/>
+                  <a:ea typeface="+mn-ea"/>
+                  <a:cs typeface="+mn-cs"/>
+                </a:defRPr>
+              </a:lvl5pPr>
+              <a:lvl6pPr marL="2286000" algn="l" defTabSz="457200" rtl="0" eaLnBrk="1" latinLnBrk="0" hangingPunct="1">
+                <a:defRPr sz="1800" kern="1200">
+                  <a:solidFill>
+                    <a:schemeClr val="tx1"/>
+                  </a:solidFill>
+                  <a:latin typeface="+mn-lt"/>
+                  <a:ea typeface="+mn-ea"/>
+                  <a:cs typeface="+mn-cs"/>
+                </a:defRPr>
+              </a:lvl6pPr>
+              <a:lvl7pPr marL="2743200" algn="l" defTabSz="457200" rtl="0" eaLnBrk="1" latinLnBrk="0" hangingPunct="1">
+                <a:defRPr sz="1800" kern="1200">
+                  <a:solidFill>
+                    <a:schemeClr val="tx1"/>
+                  </a:solidFill>
+                  <a:latin typeface="+mn-lt"/>
+                  <a:ea typeface="+mn-ea"/>
+                  <a:cs typeface="+mn-cs"/>
+                </a:defRPr>
+              </a:lvl7pPr>
+              <a:lvl8pPr marL="3200400" algn="l" defTabSz="457200" rtl="0" eaLnBrk="1" latinLnBrk="0" hangingPunct="1">
+                <a:defRPr sz="1800" kern="1200">
+                  <a:solidFill>
+                    <a:schemeClr val="tx1"/>
+                  </a:solidFill>
+                  <a:latin typeface="+mn-lt"/>
+                  <a:ea typeface="+mn-ea"/>
+                  <a:cs typeface="+mn-cs"/>
+                </a:defRPr>
+              </a:lvl8pPr>
+              <a:lvl9pPr marL="3657600" algn="l" defTabSz="457200" rtl="0" eaLnBrk="1" latinLnBrk="0" hangingPunct="1">
+                <a:defRPr sz="1800" kern="1200">
+                  <a:solidFill>
+                    <a:schemeClr val="tx1"/>
+                  </a:solidFill>
+                  <a:latin typeface="+mn-lt"/>
+                  <a:ea typeface="+mn-ea"/>
+                  <a:cs typeface="+mn-cs"/>
+                </a:defRPr>
+              </a:lvl9pPr>
+            </a:lstStyle>
+            <a:p>
+              <a:r>
+                <a:rPr lang="en-US" sz="800" dirty="0">
+                  <a:latin typeface="Calibri" panose="020F0502020204030204" pitchFamily="34" charset="0"/>
+                  <a:cs typeface="Calibri" panose="020F0502020204030204" pitchFamily="34" charset="0"/>
+                </a:rPr>
+                <a:t>c</a:t>
+              </a:r>
+              <a:endParaRPr lang="en-GB" sz="800" dirty="0">
+                <a:latin typeface="Calibri" panose="020F0502020204030204" pitchFamily="34" charset="0"/>
+                <a:cs typeface="Calibri" panose="020F0502020204030204" pitchFamily="34" charset="0"/>
+              </a:endParaRPr>
+            </a:p>
+          </p:txBody>
+        </p:sp>
+        <p:sp>
+          <p:nvSpPr>
+            <p:cNvPr id="106" name="Rectangle 105">
+              <a:extLst>
+                <a:ext uri="{FF2B5EF4-FFF2-40B4-BE49-F238E27FC236}">
+                  <a16:creationId xmlns:a16="http://schemas.microsoft.com/office/drawing/2014/main" id="{3549F6BC-07B2-EC62-388E-F6D35A2AA408}"/>
+                </a:ext>
+              </a:extLst>
+            </p:cNvPr>
+            <p:cNvSpPr/>
+            <p:nvPr/>
+          </p:nvSpPr>
+          <p:spPr>
+            <a:xfrm>
+              <a:off x="1040747" y="1619373"/>
+              <a:ext cx="144000" cy="144000"/>
+            </a:xfrm>
+            <a:prstGeom prst="rect">
+              <a:avLst/>
+            </a:prstGeom>
+            <a:noFill/>
+            <a:ln w="3175">
+              <a:solidFill>
+                <a:schemeClr val="tx1">
+                  <a:lumMod val="75000"/>
+                  <a:lumOff val="25000"/>
+                </a:schemeClr>
+              </a:solidFill>
+            </a:ln>
+          </p:spPr>
+          <p:style>
+            <a:lnRef idx="2">
+              <a:schemeClr val="accent1">
+                <a:shade val="15000"/>
+              </a:schemeClr>
+            </a:lnRef>
+            <a:fillRef idx="1">
+              <a:schemeClr val="accent1"/>
+            </a:fillRef>
+            <a:effectRef idx="0">
+              <a:schemeClr val="accent1"/>
+            </a:effectRef>
+            <a:fontRef idx="minor">
+              <a:schemeClr val="lt1"/>
+            </a:fontRef>
+          </p:style>
+          <p:txBody>
+            <a:bodyPr rtlCol="0" anchor="ctr"/>
+            <a:lstStyle>
+              <a:defPPr>
+                <a:defRPr lang="en-US"/>
+              </a:defPPr>
+              <a:lvl1pPr marL="0" algn="l" defTabSz="457200" rtl="0" eaLnBrk="1" latinLnBrk="0" hangingPunct="1">
+                <a:defRPr sz="1800" kern="1200">
+                  <a:solidFill>
+                    <a:schemeClr val="lt1"/>
+                  </a:solidFill>
+                  <a:latin typeface="+mn-lt"/>
+                  <a:ea typeface="+mn-ea"/>
+                  <a:cs typeface="+mn-cs"/>
+                </a:defRPr>
+              </a:lvl1pPr>
+              <a:lvl2pPr marL="457200" algn="l" defTabSz="457200" rtl="0" eaLnBrk="1" latinLnBrk="0" hangingPunct="1">
+                <a:defRPr sz="1800" kern="1200">
+                  <a:solidFill>
+                    <a:schemeClr val="lt1"/>
+                  </a:solidFill>
+                  <a:latin typeface="+mn-lt"/>
+                  <a:ea typeface="+mn-ea"/>
+                  <a:cs typeface="+mn-cs"/>
+                </a:defRPr>
+              </a:lvl2pPr>
+              <a:lvl3pPr marL="914400" algn="l" defTabSz="457200" rtl="0" eaLnBrk="1" latinLnBrk="0" hangingPunct="1">
+                <a:defRPr sz="1800" kern="1200">
+                  <a:solidFill>
+                    <a:schemeClr val="lt1"/>
+                  </a:solidFill>
+                  <a:latin typeface="+mn-lt"/>
+                  <a:ea typeface="+mn-ea"/>
+                  <a:cs typeface="+mn-cs"/>
+                </a:defRPr>
+              </a:lvl3pPr>
+              <a:lvl4pPr marL="1371600" algn="l" defTabSz="457200" rtl="0" eaLnBrk="1" latinLnBrk="0" hangingPunct="1">
+                <a:defRPr sz="1800" kern="1200">
+                  <a:solidFill>
+                    <a:schemeClr val="lt1"/>
+                  </a:solidFill>
+                  <a:latin typeface="+mn-lt"/>
+                  <a:ea typeface="+mn-ea"/>
+                  <a:cs typeface="+mn-cs"/>
+                </a:defRPr>
+              </a:lvl4pPr>
+              <a:lvl5pPr marL="1828800" algn="l" defTabSz="457200" rtl="0" eaLnBrk="1" latinLnBrk="0" hangingPunct="1">
+                <a:defRPr sz="1800" kern="1200">
+                  <a:solidFill>
+                    <a:schemeClr val="lt1"/>
+                  </a:solidFill>
+                  <a:latin typeface="+mn-lt"/>
+                  <a:ea typeface="+mn-ea"/>
+                  <a:cs typeface="+mn-cs"/>
+                </a:defRPr>
+              </a:lvl5pPr>
+              <a:lvl6pPr marL="2286000" algn="l" defTabSz="457200" rtl="0" eaLnBrk="1" latinLnBrk="0" hangingPunct="1">
+                <a:defRPr sz="1800" kern="1200">
+                  <a:solidFill>
+                    <a:schemeClr val="lt1"/>
+                  </a:solidFill>
+                  <a:latin typeface="+mn-lt"/>
+                  <a:ea typeface="+mn-ea"/>
+                  <a:cs typeface="+mn-cs"/>
+                </a:defRPr>
+              </a:lvl6pPr>
+              <a:lvl7pPr marL="2743200" algn="l" defTabSz="457200" rtl="0" eaLnBrk="1" latinLnBrk="0" hangingPunct="1">
+                <a:defRPr sz="1800" kern="1200">
+                  <a:solidFill>
+                    <a:schemeClr val="lt1"/>
+                  </a:solidFill>
+                  <a:latin typeface="+mn-lt"/>
+                  <a:ea typeface="+mn-ea"/>
+                  <a:cs typeface="+mn-cs"/>
+                </a:defRPr>
+              </a:lvl7pPr>
+              <a:lvl8pPr marL="3200400" algn="l" defTabSz="457200" rtl="0" eaLnBrk="1" latinLnBrk="0" hangingPunct="1">
+                <a:defRPr sz="1800" kern="1200">
+                  <a:solidFill>
+                    <a:schemeClr val="lt1"/>
+                  </a:solidFill>
+                  <a:latin typeface="+mn-lt"/>
+                  <a:ea typeface="+mn-ea"/>
+                  <a:cs typeface="+mn-cs"/>
+                </a:defRPr>
+              </a:lvl8pPr>
+              <a:lvl9pPr marL="3657600" algn="l" defTabSz="457200" rtl="0" eaLnBrk="1" latinLnBrk="0" hangingPunct="1">
+                <a:defRPr sz="1800" kern="1200">
+                  <a:solidFill>
+                    <a:schemeClr val="lt1"/>
+                  </a:solidFill>
+                  <a:latin typeface="+mn-lt"/>
+                  <a:ea typeface="+mn-ea"/>
+                  <a:cs typeface="+mn-cs"/>
+                </a:defRPr>
+              </a:lvl9pPr>
+            </a:lstStyle>
+            <a:p>
+              <a:pPr algn="ctr"/>
+              <a:endParaRPr lang="en-GB"/>
+            </a:p>
+          </p:txBody>
+        </p:sp>
+      </p:grpSp>
+      <p:grpSp>
+        <p:nvGrpSpPr>
+          <p:cNvPr id="42" name="Group 41">
+            <a:extLst>
+              <a:ext uri="{FF2B5EF4-FFF2-40B4-BE49-F238E27FC236}">
+                <a16:creationId xmlns:a16="http://schemas.microsoft.com/office/drawing/2014/main" id="{40D15C36-973C-CBE3-49D8-786B7B69FAB4}"/>
+              </a:ext>
+            </a:extLst>
+          </p:cNvPr>
+          <p:cNvGrpSpPr/>
+          <p:nvPr/>
+        </p:nvGrpSpPr>
+        <p:grpSpPr>
+          <a:xfrm>
+            <a:off x="1029060" y="3391825"/>
+            <a:ext cx="216000" cy="216000"/>
+            <a:chOff x="1002190" y="1572253"/>
+            <a:chExt cx="216000" cy="216000"/>
+          </a:xfrm>
+        </p:grpSpPr>
+        <p:sp>
+          <p:nvSpPr>
+            <p:cNvPr id="103" name="TextBox 11">
+              <a:extLst>
+                <a:ext uri="{FF2B5EF4-FFF2-40B4-BE49-F238E27FC236}">
+                  <a16:creationId xmlns:a16="http://schemas.microsoft.com/office/drawing/2014/main" id="{AC25351C-53F3-7899-5C96-F956F1BD4F27}"/>
+                </a:ext>
+              </a:extLst>
+            </p:cNvPr>
+            <p:cNvSpPr txBox="1"/>
+            <p:nvPr/>
+          </p:nvSpPr>
+          <p:spPr>
+            <a:xfrm>
+              <a:off x="1002190" y="1572253"/>
+              <a:ext cx="216000" cy="216000"/>
+            </a:xfrm>
+            <a:prstGeom prst="rect">
+              <a:avLst/>
+            </a:prstGeom>
+            <a:noFill/>
+          </p:spPr>
+          <p:txBody>
+            <a:bodyPr wrap="square" rtlCol="0">
+              <a:spAutoFit/>
+            </a:bodyPr>
+            <a:lstStyle>
+              <a:defPPr>
+                <a:defRPr lang="en-US"/>
+              </a:defPPr>
+              <a:lvl1pPr marL="0" algn="l" defTabSz="457200" rtl="0" eaLnBrk="1" latinLnBrk="0" hangingPunct="1">
+                <a:defRPr sz="1800" kern="1200">
+                  <a:solidFill>
+                    <a:schemeClr val="tx1"/>
+                  </a:solidFill>
+                  <a:latin typeface="+mn-lt"/>
+                  <a:ea typeface="+mn-ea"/>
+                  <a:cs typeface="+mn-cs"/>
+                </a:defRPr>
+              </a:lvl1pPr>
+              <a:lvl2pPr marL="457200" algn="l" defTabSz="457200" rtl="0" eaLnBrk="1" latinLnBrk="0" hangingPunct="1">
+                <a:defRPr sz="1800" kern="1200">
+                  <a:solidFill>
+                    <a:schemeClr val="tx1"/>
+                  </a:solidFill>
+                  <a:latin typeface="+mn-lt"/>
+                  <a:ea typeface="+mn-ea"/>
+                  <a:cs typeface="+mn-cs"/>
+                </a:defRPr>
+              </a:lvl2pPr>
+              <a:lvl3pPr marL="914400" algn="l" defTabSz="457200" rtl="0" eaLnBrk="1" latinLnBrk="0" hangingPunct="1">
+                <a:defRPr sz="1800" kern="1200">
+                  <a:solidFill>
+                    <a:schemeClr val="tx1"/>
+                  </a:solidFill>
+                  <a:latin typeface="+mn-lt"/>
+                  <a:ea typeface="+mn-ea"/>
+                  <a:cs typeface="+mn-cs"/>
+                </a:defRPr>
+              </a:lvl3pPr>
+              <a:lvl4pPr marL="1371600" algn="l" defTabSz="457200" rtl="0" eaLnBrk="1" latinLnBrk="0" hangingPunct="1">
+                <a:defRPr sz="1800" kern="1200">
+                  <a:solidFill>
+                    <a:schemeClr val="tx1"/>
+                  </a:solidFill>
+                  <a:latin typeface="+mn-lt"/>
+                  <a:ea typeface="+mn-ea"/>
+                  <a:cs typeface="+mn-cs"/>
+                </a:defRPr>
+              </a:lvl4pPr>
+              <a:lvl5pPr marL="1828800" algn="l" defTabSz="457200" rtl="0" eaLnBrk="1" latinLnBrk="0" hangingPunct="1">
+                <a:defRPr sz="1800" kern="1200">
+                  <a:solidFill>
+                    <a:schemeClr val="tx1"/>
+                  </a:solidFill>
+                  <a:latin typeface="+mn-lt"/>
+                  <a:ea typeface="+mn-ea"/>
+                  <a:cs typeface="+mn-cs"/>
+                </a:defRPr>
+              </a:lvl5pPr>
+              <a:lvl6pPr marL="2286000" algn="l" defTabSz="457200" rtl="0" eaLnBrk="1" latinLnBrk="0" hangingPunct="1">
+                <a:defRPr sz="1800" kern="1200">
+                  <a:solidFill>
+                    <a:schemeClr val="tx1"/>
+                  </a:solidFill>
+                  <a:latin typeface="+mn-lt"/>
+                  <a:ea typeface="+mn-ea"/>
+                  <a:cs typeface="+mn-cs"/>
+                </a:defRPr>
+              </a:lvl6pPr>
+              <a:lvl7pPr marL="2743200" algn="l" defTabSz="457200" rtl="0" eaLnBrk="1" latinLnBrk="0" hangingPunct="1">
+                <a:defRPr sz="1800" kern="1200">
+                  <a:solidFill>
+                    <a:schemeClr val="tx1"/>
+                  </a:solidFill>
+                  <a:latin typeface="+mn-lt"/>
+                  <a:ea typeface="+mn-ea"/>
+                  <a:cs typeface="+mn-cs"/>
+                </a:defRPr>
+              </a:lvl7pPr>
+              <a:lvl8pPr marL="3200400" algn="l" defTabSz="457200" rtl="0" eaLnBrk="1" latinLnBrk="0" hangingPunct="1">
+                <a:defRPr sz="1800" kern="1200">
+                  <a:solidFill>
+                    <a:schemeClr val="tx1"/>
+                  </a:solidFill>
+                  <a:latin typeface="+mn-lt"/>
+                  <a:ea typeface="+mn-ea"/>
+                  <a:cs typeface="+mn-cs"/>
+                </a:defRPr>
+              </a:lvl8pPr>
+              <a:lvl9pPr marL="3657600" algn="l" defTabSz="457200" rtl="0" eaLnBrk="1" latinLnBrk="0" hangingPunct="1">
+                <a:defRPr sz="1800" kern="1200">
+                  <a:solidFill>
+                    <a:schemeClr val="tx1"/>
+                  </a:solidFill>
+                  <a:latin typeface="+mn-lt"/>
+                  <a:ea typeface="+mn-ea"/>
+                  <a:cs typeface="+mn-cs"/>
+                </a:defRPr>
+              </a:lvl9pPr>
+            </a:lstStyle>
+            <a:p>
+              <a:r>
+                <a:rPr lang="en-US" sz="800" dirty="0">
+                  <a:latin typeface="Calibri" panose="020F0502020204030204" pitchFamily="34" charset="0"/>
+                  <a:cs typeface="Calibri" panose="020F0502020204030204" pitchFamily="34" charset="0"/>
+                </a:rPr>
+                <a:t>d</a:t>
+              </a:r>
+              <a:endParaRPr lang="en-GB" sz="800" dirty="0">
+                <a:latin typeface="Calibri" panose="020F0502020204030204" pitchFamily="34" charset="0"/>
+                <a:cs typeface="Calibri" panose="020F0502020204030204" pitchFamily="34" charset="0"/>
+              </a:endParaRPr>
+            </a:p>
+          </p:txBody>
+        </p:sp>
+        <p:sp>
+          <p:nvSpPr>
+            <p:cNvPr id="104" name="Rectangle 103">
+              <a:extLst>
+                <a:ext uri="{FF2B5EF4-FFF2-40B4-BE49-F238E27FC236}">
+                  <a16:creationId xmlns:a16="http://schemas.microsoft.com/office/drawing/2014/main" id="{3E29F8FF-EB71-8683-C145-9A77D07C9933}"/>
+                </a:ext>
+              </a:extLst>
+            </p:cNvPr>
+            <p:cNvSpPr/>
+            <p:nvPr/>
+          </p:nvSpPr>
+          <p:spPr>
+            <a:xfrm>
+              <a:off x="1040747" y="1619373"/>
+              <a:ext cx="144000" cy="144000"/>
+            </a:xfrm>
+            <a:prstGeom prst="rect">
+              <a:avLst/>
+            </a:prstGeom>
+            <a:noFill/>
+            <a:ln w="3175">
+              <a:solidFill>
+                <a:schemeClr val="tx1">
+                  <a:lumMod val="75000"/>
+                  <a:lumOff val="25000"/>
+                </a:schemeClr>
+              </a:solidFill>
+            </a:ln>
+          </p:spPr>
+          <p:style>
+            <a:lnRef idx="2">
+              <a:schemeClr val="accent1">
+                <a:shade val="15000"/>
+              </a:schemeClr>
+            </a:lnRef>
+            <a:fillRef idx="1">
+              <a:schemeClr val="accent1"/>
+            </a:fillRef>
+            <a:effectRef idx="0">
+              <a:schemeClr val="accent1"/>
+            </a:effectRef>
+            <a:fontRef idx="minor">
+              <a:schemeClr val="lt1"/>
+            </a:fontRef>
+          </p:style>
+          <p:txBody>
+            <a:bodyPr rtlCol="0" anchor="ctr"/>
+            <a:lstStyle>
+              <a:defPPr>
+                <a:defRPr lang="en-US"/>
+              </a:defPPr>
+              <a:lvl1pPr marL="0" algn="l" defTabSz="457200" rtl="0" eaLnBrk="1" latinLnBrk="0" hangingPunct="1">
+                <a:defRPr sz="1800" kern="1200">
+                  <a:solidFill>
+                    <a:schemeClr val="lt1"/>
+                  </a:solidFill>
+                  <a:latin typeface="+mn-lt"/>
+                  <a:ea typeface="+mn-ea"/>
+                  <a:cs typeface="+mn-cs"/>
+                </a:defRPr>
+              </a:lvl1pPr>
+              <a:lvl2pPr marL="457200" algn="l" defTabSz="457200" rtl="0" eaLnBrk="1" latinLnBrk="0" hangingPunct="1">
+                <a:defRPr sz="1800" kern="1200">
+                  <a:solidFill>
+                    <a:schemeClr val="lt1"/>
+                  </a:solidFill>
+                  <a:latin typeface="+mn-lt"/>
+                  <a:ea typeface="+mn-ea"/>
+                  <a:cs typeface="+mn-cs"/>
+                </a:defRPr>
+              </a:lvl2pPr>
+              <a:lvl3pPr marL="914400" algn="l" defTabSz="457200" rtl="0" eaLnBrk="1" latinLnBrk="0" hangingPunct="1">
+                <a:defRPr sz="1800" kern="1200">
+                  <a:solidFill>
+                    <a:schemeClr val="lt1"/>
+                  </a:solidFill>
+                  <a:latin typeface="+mn-lt"/>
+                  <a:ea typeface="+mn-ea"/>
+                  <a:cs typeface="+mn-cs"/>
+                </a:defRPr>
+              </a:lvl3pPr>
+              <a:lvl4pPr marL="1371600" algn="l" defTabSz="457200" rtl="0" eaLnBrk="1" latinLnBrk="0" hangingPunct="1">
+                <a:defRPr sz="1800" kern="1200">
+                  <a:solidFill>
+                    <a:schemeClr val="lt1"/>
+                  </a:solidFill>
+                  <a:latin typeface="+mn-lt"/>
+                  <a:ea typeface="+mn-ea"/>
+                  <a:cs typeface="+mn-cs"/>
+                </a:defRPr>
+              </a:lvl4pPr>
+              <a:lvl5pPr marL="1828800" algn="l" defTabSz="457200" rtl="0" eaLnBrk="1" latinLnBrk="0" hangingPunct="1">
+                <a:defRPr sz="1800" kern="1200">
+                  <a:solidFill>
+                    <a:schemeClr val="lt1"/>
+                  </a:solidFill>
+                  <a:latin typeface="+mn-lt"/>
+                  <a:ea typeface="+mn-ea"/>
+                  <a:cs typeface="+mn-cs"/>
+                </a:defRPr>
+              </a:lvl5pPr>
+              <a:lvl6pPr marL="2286000" algn="l" defTabSz="457200" rtl="0" eaLnBrk="1" latinLnBrk="0" hangingPunct="1">
+                <a:defRPr sz="1800" kern="1200">
+                  <a:solidFill>
+                    <a:schemeClr val="lt1"/>
+                  </a:solidFill>
+                  <a:latin typeface="+mn-lt"/>
+                  <a:ea typeface="+mn-ea"/>
+                  <a:cs typeface="+mn-cs"/>
+                </a:defRPr>
+              </a:lvl6pPr>
+              <a:lvl7pPr marL="2743200" algn="l" defTabSz="457200" rtl="0" eaLnBrk="1" latinLnBrk="0" hangingPunct="1">
+                <a:defRPr sz="1800" kern="1200">
+                  <a:solidFill>
+                    <a:schemeClr val="lt1"/>
+                  </a:solidFill>
+                  <a:latin typeface="+mn-lt"/>
+                  <a:ea typeface="+mn-ea"/>
+                  <a:cs typeface="+mn-cs"/>
+                </a:defRPr>
+              </a:lvl7pPr>
+              <a:lvl8pPr marL="3200400" algn="l" defTabSz="457200" rtl="0" eaLnBrk="1" latinLnBrk="0" hangingPunct="1">
+                <a:defRPr sz="1800" kern="1200">
+                  <a:solidFill>
+                    <a:schemeClr val="lt1"/>
+                  </a:solidFill>
+                  <a:latin typeface="+mn-lt"/>
+                  <a:ea typeface="+mn-ea"/>
+                  <a:cs typeface="+mn-cs"/>
+                </a:defRPr>
+              </a:lvl8pPr>
+              <a:lvl9pPr marL="3657600" algn="l" defTabSz="457200" rtl="0" eaLnBrk="1" latinLnBrk="0" hangingPunct="1">
+                <a:defRPr sz="1800" kern="1200">
+                  <a:solidFill>
+                    <a:schemeClr val="lt1"/>
+                  </a:solidFill>
+                  <a:latin typeface="+mn-lt"/>
+                  <a:ea typeface="+mn-ea"/>
+                  <a:cs typeface="+mn-cs"/>
+                </a:defRPr>
+              </a:lvl9pPr>
+            </a:lstStyle>
+            <a:p>
+              <a:pPr algn="ctr"/>
+              <a:endParaRPr lang="en-GB"/>
+            </a:p>
+          </p:txBody>
+        </p:sp>
+      </p:grpSp>
+      <p:grpSp>
+        <p:nvGrpSpPr>
+          <p:cNvPr id="43" name="Group 42">
+            <a:extLst>
+              <a:ext uri="{FF2B5EF4-FFF2-40B4-BE49-F238E27FC236}">
+                <a16:creationId xmlns:a16="http://schemas.microsoft.com/office/drawing/2014/main" id="{C83592FD-8F45-7E30-EF10-34B424CE3CDD}"/>
+              </a:ext>
+            </a:extLst>
+          </p:cNvPr>
+          <p:cNvGrpSpPr/>
+          <p:nvPr/>
+        </p:nvGrpSpPr>
+        <p:grpSpPr>
+          <a:xfrm>
+            <a:off x="1029060" y="4262061"/>
+            <a:ext cx="216000" cy="216000"/>
+            <a:chOff x="1002190" y="1572253"/>
+            <a:chExt cx="216000" cy="216000"/>
+          </a:xfrm>
+        </p:grpSpPr>
+        <p:sp>
+          <p:nvSpPr>
+            <p:cNvPr id="101" name="TextBox 14">
+              <a:extLst>
+                <a:ext uri="{FF2B5EF4-FFF2-40B4-BE49-F238E27FC236}">
+                  <a16:creationId xmlns:a16="http://schemas.microsoft.com/office/drawing/2014/main" id="{59E875D0-3DBB-FED2-E84A-3D27DECD68EA}"/>
+                </a:ext>
+              </a:extLst>
+            </p:cNvPr>
+            <p:cNvSpPr txBox="1"/>
+            <p:nvPr/>
+          </p:nvSpPr>
+          <p:spPr>
+            <a:xfrm>
+              <a:off x="1002190" y="1572253"/>
+              <a:ext cx="216000" cy="216000"/>
+            </a:xfrm>
+            <a:prstGeom prst="rect">
+              <a:avLst/>
+            </a:prstGeom>
+            <a:noFill/>
+          </p:spPr>
+          <p:txBody>
+            <a:bodyPr wrap="square" rtlCol="0">
+              <a:spAutoFit/>
+            </a:bodyPr>
+            <a:lstStyle>
+              <a:defPPr>
+                <a:defRPr lang="en-US"/>
+              </a:defPPr>
+              <a:lvl1pPr marL="0" algn="l" defTabSz="457200" rtl="0" eaLnBrk="1" latinLnBrk="0" hangingPunct="1">
+                <a:defRPr sz="1800" kern="1200">
+                  <a:solidFill>
+                    <a:schemeClr val="tx1"/>
+                  </a:solidFill>
+                  <a:latin typeface="+mn-lt"/>
+                  <a:ea typeface="+mn-ea"/>
+                  <a:cs typeface="+mn-cs"/>
+                </a:defRPr>
+              </a:lvl1pPr>
+              <a:lvl2pPr marL="457200" algn="l" defTabSz="457200" rtl="0" eaLnBrk="1" latinLnBrk="0" hangingPunct="1">
+                <a:defRPr sz="1800" kern="1200">
+                  <a:solidFill>
+                    <a:schemeClr val="tx1"/>
+                  </a:solidFill>
+                  <a:latin typeface="+mn-lt"/>
+                  <a:ea typeface="+mn-ea"/>
+                  <a:cs typeface="+mn-cs"/>
+                </a:defRPr>
+              </a:lvl2pPr>
+              <a:lvl3pPr marL="914400" algn="l" defTabSz="457200" rtl="0" eaLnBrk="1" latinLnBrk="0" hangingPunct="1">
+                <a:defRPr sz="1800" kern="1200">
+                  <a:solidFill>
+                    <a:schemeClr val="tx1"/>
+                  </a:solidFill>
+                  <a:latin typeface="+mn-lt"/>
+                  <a:ea typeface="+mn-ea"/>
+                  <a:cs typeface="+mn-cs"/>
+                </a:defRPr>
+              </a:lvl3pPr>
+              <a:lvl4pPr marL="1371600" algn="l" defTabSz="457200" rtl="0" eaLnBrk="1" latinLnBrk="0" hangingPunct="1">
+                <a:defRPr sz="1800" kern="1200">
+                  <a:solidFill>
+                    <a:schemeClr val="tx1"/>
+                  </a:solidFill>
+                  <a:latin typeface="+mn-lt"/>
+                  <a:ea typeface="+mn-ea"/>
+                  <a:cs typeface="+mn-cs"/>
+                </a:defRPr>
+              </a:lvl4pPr>
+              <a:lvl5pPr marL="1828800" algn="l" defTabSz="457200" rtl="0" eaLnBrk="1" latinLnBrk="0" hangingPunct="1">
+                <a:defRPr sz="1800" kern="1200">
+                  <a:solidFill>
+                    <a:schemeClr val="tx1"/>
+                  </a:solidFill>
+                  <a:latin typeface="+mn-lt"/>
+                  <a:ea typeface="+mn-ea"/>
+                  <a:cs typeface="+mn-cs"/>
+                </a:defRPr>
+              </a:lvl5pPr>
+              <a:lvl6pPr marL="2286000" algn="l" defTabSz="457200" rtl="0" eaLnBrk="1" latinLnBrk="0" hangingPunct="1">
+                <a:defRPr sz="1800" kern="1200">
+                  <a:solidFill>
+                    <a:schemeClr val="tx1"/>
+                  </a:solidFill>
+                  <a:latin typeface="+mn-lt"/>
+                  <a:ea typeface="+mn-ea"/>
+                  <a:cs typeface="+mn-cs"/>
+                </a:defRPr>
+              </a:lvl6pPr>
+              <a:lvl7pPr marL="2743200" algn="l" defTabSz="457200" rtl="0" eaLnBrk="1" latinLnBrk="0" hangingPunct="1">
+                <a:defRPr sz="1800" kern="1200">
+                  <a:solidFill>
+                    <a:schemeClr val="tx1"/>
+                  </a:solidFill>
+                  <a:latin typeface="+mn-lt"/>
+                  <a:ea typeface="+mn-ea"/>
+                  <a:cs typeface="+mn-cs"/>
+                </a:defRPr>
+              </a:lvl7pPr>
+              <a:lvl8pPr marL="3200400" algn="l" defTabSz="457200" rtl="0" eaLnBrk="1" latinLnBrk="0" hangingPunct="1">
+                <a:defRPr sz="1800" kern="1200">
+                  <a:solidFill>
+                    <a:schemeClr val="tx1"/>
+                  </a:solidFill>
+                  <a:latin typeface="+mn-lt"/>
+                  <a:ea typeface="+mn-ea"/>
+                  <a:cs typeface="+mn-cs"/>
+                </a:defRPr>
+              </a:lvl8pPr>
+              <a:lvl9pPr marL="3657600" algn="l" defTabSz="457200" rtl="0" eaLnBrk="1" latinLnBrk="0" hangingPunct="1">
+                <a:defRPr sz="1800" kern="1200">
+                  <a:solidFill>
+                    <a:schemeClr val="tx1"/>
+                  </a:solidFill>
+                  <a:latin typeface="+mn-lt"/>
+                  <a:ea typeface="+mn-ea"/>
+                  <a:cs typeface="+mn-cs"/>
+                </a:defRPr>
+              </a:lvl9pPr>
+            </a:lstStyle>
+            <a:p>
+              <a:r>
+                <a:rPr lang="en-US" sz="800" dirty="0">
+                  <a:latin typeface="Calibri" panose="020F0502020204030204" pitchFamily="34" charset="0"/>
+                  <a:cs typeface="Calibri" panose="020F0502020204030204" pitchFamily="34" charset="0"/>
+                </a:rPr>
+                <a:t>e</a:t>
+              </a:r>
+              <a:endParaRPr lang="en-GB" sz="800" dirty="0">
+                <a:latin typeface="Calibri" panose="020F0502020204030204" pitchFamily="34" charset="0"/>
+                <a:cs typeface="Calibri" panose="020F0502020204030204" pitchFamily="34" charset="0"/>
+              </a:endParaRPr>
+            </a:p>
+          </p:txBody>
+        </p:sp>
+        <p:sp>
+          <p:nvSpPr>
+            <p:cNvPr id="102" name="Rectangle 101">
+              <a:extLst>
+                <a:ext uri="{FF2B5EF4-FFF2-40B4-BE49-F238E27FC236}">
+                  <a16:creationId xmlns:a16="http://schemas.microsoft.com/office/drawing/2014/main" id="{2C811F63-C1D5-D26D-349A-7A428D13BB54}"/>
+                </a:ext>
+              </a:extLst>
+            </p:cNvPr>
+            <p:cNvSpPr/>
+            <p:nvPr/>
+          </p:nvSpPr>
+          <p:spPr>
+            <a:xfrm>
+              <a:off x="1040747" y="1619373"/>
+              <a:ext cx="144000" cy="144000"/>
+            </a:xfrm>
+            <a:prstGeom prst="rect">
+              <a:avLst/>
+            </a:prstGeom>
+            <a:noFill/>
+            <a:ln w="3175">
+              <a:solidFill>
+                <a:schemeClr val="tx1">
+                  <a:lumMod val="75000"/>
+                  <a:lumOff val="25000"/>
+                </a:schemeClr>
+              </a:solidFill>
+            </a:ln>
+          </p:spPr>
+          <p:style>
+            <a:lnRef idx="2">
+              <a:schemeClr val="accent1">
+                <a:shade val="15000"/>
+              </a:schemeClr>
+            </a:lnRef>
+            <a:fillRef idx="1">
+              <a:schemeClr val="accent1"/>
+            </a:fillRef>
+            <a:effectRef idx="0">
+              <a:schemeClr val="accent1"/>
+            </a:effectRef>
+            <a:fontRef idx="minor">
+              <a:schemeClr val="lt1"/>
+            </a:fontRef>
+          </p:style>
+          <p:txBody>
+            <a:bodyPr rtlCol="0" anchor="ctr"/>
+            <a:lstStyle>
+              <a:defPPr>
+                <a:defRPr lang="en-US"/>
+              </a:defPPr>
+              <a:lvl1pPr marL="0" algn="l" defTabSz="457200" rtl="0" eaLnBrk="1" latinLnBrk="0" hangingPunct="1">
+                <a:defRPr sz="1800" kern="1200">
+                  <a:solidFill>
+                    <a:schemeClr val="lt1"/>
+                  </a:solidFill>
+                  <a:latin typeface="+mn-lt"/>
+                  <a:ea typeface="+mn-ea"/>
+                  <a:cs typeface="+mn-cs"/>
+                </a:defRPr>
+              </a:lvl1pPr>
+              <a:lvl2pPr marL="457200" algn="l" defTabSz="457200" rtl="0" eaLnBrk="1" latinLnBrk="0" hangingPunct="1">
+                <a:defRPr sz="1800" kern="1200">
+                  <a:solidFill>
+                    <a:schemeClr val="lt1"/>
+                  </a:solidFill>
+                  <a:latin typeface="+mn-lt"/>
+                  <a:ea typeface="+mn-ea"/>
+                  <a:cs typeface="+mn-cs"/>
+                </a:defRPr>
+              </a:lvl2pPr>
+              <a:lvl3pPr marL="914400" algn="l" defTabSz="457200" rtl="0" eaLnBrk="1" latinLnBrk="0" hangingPunct="1">
+                <a:defRPr sz="1800" kern="1200">
+                  <a:solidFill>
+                    <a:schemeClr val="lt1"/>
+                  </a:solidFill>
+                  <a:latin typeface="+mn-lt"/>
+                  <a:ea typeface="+mn-ea"/>
+                  <a:cs typeface="+mn-cs"/>
+                </a:defRPr>
+              </a:lvl3pPr>
+              <a:lvl4pPr marL="1371600" algn="l" defTabSz="457200" rtl="0" eaLnBrk="1" latinLnBrk="0" hangingPunct="1">
+                <a:defRPr sz="1800" kern="1200">
+                  <a:solidFill>
+                    <a:schemeClr val="lt1"/>
+                  </a:solidFill>
+                  <a:latin typeface="+mn-lt"/>
+                  <a:ea typeface="+mn-ea"/>
+                  <a:cs typeface="+mn-cs"/>
+                </a:defRPr>
+              </a:lvl4pPr>
+              <a:lvl5pPr marL="1828800" algn="l" defTabSz="457200" rtl="0" eaLnBrk="1" latinLnBrk="0" hangingPunct="1">
+                <a:defRPr sz="1800" kern="1200">
+                  <a:solidFill>
+                    <a:schemeClr val="lt1"/>
+                  </a:solidFill>
+                  <a:latin typeface="+mn-lt"/>
+                  <a:ea typeface="+mn-ea"/>
+                  <a:cs typeface="+mn-cs"/>
+                </a:defRPr>
+              </a:lvl5pPr>
+              <a:lvl6pPr marL="2286000" algn="l" defTabSz="457200" rtl="0" eaLnBrk="1" latinLnBrk="0" hangingPunct="1">
+                <a:defRPr sz="1800" kern="1200">
+                  <a:solidFill>
+                    <a:schemeClr val="lt1"/>
+                  </a:solidFill>
+                  <a:latin typeface="+mn-lt"/>
+                  <a:ea typeface="+mn-ea"/>
+                  <a:cs typeface="+mn-cs"/>
+                </a:defRPr>
+              </a:lvl6pPr>
+              <a:lvl7pPr marL="2743200" algn="l" defTabSz="457200" rtl="0" eaLnBrk="1" latinLnBrk="0" hangingPunct="1">
+                <a:defRPr sz="1800" kern="1200">
+                  <a:solidFill>
+                    <a:schemeClr val="lt1"/>
+                  </a:solidFill>
+                  <a:latin typeface="+mn-lt"/>
+                  <a:ea typeface="+mn-ea"/>
+                  <a:cs typeface="+mn-cs"/>
+                </a:defRPr>
+              </a:lvl7pPr>
+              <a:lvl8pPr marL="3200400" algn="l" defTabSz="457200" rtl="0" eaLnBrk="1" latinLnBrk="0" hangingPunct="1">
+                <a:defRPr sz="1800" kern="1200">
+                  <a:solidFill>
+                    <a:schemeClr val="lt1"/>
+                  </a:solidFill>
+                  <a:latin typeface="+mn-lt"/>
+                  <a:ea typeface="+mn-ea"/>
+                  <a:cs typeface="+mn-cs"/>
+                </a:defRPr>
+              </a:lvl8pPr>
+              <a:lvl9pPr marL="3657600" algn="l" defTabSz="457200" rtl="0" eaLnBrk="1" latinLnBrk="0" hangingPunct="1">
+                <a:defRPr sz="1800" kern="1200">
+                  <a:solidFill>
+                    <a:schemeClr val="lt1"/>
+                  </a:solidFill>
+                  <a:latin typeface="+mn-lt"/>
+                  <a:ea typeface="+mn-ea"/>
+                  <a:cs typeface="+mn-cs"/>
+                </a:defRPr>
+              </a:lvl9pPr>
+            </a:lstStyle>
+            <a:p>
+              <a:pPr algn="ctr"/>
+              <a:endParaRPr lang="en-GB"/>
+            </a:p>
+          </p:txBody>
+        </p:sp>
+      </p:grpSp>
+      <p:grpSp>
+        <p:nvGrpSpPr>
+          <p:cNvPr id="44" name="Group 43">
+            <a:extLst>
+              <a:ext uri="{FF2B5EF4-FFF2-40B4-BE49-F238E27FC236}">
+                <a16:creationId xmlns:a16="http://schemas.microsoft.com/office/drawing/2014/main" id="{5164188A-DBF3-9616-194C-1CE7DD34A6AC}"/>
+              </a:ext>
+            </a:extLst>
+          </p:cNvPr>
+          <p:cNvGrpSpPr/>
+          <p:nvPr/>
+        </p:nvGrpSpPr>
+        <p:grpSpPr>
+          <a:xfrm>
+            <a:off x="1029060" y="5139399"/>
+            <a:ext cx="216000" cy="216000"/>
+            <a:chOff x="1002190" y="1572253"/>
+            <a:chExt cx="216000" cy="216000"/>
+          </a:xfrm>
+        </p:grpSpPr>
+        <p:sp>
+          <p:nvSpPr>
+            <p:cNvPr id="99" name="TextBox 17">
+              <a:extLst>
+                <a:ext uri="{FF2B5EF4-FFF2-40B4-BE49-F238E27FC236}">
+                  <a16:creationId xmlns:a16="http://schemas.microsoft.com/office/drawing/2014/main" id="{AC50417A-F333-D7B3-9249-4C66429FD4DC}"/>
+                </a:ext>
+              </a:extLst>
+            </p:cNvPr>
+            <p:cNvSpPr txBox="1"/>
+            <p:nvPr/>
+          </p:nvSpPr>
+          <p:spPr>
+            <a:xfrm>
+              <a:off x="1002190" y="1572253"/>
+              <a:ext cx="216000" cy="216000"/>
+            </a:xfrm>
+            <a:prstGeom prst="rect">
+              <a:avLst/>
+            </a:prstGeom>
+            <a:noFill/>
+          </p:spPr>
+          <p:txBody>
+            <a:bodyPr wrap="square" rtlCol="0">
+              <a:spAutoFit/>
+            </a:bodyPr>
+            <a:lstStyle>
+              <a:defPPr>
+                <a:defRPr lang="en-US"/>
+              </a:defPPr>
+              <a:lvl1pPr marL="0" algn="l" defTabSz="457200" rtl="0" eaLnBrk="1" latinLnBrk="0" hangingPunct="1">
+                <a:defRPr sz="1800" kern="1200">
+                  <a:solidFill>
+                    <a:schemeClr val="tx1"/>
+                  </a:solidFill>
+                  <a:latin typeface="+mn-lt"/>
+                  <a:ea typeface="+mn-ea"/>
+                  <a:cs typeface="+mn-cs"/>
+                </a:defRPr>
+              </a:lvl1pPr>
+              <a:lvl2pPr marL="457200" algn="l" defTabSz="457200" rtl="0" eaLnBrk="1" latinLnBrk="0" hangingPunct="1">
+                <a:defRPr sz="1800" kern="1200">
+                  <a:solidFill>
+                    <a:schemeClr val="tx1"/>
+                  </a:solidFill>
+                  <a:latin typeface="+mn-lt"/>
+                  <a:ea typeface="+mn-ea"/>
+                  <a:cs typeface="+mn-cs"/>
+                </a:defRPr>
+              </a:lvl2pPr>
+              <a:lvl3pPr marL="914400" algn="l" defTabSz="457200" rtl="0" eaLnBrk="1" latinLnBrk="0" hangingPunct="1">
+                <a:defRPr sz="1800" kern="1200">
+                  <a:solidFill>
+                    <a:schemeClr val="tx1"/>
+                  </a:solidFill>
+                  <a:latin typeface="+mn-lt"/>
+                  <a:ea typeface="+mn-ea"/>
+                  <a:cs typeface="+mn-cs"/>
+                </a:defRPr>
+              </a:lvl3pPr>
+              <a:lvl4pPr marL="1371600" algn="l" defTabSz="457200" rtl="0" eaLnBrk="1" latinLnBrk="0" hangingPunct="1">
+                <a:defRPr sz="1800" kern="1200">
+                  <a:solidFill>
+                    <a:schemeClr val="tx1"/>
+                  </a:solidFill>
+                  <a:latin typeface="+mn-lt"/>
+                  <a:ea typeface="+mn-ea"/>
+                  <a:cs typeface="+mn-cs"/>
+                </a:defRPr>
+              </a:lvl4pPr>
+              <a:lvl5pPr marL="1828800" algn="l" defTabSz="457200" rtl="0" eaLnBrk="1" latinLnBrk="0" hangingPunct="1">
+                <a:defRPr sz="1800" kern="1200">
+                  <a:solidFill>
+                    <a:schemeClr val="tx1"/>
+                  </a:solidFill>
+                  <a:latin typeface="+mn-lt"/>
+                  <a:ea typeface="+mn-ea"/>
+                  <a:cs typeface="+mn-cs"/>
+                </a:defRPr>
+              </a:lvl5pPr>
+              <a:lvl6pPr marL="2286000" algn="l" defTabSz="457200" rtl="0" eaLnBrk="1" latinLnBrk="0" hangingPunct="1">
+                <a:defRPr sz="1800" kern="1200">
+                  <a:solidFill>
+                    <a:schemeClr val="tx1"/>
+                  </a:solidFill>
+                  <a:latin typeface="+mn-lt"/>
+                  <a:ea typeface="+mn-ea"/>
+                  <a:cs typeface="+mn-cs"/>
+                </a:defRPr>
+              </a:lvl6pPr>
+              <a:lvl7pPr marL="2743200" algn="l" defTabSz="457200" rtl="0" eaLnBrk="1" latinLnBrk="0" hangingPunct="1">
+                <a:defRPr sz="1800" kern="1200">
+                  <a:solidFill>
+                    <a:schemeClr val="tx1"/>
+                  </a:solidFill>
+                  <a:latin typeface="+mn-lt"/>
+                  <a:ea typeface="+mn-ea"/>
+                  <a:cs typeface="+mn-cs"/>
+                </a:defRPr>
+              </a:lvl7pPr>
+              <a:lvl8pPr marL="3200400" algn="l" defTabSz="457200" rtl="0" eaLnBrk="1" latinLnBrk="0" hangingPunct="1">
+                <a:defRPr sz="1800" kern="1200">
+                  <a:solidFill>
+                    <a:schemeClr val="tx1"/>
+                  </a:solidFill>
+                  <a:latin typeface="+mn-lt"/>
+                  <a:ea typeface="+mn-ea"/>
+                  <a:cs typeface="+mn-cs"/>
+                </a:defRPr>
+              </a:lvl8pPr>
+              <a:lvl9pPr marL="3657600" algn="l" defTabSz="457200" rtl="0" eaLnBrk="1" latinLnBrk="0" hangingPunct="1">
+                <a:defRPr sz="1800" kern="1200">
+                  <a:solidFill>
+                    <a:schemeClr val="tx1"/>
+                  </a:solidFill>
+                  <a:latin typeface="+mn-lt"/>
+                  <a:ea typeface="+mn-ea"/>
+                  <a:cs typeface="+mn-cs"/>
+                </a:defRPr>
+              </a:lvl9pPr>
+            </a:lstStyle>
+            <a:p>
+              <a:r>
+                <a:rPr lang="en-US" sz="800" dirty="0">
+                  <a:latin typeface="Calibri" panose="020F0502020204030204" pitchFamily="34" charset="0"/>
+                  <a:cs typeface="Calibri" panose="020F0502020204030204" pitchFamily="34" charset="0"/>
+                </a:rPr>
+                <a:t>f</a:t>
+              </a:r>
+              <a:endParaRPr lang="en-GB" sz="800" dirty="0">
+                <a:latin typeface="Calibri" panose="020F0502020204030204" pitchFamily="34" charset="0"/>
+                <a:cs typeface="Calibri" panose="020F0502020204030204" pitchFamily="34" charset="0"/>
+              </a:endParaRPr>
+            </a:p>
+          </p:txBody>
+        </p:sp>
+        <p:sp>
+          <p:nvSpPr>
+            <p:cNvPr id="100" name="Rectangle 99">
+              <a:extLst>
+                <a:ext uri="{FF2B5EF4-FFF2-40B4-BE49-F238E27FC236}">
+                  <a16:creationId xmlns:a16="http://schemas.microsoft.com/office/drawing/2014/main" id="{20B3428E-D2B0-60FB-6426-9E41889E3E85}"/>
+                </a:ext>
+              </a:extLst>
+            </p:cNvPr>
+            <p:cNvSpPr/>
+            <p:nvPr/>
+          </p:nvSpPr>
+          <p:spPr>
+            <a:xfrm>
+              <a:off x="1040747" y="1619373"/>
+              <a:ext cx="144000" cy="144000"/>
+            </a:xfrm>
+            <a:prstGeom prst="rect">
+              <a:avLst/>
+            </a:prstGeom>
+            <a:noFill/>
+            <a:ln w="3175">
+              <a:solidFill>
+                <a:schemeClr val="tx1">
+                  <a:lumMod val="75000"/>
+                  <a:lumOff val="25000"/>
+                </a:schemeClr>
+              </a:solidFill>
+            </a:ln>
+          </p:spPr>
+          <p:style>
+            <a:lnRef idx="2">
+              <a:schemeClr val="accent1">
+                <a:shade val="15000"/>
+              </a:schemeClr>
+            </a:lnRef>
+            <a:fillRef idx="1">
+              <a:schemeClr val="accent1"/>
+            </a:fillRef>
+            <a:effectRef idx="0">
+              <a:schemeClr val="accent1"/>
+            </a:effectRef>
+            <a:fontRef idx="minor">
+              <a:schemeClr val="lt1"/>
+            </a:fontRef>
+          </p:style>
+          <p:txBody>
+            <a:bodyPr rtlCol="0" anchor="ctr"/>
+            <a:lstStyle>
+              <a:defPPr>
+                <a:defRPr lang="en-US"/>
+              </a:defPPr>
+              <a:lvl1pPr marL="0" algn="l" defTabSz="457200" rtl="0" eaLnBrk="1" latinLnBrk="0" hangingPunct="1">
+                <a:defRPr sz="1800" kern="1200">
+                  <a:solidFill>
+                    <a:schemeClr val="lt1"/>
+                  </a:solidFill>
+                  <a:latin typeface="+mn-lt"/>
+                  <a:ea typeface="+mn-ea"/>
+                  <a:cs typeface="+mn-cs"/>
+                </a:defRPr>
+              </a:lvl1pPr>
+              <a:lvl2pPr marL="457200" algn="l" defTabSz="457200" rtl="0" eaLnBrk="1" latinLnBrk="0" hangingPunct="1">
+                <a:defRPr sz="1800" kern="1200">
+                  <a:solidFill>
+                    <a:schemeClr val="lt1"/>
+                  </a:solidFill>
+                  <a:latin typeface="+mn-lt"/>
+                  <a:ea typeface="+mn-ea"/>
+                  <a:cs typeface="+mn-cs"/>
+                </a:defRPr>
+              </a:lvl2pPr>
+              <a:lvl3pPr marL="914400" algn="l" defTabSz="457200" rtl="0" eaLnBrk="1" latinLnBrk="0" hangingPunct="1">
+                <a:defRPr sz="1800" kern="1200">
+                  <a:solidFill>
+                    <a:schemeClr val="lt1"/>
+                  </a:solidFill>
+                  <a:latin typeface="+mn-lt"/>
+                  <a:ea typeface="+mn-ea"/>
+                  <a:cs typeface="+mn-cs"/>
+                </a:defRPr>
+              </a:lvl3pPr>
+              <a:lvl4pPr marL="1371600" algn="l" defTabSz="457200" rtl="0" eaLnBrk="1" latinLnBrk="0" hangingPunct="1">
+                <a:defRPr sz="1800" kern="1200">
+                  <a:solidFill>
+                    <a:schemeClr val="lt1"/>
+                  </a:solidFill>
+                  <a:latin typeface="+mn-lt"/>
+                  <a:ea typeface="+mn-ea"/>
+                  <a:cs typeface="+mn-cs"/>
+                </a:defRPr>
+              </a:lvl4pPr>
+              <a:lvl5pPr marL="1828800" algn="l" defTabSz="457200" rtl="0" eaLnBrk="1" latinLnBrk="0" hangingPunct="1">
+                <a:defRPr sz="1800" kern="1200">
+                  <a:solidFill>
+                    <a:schemeClr val="lt1"/>
+                  </a:solidFill>
+                  <a:latin typeface="+mn-lt"/>
+                  <a:ea typeface="+mn-ea"/>
+                  <a:cs typeface="+mn-cs"/>
+                </a:defRPr>
+              </a:lvl5pPr>
+              <a:lvl6pPr marL="2286000" algn="l" defTabSz="457200" rtl="0" eaLnBrk="1" latinLnBrk="0" hangingPunct="1">
+                <a:defRPr sz="1800" kern="1200">
+                  <a:solidFill>
+                    <a:schemeClr val="lt1"/>
+                  </a:solidFill>
+                  <a:latin typeface="+mn-lt"/>
+                  <a:ea typeface="+mn-ea"/>
+                  <a:cs typeface="+mn-cs"/>
+                </a:defRPr>
+              </a:lvl6pPr>
+              <a:lvl7pPr marL="2743200" algn="l" defTabSz="457200" rtl="0" eaLnBrk="1" latinLnBrk="0" hangingPunct="1">
+                <a:defRPr sz="1800" kern="1200">
+                  <a:solidFill>
+                    <a:schemeClr val="lt1"/>
+                  </a:solidFill>
+                  <a:latin typeface="+mn-lt"/>
+                  <a:ea typeface="+mn-ea"/>
+                  <a:cs typeface="+mn-cs"/>
+                </a:defRPr>
+              </a:lvl7pPr>
+              <a:lvl8pPr marL="3200400" algn="l" defTabSz="457200" rtl="0" eaLnBrk="1" latinLnBrk="0" hangingPunct="1">
+                <a:defRPr sz="1800" kern="1200">
+                  <a:solidFill>
+                    <a:schemeClr val="lt1"/>
+                  </a:solidFill>
+                  <a:latin typeface="+mn-lt"/>
+                  <a:ea typeface="+mn-ea"/>
+                  <a:cs typeface="+mn-cs"/>
+                </a:defRPr>
+              </a:lvl8pPr>
+              <a:lvl9pPr marL="3657600" algn="l" defTabSz="457200" rtl="0" eaLnBrk="1" latinLnBrk="0" hangingPunct="1">
+                <a:defRPr sz="1800" kern="1200">
+                  <a:solidFill>
+                    <a:schemeClr val="lt1"/>
+                  </a:solidFill>
+                  <a:latin typeface="+mn-lt"/>
+                  <a:ea typeface="+mn-ea"/>
+                  <a:cs typeface="+mn-cs"/>
+                </a:defRPr>
+              </a:lvl9pPr>
+            </a:lstStyle>
+            <a:p>
+              <a:pPr algn="ctr"/>
+              <a:endParaRPr lang="en-GB"/>
+            </a:p>
+          </p:txBody>
+        </p:sp>
+      </p:grpSp>
+      <p:grpSp>
+        <p:nvGrpSpPr>
+          <p:cNvPr id="45" name="Group 44">
+            <a:extLst>
+              <a:ext uri="{FF2B5EF4-FFF2-40B4-BE49-F238E27FC236}">
+                <a16:creationId xmlns:a16="http://schemas.microsoft.com/office/drawing/2014/main" id="{78A29F31-84FE-48AC-EC17-778DF8473EC9}"/>
+              </a:ext>
+            </a:extLst>
+          </p:cNvPr>
+          <p:cNvGrpSpPr/>
+          <p:nvPr/>
+        </p:nvGrpSpPr>
+        <p:grpSpPr>
+          <a:xfrm>
+            <a:off x="1993116" y="746950"/>
+            <a:ext cx="216000" cy="216000"/>
+            <a:chOff x="1002190" y="1572253"/>
+            <a:chExt cx="216000" cy="216000"/>
+          </a:xfrm>
+        </p:grpSpPr>
+        <p:sp>
+          <p:nvSpPr>
+            <p:cNvPr id="97" name="TextBox 20">
+              <a:extLst>
+                <a:ext uri="{FF2B5EF4-FFF2-40B4-BE49-F238E27FC236}">
+                  <a16:creationId xmlns:a16="http://schemas.microsoft.com/office/drawing/2014/main" id="{3B91AD00-9822-CC76-A17F-33B6AAFCB7BA}"/>
+                </a:ext>
+              </a:extLst>
+            </p:cNvPr>
+            <p:cNvSpPr txBox="1"/>
+            <p:nvPr/>
+          </p:nvSpPr>
+          <p:spPr>
+            <a:xfrm>
+              <a:off x="1002190" y="1572253"/>
+              <a:ext cx="216000" cy="216000"/>
+            </a:xfrm>
+            <a:prstGeom prst="rect">
+              <a:avLst/>
+            </a:prstGeom>
+            <a:noFill/>
+          </p:spPr>
+          <p:txBody>
+            <a:bodyPr wrap="square" rtlCol="0">
+              <a:spAutoFit/>
+            </a:bodyPr>
+            <a:lstStyle>
+              <a:defPPr>
+                <a:defRPr lang="en-US"/>
+              </a:defPPr>
+              <a:lvl1pPr marL="0" algn="l" defTabSz="457200" rtl="0" eaLnBrk="1" latinLnBrk="0" hangingPunct="1">
+                <a:defRPr sz="1800" kern="1200">
+                  <a:solidFill>
+                    <a:schemeClr val="tx1"/>
+                  </a:solidFill>
+                  <a:latin typeface="+mn-lt"/>
+                  <a:ea typeface="+mn-ea"/>
+                  <a:cs typeface="+mn-cs"/>
+                </a:defRPr>
+              </a:lvl1pPr>
+              <a:lvl2pPr marL="457200" algn="l" defTabSz="457200" rtl="0" eaLnBrk="1" latinLnBrk="0" hangingPunct="1">
+                <a:defRPr sz="1800" kern="1200">
+                  <a:solidFill>
+                    <a:schemeClr val="tx1"/>
+                  </a:solidFill>
+                  <a:latin typeface="+mn-lt"/>
+                  <a:ea typeface="+mn-ea"/>
+                  <a:cs typeface="+mn-cs"/>
+                </a:defRPr>
+              </a:lvl2pPr>
+              <a:lvl3pPr marL="914400" algn="l" defTabSz="457200" rtl="0" eaLnBrk="1" latinLnBrk="0" hangingPunct="1">
+                <a:defRPr sz="1800" kern="1200">
+                  <a:solidFill>
+                    <a:schemeClr val="tx1"/>
+                  </a:solidFill>
+                  <a:latin typeface="+mn-lt"/>
+                  <a:ea typeface="+mn-ea"/>
+                  <a:cs typeface="+mn-cs"/>
+                </a:defRPr>
+              </a:lvl3pPr>
+              <a:lvl4pPr marL="1371600" algn="l" defTabSz="457200" rtl="0" eaLnBrk="1" latinLnBrk="0" hangingPunct="1">
+                <a:defRPr sz="1800" kern="1200">
+                  <a:solidFill>
+                    <a:schemeClr val="tx1"/>
+                  </a:solidFill>
+                  <a:latin typeface="+mn-lt"/>
+                  <a:ea typeface="+mn-ea"/>
+                  <a:cs typeface="+mn-cs"/>
+                </a:defRPr>
+              </a:lvl4pPr>
+              <a:lvl5pPr marL="1828800" algn="l" defTabSz="457200" rtl="0" eaLnBrk="1" latinLnBrk="0" hangingPunct="1">
+                <a:defRPr sz="1800" kern="1200">
+                  <a:solidFill>
+                    <a:schemeClr val="tx1"/>
+                  </a:solidFill>
+                  <a:latin typeface="+mn-lt"/>
+                  <a:ea typeface="+mn-ea"/>
+                  <a:cs typeface="+mn-cs"/>
+                </a:defRPr>
+              </a:lvl5pPr>
+              <a:lvl6pPr marL="2286000" algn="l" defTabSz="457200" rtl="0" eaLnBrk="1" latinLnBrk="0" hangingPunct="1">
+                <a:defRPr sz="1800" kern="1200">
+                  <a:solidFill>
+                    <a:schemeClr val="tx1"/>
+                  </a:solidFill>
+                  <a:latin typeface="+mn-lt"/>
+                  <a:ea typeface="+mn-ea"/>
+                  <a:cs typeface="+mn-cs"/>
+                </a:defRPr>
+              </a:lvl6pPr>
+              <a:lvl7pPr marL="2743200" algn="l" defTabSz="457200" rtl="0" eaLnBrk="1" latinLnBrk="0" hangingPunct="1">
+                <a:defRPr sz="1800" kern="1200">
+                  <a:solidFill>
+                    <a:schemeClr val="tx1"/>
+                  </a:solidFill>
+                  <a:latin typeface="+mn-lt"/>
+                  <a:ea typeface="+mn-ea"/>
+                  <a:cs typeface="+mn-cs"/>
+                </a:defRPr>
+              </a:lvl7pPr>
+              <a:lvl8pPr marL="3200400" algn="l" defTabSz="457200" rtl="0" eaLnBrk="1" latinLnBrk="0" hangingPunct="1">
+                <a:defRPr sz="1800" kern="1200">
+                  <a:solidFill>
+                    <a:schemeClr val="tx1"/>
+                  </a:solidFill>
+                  <a:latin typeface="+mn-lt"/>
+                  <a:ea typeface="+mn-ea"/>
+                  <a:cs typeface="+mn-cs"/>
+                </a:defRPr>
+              </a:lvl8pPr>
+              <a:lvl9pPr marL="3657600" algn="l" defTabSz="457200" rtl="0" eaLnBrk="1" latinLnBrk="0" hangingPunct="1">
+                <a:defRPr sz="1800" kern="1200">
+                  <a:solidFill>
+                    <a:schemeClr val="tx1"/>
+                  </a:solidFill>
+                  <a:latin typeface="+mn-lt"/>
+                  <a:ea typeface="+mn-ea"/>
+                  <a:cs typeface="+mn-cs"/>
+                </a:defRPr>
+              </a:lvl9pPr>
+            </a:lstStyle>
+            <a:p>
+              <a:r>
+                <a:rPr lang="en-US" sz="800" dirty="0">
+                  <a:latin typeface="Calibri" panose="020F0502020204030204" pitchFamily="34" charset="0"/>
+                  <a:cs typeface="Calibri" panose="020F0502020204030204" pitchFamily="34" charset="0"/>
+                </a:rPr>
+                <a:t>g</a:t>
+              </a:r>
+              <a:endParaRPr lang="en-GB" sz="800" dirty="0">
+                <a:latin typeface="Calibri" panose="020F0502020204030204" pitchFamily="34" charset="0"/>
+                <a:cs typeface="Calibri" panose="020F0502020204030204" pitchFamily="34" charset="0"/>
+              </a:endParaRPr>
+            </a:p>
+          </p:txBody>
+        </p:sp>
+        <p:sp>
+          <p:nvSpPr>
+            <p:cNvPr id="98" name="Rectangle 97">
+              <a:extLst>
+                <a:ext uri="{FF2B5EF4-FFF2-40B4-BE49-F238E27FC236}">
+                  <a16:creationId xmlns:a16="http://schemas.microsoft.com/office/drawing/2014/main" id="{86CDC3FB-D3A8-18FB-3F05-19E1309E0471}"/>
+                </a:ext>
+              </a:extLst>
+            </p:cNvPr>
+            <p:cNvSpPr/>
+            <p:nvPr/>
+          </p:nvSpPr>
+          <p:spPr>
+            <a:xfrm>
+              <a:off x="1040747" y="1619373"/>
+              <a:ext cx="144000" cy="144000"/>
+            </a:xfrm>
+            <a:prstGeom prst="rect">
+              <a:avLst/>
+            </a:prstGeom>
+            <a:noFill/>
+            <a:ln w="3175">
+              <a:solidFill>
+                <a:schemeClr val="tx1">
+                  <a:lumMod val="75000"/>
+                  <a:lumOff val="25000"/>
+                </a:schemeClr>
+              </a:solidFill>
+            </a:ln>
+          </p:spPr>
+          <p:style>
+            <a:lnRef idx="2">
+              <a:schemeClr val="accent1">
+                <a:shade val="15000"/>
+              </a:schemeClr>
+            </a:lnRef>
+            <a:fillRef idx="1">
+              <a:schemeClr val="accent1"/>
+            </a:fillRef>
+            <a:effectRef idx="0">
+              <a:schemeClr val="accent1"/>
+            </a:effectRef>
+            <a:fontRef idx="minor">
+              <a:schemeClr val="lt1"/>
+            </a:fontRef>
+          </p:style>
+          <p:txBody>
+            <a:bodyPr rtlCol="0" anchor="ctr"/>
+            <a:lstStyle>
+              <a:defPPr>
+                <a:defRPr lang="en-US"/>
+              </a:defPPr>
+              <a:lvl1pPr marL="0" algn="l" defTabSz="457200" rtl="0" eaLnBrk="1" latinLnBrk="0" hangingPunct="1">
+                <a:defRPr sz="1800" kern="1200">
+                  <a:solidFill>
+                    <a:schemeClr val="lt1"/>
+                  </a:solidFill>
+                  <a:latin typeface="+mn-lt"/>
+                  <a:ea typeface="+mn-ea"/>
+                  <a:cs typeface="+mn-cs"/>
+                </a:defRPr>
+              </a:lvl1pPr>
+              <a:lvl2pPr marL="457200" algn="l" defTabSz="457200" rtl="0" eaLnBrk="1" latinLnBrk="0" hangingPunct="1">
+                <a:defRPr sz="1800" kern="1200">
+                  <a:solidFill>
+                    <a:schemeClr val="lt1"/>
+                  </a:solidFill>
+                  <a:latin typeface="+mn-lt"/>
+                  <a:ea typeface="+mn-ea"/>
+                  <a:cs typeface="+mn-cs"/>
+                </a:defRPr>
+              </a:lvl2pPr>
+              <a:lvl3pPr marL="914400" algn="l" defTabSz="457200" rtl="0" eaLnBrk="1" latinLnBrk="0" hangingPunct="1">
+                <a:defRPr sz="1800" kern="1200">
+                  <a:solidFill>
+                    <a:schemeClr val="lt1"/>
+                  </a:solidFill>
+                  <a:latin typeface="+mn-lt"/>
+                  <a:ea typeface="+mn-ea"/>
+                  <a:cs typeface="+mn-cs"/>
+                </a:defRPr>
+              </a:lvl3pPr>
+              <a:lvl4pPr marL="1371600" algn="l" defTabSz="457200" rtl="0" eaLnBrk="1" latinLnBrk="0" hangingPunct="1">
+                <a:defRPr sz="1800" kern="1200">
+                  <a:solidFill>
+                    <a:schemeClr val="lt1"/>
+                  </a:solidFill>
+                  <a:latin typeface="+mn-lt"/>
+                  <a:ea typeface="+mn-ea"/>
+                  <a:cs typeface="+mn-cs"/>
+                </a:defRPr>
+              </a:lvl4pPr>
+              <a:lvl5pPr marL="1828800" algn="l" defTabSz="457200" rtl="0" eaLnBrk="1" latinLnBrk="0" hangingPunct="1">
+                <a:defRPr sz="1800" kern="1200">
+                  <a:solidFill>
+                    <a:schemeClr val="lt1"/>
+                  </a:solidFill>
+                  <a:latin typeface="+mn-lt"/>
+                  <a:ea typeface="+mn-ea"/>
+                  <a:cs typeface="+mn-cs"/>
+                </a:defRPr>
+              </a:lvl5pPr>
+              <a:lvl6pPr marL="2286000" algn="l" defTabSz="457200" rtl="0" eaLnBrk="1" latinLnBrk="0" hangingPunct="1">
+                <a:defRPr sz="1800" kern="1200">
+                  <a:solidFill>
+                    <a:schemeClr val="lt1"/>
+                  </a:solidFill>
+                  <a:latin typeface="+mn-lt"/>
+                  <a:ea typeface="+mn-ea"/>
+                  <a:cs typeface="+mn-cs"/>
+                </a:defRPr>
+              </a:lvl6pPr>
+              <a:lvl7pPr marL="2743200" algn="l" defTabSz="457200" rtl="0" eaLnBrk="1" latinLnBrk="0" hangingPunct="1">
+                <a:defRPr sz="1800" kern="1200">
+                  <a:solidFill>
+                    <a:schemeClr val="lt1"/>
+                  </a:solidFill>
+                  <a:latin typeface="+mn-lt"/>
+                  <a:ea typeface="+mn-ea"/>
+                  <a:cs typeface="+mn-cs"/>
+                </a:defRPr>
+              </a:lvl7pPr>
+              <a:lvl8pPr marL="3200400" algn="l" defTabSz="457200" rtl="0" eaLnBrk="1" latinLnBrk="0" hangingPunct="1">
+                <a:defRPr sz="1800" kern="1200">
+                  <a:solidFill>
+                    <a:schemeClr val="lt1"/>
+                  </a:solidFill>
+                  <a:latin typeface="+mn-lt"/>
+                  <a:ea typeface="+mn-ea"/>
+                  <a:cs typeface="+mn-cs"/>
+                </a:defRPr>
+              </a:lvl8pPr>
+              <a:lvl9pPr marL="3657600" algn="l" defTabSz="457200" rtl="0" eaLnBrk="1" latinLnBrk="0" hangingPunct="1">
+                <a:defRPr sz="1800" kern="1200">
+                  <a:solidFill>
+                    <a:schemeClr val="lt1"/>
+                  </a:solidFill>
+                  <a:latin typeface="+mn-lt"/>
+                  <a:ea typeface="+mn-ea"/>
+                  <a:cs typeface="+mn-cs"/>
+                </a:defRPr>
+              </a:lvl9pPr>
+            </a:lstStyle>
+            <a:p>
+              <a:pPr algn="ctr"/>
+              <a:endParaRPr lang="en-GB"/>
+            </a:p>
+          </p:txBody>
+        </p:sp>
+      </p:grpSp>
+      <p:grpSp>
+        <p:nvGrpSpPr>
+          <p:cNvPr id="46" name="Group 45">
+            <a:extLst>
+              <a:ext uri="{FF2B5EF4-FFF2-40B4-BE49-F238E27FC236}">
+                <a16:creationId xmlns:a16="http://schemas.microsoft.com/office/drawing/2014/main" id="{22A6480C-CDE2-D415-4F27-64439F55FEB3}"/>
+              </a:ext>
+            </a:extLst>
+          </p:cNvPr>
+          <p:cNvGrpSpPr/>
+          <p:nvPr/>
+        </p:nvGrpSpPr>
+        <p:grpSpPr>
+          <a:xfrm>
+            <a:off x="1993116" y="1628619"/>
+            <a:ext cx="216000" cy="216000"/>
+            <a:chOff x="1002190" y="1572253"/>
+            <a:chExt cx="216000" cy="216000"/>
+          </a:xfrm>
+        </p:grpSpPr>
+        <p:sp>
+          <p:nvSpPr>
+            <p:cNvPr id="95" name="TextBox 23">
+              <a:extLst>
+                <a:ext uri="{FF2B5EF4-FFF2-40B4-BE49-F238E27FC236}">
+                  <a16:creationId xmlns:a16="http://schemas.microsoft.com/office/drawing/2014/main" id="{381F126D-6ADA-5AAE-DE92-554EBF26694A}"/>
+                </a:ext>
+              </a:extLst>
+            </p:cNvPr>
+            <p:cNvSpPr txBox="1"/>
+            <p:nvPr/>
+          </p:nvSpPr>
+          <p:spPr>
+            <a:xfrm>
+              <a:off x="1002190" y="1572253"/>
+              <a:ext cx="216000" cy="216000"/>
+            </a:xfrm>
+            <a:prstGeom prst="rect">
+              <a:avLst/>
+            </a:prstGeom>
+            <a:noFill/>
+          </p:spPr>
+          <p:txBody>
+            <a:bodyPr wrap="square" rtlCol="0">
+              <a:spAutoFit/>
+            </a:bodyPr>
+            <a:lstStyle>
+              <a:defPPr>
+                <a:defRPr lang="en-US"/>
+              </a:defPPr>
+              <a:lvl1pPr marL="0" algn="l" defTabSz="457200" rtl="0" eaLnBrk="1" latinLnBrk="0" hangingPunct="1">
+                <a:defRPr sz="1800" kern="1200">
+                  <a:solidFill>
+                    <a:schemeClr val="tx1"/>
+                  </a:solidFill>
+                  <a:latin typeface="+mn-lt"/>
+                  <a:ea typeface="+mn-ea"/>
+                  <a:cs typeface="+mn-cs"/>
+                </a:defRPr>
+              </a:lvl1pPr>
+              <a:lvl2pPr marL="457200" algn="l" defTabSz="457200" rtl="0" eaLnBrk="1" latinLnBrk="0" hangingPunct="1">
+                <a:defRPr sz="1800" kern="1200">
+                  <a:solidFill>
+                    <a:schemeClr val="tx1"/>
+                  </a:solidFill>
+                  <a:latin typeface="+mn-lt"/>
+                  <a:ea typeface="+mn-ea"/>
+                  <a:cs typeface="+mn-cs"/>
+                </a:defRPr>
+              </a:lvl2pPr>
+              <a:lvl3pPr marL="914400" algn="l" defTabSz="457200" rtl="0" eaLnBrk="1" latinLnBrk="0" hangingPunct="1">
+                <a:defRPr sz="1800" kern="1200">
+                  <a:solidFill>
+                    <a:schemeClr val="tx1"/>
+                  </a:solidFill>
+                  <a:latin typeface="+mn-lt"/>
+                  <a:ea typeface="+mn-ea"/>
+                  <a:cs typeface="+mn-cs"/>
+                </a:defRPr>
+              </a:lvl3pPr>
+              <a:lvl4pPr marL="1371600" algn="l" defTabSz="457200" rtl="0" eaLnBrk="1" latinLnBrk="0" hangingPunct="1">
+                <a:defRPr sz="1800" kern="1200">
+                  <a:solidFill>
+                    <a:schemeClr val="tx1"/>
+                  </a:solidFill>
+                  <a:latin typeface="+mn-lt"/>
+                  <a:ea typeface="+mn-ea"/>
+                  <a:cs typeface="+mn-cs"/>
+                </a:defRPr>
+              </a:lvl4pPr>
+              <a:lvl5pPr marL="1828800" algn="l" defTabSz="457200" rtl="0" eaLnBrk="1" latinLnBrk="0" hangingPunct="1">
+                <a:defRPr sz="1800" kern="1200">
+                  <a:solidFill>
+                    <a:schemeClr val="tx1"/>
+                  </a:solidFill>
+                  <a:latin typeface="+mn-lt"/>
+                  <a:ea typeface="+mn-ea"/>
+                  <a:cs typeface="+mn-cs"/>
+                </a:defRPr>
+              </a:lvl5pPr>
+              <a:lvl6pPr marL="2286000" algn="l" defTabSz="457200" rtl="0" eaLnBrk="1" latinLnBrk="0" hangingPunct="1">
+                <a:defRPr sz="1800" kern="1200">
+                  <a:solidFill>
+                    <a:schemeClr val="tx1"/>
+                  </a:solidFill>
+                  <a:latin typeface="+mn-lt"/>
+                  <a:ea typeface="+mn-ea"/>
+                  <a:cs typeface="+mn-cs"/>
+                </a:defRPr>
+              </a:lvl6pPr>
+              <a:lvl7pPr marL="2743200" algn="l" defTabSz="457200" rtl="0" eaLnBrk="1" latinLnBrk="0" hangingPunct="1">
+                <a:defRPr sz="1800" kern="1200">
+                  <a:solidFill>
+                    <a:schemeClr val="tx1"/>
+                  </a:solidFill>
+                  <a:latin typeface="+mn-lt"/>
+                  <a:ea typeface="+mn-ea"/>
+                  <a:cs typeface="+mn-cs"/>
+                </a:defRPr>
+              </a:lvl7pPr>
+              <a:lvl8pPr marL="3200400" algn="l" defTabSz="457200" rtl="0" eaLnBrk="1" latinLnBrk="0" hangingPunct="1">
+                <a:defRPr sz="1800" kern="1200">
+                  <a:solidFill>
+                    <a:schemeClr val="tx1"/>
+                  </a:solidFill>
+                  <a:latin typeface="+mn-lt"/>
+                  <a:ea typeface="+mn-ea"/>
+                  <a:cs typeface="+mn-cs"/>
+                </a:defRPr>
+              </a:lvl8pPr>
+              <a:lvl9pPr marL="3657600" algn="l" defTabSz="457200" rtl="0" eaLnBrk="1" latinLnBrk="0" hangingPunct="1">
+                <a:defRPr sz="1800" kern="1200">
+                  <a:solidFill>
+                    <a:schemeClr val="tx1"/>
+                  </a:solidFill>
+                  <a:latin typeface="+mn-lt"/>
+                  <a:ea typeface="+mn-ea"/>
+                  <a:cs typeface="+mn-cs"/>
+                </a:defRPr>
+              </a:lvl9pPr>
+            </a:lstStyle>
+            <a:p>
+              <a:r>
+                <a:rPr lang="en-US" sz="800" dirty="0">
+                  <a:latin typeface="Calibri" panose="020F0502020204030204" pitchFamily="34" charset="0"/>
+                  <a:cs typeface="Calibri" panose="020F0502020204030204" pitchFamily="34" charset="0"/>
+                </a:rPr>
+                <a:t>h</a:t>
+              </a:r>
+              <a:endParaRPr lang="en-GB" sz="800" dirty="0">
+                <a:latin typeface="Calibri" panose="020F0502020204030204" pitchFamily="34" charset="0"/>
+                <a:cs typeface="Calibri" panose="020F0502020204030204" pitchFamily="34" charset="0"/>
+              </a:endParaRPr>
+            </a:p>
+          </p:txBody>
+        </p:sp>
+        <p:sp>
+          <p:nvSpPr>
+            <p:cNvPr id="96" name="Rectangle 95">
+              <a:extLst>
+                <a:ext uri="{FF2B5EF4-FFF2-40B4-BE49-F238E27FC236}">
+                  <a16:creationId xmlns:a16="http://schemas.microsoft.com/office/drawing/2014/main" id="{7244FD1E-0D90-B81C-54CF-8022140E1FE2}"/>
+                </a:ext>
+              </a:extLst>
+            </p:cNvPr>
+            <p:cNvSpPr/>
+            <p:nvPr/>
+          </p:nvSpPr>
+          <p:spPr>
+            <a:xfrm>
+              <a:off x="1040747" y="1619373"/>
+              <a:ext cx="144000" cy="144000"/>
+            </a:xfrm>
+            <a:prstGeom prst="rect">
+              <a:avLst/>
+            </a:prstGeom>
+            <a:noFill/>
+            <a:ln w="3175">
+              <a:solidFill>
+                <a:schemeClr val="tx1">
+                  <a:lumMod val="75000"/>
+                  <a:lumOff val="25000"/>
+                </a:schemeClr>
+              </a:solidFill>
+            </a:ln>
+          </p:spPr>
+          <p:style>
+            <a:lnRef idx="2">
+              <a:schemeClr val="accent1">
+                <a:shade val="15000"/>
+              </a:schemeClr>
+            </a:lnRef>
+            <a:fillRef idx="1">
+              <a:schemeClr val="accent1"/>
+            </a:fillRef>
+            <a:effectRef idx="0">
+              <a:schemeClr val="accent1"/>
+            </a:effectRef>
+            <a:fontRef idx="minor">
+              <a:schemeClr val="lt1"/>
+            </a:fontRef>
+          </p:style>
+          <p:txBody>
+            <a:bodyPr rtlCol="0" anchor="ctr"/>
+            <a:lstStyle>
+              <a:defPPr>
+                <a:defRPr lang="en-US"/>
+              </a:defPPr>
+              <a:lvl1pPr marL="0" algn="l" defTabSz="457200" rtl="0" eaLnBrk="1" latinLnBrk="0" hangingPunct="1">
+                <a:defRPr sz="1800" kern="1200">
+                  <a:solidFill>
+                    <a:schemeClr val="lt1"/>
+                  </a:solidFill>
+                  <a:latin typeface="+mn-lt"/>
+                  <a:ea typeface="+mn-ea"/>
+                  <a:cs typeface="+mn-cs"/>
+                </a:defRPr>
+              </a:lvl1pPr>
+              <a:lvl2pPr marL="457200" algn="l" defTabSz="457200" rtl="0" eaLnBrk="1" latinLnBrk="0" hangingPunct="1">
+                <a:defRPr sz="1800" kern="1200">
+                  <a:solidFill>
+                    <a:schemeClr val="lt1"/>
+                  </a:solidFill>
+                  <a:latin typeface="+mn-lt"/>
+                  <a:ea typeface="+mn-ea"/>
+                  <a:cs typeface="+mn-cs"/>
+                </a:defRPr>
+              </a:lvl2pPr>
+              <a:lvl3pPr marL="914400" algn="l" defTabSz="457200" rtl="0" eaLnBrk="1" latinLnBrk="0" hangingPunct="1">
+                <a:defRPr sz="1800" kern="1200">
+                  <a:solidFill>
+                    <a:schemeClr val="lt1"/>
+                  </a:solidFill>
+                  <a:latin typeface="+mn-lt"/>
+                  <a:ea typeface="+mn-ea"/>
+                  <a:cs typeface="+mn-cs"/>
+                </a:defRPr>
+              </a:lvl3pPr>
+              <a:lvl4pPr marL="1371600" algn="l" defTabSz="457200" rtl="0" eaLnBrk="1" latinLnBrk="0" hangingPunct="1">
+                <a:defRPr sz="1800" kern="1200">
+                  <a:solidFill>
+                    <a:schemeClr val="lt1"/>
+                  </a:solidFill>
+                  <a:latin typeface="+mn-lt"/>
+                  <a:ea typeface="+mn-ea"/>
+                  <a:cs typeface="+mn-cs"/>
+                </a:defRPr>
+              </a:lvl4pPr>
+              <a:lvl5pPr marL="1828800" algn="l" defTabSz="457200" rtl="0" eaLnBrk="1" latinLnBrk="0" hangingPunct="1">
+                <a:defRPr sz="1800" kern="1200">
+                  <a:solidFill>
+                    <a:schemeClr val="lt1"/>
+                  </a:solidFill>
+                  <a:latin typeface="+mn-lt"/>
+                  <a:ea typeface="+mn-ea"/>
+                  <a:cs typeface="+mn-cs"/>
+                </a:defRPr>
+              </a:lvl5pPr>
+              <a:lvl6pPr marL="2286000" algn="l" defTabSz="457200" rtl="0" eaLnBrk="1" latinLnBrk="0" hangingPunct="1">
+                <a:defRPr sz="1800" kern="1200">
+                  <a:solidFill>
+                    <a:schemeClr val="lt1"/>
+                  </a:solidFill>
+                  <a:latin typeface="+mn-lt"/>
+                  <a:ea typeface="+mn-ea"/>
+                  <a:cs typeface="+mn-cs"/>
+                </a:defRPr>
+              </a:lvl6pPr>
+              <a:lvl7pPr marL="2743200" algn="l" defTabSz="457200" rtl="0" eaLnBrk="1" latinLnBrk="0" hangingPunct="1">
+                <a:defRPr sz="1800" kern="1200">
+                  <a:solidFill>
+                    <a:schemeClr val="lt1"/>
+                  </a:solidFill>
+                  <a:latin typeface="+mn-lt"/>
+                  <a:ea typeface="+mn-ea"/>
+                  <a:cs typeface="+mn-cs"/>
+                </a:defRPr>
+              </a:lvl7pPr>
+              <a:lvl8pPr marL="3200400" algn="l" defTabSz="457200" rtl="0" eaLnBrk="1" latinLnBrk="0" hangingPunct="1">
+                <a:defRPr sz="1800" kern="1200">
+                  <a:solidFill>
+                    <a:schemeClr val="lt1"/>
+                  </a:solidFill>
+                  <a:latin typeface="+mn-lt"/>
+                  <a:ea typeface="+mn-ea"/>
+                  <a:cs typeface="+mn-cs"/>
+                </a:defRPr>
+              </a:lvl8pPr>
+              <a:lvl9pPr marL="3657600" algn="l" defTabSz="457200" rtl="0" eaLnBrk="1" latinLnBrk="0" hangingPunct="1">
+                <a:defRPr sz="1800" kern="1200">
+                  <a:solidFill>
+                    <a:schemeClr val="lt1"/>
+                  </a:solidFill>
+                  <a:latin typeface="+mn-lt"/>
+                  <a:ea typeface="+mn-ea"/>
+                  <a:cs typeface="+mn-cs"/>
+                </a:defRPr>
+              </a:lvl9pPr>
+            </a:lstStyle>
+            <a:p>
+              <a:pPr algn="ctr"/>
+              <a:endParaRPr lang="en-GB"/>
+            </a:p>
+          </p:txBody>
+        </p:sp>
+      </p:grpSp>
+      <p:grpSp>
+        <p:nvGrpSpPr>
+          <p:cNvPr id="47" name="Group 46">
+            <a:extLst>
+              <a:ext uri="{FF2B5EF4-FFF2-40B4-BE49-F238E27FC236}">
+                <a16:creationId xmlns:a16="http://schemas.microsoft.com/office/drawing/2014/main" id="{F1B74AA0-5C25-984B-9675-ECFD3A41FE2E}"/>
+              </a:ext>
+            </a:extLst>
+          </p:cNvPr>
+          <p:cNvGrpSpPr/>
+          <p:nvPr/>
+        </p:nvGrpSpPr>
+        <p:grpSpPr>
+          <a:xfrm>
+            <a:off x="1993116" y="2502407"/>
+            <a:ext cx="216000" cy="216000"/>
+            <a:chOff x="1002190" y="1572253"/>
+            <a:chExt cx="216000" cy="216000"/>
+          </a:xfrm>
+        </p:grpSpPr>
+        <p:sp>
+          <p:nvSpPr>
+            <p:cNvPr id="93" name="TextBox 26">
+              <a:extLst>
+                <a:ext uri="{FF2B5EF4-FFF2-40B4-BE49-F238E27FC236}">
+                  <a16:creationId xmlns:a16="http://schemas.microsoft.com/office/drawing/2014/main" id="{F001538A-5E9D-174E-8BAD-768AA6B2412E}"/>
+                </a:ext>
+              </a:extLst>
+            </p:cNvPr>
+            <p:cNvSpPr txBox="1"/>
+            <p:nvPr/>
+          </p:nvSpPr>
+          <p:spPr>
+            <a:xfrm>
+              <a:off x="1002190" y="1572253"/>
+              <a:ext cx="216000" cy="216000"/>
+            </a:xfrm>
+            <a:prstGeom prst="rect">
+              <a:avLst/>
+            </a:prstGeom>
+            <a:noFill/>
+          </p:spPr>
+          <p:txBody>
+            <a:bodyPr wrap="square" rtlCol="0">
+              <a:spAutoFit/>
+            </a:bodyPr>
+            <a:lstStyle>
+              <a:defPPr>
+                <a:defRPr lang="en-US"/>
+              </a:defPPr>
+              <a:lvl1pPr marL="0" algn="l" defTabSz="457200" rtl="0" eaLnBrk="1" latinLnBrk="0" hangingPunct="1">
+                <a:defRPr sz="1800" kern="1200">
+                  <a:solidFill>
+                    <a:schemeClr val="tx1"/>
+                  </a:solidFill>
+                  <a:latin typeface="+mn-lt"/>
+                  <a:ea typeface="+mn-ea"/>
+                  <a:cs typeface="+mn-cs"/>
+                </a:defRPr>
+              </a:lvl1pPr>
+              <a:lvl2pPr marL="457200" algn="l" defTabSz="457200" rtl="0" eaLnBrk="1" latinLnBrk="0" hangingPunct="1">
+                <a:defRPr sz="1800" kern="1200">
+                  <a:solidFill>
+                    <a:schemeClr val="tx1"/>
+                  </a:solidFill>
+                  <a:latin typeface="+mn-lt"/>
+                  <a:ea typeface="+mn-ea"/>
+                  <a:cs typeface="+mn-cs"/>
+                </a:defRPr>
+              </a:lvl2pPr>
+              <a:lvl3pPr marL="914400" algn="l" defTabSz="457200" rtl="0" eaLnBrk="1" latinLnBrk="0" hangingPunct="1">
+                <a:defRPr sz="1800" kern="1200">
+                  <a:solidFill>
+                    <a:schemeClr val="tx1"/>
+                  </a:solidFill>
+                  <a:latin typeface="+mn-lt"/>
+                  <a:ea typeface="+mn-ea"/>
+                  <a:cs typeface="+mn-cs"/>
+                </a:defRPr>
+              </a:lvl3pPr>
+              <a:lvl4pPr marL="1371600" algn="l" defTabSz="457200" rtl="0" eaLnBrk="1" latinLnBrk="0" hangingPunct="1">
+                <a:defRPr sz="1800" kern="1200">
+                  <a:solidFill>
+                    <a:schemeClr val="tx1"/>
+                  </a:solidFill>
+                  <a:latin typeface="+mn-lt"/>
+                  <a:ea typeface="+mn-ea"/>
+                  <a:cs typeface="+mn-cs"/>
+                </a:defRPr>
+              </a:lvl4pPr>
+              <a:lvl5pPr marL="1828800" algn="l" defTabSz="457200" rtl="0" eaLnBrk="1" latinLnBrk="0" hangingPunct="1">
+                <a:defRPr sz="1800" kern="1200">
+                  <a:solidFill>
+                    <a:schemeClr val="tx1"/>
+                  </a:solidFill>
+                  <a:latin typeface="+mn-lt"/>
+                  <a:ea typeface="+mn-ea"/>
+                  <a:cs typeface="+mn-cs"/>
+                </a:defRPr>
+              </a:lvl5pPr>
+              <a:lvl6pPr marL="2286000" algn="l" defTabSz="457200" rtl="0" eaLnBrk="1" latinLnBrk="0" hangingPunct="1">
+                <a:defRPr sz="1800" kern="1200">
+                  <a:solidFill>
+                    <a:schemeClr val="tx1"/>
+                  </a:solidFill>
+                  <a:latin typeface="+mn-lt"/>
+                  <a:ea typeface="+mn-ea"/>
+                  <a:cs typeface="+mn-cs"/>
+                </a:defRPr>
+              </a:lvl6pPr>
+              <a:lvl7pPr marL="2743200" algn="l" defTabSz="457200" rtl="0" eaLnBrk="1" latinLnBrk="0" hangingPunct="1">
+                <a:defRPr sz="1800" kern="1200">
+                  <a:solidFill>
+                    <a:schemeClr val="tx1"/>
+                  </a:solidFill>
+                  <a:latin typeface="+mn-lt"/>
+                  <a:ea typeface="+mn-ea"/>
+                  <a:cs typeface="+mn-cs"/>
+                </a:defRPr>
+              </a:lvl7pPr>
+              <a:lvl8pPr marL="3200400" algn="l" defTabSz="457200" rtl="0" eaLnBrk="1" latinLnBrk="0" hangingPunct="1">
+                <a:defRPr sz="1800" kern="1200">
+                  <a:solidFill>
+                    <a:schemeClr val="tx1"/>
+                  </a:solidFill>
+                  <a:latin typeface="+mn-lt"/>
+                  <a:ea typeface="+mn-ea"/>
+                  <a:cs typeface="+mn-cs"/>
+                </a:defRPr>
+              </a:lvl8pPr>
+              <a:lvl9pPr marL="3657600" algn="l" defTabSz="457200" rtl="0" eaLnBrk="1" latinLnBrk="0" hangingPunct="1">
+                <a:defRPr sz="1800" kern="1200">
+                  <a:solidFill>
+                    <a:schemeClr val="tx1"/>
+                  </a:solidFill>
+                  <a:latin typeface="+mn-lt"/>
+                  <a:ea typeface="+mn-ea"/>
+                  <a:cs typeface="+mn-cs"/>
+                </a:defRPr>
+              </a:lvl9pPr>
+            </a:lstStyle>
+            <a:p>
+              <a:r>
+                <a:rPr lang="en-US" sz="800" dirty="0">
+                  <a:latin typeface="Calibri" panose="020F0502020204030204" pitchFamily="34" charset="0"/>
+                  <a:cs typeface="Calibri" panose="020F0502020204030204" pitchFamily="34" charset="0"/>
+                </a:rPr>
+                <a:t>i</a:t>
+              </a:r>
+              <a:endParaRPr lang="en-GB" sz="800" dirty="0">
+                <a:latin typeface="Calibri" panose="020F0502020204030204" pitchFamily="34" charset="0"/>
+                <a:cs typeface="Calibri" panose="020F0502020204030204" pitchFamily="34" charset="0"/>
+              </a:endParaRPr>
+            </a:p>
+          </p:txBody>
+        </p:sp>
+        <p:sp>
+          <p:nvSpPr>
+            <p:cNvPr id="94" name="Rectangle 93">
+              <a:extLst>
+                <a:ext uri="{FF2B5EF4-FFF2-40B4-BE49-F238E27FC236}">
+                  <a16:creationId xmlns:a16="http://schemas.microsoft.com/office/drawing/2014/main" id="{AE26F274-39A8-0703-90B9-8019514D3847}"/>
+                </a:ext>
+              </a:extLst>
+            </p:cNvPr>
+            <p:cNvSpPr/>
+            <p:nvPr/>
+          </p:nvSpPr>
+          <p:spPr>
+            <a:xfrm>
+              <a:off x="1040747" y="1619373"/>
+              <a:ext cx="144000" cy="144000"/>
+            </a:xfrm>
+            <a:prstGeom prst="rect">
+              <a:avLst/>
+            </a:prstGeom>
+            <a:noFill/>
+            <a:ln w="3175">
+              <a:solidFill>
+                <a:schemeClr val="tx1">
+                  <a:lumMod val="75000"/>
+                  <a:lumOff val="25000"/>
+                </a:schemeClr>
+              </a:solidFill>
+            </a:ln>
+          </p:spPr>
+          <p:style>
+            <a:lnRef idx="2">
+              <a:schemeClr val="accent1">
+                <a:shade val="15000"/>
+              </a:schemeClr>
+            </a:lnRef>
+            <a:fillRef idx="1">
+              <a:schemeClr val="accent1"/>
+            </a:fillRef>
+            <a:effectRef idx="0">
+              <a:schemeClr val="accent1"/>
+            </a:effectRef>
+            <a:fontRef idx="minor">
+              <a:schemeClr val="lt1"/>
+            </a:fontRef>
+          </p:style>
+          <p:txBody>
+            <a:bodyPr rtlCol="0" anchor="ctr"/>
+            <a:lstStyle>
+              <a:defPPr>
+                <a:defRPr lang="en-US"/>
+              </a:defPPr>
+              <a:lvl1pPr marL="0" algn="l" defTabSz="457200" rtl="0" eaLnBrk="1" latinLnBrk="0" hangingPunct="1">
+                <a:defRPr sz="1800" kern="1200">
+                  <a:solidFill>
+                    <a:schemeClr val="lt1"/>
+                  </a:solidFill>
+                  <a:latin typeface="+mn-lt"/>
+                  <a:ea typeface="+mn-ea"/>
+                  <a:cs typeface="+mn-cs"/>
+                </a:defRPr>
+              </a:lvl1pPr>
+              <a:lvl2pPr marL="457200" algn="l" defTabSz="457200" rtl="0" eaLnBrk="1" latinLnBrk="0" hangingPunct="1">
+                <a:defRPr sz="1800" kern="1200">
+                  <a:solidFill>
+                    <a:schemeClr val="lt1"/>
+                  </a:solidFill>
+                  <a:latin typeface="+mn-lt"/>
+                  <a:ea typeface="+mn-ea"/>
+                  <a:cs typeface="+mn-cs"/>
+                </a:defRPr>
+              </a:lvl2pPr>
+              <a:lvl3pPr marL="914400" algn="l" defTabSz="457200" rtl="0" eaLnBrk="1" latinLnBrk="0" hangingPunct="1">
+                <a:defRPr sz="1800" kern="1200">
+                  <a:solidFill>
+                    <a:schemeClr val="lt1"/>
+                  </a:solidFill>
+                  <a:latin typeface="+mn-lt"/>
+                  <a:ea typeface="+mn-ea"/>
+                  <a:cs typeface="+mn-cs"/>
+                </a:defRPr>
+              </a:lvl3pPr>
+              <a:lvl4pPr marL="1371600" algn="l" defTabSz="457200" rtl="0" eaLnBrk="1" latinLnBrk="0" hangingPunct="1">
+                <a:defRPr sz="1800" kern="1200">
+                  <a:solidFill>
+                    <a:schemeClr val="lt1"/>
+                  </a:solidFill>
+                  <a:latin typeface="+mn-lt"/>
+                  <a:ea typeface="+mn-ea"/>
+                  <a:cs typeface="+mn-cs"/>
+                </a:defRPr>
+              </a:lvl4pPr>
+              <a:lvl5pPr marL="1828800" algn="l" defTabSz="457200" rtl="0" eaLnBrk="1" latinLnBrk="0" hangingPunct="1">
+                <a:defRPr sz="1800" kern="1200">
+                  <a:solidFill>
+                    <a:schemeClr val="lt1"/>
+                  </a:solidFill>
+                  <a:latin typeface="+mn-lt"/>
+                  <a:ea typeface="+mn-ea"/>
+                  <a:cs typeface="+mn-cs"/>
+                </a:defRPr>
+              </a:lvl5pPr>
+              <a:lvl6pPr marL="2286000" algn="l" defTabSz="457200" rtl="0" eaLnBrk="1" latinLnBrk="0" hangingPunct="1">
+                <a:defRPr sz="1800" kern="1200">
+                  <a:solidFill>
+                    <a:schemeClr val="lt1"/>
+                  </a:solidFill>
+                  <a:latin typeface="+mn-lt"/>
+                  <a:ea typeface="+mn-ea"/>
+                  <a:cs typeface="+mn-cs"/>
+                </a:defRPr>
+              </a:lvl6pPr>
+              <a:lvl7pPr marL="2743200" algn="l" defTabSz="457200" rtl="0" eaLnBrk="1" latinLnBrk="0" hangingPunct="1">
+                <a:defRPr sz="1800" kern="1200">
+                  <a:solidFill>
+                    <a:schemeClr val="lt1"/>
+                  </a:solidFill>
+                  <a:latin typeface="+mn-lt"/>
+                  <a:ea typeface="+mn-ea"/>
+                  <a:cs typeface="+mn-cs"/>
+                </a:defRPr>
+              </a:lvl7pPr>
+              <a:lvl8pPr marL="3200400" algn="l" defTabSz="457200" rtl="0" eaLnBrk="1" latinLnBrk="0" hangingPunct="1">
+                <a:defRPr sz="1800" kern="1200">
+                  <a:solidFill>
+                    <a:schemeClr val="lt1"/>
+                  </a:solidFill>
+                  <a:latin typeface="+mn-lt"/>
+                  <a:ea typeface="+mn-ea"/>
+                  <a:cs typeface="+mn-cs"/>
+                </a:defRPr>
+              </a:lvl8pPr>
+              <a:lvl9pPr marL="3657600" algn="l" defTabSz="457200" rtl="0" eaLnBrk="1" latinLnBrk="0" hangingPunct="1">
+                <a:defRPr sz="1800" kern="1200">
+                  <a:solidFill>
+                    <a:schemeClr val="lt1"/>
+                  </a:solidFill>
+                  <a:latin typeface="+mn-lt"/>
+                  <a:ea typeface="+mn-ea"/>
+                  <a:cs typeface="+mn-cs"/>
+                </a:defRPr>
+              </a:lvl9pPr>
+            </a:lstStyle>
+            <a:p>
+              <a:pPr algn="ctr"/>
+              <a:endParaRPr lang="en-GB"/>
+            </a:p>
+          </p:txBody>
+        </p:sp>
+      </p:grpSp>
+      <p:grpSp>
+        <p:nvGrpSpPr>
+          <p:cNvPr id="48" name="Group 47">
+            <a:extLst>
+              <a:ext uri="{FF2B5EF4-FFF2-40B4-BE49-F238E27FC236}">
+                <a16:creationId xmlns:a16="http://schemas.microsoft.com/office/drawing/2014/main" id="{BD35CFD9-36E1-7F20-7BBA-8F8A5F62744F}"/>
+              </a:ext>
+            </a:extLst>
+          </p:cNvPr>
+          <p:cNvGrpSpPr/>
+          <p:nvPr/>
+        </p:nvGrpSpPr>
+        <p:grpSpPr>
+          <a:xfrm>
+            <a:off x="1993116" y="3391825"/>
+            <a:ext cx="216000" cy="216000"/>
+            <a:chOff x="1002190" y="1572253"/>
+            <a:chExt cx="216000" cy="216000"/>
+          </a:xfrm>
+        </p:grpSpPr>
+        <p:sp>
+          <p:nvSpPr>
+            <p:cNvPr id="91" name="TextBox 29">
+              <a:extLst>
+                <a:ext uri="{FF2B5EF4-FFF2-40B4-BE49-F238E27FC236}">
+                  <a16:creationId xmlns:a16="http://schemas.microsoft.com/office/drawing/2014/main" id="{FE77F52B-9BD9-76BF-05D5-C2EB27800F40}"/>
+                </a:ext>
+              </a:extLst>
+            </p:cNvPr>
+            <p:cNvSpPr txBox="1"/>
+            <p:nvPr/>
+          </p:nvSpPr>
+          <p:spPr>
+            <a:xfrm>
+              <a:off x="1002190" y="1572253"/>
+              <a:ext cx="216000" cy="216000"/>
+            </a:xfrm>
+            <a:prstGeom prst="rect">
+              <a:avLst/>
+            </a:prstGeom>
+            <a:noFill/>
+          </p:spPr>
+          <p:txBody>
+            <a:bodyPr wrap="square" rtlCol="0">
+              <a:spAutoFit/>
+            </a:bodyPr>
+            <a:lstStyle>
+              <a:defPPr>
+                <a:defRPr lang="en-US"/>
+              </a:defPPr>
+              <a:lvl1pPr marL="0" algn="l" defTabSz="457200" rtl="0" eaLnBrk="1" latinLnBrk="0" hangingPunct="1">
+                <a:defRPr sz="1800" kern="1200">
+                  <a:solidFill>
+                    <a:schemeClr val="tx1"/>
+                  </a:solidFill>
+                  <a:latin typeface="+mn-lt"/>
+                  <a:ea typeface="+mn-ea"/>
+                  <a:cs typeface="+mn-cs"/>
+                </a:defRPr>
+              </a:lvl1pPr>
+              <a:lvl2pPr marL="457200" algn="l" defTabSz="457200" rtl="0" eaLnBrk="1" latinLnBrk="0" hangingPunct="1">
+                <a:defRPr sz="1800" kern="1200">
+                  <a:solidFill>
+                    <a:schemeClr val="tx1"/>
+                  </a:solidFill>
+                  <a:latin typeface="+mn-lt"/>
+                  <a:ea typeface="+mn-ea"/>
+                  <a:cs typeface="+mn-cs"/>
+                </a:defRPr>
+              </a:lvl2pPr>
+              <a:lvl3pPr marL="914400" algn="l" defTabSz="457200" rtl="0" eaLnBrk="1" latinLnBrk="0" hangingPunct="1">
+                <a:defRPr sz="1800" kern="1200">
+                  <a:solidFill>
+                    <a:schemeClr val="tx1"/>
+                  </a:solidFill>
+                  <a:latin typeface="+mn-lt"/>
+                  <a:ea typeface="+mn-ea"/>
+                  <a:cs typeface="+mn-cs"/>
+                </a:defRPr>
+              </a:lvl3pPr>
+              <a:lvl4pPr marL="1371600" algn="l" defTabSz="457200" rtl="0" eaLnBrk="1" latinLnBrk="0" hangingPunct="1">
+                <a:defRPr sz="1800" kern="1200">
+                  <a:solidFill>
+                    <a:schemeClr val="tx1"/>
+                  </a:solidFill>
+                  <a:latin typeface="+mn-lt"/>
+                  <a:ea typeface="+mn-ea"/>
+                  <a:cs typeface="+mn-cs"/>
+                </a:defRPr>
+              </a:lvl4pPr>
+              <a:lvl5pPr marL="1828800" algn="l" defTabSz="457200" rtl="0" eaLnBrk="1" latinLnBrk="0" hangingPunct="1">
+                <a:defRPr sz="1800" kern="1200">
+                  <a:solidFill>
+                    <a:schemeClr val="tx1"/>
+                  </a:solidFill>
+                  <a:latin typeface="+mn-lt"/>
+                  <a:ea typeface="+mn-ea"/>
+                  <a:cs typeface="+mn-cs"/>
+                </a:defRPr>
+              </a:lvl5pPr>
+              <a:lvl6pPr marL="2286000" algn="l" defTabSz="457200" rtl="0" eaLnBrk="1" latinLnBrk="0" hangingPunct="1">
+                <a:defRPr sz="1800" kern="1200">
+                  <a:solidFill>
+                    <a:schemeClr val="tx1"/>
+                  </a:solidFill>
+                  <a:latin typeface="+mn-lt"/>
+                  <a:ea typeface="+mn-ea"/>
+                  <a:cs typeface="+mn-cs"/>
+                </a:defRPr>
+              </a:lvl6pPr>
+              <a:lvl7pPr marL="2743200" algn="l" defTabSz="457200" rtl="0" eaLnBrk="1" latinLnBrk="0" hangingPunct="1">
+                <a:defRPr sz="1800" kern="1200">
+                  <a:solidFill>
+                    <a:schemeClr val="tx1"/>
+                  </a:solidFill>
+                  <a:latin typeface="+mn-lt"/>
+                  <a:ea typeface="+mn-ea"/>
+                  <a:cs typeface="+mn-cs"/>
+                </a:defRPr>
+              </a:lvl7pPr>
+              <a:lvl8pPr marL="3200400" algn="l" defTabSz="457200" rtl="0" eaLnBrk="1" latinLnBrk="0" hangingPunct="1">
+                <a:defRPr sz="1800" kern="1200">
+                  <a:solidFill>
+                    <a:schemeClr val="tx1"/>
+                  </a:solidFill>
+                  <a:latin typeface="+mn-lt"/>
+                  <a:ea typeface="+mn-ea"/>
+                  <a:cs typeface="+mn-cs"/>
+                </a:defRPr>
+              </a:lvl8pPr>
+              <a:lvl9pPr marL="3657600" algn="l" defTabSz="457200" rtl="0" eaLnBrk="1" latinLnBrk="0" hangingPunct="1">
+                <a:defRPr sz="1800" kern="1200">
+                  <a:solidFill>
+                    <a:schemeClr val="tx1"/>
+                  </a:solidFill>
+                  <a:latin typeface="+mn-lt"/>
+                  <a:ea typeface="+mn-ea"/>
+                  <a:cs typeface="+mn-cs"/>
+                </a:defRPr>
+              </a:lvl9pPr>
+            </a:lstStyle>
+            <a:p>
+              <a:r>
+                <a:rPr lang="en-US" sz="800" dirty="0">
+                  <a:latin typeface="Calibri" panose="020F0502020204030204" pitchFamily="34" charset="0"/>
+                  <a:cs typeface="Calibri" panose="020F0502020204030204" pitchFamily="34" charset="0"/>
+                </a:rPr>
+                <a:t>j</a:t>
+              </a:r>
+              <a:endParaRPr lang="en-GB" sz="800" dirty="0">
+                <a:latin typeface="Calibri" panose="020F0502020204030204" pitchFamily="34" charset="0"/>
+                <a:cs typeface="Calibri" panose="020F0502020204030204" pitchFamily="34" charset="0"/>
+              </a:endParaRPr>
+            </a:p>
+          </p:txBody>
+        </p:sp>
+        <p:sp>
+          <p:nvSpPr>
+            <p:cNvPr id="92" name="Rectangle 91">
+              <a:extLst>
+                <a:ext uri="{FF2B5EF4-FFF2-40B4-BE49-F238E27FC236}">
+                  <a16:creationId xmlns:a16="http://schemas.microsoft.com/office/drawing/2014/main" id="{262D0F52-A70F-D6BD-F4D3-8E7CC38A9067}"/>
+                </a:ext>
+              </a:extLst>
+            </p:cNvPr>
+            <p:cNvSpPr/>
+            <p:nvPr/>
+          </p:nvSpPr>
+          <p:spPr>
+            <a:xfrm>
+              <a:off x="1040747" y="1619373"/>
+              <a:ext cx="144000" cy="144000"/>
+            </a:xfrm>
+            <a:prstGeom prst="rect">
+              <a:avLst/>
+            </a:prstGeom>
+            <a:noFill/>
+            <a:ln w="3175">
+              <a:solidFill>
+                <a:schemeClr val="tx1">
+                  <a:lumMod val="75000"/>
+                  <a:lumOff val="25000"/>
+                </a:schemeClr>
+              </a:solidFill>
+            </a:ln>
+          </p:spPr>
+          <p:style>
+            <a:lnRef idx="2">
+              <a:schemeClr val="accent1">
+                <a:shade val="15000"/>
+              </a:schemeClr>
+            </a:lnRef>
+            <a:fillRef idx="1">
+              <a:schemeClr val="accent1"/>
+            </a:fillRef>
+            <a:effectRef idx="0">
+              <a:schemeClr val="accent1"/>
+            </a:effectRef>
+            <a:fontRef idx="minor">
+              <a:schemeClr val="lt1"/>
+            </a:fontRef>
+          </p:style>
+          <p:txBody>
+            <a:bodyPr rtlCol="0" anchor="ctr"/>
+            <a:lstStyle>
+              <a:defPPr>
+                <a:defRPr lang="en-US"/>
+              </a:defPPr>
+              <a:lvl1pPr marL="0" algn="l" defTabSz="457200" rtl="0" eaLnBrk="1" latinLnBrk="0" hangingPunct="1">
+                <a:defRPr sz="1800" kern="1200">
+                  <a:solidFill>
+                    <a:schemeClr val="lt1"/>
+                  </a:solidFill>
+                  <a:latin typeface="+mn-lt"/>
+                  <a:ea typeface="+mn-ea"/>
+                  <a:cs typeface="+mn-cs"/>
+                </a:defRPr>
+              </a:lvl1pPr>
+              <a:lvl2pPr marL="457200" algn="l" defTabSz="457200" rtl="0" eaLnBrk="1" latinLnBrk="0" hangingPunct="1">
+                <a:defRPr sz="1800" kern="1200">
+                  <a:solidFill>
+                    <a:schemeClr val="lt1"/>
+                  </a:solidFill>
+                  <a:latin typeface="+mn-lt"/>
+                  <a:ea typeface="+mn-ea"/>
+                  <a:cs typeface="+mn-cs"/>
+                </a:defRPr>
+              </a:lvl2pPr>
+              <a:lvl3pPr marL="914400" algn="l" defTabSz="457200" rtl="0" eaLnBrk="1" latinLnBrk="0" hangingPunct="1">
+                <a:defRPr sz="1800" kern="1200">
+                  <a:solidFill>
+                    <a:schemeClr val="lt1"/>
+                  </a:solidFill>
+                  <a:latin typeface="+mn-lt"/>
+                  <a:ea typeface="+mn-ea"/>
+                  <a:cs typeface="+mn-cs"/>
+                </a:defRPr>
+              </a:lvl3pPr>
+              <a:lvl4pPr marL="1371600" algn="l" defTabSz="457200" rtl="0" eaLnBrk="1" latinLnBrk="0" hangingPunct="1">
+                <a:defRPr sz="1800" kern="1200">
+                  <a:solidFill>
+                    <a:schemeClr val="lt1"/>
+                  </a:solidFill>
+                  <a:latin typeface="+mn-lt"/>
+                  <a:ea typeface="+mn-ea"/>
+                  <a:cs typeface="+mn-cs"/>
+                </a:defRPr>
+              </a:lvl4pPr>
+              <a:lvl5pPr marL="1828800" algn="l" defTabSz="457200" rtl="0" eaLnBrk="1" latinLnBrk="0" hangingPunct="1">
+                <a:defRPr sz="1800" kern="1200">
+                  <a:solidFill>
+                    <a:schemeClr val="lt1"/>
+                  </a:solidFill>
+                  <a:latin typeface="+mn-lt"/>
+                  <a:ea typeface="+mn-ea"/>
+                  <a:cs typeface="+mn-cs"/>
+                </a:defRPr>
+              </a:lvl5pPr>
+              <a:lvl6pPr marL="2286000" algn="l" defTabSz="457200" rtl="0" eaLnBrk="1" latinLnBrk="0" hangingPunct="1">
+                <a:defRPr sz="1800" kern="1200">
+                  <a:solidFill>
+                    <a:schemeClr val="lt1"/>
+                  </a:solidFill>
+                  <a:latin typeface="+mn-lt"/>
+                  <a:ea typeface="+mn-ea"/>
+                  <a:cs typeface="+mn-cs"/>
+                </a:defRPr>
+              </a:lvl6pPr>
+              <a:lvl7pPr marL="2743200" algn="l" defTabSz="457200" rtl="0" eaLnBrk="1" latinLnBrk="0" hangingPunct="1">
+                <a:defRPr sz="1800" kern="1200">
+                  <a:solidFill>
+                    <a:schemeClr val="lt1"/>
+                  </a:solidFill>
+                  <a:latin typeface="+mn-lt"/>
+                  <a:ea typeface="+mn-ea"/>
+                  <a:cs typeface="+mn-cs"/>
+                </a:defRPr>
+              </a:lvl7pPr>
+              <a:lvl8pPr marL="3200400" algn="l" defTabSz="457200" rtl="0" eaLnBrk="1" latinLnBrk="0" hangingPunct="1">
+                <a:defRPr sz="1800" kern="1200">
+                  <a:solidFill>
+                    <a:schemeClr val="lt1"/>
+                  </a:solidFill>
+                  <a:latin typeface="+mn-lt"/>
+                  <a:ea typeface="+mn-ea"/>
+                  <a:cs typeface="+mn-cs"/>
+                </a:defRPr>
+              </a:lvl8pPr>
+              <a:lvl9pPr marL="3657600" algn="l" defTabSz="457200" rtl="0" eaLnBrk="1" latinLnBrk="0" hangingPunct="1">
+                <a:defRPr sz="1800" kern="1200">
+                  <a:solidFill>
+                    <a:schemeClr val="lt1"/>
+                  </a:solidFill>
+                  <a:latin typeface="+mn-lt"/>
+                  <a:ea typeface="+mn-ea"/>
+                  <a:cs typeface="+mn-cs"/>
+                </a:defRPr>
+              </a:lvl9pPr>
+            </a:lstStyle>
+            <a:p>
+              <a:pPr algn="ctr"/>
+              <a:endParaRPr lang="en-GB"/>
+            </a:p>
+          </p:txBody>
+        </p:sp>
+      </p:grpSp>
+      <p:grpSp>
+        <p:nvGrpSpPr>
+          <p:cNvPr id="49" name="Group 48">
+            <a:extLst>
+              <a:ext uri="{FF2B5EF4-FFF2-40B4-BE49-F238E27FC236}">
+                <a16:creationId xmlns:a16="http://schemas.microsoft.com/office/drawing/2014/main" id="{04DDEB43-1FE8-E395-3E59-F36AB61BCB91}"/>
+              </a:ext>
+            </a:extLst>
+          </p:cNvPr>
+          <p:cNvGrpSpPr/>
+          <p:nvPr/>
+        </p:nvGrpSpPr>
+        <p:grpSpPr>
+          <a:xfrm>
+            <a:off x="1993116" y="4262061"/>
+            <a:ext cx="216000" cy="216000"/>
+            <a:chOff x="1002190" y="1572253"/>
+            <a:chExt cx="216000" cy="216000"/>
+          </a:xfrm>
+        </p:grpSpPr>
+        <p:sp>
+          <p:nvSpPr>
+            <p:cNvPr id="89" name="TextBox 32">
+              <a:extLst>
+                <a:ext uri="{FF2B5EF4-FFF2-40B4-BE49-F238E27FC236}">
+                  <a16:creationId xmlns:a16="http://schemas.microsoft.com/office/drawing/2014/main" id="{2518B4BE-F9D3-6EF4-E875-03B16FA1A63D}"/>
+                </a:ext>
+              </a:extLst>
+            </p:cNvPr>
+            <p:cNvSpPr txBox="1"/>
+            <p:nvPr/>
+          </p:nvSpPr>
+          <p:spPr>
+            <a:xfrm>
+              <a:off x="1002190" y="1572253"/>
+              <a:ext cx="216000" cy="216000"/>
+            </a:xfrm>
+            <a:prstGeom prst="rect">
+              <a:avLst/>
+            </a:prstGeom>
+            <a:noFill/>
+          </p:spPr>
+          <p:txBody>
+            <a:bodyPr wrap="square" rtlCol="0">
+              <a:spAutoFit/>
+            </a:bodyPr>
+            <a:lstStyle>
+              <a:defPPr>
+                <a:defRPr lang="en-US"/>
+              </a:defPPr>
+              <a:lvl1pPr marL="0" algn="l" defTabSz="457200" rtl="0" eaLnBrk="1" latinLnBrk="0" hangingPunct="1">
+                <a:defRPr sz="1800" kern="1200">
+                  <a:solidFill>
+                    <a:schemeClr val="tx1"/>
+                  </a:solidFill>
+                  <a:latin typeface="+mn-lt"/>
+                  <a:ea typeface="+mn-ea"/>
+                  <a:cs typeface="+mn-cs"/>
+                </a:defRPr>
+              </a:lvl1pPr>
+              <a:lvl2pPr marL="457200" algn="l" defTabSz="457200" rtl="0" eaLnBrk="1" latinLnBrk="0" hangingPunct="1">
+                <a:defRPr sz="1800" kern="1200">
+                  <a:solidFill>
+                    <a:schemeClr val="tx1"/>
+                  </a:solidFill>
+                  <a:latin typeface="+mn-lt"/>
+                  <a:ea typeface="+mn-ea"/>
+                  <a:cs typeface="+mn-cs"/>
+                </a:defRPr>
+              </a:lvl2pPr>
+              <a:lvl3pPr marL="914400" algn="l" defTabSz="457200" rtl="0" eaLnBrk="1" latinLnBrk="0" hangingPunct="1">
+                <a:defRPr sz="1800" kern="1200">
+                  <a:solidFill>
+                    <a:schemeClr val="tx1"/>
+                  </a:solidFill>
+                  <a:latin typeface="+mn-lt"/>
+                  <a:ea typeface="+mn-ea"/>
+                  <a:cs typeface="+mn-cs"/>
+                </a:defRPr>
+              </a:lvl3pPr>
+              <a:lvl4pPr marL="1371600" algn="l" defTabSz="457200" rtl="0" eaLnBrk="1" latinLnBrk="0" hangingPunct="1">
+                <a:defRPr sz="1800" kern="1200">
+                  <a:solidFill>
+                    <a:schemeClr val="tx1"/>
+                  </a:solidFill>
+                  <a:latin typeface="+mn-lt"/>
+                  <a:ea typeface="+mn-ea"/>
+                  <a:cs typeface="+mn-cs"/>
+                </a:defRPr>
+              </a:lvl4pPr>
+              <a:lvl5pPr marL="1828800" algn="l" defTabSz="457200" rtl="0" eaLnBrk="1" latinLnBrk="0" hangingPunct="1">
+                <a:defRPr sz="1800" kern="1200">
+                  <a:solidFill>
+                    <a:schemeClr val="tx1"/>
+                  </a:solidFill>
+                  <a:latin typeface="+mn-lt"/>
+                  <a:ea typeface="+mn-ea"/>
+                  <a:cs typeface="+mn-cs"/>
+                </a:defRPr>
+              </a:lvl5pPr>
+              <a:lvl6pPr marL="2286000" algn="l" defTabSz="457200" rtl="0" eaLnBrk="1" latinLnBrk="0" hangingPunct="1">
+                <a:defRPr sz="1800" kern="1200">
+                  <a:solidFill>
+                    <a:schemeClr val="tx1"/>
+                  </a:solidFill>
+                  <a:latin typeface="+mn-lt"/>
+                  <a:ea typeface="+mn-ea"/>
+                  <a:cs typeface="+mn-cs"/>
+                </a:defRPr>
+              </a:lvl6pPr>
+              <a:lvl7pPr marL="2743200" algn="l" defTabSz="457200" rtl="0" eaLnBrk="1" latinLnBrk="0" hangingPunct="1">
+                <a:defRPr sz="1800" kern="1200">
+                  <a:solidFill>
+                    <a:schemeClr val="tx1"/>
+                  </a:solidFill>
+                  <a:latin typeface="+mn-lt"/>
+                  <a:ea typeface="+mn-ea"/>
+                  <a:cs typeface="+mn-cs"/>
+                </a:defRPr>
+              </a:lvl7pPr>
+              <a:lvl8pPr marL="3200400" algn="l" defTabSz="457200" rtl="0" eaLnBrk="1" latinLnBrk="0" hangingPunct="1">
+                <a:defRPr sz="1800" kern="1200">
+                  <a:solidFill>
+                    <a:schemeClr val="tx1"/>
+                  </a:solidFill>
+                  <a:latin typeface="+mn-lt"/>
+                  <a:ea typeface="+mn-ea"/>
+                  <a:cs typeface="+mn-cs"/>
+                </a:defRPr>
+              </a:lvl8pPr>
+              <a:lvl9pPr marL="3657600" algn="l" defTabSz="457200" rtl="0" eaLnBrk="1" latinLnBrk="0" hangingPunct="1">
+                <a:defRPr sz="1800" kern="1200">
+                  <a:solidFill>
+                    <a:schemeClr val="tx1"/>
+                  </a:solidFill>
+                  <a:latin typeface="+mn-lt"/>
+                  <a:ea typeface="+mn-ea"/>
+                  <a:cs typeface="+mn-cs"/>
+                </a:defRPr>
+              </a:lvl9pPr>
+            </a:lstStyle>
+            <a:p>
+              <a:r>
+                <a:rPr lang="en-US" sz="800" dirty="0">
+                  <a:latin typeface="Calibri" panose="020F0502020204030204" pitchFamily="34" charset="0"/>
+                  <a:cs typeface="Calibri" panose="020F0502020204030204" pitchFamily="34" charset="0"/>
+                </a:rPr>
+                <a:t>k</a:t>
+              </a:r>
+              <a:endParaRPr lang="en-GB" sz="800" dirty="0">
+                <a:latin typeface="Calibri" panose="020F0502020204030204" pitchFamily="34" charset="0"/>
+                <a:cs typeface="Calibri" panose="020F0502020204030204" pitchFamily="34" charset="0"/>
+              </a:endParaRPr>
+            </a:p>
+          </p:txBody>
+        </p:sp>
+        <p:sp>
+          <p:nvSpPr>
+            <p:cNvPr id="90" name="Rectangle 89">
+              <a:extLst>
+                <a:ext uri="{FF2B5EF4-FFF2-40B4-BE49-F238E27FC236}">
+                  <a16:creationId xmlns:a16="http://schemas.microsoft.com/office/drawing/2014/main" id="{108668C1-2E6C-D9A9-6A08-44C95D1B1C6F}"/>
+                </a:ext>
+              </a:extLst>
+            </p:cNvPr>
+            <p:cNvSpPr/>
+            <p:nvPr/>
+          </p:nvSpPr>
+          <p:spPr>
+            <a:xfrm>
+              <a:off x="1040747" y="1619373"/>
+              <a:ext cx="144000" cy="144000"/>
+            </a:xfrm>
+            <a:prstGeom prst="rect">
+              <a:avLst/>
+            </a:prstGeom>
+            <a:noFill/>
+            <a:ln w="3175">
+              <a:solidFill>
+                <a:schemeClr val="tx1">
+                  <a:lumMod val="75000"/>
+                  <a:lumOff val="25000"/>
+                </a:schemeClr>
+              </a:solidFill>
+            </a:ln>
+          </p:spPr>
+          <p:style>
+            <a:lnRef idx="2">
+              <a:schemeClr val="accent1">
+                <a:shade val="15000"/>
+              </a:schemeClr>
+            </a:lnRef>
+            <a:fillRef idx="1">
+              <a:schemeClr val="accent1"/>
+            </a:fillRef>
+            <a:effectRef idx="0">
+              <a:schemeClr val="accent1"/>
+            </a:effectRef>
+            <a:fontRef idx="minor">
+              <a:schemeClr val="lt1"/>
+            </a:fontRef>
+          </p:style>
+          <p:txBody>
+            <a:bodyPr rtlCol="0" anchor="ctr"/>
+            <a:lstStyle>
+              <a:defPPr>
+                <a:defRPr lang="en-US"/>
+              </a:defPPr>
+              <a:lvl1pPr marL="0" algn="l" defTabSz="457200" rtl="0" eaLnBrk="1" latinLnBrk="0" hangingPunct="1">
+                <a:defRPr sz="1800" kern="1200">
+                  <a:solidFill>
+                    <a:schemeClr val="lt1"/>
+                  </a:solidFill>
+                  <a:latin typeface="+mn-lt"/>
+                  <a:ea typeface="+mn-ea"/>
+                  <a:cs typeface="+mn-cs"/>
+                </a:defRPr>
+              </a:lvl1pPr>
+              <a:lvl2pPr marL="457200" algn="l" defTabSz="457200" rtl="0" eaLnBrk="1" latinLnBrk="0" hangingPunct="1">
+                <a:defRPr sz="1800" kern="1200">
+                  <a:solidFill>
+                    <a:schemeClr val="lt1"/>
+                  </a:solidFill>
+                  <a:latin typeface="+mn-lt"/>
+                  <a:ea typeface="+mn-ea"/>
+                  <a:cs typeface="+mn-cs"/>
+                </a:defRPr>
+              </a:lvl2pPr>
+              <a:lvl3pPr marL="914400" algn="l" defTabSz="457200" rtl="0" eaLnBrk="1" latinLnBrk="0" hangingPunct="1">
+                <a:defRPr sz="1800" kern="1200">
+                  <a:solidFill>
+                    <a:schemeClr val="lt1"/>
+                  </a:solidFill>
+                  <a:latin typeface="+mn-lt"/>
+                  <a:ea typeface="+mn-ea"/>
+                  <a:cs typeface="+mn-cs"/>
+                </a:defRPr>
+              </a:lvl3pPr>
+              <a:lvl4pPr marL="1371600" algn="l" defTabSz="457200" rtl="0" eaLnBrk="1" latinLnBrk="0" hangingPunct="1">
+                <a:defRPr sz="1800" kern="1200">
+                  <a:solidFill>
+                    <a:schemeClr val="lt1"/>
+                  </a:solidFill>
+                  <a:latin typeface="+mn-lt"/>
+                  <a:ea typeface="+mn-ea"/>
+                  <a:cs typeface="+mn-cs"/>
+                </a:defRPr>
+              </a:lvl4pPr>
+              <a:lvl5pPr marL="1828800" algn="l" defTabSz="457200" rtl="0" eaLnBrk="1" latinLnBrk="0" hangingPunct="1">
+                <a:defRPr sz="1800" kern="1200">
+                  <a:solidFill>
+                    <a:schemeClr val="lt1"/>
+                  </a:solidFill>
+                  <a:latin typeface="+mn-lt"/>
+                  <a:ea typeface="+mn-ea"/>
+                  <a:cs typeface="+mn-cs"/>
+                </a:defRPr>
+              </a:lvl5pPr>
+              <a:lvl6pPr marL="2286000" algn="l" defTabSz="457200" rtl="0" eaLnBrk="1" latinLnBrk="0" hangingPunct="1">
+                <a:defRPr sz="1800" kern="1200">
+                  <a:solidFill>
+                    <a:schemeClr val="lt1"/>
+                  </a:solidFill>
+                  <a:latin typeface="+mn-lt"/>
+                  <a:ea typeface="+mn-ea"/>
+                  <a:cs typeface="+mn-cs"/>
+                </a:defRPr>
+              </a:lvl6pPr>
+              <a:lvl7pPr marL="2743200" algn="l" defTabSz="457200" rtl="0" eaLnBrk="1" latinLnBrk="0" hangingPunct="1">
+                <a:defRPr sz="1800" kern="1200">
+                  <a:solidFill>
+                    <a:schemeClr val="lt1"/>
+                  </a:solidFill>
+                  <a:latin typeface="+mn-lt"/>
+                  <a:ea typeface="+mn-ea"/>
+                  <a:cs typeface="+mn-cs"/>
+                </a:defRPr>
+              </a:lvl7pPr>
+              <a:lvl8pPr marL="3200400" algn="l" defTabSz="457200" rtl="0" eaLnBrk="1" latinLnBrk="0" hangingPunct="1">
+                <a:defRPr sz="1800" kern="1200">
+                  <a:solidFill>
+                    <a:schemeClr val="lt1"/>
+                  </a:solidFill>
+                  <a:latin typeface="+mn-lt"/>
+                  <a:ea typeface="+mn-ea"/>
+                  <a:cs typeface="+mn-cs"/>
+                </a:defRPr>
+              </a:lvl8pPr>
+              <a:lvl9pPr marL="3657600" algn="l" defTabSz="457200" rtl="0" eaLnBrk="1" latinLnBrk="0" hangingPunct="1">
+                <a:defRPr sz="1800" kern="1200">
+                  <a:solidFill>
+                    <a:schemeClr val="lt1"/>
+                  </a:solidFill>
+                  <a:latin typeface="+mn-lt"/>
+                  <a:ea typeface="+mn-ea"/>
+                  <a:cs typeface="+mn-cs"/>
+                </a:defRPr>
+              </a:lvl9pPr>
+            </a:lstStyle>
+            <a:p>
+              <a:pPr algn="ctr"/>
+              <a:endParaRPr lang="en-GB"/>
+            </a:p>
+          </p:txBody>
+        </p:sp>
+      </p:grpSp>
+      <p:grpSp>
+        <p:nvGrpSpPr>
+          <p:cNvPr id="50" name="Group 49">
+            <a:extLst>
+              <a:ext uri="{FF2B5EF4-FFF2-40B4-BE49-F238E27FC236}">
+                <a16:creationId xmlns:a16="http://schemas.microsoft.com/office/drawing/2014/main" id="{F952F9DC-DDCD-6DC2-1C59-5E0DAFFA7D68}"/>
+              </a:ext>
+            </a:extLst>
+          </p:cNvPr>
+          <p:cNvGrpSpPr/>
+          <p:nvPr/>
+        </p:nvGrpSpPr>
+        <p:grpSpPr>
+          <a:xfrm>
+            <a:off x="1993116" y="5139399"/>
+            <a:ext cx="216000" cy="216000"/>
+            <a:chOff x="1002190" y="1572253"/>
+            <a:chExt cx="216000" cy="216000"/>
+          </a:xfrm>
+        </p:grpSpPr>
+        <p:sp>
+          <p:nvSpPr>
+            <p:cNvPr id="87" name="TextBox 35">
+              <a:extLst>
+                <a:ext uri="{FF2B5EF4-FFF2-40B4-BE49-F238E27FC236}">
+                  <a16:creationId xmlns:a16="http://schemas.microsoft.com/office/drawing/2014/main" id="{DE5AF050-3863-061B-3BA3-496503CF0368}"/>
+                </a:ext>
+              </a:extLst>
+            </p:cNvPr>
+            <p:cNvSpPr txBox="1"/>
+            <p:nvPr/>
+          </p:nvSpPr>
+          <p:spPr>
+            <a:xfrm>
+              <a:off x="1002190" y="1572253"/>
+              <a:ext cx="216000" cy="216000"/>
+            </a:xfrm>
+            <a:prstGeom prst="rect">
+              <a:avLst/>
+            </a:prstGeom>
+            <a:noFill/>
+          </p:spPr>
+          <p:txBody>
+            <a:bodyPr wrap="square" rtlCol="0">
+              <a:spAutoFit/>
+            </a:bodyPr>
+            <a:lstStyle>
+              <a:defPPr>
+                <a:defRPr lang="en-US"/>
+              </a:defPPr>
+              <a:lvl1pPr marL="0" algn="l" defTabSz="457200" rtl="0" eaLnBrk="1" latinLnBrk="0" hangingPunct="1">
+                <a:defRPr sz="1800" kern="1200">
+                  <a:solidFill>
+                    <a:schemeClr val="tx1"/>
+                  </a:solidFill>
+                  <a:latin typeface="+mn-lt"/>
+                  <a:ea typeface="+mn-ea"/>
+                  <a:cs typeface="+mn-cs"/>
+                </a:defRPr>
+              </a:lvl1pPr>
+              <a:lvl2pPr marL="457200" algn="l" defTabSz="457200" rtl="0" eaLnBrk="1" latinLnBrk="0" hangingPunct="1">
+                <a:defRPr sz="1800" kern="1200">
+                  <a:solidFill>
+                    <a:schemeClr val="tx1"/>
+                  </a:solidFill>
+                  <a:latin typeface="+mn-lt"/>
+                  <a:ea typeface="+mn-ea"/>
+                  <a:cs typeface="+mn-cs"/>
+                </a:defRPr>
+              </a:lvl2pPr>
+              <a:lvl3pPr marL="914400" algn="l" defTabSz="457200" rtl="0" eaLnBrk="1" latinLnBrk="0" hangingPunct="1">
+                <a:defRPr sz="1800" kern="1200">
+                  <a:solidFill>
+                    <a:schemeClr val="tx1"/>
+                  </a:solidFill>
+                  <a:latin typeface="+mn-lt"/>
+                  <a:ea typeface="+mn-ea"/>
+                  <a:cs typeface="+mn-cs"/>
+                </a:defRPr>
+              </a:lvl3pPr>
+              <a:lvl4pPr marL="1371600" algn="l" defTabSz="457200" rtl="0" eaLnBrk="1" latinLnBrk="0" hangingPunct="1">
+                <a:defRPr sz="1800" kern="1200">
+                  <a:solidFill>
+                    <a:schemeClr val="tx1"/>
+                  </a:solidFill>
+                  <a:latin typeface="+mn-lt"/>
+                  <a:ea typeface="+mn-ea"/>
+                  <a:cs typeface="+mn-cs"/>
+                </a:defRPr>
+              </a:lvl4pPr>
+              <a:lvl5pPr marL="1828800" algn="l" defTabSz="457200" rtl="0" eaLnBrk="1" latinLnBrk="0" hangingPunct="1">
+                <a:defRPr sz="1800" kern="1200">
+                  <a:solidFill>
+                    <a:schemeClr val="tx1"/>
+                  </a:solidFill>
+                  <a:latin typeface="+mn-lt"/>
+                  <a:ea typeface="+mn-ea"/>
+                  <a:cs typeface="+mn-cs"/>
+                </a:defRPr>
+              </a:lvl5pPr>
+              <a:lvl6pPr marL="2286000" algn="l" defTabSz="457200" rtl="0" eaLnBrk="1" latinLnBrk="0" hangingPunct="1">
+                <a:defRPr sz="1800" kern="1200">
+                  <a:solidFill>
+                    <a:schemeClr val="tx1"/>
+                  </a:solidFill>
+                  <a:latin typeface="+mn-lt"/>
+                  <a:ea typeface="+mn-ea"/>
+                  <a:cs typeface="+mn-cs"/>
+                </a:defRPr>
+              </a:lvl6pPr>
+              <a:lvl7pPr marL="2743200" algn="l" defTabSz="457200" rtl="0" eaLnBrk="1" latinLnBrk="0" hangingPunct="1">
+                <a:defRPr sz="1800" kern="1200">
+                  <a:solidFill>
+                    <a:schemeClr val="tx1"/>
+                  </a:solidFill>
+                  <a:latin typeface="+mn-lt"/>
+                  <a:ea typeface="+mn-ea"/>
+                  <a:cs typeface="+mn-cs"/>
+                </a:defRPr>
+              </a:lvl7pPr>
+              <a:lvl8pPr marL="3200400" algn="l" defTabSz="457200" rtl="0" eaLnBrk="1" latinLnBrk="0" hangingPunct="1">
+                <a:defRPr sz="1800" kern="1200">
+                  <a:solidFill>
+                    <a:schemeClr val="tx1"/>
+                  </a:solidFill>
+                  <a:latin typeface="+mn-lt"/>
+                  <a:ea typeface="+mn-ea"/>
+                  <a:cs typeface="+mn-cs"/>
+                </a:defRPr>
+              </a:lvl8pPr>
+              <a:lvl9pPr marL="3657600" algn="l" defTabSz="457200" rtl="0" eaLnBrk="1" latinLnBrk="0" hangingPunct="1">
+                <a:defRPr sz="1800" kern="1200">
+                  <a:solidFill>
+                    <a:schemeClr val="tx1"/>
+                  </a:solidFill>
+                  <a:latin typeface="+mn-lt"/>
+                  <a:ea typeface="+mn-ea"/>
+                  <a:cs typeface="+mn-cs"/>
+                </a:defRPr>
+              </a:lvl9pPr>
+            </a:lstStyle>
+            <a:p>
+              <a:r>
+                <a:rPr lang="en-US" sz="800" dirty="0">
+                  <a:latin typeface="Calibri" panose="020F0502020204030204" pitchFamily="34" charset="0"/>
+                  <a:cs typeface="Calibri" panose="020F0502020204030204" pitchFamily="34" charset="0"/>
+                </a:rPr>
+                <a:t>l</a:t>
+              </a:r>
+              <a:endParaRPr lang="en-GB" sz="800" dirty="0">
+                <a:latin typeface="Calibri" panose="020F0502020204030204" pitchFamily="34" charset="0"/>
+                <a:cs typeface="Calibri" panose="020F0502020204030204" pitchFamily="34" charset="0"/>
+              </a:endParaRPr>
+            </a:p>
+          </p:txBody>
+        </p:sp>
+        <p:sp>
+          <p:nvSpPr>
+            <p:cNvPr id="88" name="Rectangle 87">
+              <a:extLst>
+                <a:ext uri="{FF2B5EF4-FFF2-40B4-BE49-F238E27FC236}">
+                  <a16:creationId xmlns:a16="http://schemas.microsoft.com/office/drawing/2014/main" id="{826F7D6A-0485-363C-FA9B-44D7B9450F7D}"/>
+                </a:ext>
+              </a:extLst>
+            </p:cNvPr>
+            <p:cNvSpPr/>
+            <p:nvPr/>
+          </p:nvSpPr>
+          <p:spPr>
+            <a:xfrm>
+              <a:off x="1040747" y="1619373"/>
+              <a:ext cx="144000" cy="144000"/>
+            </a:xfrm>
+            <a:prstGeom prst="rect">
+              <a:avLst/>
+            </a:prstGeom>
+            <a:noFill/>
+            <a:ln w="3175">
+              <a:solidFill>
+                <a:schemeClr val="tx1">
+                  <a:lumMod val="75000"/>
+                  <a:lumOff val="25000"/>
+                </a:schemeClr>
+              </a:solidFill>
+            </a:ln>
+          </p:spPr>
+          <p:style>
+            <a:lnRef idx="2">
+              <a:schemeClr val="accent1">
+                <a:shade val="15000"/>
+              </a:schemeClr>
+            </a:lnRef>
+            <a:fillRef idx="1">
+              <a:schemeClr val="accent1"/>
+            </a:fillRef>
+            <a:effectRef idx="0">
+              <a:schemeClr val="accent1"/>
+            </a:effectRef>
+            <a:fontRef idx="minor">
+              <a:schemeClr val="lt1"/>
+            </a:fontRef>
+          </p:style>
+          <p:txBody>
+            <a:bodyPr rtlCol="0" anchor="ctr"/>
+            <a:lstStyle>
+              <a:defPPr>
+                <a:defRPr lang="en-US"/>
+              </a:defPPr>
+              <a:lvl1pPr marL="0" algn="l" defTabSz="457200" rtl="0" eaLnBrk="1" latinLnBrk="0" hangingPunct="1">
+                <a:defRPr sz="1800" kern="1200">
+                  <a:solidFill>
+                    <a:schemeClr val="lt1"/>
+                  </a:solidFill>
+                  <a:latin typeface="+mn-lt"/>
+                  <a:ea typeface="+mn-ea"/>
+                  <a:cs typeface="+mn-cs"/>
+                </a:defRPr>
+              </a:lvl1pPr>
+              <a:lvl2pPr marL="457200" algn="l" defTabSz="457200" rtl="0" eaLnBrk="1" latinLnBrk="0" hangingPunct="1">
+                <a:defRPr sz="1800" kern="1200">
+                  <a:solidFill>
+                    <a:schemeClr val="lt1"/>
+                  </a:solidFill>
+                  <a:latin typeface="+mn-lt"/>
+                  <a:ea typeface="+mn-ea"/>
+                  <a:cs typeface="+mn-cs"/>
+                </a:defRPr>
+              </a:lvl2pPr>
+              <a:lvl3pPr marL="914400" algn="l" defTabSz="457200" rtl="0" eaLnBrk="1" latinLnBrk="0" hangingPunct="1">
+                <a:defRPr sz="1800" kern="1200">
+                  <a:solidFill>
+                    <a:schemeClr val="lt1"/>
+                  </a:solidFill>
+                  <a:latin typeface="+mn-lt"/>
+                  <a:ea typeface="+mn-ea"/>
+                  <a:cs typeface="+mn-cs"/>
+                </a:defRPr>
+              </a:lvl3pPr>
+              <a:lvl4pPr marL="1371600" algn="l" defTabSz="457200" rtl="0" eaLnBrk="1" latinLnBrk="0" hangingPunct="1">
+                <a:defRPr sz="1800" kern="1200">
+                  <a:solidFill>
+                    <a:schemeClr val="lt1"/>
+                  </a:solidFill>
+                  <a:latin typeface="+mn-lt"/>
+                  <a:ea typeface="+mn-ea"/>
+                  <a:cs typeface="+mn-cs"/>
+                </a:defRPr>
+              </a:lvl4pPr>
+              <a:lvl5pPr marL="1828800" algn="l" defTabSz="457200" rtl="0" eaLnBrk="1" latinLnBrk="0" hangingPunct="1">
+                <a:defRPr sz="1800" kern="1200">
+                  <a:solidFill>
+                    <a:schemeClr val="lt1"/>
+                  </a:solidFill>
+                  <a:latin typeface="+mn-lt"/>
+                  <a:ea typeface="+mn-ea"/>
+                  <a:cs typeface="+mn-cs"/>
+                </a:defRPr>
+              </a:lvl5pPr>
+              <a:lvl6pPr marL="2286000" algn="l" defTabSz="457200" rtl="0" eaLnBrk="1" latinLnBrk="0" hangingPunct="1">
+                <a:defRPr sz="1800" kern="1200">
+                  <a:solidFill>
+                    <a:schemeClr val="lt1"/>
+                  </a:solidFill>
+                  <a:latin typeface="+mn-lt"/>
+                  <a:ea typeface="+mn-ea"/>
+                  <a:cs typeface="+mn-cs"/>
+                </a:defRPr>
+              </a:lvl6pPr>
+              <a:lvl7pPr marL="2743200" algn="l" defTabSz="457200" rtl="0" eaLnBrk="1" latinLnBrk="0" hangingPunct="1">
+                <a:defRPr sz="1800" kern="1200">
+                  <a:solidFill>
+                    <a:schemeClr val="lt1"/>
+                  </a:solidFill>
+                  <a:latin typeface="+mn-lt"/>
+                  <a:ea typeface="+mn-ea"/>
+                  <a:cs typeface="+mn-cs"/>
+                </a:defRPr>
+              </a:lvl7pPr>
+              <a:lvl8pPr marL="3200400" algn="l" defTabSz="457200" rtl="0" eaLnBrk="1" latinLnBrk="0" hangingPunct="1">
+                <a:defRPr sz="1800" kern="1200">
+                  <a:solidFill>
+                    <a:schemeClr val="lt1"/>
+                  </a:solidFill>
+                  <a:latin typeface="+mn-lt"/>
+                  <a:ea typeface="+mn-ea"/>
+                  <a:cs typeface="+mn-cs"/>
+                </a:defRPr>
+              </a:lvl8pPr>
+              <a:lvl9pPr marL="3657600" algn="l" defTabSz="457200" rtl="0" eaLnBrk="1" latinLnBrk="0" hangingPunct="1">
+                <a:defRPr sz="1800" kern="1200">
+                  <a:solidFill>
+                    <a:schemeClr val="lt1"/>
+                  </a:solidFill>
+                  <a:latin typeface="+mn-lt"/>
+                  <a:ea typeface="+mn-ea"/>
+                  <a:cs typeface="+mn-cs"/>
+                </a:defRPr>
+              </a:lvl9pPr>
+            </a:lstStyle>
+            <a:p>
+              <a:pPr algn="ctr"/>
+              <a:endParaRPr lang="en-GB"/>
+            </a:p>
+          </p:txBody>
+        </p:sp>
+      </p:grpSp>
+      <p:grpSp>
+        <p:nvGrpSpPr>
+          <p:cNvPr id="51" name="Group 50">
+            <a:extLst>
+              <a:ext uri="{FF2B5EF4-FFF2-40B4-BE49-F238E27FC236}">
+                <a16:creationId xmlns:a16="http://schemas.microsoft.com/office/drawing/2014/main" id="{480769DA-F716-434E-71E2-25B6DB4E1CF1}"/>
+              </a:ext>
+            </a:extLst>
+          </p:cNvPr>
+          <p:cNvGrpSpPr/>
+          <p:nvPr/>
+        </p:nvGrpSpPr>
+        <p:grpSpPr>
+          <a:xfrm>
+            <a:off x="3077026" y="754765"/>
+            <a:ext cx="216000" cy="216000"/>
+            <a:chOff x="1002190" y="1572253"/>
+            <a:chExt cx="216000" cy="216000"/>
+          </a:xfrm>
+        </p:grpSpPr>
+        <p:sp>
+          <p:nvSpPr>
+            <p:cNvPr id="85" name="TextBox 38">
+              <a:extLst>
+                <a:ext uri="{FF2B5EF4-FFF2-40B4-BE49-F238E27FC236}">
+                  <a16:creationId xmlns:a16="http://schemas.microsoft.com/office/drawing/2014/main" id="{E31E8750-F1F5-09FE-9B62-E2DAACA89CC4}"/>
+                </a:ext>
+              </a:extLst>
+            </p:cNvPr>
+            <p:cNvSpPr txBox="1"/>
+            <p:nvPr/>
+          </p:nvSpPr>
+          <p:spPr>
+            <a:xfrm>
+              <a:off x="1002190" y="1572253"/>
+              <a:ext cx="216000" cy="216000"/>
+            </a:xfrm>
+            <a:prstGeom prst="rect">
+              <a:avLst/>
+            </a:prstGeom>
+            <a:noFill/>
+          </p:spPr>
+          <p:txBody>
+            <a:bodyPr wrap="square" rtlCol="0">
+              <a:spAutoFit/>
+            </a:bodyPr>
+            <a:lstStyle>
+              <a:defPPr>
+                <a:defRPr lang="en-US"/>
+              </a:defPPr>
+              <a:lvl1pPr marL="0" algn="l" defTabSz="457200" rtl="0" eaLnBrk="1" latinLnBrk="0" hangingPunct="1">
+                <a:defRPr sz="1800" kern="1200">
+                  <a:solidFill>
+                    <a:schemeClr val="tx1"/>
+                  </a:solidFill>
+                  <a:latin typeface="+mn-lt"/>
+                  <a:ea typeface="+mn-ea"/>
+                  <a:cs typeface="+mn-cs"/>
+                </a:defRPr>
+              </a:lvl1pPr>
+              <a:lvl2pPr marL="457200" algn="l" defTabSz="457200" rtl="0" eaLnBrk="1" latinLnBrk="0" hangingPunct="1">
+                <a:defRPr sz="1800" kern="1200">
+                  <a:solidFill>
+                    <a:schemeClr val="tx1"/>
+                  </a:solidFill>
+                  <a:latin typeface="+mn-lt"/>
+                  <a:ea typeface="+mn-ea"/>
+                  <a:cs typeface="+mn-cs"/>
+                </a:defRPr>
+              </a:lvl2pPr>
+              <a:lvl3pPr marL="914400" algn="l" defTabSz="457200" rtl="0" eaLnBrk="1" latinLnBrk="0" hangingPunct="1">
+                <a:defRPr sz="1800" kern="1200">
+                  <a:solidFill>
+                    <a:schemeClr val="tx1"/>
+                  </a:solidFill>
+                  <a:latin typeface="+mn-lt"/>
+                  <a:ea typeface="+mn-ea"/>
+                  <a:cs typeface="+mn-cs"/>
+                </a:defRPr>
+              </a:lvl3pPr>
+              <a:lvl4pPr marL="1371600" algn="l" defTabSz="457200" rtl="0" eaLnBrk="1" latinLnBrk="0" hangingPunct="1">
+                <a:defRPr sz="1800" kern="1200">
+                  <a:solidFill>
+                    <a:schemeClr val="tx1"/>
+                  </a:solidFill>
+                  <a:latin typeface="+mn-lt"/>
+                  <a:ea typeface="+mn-ea"/>
+                  <a:cs typeface="+mn-cs"/>
+                </a:defRPr>
+              </a:lvl4pPr>
+              <a:lvl5pPr marL="1828800" algn="l" defTabSz="457200" rtl="0" eaLnBrk="1" latinLnBrk="0" hangingPunct="1">
+                <a:defRPr sz="1800" kern="1200">
+                  <a:solidFill>
+                    <a:schemeClr val="tx1"/>
+                  </a:solidFill>
+                  <a:latin typeface="+mn-lt"/>
+                  <a:ea typeface="+mn-ea"/>
+                  <a:cs typeface="+mn-cs"/>
+                </a:defRPr>
+              </a:lvl5pPr>
+              <a:lvl6pPr marL="2286000" algn="l" defTabSz="457200" rtl="0" eaLnBrk="1" latinLnBrk="0" hangingPunct="1">
+                <a:defRPr sz="1800" kern="1200">
+                  <a:solidFill>
+                    <a:schemeClr val="tx1"/>
+                  </a:solidFill>
+                  <a:latin typeface="+mn-lt"/>
+                  <a:ea typeface="+mn-ea"/>
+                  <a:cs typeface="+mn-cs"/>
+                </a:defRPr>
+              </a:lvl6pPr>
+              <a:lvl7pPr marL="2743200" algn="l" defTabSz="457200" rtl="0" eaLnBrk="1" latinLnBrk="0" hangingPunct="1">
+                <a:defRPr sz="1800" kern="1200">
+                  <a:solidFill>
+                    <a:schemeClr val="tx1"/>
+                  </a:solidFill>
+                  <a:latin typeface="+mn-lt"/>
+                  <a:ea typeface="+mn-ea"/>
+                  <a:cs typeface="+mn-cs"/>
+                </a:defRPr>
+              </a:lvl7pPr>
+              <a:lvl8pPr marL="3200400" algn="l" defTabSz="457200" rtl="0" eaLnBrk="1" latinLnBrk="0" hangingPunct="1">
+                <a:defRPr sz="1800" kern="1200">
+                  <a:solidFill>
+                    <a:schemeClr val="tx1"/>
+                  </a:solidFill>
+                  <a:latin typeface="+mn-lt"/>
+                  <a:ea typeface="+mn-ea"/>
+                  <a:cs typeface="+mn-cs"/>
+                </a:defRPr>
+              </a:lvl8pPr>
+              <a:lvl9pPr marL="3657600" algn="l" defTabSz="457200" rtl="0" eaLnBrk="1" latinLnBrk="0" hangingPunct="1">
+                <a:defRPr sz="1800" kern="1200">
+                  <a:solidFill>
+                    <a:schemeClr val="tx1"/>
+                  </a:solidFill>
+                  <a:latin typeface="+mn-lt"/>
+                  <a:ea typeface="+mn-ea"/>
+                  <a:cs typeface="+mn-cs"/>
+                </a:defRPr>
+              </a:lvl9pPr>
+            </a:lstStyle>
+            <a:p>
+              <a:r>
+                <a:rPr lang="en-US" sz="800" dirty="0">
+                  <a:latin typeface="Calibri" panose="020F0502020204030204" pitchFamily="34" charset="0"/>
+                  <a:cs typeface="Calibri" panose="020F0502020204030204" pitchFamily="34" charset="0"/>
+                </a:rPr>
+                <a:t>m</a:t>
+              </a:r>
+              <a:endParaRPr lang="en-GB" sz="800" dirty="0">
+                <a:latin typeface="Calibri" panose="020F0502020204030204" pitchFamily="34" charset="0"/>
+                <a:cs typeface="Calibri" panose="020F0502020204030204" pitchFamily="34" charset="0"/>
+              </a:endParaRPr>
+            </a:p>
+          </p:txBody>
+        </p:sp>
+        <p:sp>
+          <p:nvSpPr>
+            <p:cNvPr id="86" name="Rectangle 85">
+              <a:extLst>
+                <a:ext uri="{FF2B5EF4-FFF2-40B4-BE49-F238E27FC236}">
+                  <a16:creationId xmlns:a16="http://schemas.microsoft.com/office/drawing/2014/main" id="{418DEADB-322B-F248-431D-0EA2AB6C7A30}"/>
+                </a:ext>
+              </a:extLst>
+            </p:cNvPr>
+            <p:cNvSpPr/>
+            <p:nvPr/>
+          </p:nvSpPr>
+          <p:spPr>
+            <a:xfrm>
+              <a:off x="1040747" y="1619373"/>
+              <a:ext cx="144000" cy="144000"/>
+            </a:xfrm>
+            <a:prstGeom prst="rect">
+              <a:avLst/>
+            </a:prstGeom>
+            <a:noFill/>
+            <a:ln w="3175">
+              <a:solidFill>
+                <a:schemeClr val="tx1">
+                  <a:lumMod val="75000"/>
+                  <a:lumOff val="25000"/>
+                </a:schemeClr>
+              </a:solidFill>
+            </a:ln>
+          </p:spPr>
+          <p:style>
+            <a:lnRef idx="2">
+              <a:schemeClr val="accent1">
+                <a:shade val="15000"/>
+              </a:schemeClr>
+            </a:lnRef>
+            <a:fillRef idx="1">
+              <a:schemeClr val="accent1"/>
+            </a:fillRef>
+            <a:effectRef idx="0">
+              <a:schemeClr val="accent1"/>
+            </a:effectRef>
+            <a:fontRef idx="minor">
+              <a:schemeClr val="lt1"/>
+            </a:fontRef>
+          </p:style>
+          <p:txBody>
+            <a:bodyPr rtlCol="0" anchor="ctr"/>
+            <a:lstStyle>
+              <a:defPPr>
+                <a:defRPr lang="en-US"/>
+              </a:defPPr>
+              <a:lvl1pPr marL="0" algn="l" defTabSz="457200" rtl="0" eaLnBrk="1" latinLnBrk="0" hangingPunct="1">
+                <a:defRPr sz="1800" kern="1200">
+                  <a:solidFill>
+                    <a:schemeClr val="lt1"/>
+                  </a:solidFill>
+                  <a:latin typeface="+mn-lt"/>
+                  <a:ea typeface="+mn-ea"/>
+                  <a:cs typeface="+mn-cs"/>
+                </a:defRPr>
+              </a:lvl1pPr>
+              <a:lvl2pPr marL="457200" algn="l" defTabSz="457200" rtl="0" eaLnBrk="1" latinLnBrk="0" hangingPunct="1">
+                <a:defRPr sz="1800" kern="1200">
+                  <a:solidFill>
+                    <a:schemeClr val="lt1"/>
+                  </a:solidFill>
+                  <a:latin typeface="+mn-lt"/>
+                  <a:ea typeface="+mn-ea"/>
+                  <a:cs typeface="+mn-cs"/>
+                </a:defRPr>
+              </a:lvl2pPr>
+              <a:lvl3pPr marL="914400" algn="l" defTabSz="457200" rtl="0" eaLnBrk="1" latinLnBrk="0" hangingPunct="1">
+                <a:defRPr sz="1800" kern="1200">
+                  <a:solidFill>
+                    <a:schemeClr val="lt1"/>
+                  </a:solidFill>
+                  <a:latin typeface="+mn-lt"/>
+                  <a:ea typeface="+mn-ea"/>
+                  <a:cs typeface="+mn-cs"/>
+                </a:defRPr>
+              </a:lvl3pPr>
+              <a:lvl4pPr marL="1371600" algn="l" defTabSz="457200" rtl="0" eaLnBrk="1" latinLnBrk="0" hangingPunct="1">
+                <a:defRPr sz="1800" kern="1200">
+                  <a:solidFill>
+                    <a:schemeClr val="lt1"/>
+                  </a:solidFill>
+                  <a:latin typeface="+mn-lt"/>
+                  <a:ea typeface="+mn-ea"/>
+                  <a:cs typeface="+mn-cs"/>
+                </a:defRPr>
+              </a:lvl4pPr>
+              <a:lvl5pPr marL="1828800" algn="l" defTabSz="457200" rtl="0" eaLnBrk="1" latinLnBrk="0" hangingPunct="1">
+                <a:defRPr sz="1800" kern="1200">
+                  <a:solidFill>
+                    <a:schemeClr val="lt1"/>
+                  </a:solidFill>
+                  <a:latin typeface="+mn-lt"/>
+                  <a:ea typeface="+mn-ea"/>
+                  <a:cs typeface="+mn-cs"/>
+                </a:defRPr>
+              </a:lvl5pPr>
+              <a:lvl6pPr marL="2286000" algn="l" defTabSz="457200" rtl="0" eaLnBrk="1" latinLnBrk="0" hangingPunct="1">
+                <a:defRPr sz="1800" kern="1200">
+                  <a:solidFill>
+                    <a:schemeClr val="lt1"/>
+                  </a:solidFill>
+                  <a:latin typeface="+mn-lt"/>
+                  <a:ea typeface="+mn-ea"/>
+                  <a:cs typeface="+mn-cs"/>
+                </a:defRPr>
+              </a:lvl6pPr>
+              <a:lvl7pPr marL="2743200" algn="l" defTabSz="457200" rtl="0" eaLnBrk="1" latinLnBrk="0" hangingPunct="1">
+                <a:defRPr sz="1800" kern="1200">
+                  <a:solidFill>
+                    <a:schemeClr val="lt1"/>
+                  </a:solidFill>
+                  <a:latin typeface="+mn-lt"/>
+                  <a:ea typeface="+mn-ea"/>
+                  <a:cs typeface="+mn-cs"/>
+                </a:defRPr>
+              </a:lvl7pPr>
+              <a:lvl8pPr marL="3200400" algn="l" defTabSz="457200" rtl="0" eaLnBrk="1" latinLnBrk="0" hangingPunct="1">
+                <a:defRPr sz="1800" kern="1200">
+                  <a:solidFill>
+                    <a:schemeClr val="lt1"/>
+                  </a:solidFill>
+                  <a:latin typeface="+mn-lt"/>
+                  <a:ea typeface="+mn-ea"/>
+                  <a:cs typeface="+mn-cs"/>
+                </a:defRPr>
+              </a:lvl8pPr>
+              <a:lvl9pPr marL="3657600" algn="l" defTabSz="457200" rtl="0" eaLnBrk="1" latinLnBrk="0" hangingPunct="1">
+                <a:defRPr sz="1800" kern="1200">
+                  <a:solidFill>
+                    <a:schemeClr val="lt1"/>
+                  </a:solidFill>
+                  <a:latin typeface="+mn-lt"/>
+                  <a:ea typeface="+mn-ea"/>
+                  <a:cs typeface="+mn-cs"/>
+                </a:defRPr>
+              </a:lvl9pPr>
+            </a:lstStyle>
+            <a:p>
+              <a:pPr algn="ctr"/>
+              <a:endParaRPr lang="en-GB"/>
+            </a:p>
+          </p:txBody>
+        </p:sp>
+      </p:grpSp>
+      <p:grpSp>
+        <p:nvGrpSpPr>
+          <p:cNvPr id="52" name="Group 51">
+            <a:extLst>
+              <a:ext uri="{FF2B5EF4-FFF2-40B4-BE49-F238E27FC236}">
+                <a16:creationId xmlns:a16="http://schemas.microsoft.com/office/drawing/2014/main" id="{88F37D14-C4E0-DF81-63A1-36D64305E3B0}"/>
+              </a:ext>
+            </a:extLst>
+          </p:cNvPr>
+          <p:cNvGrpSpPr/>
+          <p:nvPr/>
+        </p:nvGrpSpPr>
+        <p:grpSpPr>
+          <a:xfrm>
+            <a:off x="3077026" y="1636434"/>
+            <a:ext cx="216000" cy="216000"/>
+            <a:chOff x="1002190" y="1572253"/>
+            <a:chExt cx="216000" cy="216000"/>
+          </a:xfrm>
+        </p:grpSpPr>
+        <p:sp>
+          <p:nvSpPr>
+            <p:cNvPr id="83" name="TextBox 41">
+              <a:extLst>
+                <a:ext uri="{FF2B5EF4-FFF2-40B4-BE49-F238E27FC236}">
+                  <a16:creationId xmlns:a16="http://schemas.microsoft.com/office/drawing/2014/main" id="{3405D2E1-D581-0E25-022B-909DEAC74FFD}"/>
+                </a:ext>
+              </a:extLst>
+            </p:cNvPr>
+            <p:cNvSpPr txBox="1"/>
+            <p:nvPr/>
+          </p:nvSpPr>
+          <p:spPr>
+            <a:xfrm>
+              <a:off x="1002190" y="1572253"/>
+              <a:ext cx="216000" cy="216000"/>
+            </a:xfrm>
+            <a:prstGeom prst="rect">
+              <a:avLst/>
+            </a:prstGeom>
+            <a:noFill/>
+          </p:spPr>
+          <p:txBody>
+            <a:bodyPr wrap="square" rtlCol="0">
+              <a:spAutoFit/>
+            </a:bodyPr>
+            <a:lstStyle>
+              <a:defPPr>
+                <a:defRPr lang="en-US"/>
+              </a:defPPr>
+              <a:lvl1pPr marL="0" algn="l" defTabSz="457200" rtl="0" eaLnBrk="1" latinLnBrk="0" hangingPunct="1">
+                <a:defRPr sz="1800" kern="1200">
+                  <a:solidFill>
+                    <a:schemeClr val="tx1"/>
+                  </a:solidFill>
+                  <a:latin typeface="+mn-lt"/>
+                  <a:ea typeface="+mn-ea"/>
+                  <a:cs typeface="+mn-cs"/>
+                </a:defRPr>
+              </a:lvl1pPr>
+              <a:lvl2pPr marL="457200" algn="l" defTabSz="457200" rtl="0" eaLnBrk="1" latinLnBrk="0" hangingPunct="1">
+                <a:defRPr sz="1800" kern="1200">
+                  <a:solidFill>
+                    <a:schemeClr val="tx1"/>
+                  </a:solidFill>
+                  <a:latin typeface="+mn-lt"/>
+                  <a:ea typeface="+mn-ea"/>
+                  <a:cs typeface="+mn-cs"/>
+                </a:defRPr>
+              </a:lvl2pPr>
+              <a:lvl3pPr marL="914400" algn="l" defTabSz="457200" rtl="0" eaLnBrk="1" latinLnBrk="0" hangingPunct="1">
+                <a:defRPr sz="1800" kern="1200">
+                  <a:solidFill>
+                    <a:schemeClr val="tx1"/>
+                  </a:solidFill>
+                  <a:latin typeface="+mn-lt"/>
+                  <a:ea typeface="+mn-ea"/>
+                  <a:cs typeface="+mn-cs"/>
+                </a:defRPr>
+              </a:lvl3pPr>
+              <a:lvl4pPr marL="1371600" algn="l" defTabSz="457200" rtl="0" eaLnBrk="1" latinLnBrk="0" hangingPunct="1">
+                <a:defRPr sz="1800" kern="1200">
+                  <a:solidFill>
+                    <a:schemeClr val="tx1"/>
+                  </a:solidFill>
+                  <a:latin typeface="+mn-lt"/>
+                  <a:ea typeface="+mn-ea"/>
+                  <a:cs typeface="+mn-cs"/>
+                </a:defRPr>
+              </a:lvl4pPr>
+              <a:lvl5pPr marL="1828800" algn="l" defTabSz="457200" rtl="0" eaLnBrk="1" latinLnBrk="0" hangingPunct="1">
+                <a:defRPr sz="1800" kern="1200">
+                  <a:solidFill>
+                    <a:schemeClr val="tx1"/>
+                  </a:solidFill>
+                  <a:latin typeface="+mn-lt"/>
+                  <a:ea typeface="+mn-ea"/>
+                  <a:cs typeface="+mn-cs"/>
+                </a:defRPr>
+              </a:lvl5pPr>
+              <a:lvl6pPr marL="2286000" algn="l" defTabSz="457200" rtl="0" eaLnBrk="1" latinLnBrk="0" hangingPunct="1">
+                <a:defRPr sz="1800" kern="1200">
+                  <a:solidFill>
+                    <a:schemeClr val="tx1"/>
+                  </a:solidFill>
+                  <a:latin typeface="+mn-lt"/>
+                  <a:ea typeface="+mn-ea"/>
+                  <a:cs typeface="+mn-cs"/>
+                </a:defRPr>
+              </a:lvl6pPr>
+              <a:lvl7pPr marL="2743200" algn="l" defTabSz="457200" rtl="0" eaLnBrk="1" latinLnBrk="0" hangingPunct="1">
+                <a:defRPr sz="1800" kern="1200">
+                  <a:solidFill>
+                    <a:schemeClr val="tx1"/>
+                  </a:solidFill>
+                  <a:latin typeface="+mn-lt"/>
+                  <a:ea typeface="+mn-ea"/>
+                  <a:cs typeface="+mn-cs"/>
+                </a:defRPr>
+              </a:lvl7pPr>
+              <a:lvl8pPr marL="3200400" algn="l" defTabSz="457200" rtl="0" eaLnBrk="1" latinLnBrk="0" hangingPunct="1">
+                <a:defRPr sz="1800" kern="1200">
+                  <a:solidFill>
+                    <a:schemeClr val="tx1"/>
+                  </a:solidFill>
+                  <a:latin typeface="+mn-lt"/>
+                  <a:ea typeface="+mn-ea"/>
+                  <a:cs typeface="+mn-cs"/>
+                </a:defRPr>
+              </a:lvl8pPr>
+              <a:lvl9pPr marL="3657600" algn="l" defTabSz="457200" rtl="0" eaLnBrk="1" latinLnBrk="0" hangingPunct="1">
+                <a:defRPr sz="1800" kern="1200">
+                  <a:solidFill>
+                    <a:schemeClr val="tx1"/>
+                  </a:solidFill>
+                  <a:latin typeface="+mn-lt"/>
+                  <a:ea typeface="+mn-ea"/>
+                  <a:cs typeface="+mn-cs"/>
+                </a:defRPr>
+              </a:lvl9pPr>
+            </a:lstStyle>
+            <a:p>
+              <a:r>
+                <a:rPr lang="en-US" sz="800" dirty="0">
+                  <a:latin typeface="Calibri" panose="020F0502020204030204" pitchFamily="34" charset="0"/>
+                  <a:cs typeface="Calibri" panose="020F0502020204030204" pitchFamily="34" charset="0"/>
+                </a:rPr>
+                <a:t>n</a:t>
+              </a:r>
+              <a:endParaRPr lang="en-GB" sz="800" dirty="0">
+                <a:latin typeface="Calibri" panose="020F0502020204030204" pitchFamily="34" charset="0"/>
+                <a:cs typeface="Calibri" panose="020F0502020204030204" pitchFamily="34" charset="0"/>
+              </a:endParaRPr>
+            </a:p>
+          </p:txBody>
+        </p:sp>
+        <p:sp>
+          <p:nvSpPr>
+            <p:cNvPr id="84" name="Rectangle 83">
+              <a:extLst>
+                <a:ext uri="{FF2B5EF4-FFF2-40B4-BE49-F238E27FC236}">
+                  <a16:creationId xmlns:a16="http://schemas.microsoft.com/office/drawing/2014/main" id="{6DCC7B45-6E78-9BB5-CB94-F2FE408FC1B4}"/>
+                </a:ext>
+              </a:extLst>
+            </p:cNvPr>
+            <p:cNvSpPr/>
+            <p:nvPr/>
+          </p:nvSpPr>
+          <p:spPr>
+            <a:xfrm>
+              <a:off x="1040747" y="1619373"/>
+              <a:ext cx="144000" cy="144000"/>
+            </a:xfrm>
+            <a:prstGeom prst="rect">
+              <a:avLst/>
+            </a:prstGeom>
+            <a:noFill/>
+            <a:ln w="3175">
+              <a:solidFill>
+                <a:schemeClr val="tx1">
+                  <a:lumMod val="75000"/>
+                  <a:lumOff val="25000"/>
+                </a:schemeClr>
+              </a:solidFill>
+            </a:ln>
+          </p:spPr>
+          <p:style>
+            <a:lnRef idx="2">
+              <a:schemeClr val="accent1">
+                <a:shade val="15000"/>
+              </a:schemeClr>
+            </a:lnRef>
+            <a:fillRef idx="1">
+              <a:schemeClr val="accent1"/>
+            </a:fillRef>
+            <a:effectRef idx="0">
+              <a:schemeClr val="accent1"/>
+            </a:effectRef>
+            <a:fontRef idx="minor">
+              <a:schemeClr val="lt1"/>
+            </a:fontRef>
+          </p:style>
+          <p:txBody>
+            <a:bodyPr rtlCol="0" anchor="ctr"/>
+            <a:lstStyle>
+              <a:defPPr>
+                <a:defRPr lang="en-US"/>
+              </a:defPPr>
+              <a:lvl1pPr marL="0" algn="l" defTabSz="457200" rtl="0" eaLnBrk="1" latinLnBrk="0" hangingPunct="1">
+                <a:defRPr sz="1800" kern="1200">
+                  <a:solidFill>
+                    <a:schemeClr val="lt1"/>
+                  </a:solidFill>
+                  <a:latin typeface="+mn-lt"/>
+                  <a:ea typeface="+mn-ea"/>
+                  <a:cs typeface="+mn-cs"/>
+                </a:defRPr>
+              </a:lvl1pPr>
+              <a:lvl2pPr marL="457200" algn="l" defTabSz="457200" rtl="0" eaLnBrk="1" latinLnBrk="0" hangingPunct="1">
+                <a:defRPr sz="1800" kern="1200">
+                  <a:solidFill>
+                    <a:schemeClr val="lt1"/>
+                  </a:solidFill>
+                  <a:latin typeface="+mn-lt"/>
+                  <a:ea typeface="+mn-ea"/>
+                  <a:cs typeface="+mn-cs"/>
+                </a:defRPr>
+              </a:lvl2pPr>
+              <a:lvl3pPr marL="914400" algn="l" defTabSz="457200" rtl="0" eaLnBrk="1" latinLnBrk="0" hangingPunct="1">
+                <a:defRPr sz="1800" kern="1200">
+                  <a:solidFill>
+                    <a:schemeClr val="lt1"/>
+                  </a:solidFill>
+                  <a:latin typeface="+mn-lt"/>
+                  <a:ea typeface="+mn-ea"/>
+                  <a:cs typeface="+mn-cs"/>
+                </a:defRPr>
+              </a:lvl3pPr>
+              <a:lvl4pPr marL="1371600" algn="l" defTabSz="457200" rtl="0" eaLnBrk="1" latinLnBrk="0" hangingPunct="1">
+                <a:defRPr sz="1800" kern="1200">
+                  <a:solidFill>
+                    <a:schemeClr val="lt1"/>
+                  </a:solidFill>
+                  <a:latin typeface="+mn-lt"/>
+                  <a:ea typeface="+mn-ea"/>
+                  <a:cs typeface="+mn-cs"/>
+                </a:defRPr>
+              </a:lvl4pPr>
+              <a:lvl5pPr marL="1828800" algn="l" defTabSz="457200" rtl="0" eaLnBrk="1" latinLnBrk="0" hangingPunct="1">
+                <a:defRPr sz="1800" kern="1200">
+                  <a:solidFill>
+                    <a:schemeClr val="lt1"/>
+                  </a:solidFill>
+                  <a:latin typeface="+mn-lt"/>
+                  <a:ea typeface="+mn-ea"/>
+                  <a:cs typeface="+mn-cs"/>
+                </a:defRPr>
+              </a:lvl5pPr>
+              <a:lvl6pPr marL="2286000" algn="l" defTabSz="457200" rtl="0" eaLnBrk="1" latinLnBrk="0" hangingPunct="1">
+                <a:defRPr sz="1800" kern="1200">
+                  <a:solidFill>
+                    <a:schemeClr val="lt1"/>
+                  </a:solidFill>
+                  <a:latin typeface="+mn-lt"/>
+                  <a:ea typeface="+mn-ea"/>
+                  <a:cs typeface="+mn-cs"/>
+                </a:defRPr>
+              </a:lvl6pPr>
+              <a:lvl7pPr marL="2743200" algn="l" defTabSz="457200" rtl="0" eaLnBrk="1" latinLnBrk="0" hangingPunct="1">
+                <a:defRPr sz="1800" kern="1200">
+                  <a:solidFill>
+                    <a:schemeClr val="lt1"/>
+                  </a:solidFill>
+                  <a:latin typeface="+mn-lt"/>
+                  <a:ea typeface="+mn-ea"/>
+                  <a:cs typeface="+mn-cs"/>
+                </a:defRPr>
+              </a:lvl7pPr>
+              <a:lvl8pPr marL="3200400" algn="l" defTabSz="457200" rtl="0" eaLnBrk="1" latinLnBrk="0" hangingPunct="1">
+                <a:defRPr sz="1800" kern="1200">
+                  <a:solidFill>
+                    <a:schemeClr val="lt1"/>
+                  </a:solidFill>
+                  <a:latin typeface="+mn-lt"/>
+                  <a:ea typeface="+mn-ea"/>
+                  <a:cs typeface="+mn-cs"/>
+                </a:defRPr>
+              </a:lvl8pPr>
+              <a:lvl9pPr marL="3657600" algn="l" defTabSz="457200" rtl="0" eaLnBrk="1" latinLnBrk="0" hangingPunct="1">
+                <a:defRPr sz="1800" kern="1200">
+                  <a:solidFill>
+                    <a:schemeClr val="lt1"/>
+                  </a:solidFill>
+                  <a:latin typeface="+mn-lt"/>
+                  <a:ea typeface="+mn-ea"/>
+                  <a:cs typeface="+mn-cs"/>
+                </a:defRPr>
+              </a:lvl9pPr>
+            </a:lstStyle>
+            <a:p>
+              <a:pPr algn="ctr"/>
+              <a:endParaRPr lang="en-GB"/>
+            </a:p>
+          </p:txBody>
+        </p:sp>
+      </p:grpSp>
+      <p:grpSp>
+        <p:nvGrpSpPr>
+          <p:cNvPr id="53" name="Group 52">
+            <a:extLst>
+              <a:ext uri="{FF2B5EF4-FFF2-40B4-BE49-F238E27FC236}">
+                <a16:creationId xmlns:a16="http://schemas.microsoft.com/office/drawing/2014/main" id="{10376424-2747-0D29-1889-EA6AFE0E1A28}"/>
+              </a:ext>
+            </a:extLst>
+          </p:cNvPr>
+          <p:cNvGrpSpPr/>
+          <p:nvPr/>
+        </p:nvGrpSpPr>
+        <p:grpSpPr>
+          <a:xfrm>
+            <a:off x="3077026" y="2510222"/>
+            <a:ext cx="216000" cy="216000"/>
+            <a:chOff x="1002190" y="1572253"/>
+            <a:chExt cx="216000" cy="216000"/>
+          </a:xfrm>
+        </p:grpSpPr>
+        <p:sp>
+          <p:nvSpPr>
+            <p:cNvPr id="81" name="TextBox 44">
+              <a:extLst>
+                <a:ext uri="{FF2B5EF4-FFF2-40B4-BE49-F238E27FC236}">
+                  <a16:creationId xmlns:a16="http://schemas.microsoft.com/office/drawing/2014/main" id="{1C141F47-71EA-F1FC-1328-8A7186E937CC}"/>
+                </a:ext>
+              </a:extLst>
+            </p:cNvPr>
+            <p:cNvSpPr txBox="1"/>
+            <p:nvPr/>
+          </p:nvSpPr>
+          <p:spPr>
+            <a:xfrm>
+              <a:off x="1002190" y="1572253"/>
+              <a:ext cx="216000" cy="216000"/>
+            </a:xfrm>
+            <a:prstGeom prst="rect">
+              <a:avLst/>
+            </a:prstGeom>
+            <a:noFill/>
+          </p:spPr>
+          <p:txBody>
+            <a:bodyPr wrap="square" rtlCol="0">
+              <a:spAutoFit/>
+            </a:bodyPr>
+            <a:lstStyle>
+              <a:defPPr>
+                <a:defRPr lang="en-US"/>
+              </a:defPPr>
+              <a:lvl1pPr marL="0" algn="l" defTabSz="457200" rtl="0" eaLnBrk="1" latinLnBrk="0" hangingPunct="1">
+                <a:defRPr sz="1800" kern="1200">
+                  <a:solidFill>
+                    <a:schemeClr val="tx1"/>
+                  </a:solidFill>
+                  <a:latin typeface="+mn-lt"/>
+                  <a:ea typeface="+mn-ea"/>
+                  <a:cs typeface="+mn-cs"/>
+                </a:defRPr>
+              </a:lvl1pPr>
+              <a:lvl2pPr marL="457200" algn="l" defTabSz="457200" rtl="0" eaLnBrk="1" latinLnBrk="0" hangingPunct="1">
+                <a:defRPr sz="1800" kern="1200">
+                  <a:solidFill>
+                    <a:schemeClr val="tx1"/>
+                  </a:solidFill>
+                  <a:latin typeface="+mn-lt"/>
+                  <a:ea typeface="+mn-ea"/>
+                  <a:cs typeface="+mn-cs"/>
+                </a:defRPr>
+              </a:lvl2pPr>
+              <a:lvl3pPr marL="914400" algn="l" defTabSz="457200" rtl="0" eaLnBrk="1" latinLnBrk="0" hangingPunct="1">
+                <a:defRPr sz="1800" kern="1200">
+                  <a:solidFill>
+                    <a:schemeClr val="tx1"/>
+                  </a:solidFill>
+                  <a:latin typeface="+mn-lt"/>
+                  <a:ea typeface="+mn-ea"/>
+                  <a:cs typeface="+mn-cs"/>
+                </a:defRPr>
+              </a:lvl3pPr>
+              <a:lvl4pPr marL="1371600" algn="l" defTabSz="457200" rtl="0" eaLnBrk="1" latinLnBrk="0" hangingPunct="1">
+                <a:defRPr sz="1800" kern="1200">
+                  <a:solidFill>
+                    <a:schemeClr val="tx1"/>
+                  </a:solidFill>
+                  <a:latin typeface="+mn-lt"/>
+                  <a:ea typeface="+mn-ea"/>
+                  <a:cs typeface="+mn-cs"/>
+                </a:defRPr>
+              </a:lvl4pPr>
+              <a:lvl5pPr marL="1828800" algn="l" defTabSz="457200" rtl="0" eaLnBrk="1" latinLnBrk="0" hangingPunct="1">
+                <a:defRPr sz="1800" kern="1200">
+                  <a:solidFill>
+                    <a:schemeClr val="tx1"/>
+                  </a:solidFill>
+                  <a:latin typeface="+mn-lt"/>
+                  <a:ea typeface="+mn-ea"/>
+                  <a:cs typeface="+mn-cs"/>
+                </a:defRPr>
+              </a:lvl5pPr>
+              <a:lvl6pPr marL="2286000" algn="l" defTabSz="457200" rtl="0" eaLnBrk="1" latinLnBrk="0" hangingPunct="1">
+                <a:defRPr sz="1800" kern="1200">
+                  <a:solidFill>
+                    <a:schemeClr val="tx1"/>
+                  </a:solidFill>
+                  <a:latin typeface="+mn-lt"/>
+                  <a:ea typeface="+mn-ea"/>
+                  <a:cs typeface="+mn-cs"/>
+                </a:defRPr>
+              </a:lvl6pPr>
+              <a:lvl7pPr marL="2743200" algn="l" defTabSz="457200" rtl="0" eaLnBrk="1" latinLnBrk="0" hangingPunct="1">
+                <a:defRPr sz="1800" kern="1200">
+                  <a:solidFill>
+                    <a:schemeClr val="tx1"/>
+                  </a:solidFill>
+                  <a:latin typeface="+mn-lt"/>
+                  <a:ea typeface="+mn-ea"/>
+                  <a:cs typeface="+mn-cs"/>
+                </a:defRPr>
+              </a:lvl7pPr>
+              <a:lvl8pPr marL="3200400" algn="l" defTabSz="457200" rtl="0" eaLnBrk="1" latinLnBrk="0" hangingPunct="1">
+                <a:defRPr sz="1800" kern="1200">
+                  <a:solidFill>
+                    <a:schemeClr val="tx1"/>
+                  </a:solidFill>
+                  <a:latin typeface="+mn-lt"/>
+                  <a:ea typeface="+mn-ea"/>
+                  <a:cs typeface="+mn-cs"/>
+                </a:defRPr>
+              </a:lvl8pPr>
+              <a:lvl9pPr marL="3657600" algn="l" defTabSz="457200" rtl="0" eaLnBrk="1" latinLnBrk="0" hangingPunct="1">
+                <a:defRPr sz="1800" kern="1200">
+                  <a:solidFill>
+                    <a:schemeClr val="tx1"/>
+                  </a:solidFill>
+                  <a:latin typeface="+mn-lt"/>
+                  <a:ea typeface="+mn-ea"/>
+                  <a:cs typeface="+mn-cs"/>
+                </a:defRPr>
+              </a:lvl9pPr>
+            </a:lstStyle>
+            <a:p>
+              <a:r>
+                <a:rPr lang="en-US" sz="800" dirty="0">
+                  <a:latin typeface="Calibri" panose="020F0502020204030204" pitchFamily="34" charset="0"/>
+                  <a:cs typeface="Calibri" panose="020F0502020204030204" pitchFamily="34" charset="0"/>
+                </a:rPr>
+                <a:t>o</a:t>
+              </a:r>
+              <a:endParaRPr lang="en-GB" sz="800" dirty="0">
+                <a:latin typeface="Calibri" panose="020F0502020204030204" pitchFamily="34" charset="0"/>
+                <a:cs typeface="Calibri" panose="020F0502020204030204" pitchFamily="34" charset="0"/>
+              </a:endParaRPr>
+            </a:p>
+          </p:txBody>
+        </p:sp>
+        <p:sp>
+          <p:nvSpPr>
+            <p:cNvPr id="82" name="Rectangle 81">
+              <a:extLst>
+                <a:ext uri="{FF2B5EF4-FFF2-40B4-BE49-F238E27FC236}">
+                  <a16:creationId xmlns:a16="http://schemas.microsoft.com/office/drawing/2014/main" id="{E10A0598-C8CC-7B6A-B151-9DFBCC793BFB}"/>
+                </a:ext>
+              </a:extLst>
+            </p:cNvPr>
+            <p:cNvSpPr/>
+            <p:nvPr/>
+          </p:nvSpPr>
+          <p:spPr>
+            <a:xfrm>
+              <a:off x="1040747" y="1619373"/>
+              <a:ext cx="144000" cy="144000"/>
+            </a:xfrm>
+            <a:prstGeom prst="rect">
+              <a:avLst/>
+            </a:prstGeom>
+            <a:noFill/>
+            <a:ln w="3175">
+              <a:solidFill>
+                <a:schemeClr val="tx1">
+                  <a:lumMod val="75000"/>
+                  <a:lumOff val="25000"/>
+                </a:schemeClr>
+              </a:solidFill>
+            </a:ln>
+          </p:spPr>
+          <p:style>
+            <a:lnRef idx="2">
+              <a:schemeClr val="accent1">
+                <a:shade val="15000"/>
+              </a:schemeClr>
+            </a:lnRef>
+            <a:fillRef idx="1">
+              <a:schemeClr val="accent1"/>
+            </a:fillRef>
+            <a:effectRef idx="0">
+              <a:schemeClr val="accent1"/>
+            </a:effectRef>
+            <a:fontRef idx="minor">
+              <a:schemeClr val="lt1"/>
+            </a:fontRef>
+          </p:style>
+          <p:txBody>
+            <a:bodyPr rtlCol="0" anchor="ctr"/>
+            <a:lstStyle>
+              <a:defPPr>
+                <a:defRPr lang="en-US"/>
+              </a:defPPr>
+              <a:lvl1pPr marL="0" algn="l" defTabSz="457200" rtl="0" eaLnBrk="1" latinLnBrk="0" hangingPunct="1">
+                <a:defRPr sz="1800" kern="1200">
+                  <a:solidFill>
+                    <a:schemeClr val="lt1"/>
+                  </a:solidFill>
+                  <a:latin typeface="+mn-lt"/>
+                  <a:ea typeface="+mn-ea"/>
+                  <a:cs typeface="+mn-cs"/>
+                </a:defRPr>
+              </a:lvl1pPr>
+              <a:lvl2pPr marL="457200" algn="l" defTabSz="457200" rtl="0" eaLnBrk="1" latinLnBrk="0" hangingPunct="1">
+                <a:defRPr sz="1800" kern="1200">
+                  <a:solidFill>
+                    <a:schemeClr val="lt1"/>
+                  </a:solidFill>
+                  <a:latin typeface="+mn-lt"/>
+                  <a:ea typeface="+mn-ea"/>
+                  <a:cs typeface="+mn-cs"/>
+                </a:defRPr>
+              </a:lvl2pPr>
+              <a:lvl3pPr marL="914400" algn="l" defTabSz="457200" rtl="0" eaLnBrk="1" latinLnBrk="0" hangingPunct="1">
+                <a:defRPr sz="1800" kern="1200">
+                  <a:solidFill>
+                    <a:schemeClr val="lt1"/>
+                  </a:solidFill>
+                  <a:latin typeface="+mn-lt"/>
+                  <a:ea typeface="+mn-ea"/>
+                  <a:cs typeface="+mn-cs"/>
+                </a:defRPr>
+              </a:lvl3pPr>
+              <a:lvl4pPr marL="1371600" algn="l" defTabSz="457200" rtl="0" eaLnBrk="1" latinLnBrk="0" hangingPunct="1">
+                <a:defRPr sz="1800" kern="1200">
+                  <a:solidFill>
+                    <a:schemeClr val="lt1"/>
+                  </a:solidFill>
+                  <a:latin typeface="+mn-lt"/>
+                  <a:ea typeface="+mn-ea"/>
+                  <a:cs typeface="+mn-cs"/>
+                </a:defRPr>
+              </a:lvl4pPr>
+              <a:lvl5pPr marL="1828800" algn="l" defTabSz="457200" rtl="0" eaLnBrk="1" latinLnBrk="0" hangingPunct="1">
+                <a:defRPr sz="1800" kern="1200">
+                  <a:solidFill>
+                    <a:schemeClr val="lt1"/>
+                  </a:solidFill>
+                  <a:latin typeface="+mn-lt"/>
+                  <a:ea typeface="+mn-ea"/>
+                  <a:cs typeface="+mn-cs"/>
+                </a:defRPr>
+              </a:lvl5pPr>
+              <a:lvl6pPr marL="2286000" algn="l" defTabSz="457200" rtl="0" eaLnBrk="1" latinLnBrk="0" hangingPunct="1">
+                <a:defRPr sz="1800" kern="1200">
+                  <a:solidFill>
+                    <a:schemeClr val="lt1"/>
+                  </a:solidFill>
+                  <a:latin typeface="+mn-lt"/>
+                  <a:ea typeface="+mn-ea"/>
+                  <a:cs typeface="+mn-cs"/>
+                </a:defRPr>
+              </a:lvl6pPr>
+              <a:lvl7pPr marL="2743200" algn="l" defTabSz="457200" rtl="0" eaLnBrk="1" latinLnBrk="0" hangingPunct="1">
+                <a:defRPr sz="1800" kern="1200">
+                  <a:solidFill>
+                    <a:schemeClr val="lt1"/>
+                  </a:solidFill>
+                  <a:latin typeface="+mn-lt"/>
+                  <a:ea typeface="+mn-ea"/>
+                  <a:cs typeface="+mn-cs"/>
+                </a:defRPr>
+              </a:lvl7pPr>
+              <a:lvl8pPr marL="3200400" algn="l" defTabSz="457200" rtl="0" eaLnBrk="1" latinLnBrk="0" hangingPunct="1">
+                <a:defRPr sz="1800" kern="1200">
+                  <a:solidFill>
+                    <a:schemeClr val="lt1"/>
+                  </a:solidFill>
+                  <a:latin typeface="+mn-lt"/>
+                  <a:ea typeface="+mn-ea"/>
+                  <a:cs typeface="+mn-cs"/>
+                </a:defRPr>
+              </a:lvl8pPr>
+              <a:lvl9pPr marL="3657600" algn="l" defTabSz="457200" rtl="0" eaLnBrk="1" latinLnBrk="0" hangingPunct="1">
+                <a:defRPr sz="1800" kern="1200">
+                  <a:solidFill>
+                    <a:schemeClr val="lt1"/>
+                  </a:solidFill>
+                  <a:latin typeface="+mn-lt"/>
+                  <a:ea typeface="+mn-ea"/>
+                  <a:cs typeface="+mn-cs"/>
+                </a:defRPr>
+              </a:lvl9pPr>
+            </a:lstStyle>
+            <a:p>
+              <a:pPr algn="ctr"/>
+              <a:endParaRPr lang="en-GB"/>
+            </a:p>
+          </p:txBody>
+        </p:sp>
+      </p:grpSp>
+      <p:grpSp>
+        <p:nvGrpSpPr>
+          <p:cNvPr id="54" name="Group 53">
+            <a:extLst>
+              <a:ext uri="{FF2B5EF4-FFF2-40B4-BE49-F238E27FC236}">
+                <a16:creationId xmlns:a16="http://schemas.microsoft.com/office/drawing/2014/main" id="{17802ACB-B185-D384-D23B-4692E887925E}"/>
+              </a:ext>
+            </a:extLst>
+          </p:cNvPr>
+          <p:cNvGrpSpPr/>
+          <p:nvPr/>
+        </p:nvGrpSpPr>
+        <p:grpSpPr>
+          <a:xfrm>
+            <a:off x="3077026" y="3399640"/>
+            <a:ext cx="216000" cy="216000"/>
+            <a:chOff x="1002190" y="1572253"/>
+            <a:chExt cx="216000" cy="216000"/>
+          </a:xfrm>
+        </p:grpSpPr>
+        <p:sp>
+          <p:nvSpPr>
+            <p:cNvPr id="79" name="TextBox 47">
+              <a:extLst>
+                <a:ext uri="{FF2B5EF4-FFF2-40B4-BE49-F238E27FC236}">
+                  <a16:creationId xmlns:a16="http://schemas.microsoft.com/office/drawing/2014/main" id="{D8D22CC2-78C0-B7D0-9CC0-07F2EA266B8D}"/>
+                </a:ext>
+              </a:extLst>
+            </p:cNvPr>
+            <p:cNvSpPr txBox="1"/>
+            <p:nvPr/>
+          </p:nvSpPr>
+          <p:spPr>
+            <a:xfrm>
+              <a:off x="1002190" y="1572253"/>
+              <a:ext cx="216000" cy="216000"/>
+            </a:xfrm>
+            <a:prstGeom prst="rect">
+              <a:avLst/>
+            </a:prstGeom>
+            <a:noFill/>
+          </p:spPr>
+          <p:txBody>
+            <a:bodyPr wrap="square" rtlCol="0">
+              <a:spAutoFit/>
+            </a:bodyPr>
+            <a:lstStyle>
+              <a:defPPr>
+                <a:defRPr lang="en-US"/>
+              </a:defPPr>
+              <a:lvl1pPr marL="0" algn="l" defTabSz="457200" rtl="0" eaLnBrk="1" latinLnBrk="0" hangingPunct="1">
+                <a:defRPr sz="1800" kern="1200">
+                  <a:solidFill>
+                    <a:schemeClr val="tx1"/>
+                  </a:solidFill>
+                  <a:latin typeface="+mn-lt"/>
+                  <a:ea typeface="+mn-ea"/>
+                  <a:cs typeface="+mn-cs"/>
+                </a:defRPr>
+              </a:lvl1pPr>
+              <a:lvl2pPr marL="457200" algn="l" defTabSz="457200" rtl="0" eaLnBrk="1" latinLnBrk="0" hangingPunct="1">
+                <a:defRPr sz="1800" kern="1200">
+                  <a:solidFill>
+                    <a:schemeClr val="tx1"/>
+                  </a:solidFill>
+                  <a:latin typeface="+mn-lt"/>
+                  <a:ea typeface="+mn-ea"/>
+                  <a:cs typeface="+mn-cs"/>
+                </a:defRPr>
+              </a:lvl2pPr>
+              <a:lvl3pPr marL="914400" algn="l" defTabSz="457200" rtl="0" eaLnBrk="1" latinLnBrk="0" hangingPunct="1">
+                <a:defRPr sz="1800" kern="1200">
+                  <a:solidFill>
+                    <a:schemeClr val="tx1"/>
+                  </a:solidFill>
+                  <a:latin typeface="+mn-lt"/>
+                  <a:ea typeface="+mn-ea"/>
+                  <a:cs typeface="+mn-cs"/>
+                </a:defRPr>
+              </a:lvl3pPr>
+              <a:lvl4pPr marL="1371600" algn="l" defTabSz="457200" rtl="0" eaLnBrk="1" latinLnBrk="0" hangingPunct="1">
+                <a:defRPr sz="1800" kern="1200">
+                  <a:solidFill>
+                    <a:schemeClr val="tx1"/>
+                  </a:solidFill>
+                  <a:latin typeface="+mn-lt"/>
+                  <a:ea typeface="+mn-ea"/>
+                  <a:cs typeface="+mn-cs"/>
+                </a:defRPr>
+              </a:lvl4pPr>
+              <a:lvl5pPr marL="1828800" algn="l" defTabSz="457200" rtl="0" eaLnBrk="1" latinLnBrk="0" hangingPunct="1">
+                <a:defRPr sz="1800" kern="1200">
+                  <a:solidFill>
+                    <a:schemeClr val="tx1"/>
+                  </a:solidFill>
+                  <a:latin typeface="+mn-lt"/>
+                  <a:ea typeface="+mn-ea"/>
+                  <a:cs typeface="+mn-cs"/>
+                </a:defRPr>
+              </a:lvl5pPr>
+              <a:lvl6pPr marL="2286000" algn="l" defTabSz="457200" rtl="0" eaLnBrk="1" latinLnBrk="0" hangingPunct="1">
+                <a:defRPr sz="1800" kern="1200">
+                  <a:solidFill>
+                    <a:schemeClr val="tx1"/>
+                  </a:solidFill>
+                  <a:latin typeface="+mn-lt"/>
+                  <a:ea typeface="+mn-ea"/>
+                  <a:cs typeface="+mn-cs"/>
+                </a:defRPr>
+              </a:lvl6pPr>
+              <a:lvl7pPr marL="2743200" algn="l" defTabSz="457200" rtl="0" eaLnBrk="1" latinLnBrk="0" hangingPunct="1">
+                <a:defRPr sz="1800" kern="1200">
+                  <a:solidFill>
+                    <a:schemeClr val="tx1"/>
+                  </a:solidFill>
+                  <a:latin typeface="+mn-lt"/>
+                  <a:ea typeface="+mn-ea"/>
+                  <a:cs typeface="+mn-cs"/>
+                </a:defRPr>
+              </a:lvl7pPr>
+              <a:lvl8pPr marL="3200400" algn="l" defTabSz="457200" rtl="0" eaLnBrk="1" latinLnBrk="0" hangingPunct="1">
+                <a:defRPr sz="1800" kern="1200">
+                  <a:solidFill>
+                    <a:schemeClr val="tx1"/>
+                  </a:solidFill>
+                  <a:latin typeface="+mn-lt"/>
+                  <a:ea typeface="+mn-ea"/>
+                  <a:cs typeface="+mn-cs"/>
+                </a:defRPr>
+              </a:lvl8pPr>
+              <a:lvl9pPr marL="3657600" algn="l" defTabSz="457200" rtl="0" eaLnBrk="1" latinLnBrk="0" hangingPunct="1">
+                <a:defRPr sz="1800" kern="1200">
+                  <a:solidFill>
+                    <a:schemeClr val="tx1"/>
+                  </a:solidFill>
+                  <a:latin typeface="+mn-lt"/>
+                  <a:ea typeface="+mn-ea"/>
+                  <a:cs typeface="+mn-cs"/>
+                </a:defRPr>
+              </a:lvl9pPr>
+            </a:lstStyle>
+            <a:p>
+              <a:r>
+                <a:rPr lang="en-US" sz="800" dirty="0">
+                  <a:latin typeface="Calibri" panose="020F0502020204030204" pitchFamily="34" charset="0"/>
+                  <a:cs typeface="Calibri" panose="020F0502020204030204" pitchFamily="34" charset="0"/>
+                </a:rPr>
+                <a:t>p</a:t>
+              </a:r>
+              <a:endParaRPr lang="en-GB" sz="800" dirty="0">
+                <a:latin typeface="Calibri" panose="020F0502020204030204" pitchFamily="34" charset="0"/>
+                <a:cs typeface="Calibri" panose="020F0502020204030204" pitchFamily="34" charset="0"/>
+              </a:endParaRPr>
+            </a:p>
+          </p:txBody>
+        </p:sp>
+        <p:sp>
+          <p:nvSpPr>
+            <p:cNvPr id="80" name="Rectangle 79">
+              <a:extLst>
+                <a:ext uri="{FF2B5EF4-FFF2-40B4-BE49-F238E27FC236}">
+                  <a16:creationId xmlns:a16="http://schemas.microsoft.com/office/drawing/2014/main" id="{AEFC9243-6D1C-C4CB-F28E-4B0F078E0E0B}"/>
+                </a:ext>
+              </a:extLst>
+            </p:cNvPr>
+            <p:cNvSpPr/>
+            <p:nvPr/>
+          </p:nvSpPr>
+          <p:spPr>
+            <a:xfrm>
+              <a:off x="1040747" y="1619373"/>
+              <a:ext cx="144000" cy="144000"/>
+            </a:xfrm>
+            <a:prstGeom prst="rect">
+              <a:avLst/>
+            </a:prstGeom>
+            <a:noFill/>
+            <a:ln w="3175">
+              <a:solidFill>
+                <a:schemeClr val="tx1">
+                  <a:lumMod val="75000"/>
+                  <a:lumOff val="25000"/>
+                </a:schemeClr>
+              </a:solidFill>
+            </a:ln>
+          </p:spPr>
+          <p:style>
+            <a:lnRef idx="2">
+              <a:schemeClr val="accent1">
+                <a:shade val="15000"/>
+              </a:schemeClr>
+            </a:lnRef>
+            <a:fillRef idx="1">
+              <a:schemeClr val="accent1"/>
+            </a:fillRef>
+            <a:effectRef idx="0">
+              <a:schemeClr val="accent1"/>
+            </a:effectRef>
+            <a:fontRef idx="minor">
+              <a:schemeClr val="lt1"/>
+            </a:fontRef>
+          </p:style>
+          <p:txBody>
+            <a:bodyPr rtlCol="0" anchor="ctr"/>
+            <a:lstStyle>
+              <a:defPPr>
+                <a:defRPr lang="en-US"/>
+              </a:defPPr>
+              <a:lvl1pPr marL="0" algn="l" defTabSz="457200" rtl="0" eaLnBrk="1" latinLnBrk="0" hangingPunct="1">
+                <a:defRPr sz="1800" kern="1200">
+                  <a:solidFill>
+                    <a:schemeClr val="lt1"/>
+                  </a:solidFill>
+                  <a:latin typeface="+mn-lt"/>
+                  <a:ea typeface="+mn-ea"/>
+                  <a:cs typeface="+mn-cs"/>
+                </a:defRPr>
+              </a:lvl1pPr>
+              <a:lvl2pPr marL="457200" algn="l" defTabSz="457200" rtl="0" eaLnBrk="1" latinLnBrk="0" hangingPunct="1">
+                <a:defRPr sz="1800" kern="1200">
+                  <a:solidFill>
+                    <a:schemeClr val="lt1"/>
+                  </a:solidFill>
+                  <a:latin typeface="+mn-lt"/>
+                  <a:ea typeface="+mn-ea"/>
+                  <a:cs typeface="+mn-cs"/>
+                </a:defRPr>
+              </a:lvl2pPr>
+              <a:lvl3pPr marL="914400" algn="l" defTabSz="457200" rtl="0" eaLnBrk="1" latinLnBrk="0" hangingPunct="1">
+                <a:defRPr sz="1800" kern="1200">
+                  <a:solidFill>
+                    <a:schemeClr val="lt1"/>
+                  </a:solidFill>
+                  <a:latin typeface="+mn-lt"/>
+                  <a:ea typeface="+mn-ea"/>
+                  <a:cs typeface="+mn-cs"/>
+                </a:defRPr>
+              </a:lvl3pPr>
+              <a:lvl4pPr marL="1371600" algn="l" defTabSz="457200" rtl="0" eaLnBrk="1" latinLnBrk="0" hangingPunct="1">
+                <a:defRPr sz="1800" kern="1200">
+                  <a:solidFill>
+                    <a:schemeClr val="lt1"/>
+                  </a:solidFill>
+                  <a:latin typeface="+mn-lt"/>
+                  <a:ea typeface="+mn-ea"/>
+                  <a:cs typeface="+mn-cs"/>
+                </a:defRPr>
+              </a:lvl4pPr>
+              <a:lvl5pPr marL="1828800" algn="l" defTabSz="457200" rtl="0" eaLnBrk="1" latinLnBrk="0" hangingPunct="1">
+                <a:defRPr sz="1800" kern="1200">
+                  <a:solidFill>
+                    <a:schemeClr val="lt1"/>
+                  </a:solidFill>
+                  <a:latin typeface="+mn-lt"/>
+                  <a:ea typeface="+mn-ea"/>
+                  <a:cs typeface="+mn-cs"/>
+                </a:defRPr>
+              </a:lvl5pPr>
+              <a:lvl6pPr marL="2286000" algn="l" defTabSz="457200" rtl="0" eaLnBrk="1" latinLnBrk="0" hangingPunct="1">
+                <a:defRPr sz="1800" kern="1200">
+                  <a:solidFill>
+                    <a:schemeClr val="lt1"/>
+                  </a:solidFill>
+                  <a:latin typeface="+mn-lt"/>
+                  <a:ea typeface="+mn-ea"/>
+                  <a:cs typeface="+mn-cs"/>
+                </a:defRPr>
+              </a:lvl6pPr>
+              <a:lvl7pPr marL="2743200" algn="l" defTabSz="457200" rtl="0" eaLnBrk="1" latinLnBrk="0" hangingPunct="1">
+                <a:defRPr sz="1800" kern="1200">
+                  <a:solidFill>
+                    <a:schemeClr val="lt1"/>
+                  </a:solidFill>
+                  <a:latin typeface="+mn-lt"/>
+                  <a:ea typeface="+mn-ea"/>
+                  <a:cs typeface="+mn-cs"/>
+                </a:defRPr>
+              </a:lvl7pPr>
+              <a:lvl8pPr marL="3200400" algn="l" defTabSz="457200" rtl="0" eaLnBrk="1" latinLnBrk="0" hangingPunct="1">
+                <a:defRPr sz="1800" kern="1200">
+                  <a:solidFill>
+                    <a:schemeClr val="lt1"/>
+                  </a:solidFill>
+                  <a:latin typeface="+mn-lt"/>
+                  <a:ea typeface="+mn-ea"/>
+                  <a:cs typeface="+mn-cs"/>
+                </a:defRPr>
+              </a:lvl8pPr>
+              <a:lvl9pPr marL="3657600" algn="l" defTabSz="457200" rtl="0" eaLnBrk="1" latinLnBrk="0" hangingPunct="1">
+                <a:defRPr sz="1800" kern="1200">
+                  <a:solidFill>
+                    <a:schemeClr val="lt1"/>
+                  </a:solidFill>
+                  <a:latin typeface="+mn-lt"/>
+                  <a:ea typeface="+mn-ea"/>
+                  <a:cs typeface="+mn-cs"/>
+                </a:defRPr>
+              </a:lvl9pPr>
+            </a:lstStyle>
+            <a:p>
+              <a:pPr algn="ctr"/>
+              <a:endParaRPr lang="en-GB"/>
+            </a:p>
+          </p:txBody>
+        </p:sp>
+      </p:grpSp>
+      <p:grpSp>
+        <p:nvGrpSpPr>
+          <p:cNvPr id="55" name="Group 54">
+            <a:extLst>
+              <a:ext uri="{FF2B5EF4-FFF2-40B4-BE49-F238E27FC236}">
+                <a16:creationId xmlns:a16="http://schemas.microsoft.com/office/drawing/2014/main" id="{973F93A5-C1FF-CF39-8236-E06A4553CD4B}"/>
+              </a:ext>
+            </a:extLst>
+          </p:cNvPr>
+          <p:cNvGrpSpPr/>
+          <p:nvPr/>
+        </p:nvGrpSpPr>
+        <p:grpSpPr>
+          <a:xfrm>
+            <a:off x="3077026" y="4269876"/>
+            <a:ext cx="216000" cy="216000"/>
+            <a:chOff x="1002190" y="1572253"/>
+            <a:chExt cx="216000" cy="216000"/>
+          </a:xfrm>
+        </p:grpSpPr>
+        <p:sp>
+          <p:nvSpPr>
+            <p:cNvPr id="77" name="TextBox 151">
+              <a:extLst>
+                <a:ext uri="{FF2B5EF4-FFF2-40B4-BE49-F238E27FC236}">
+                  <a16:creationId xmlns:a16="http://schemas.microsoft.com/office/drawing/2014/main" id="{5697321A-0C44-34B4-C8C8-F17BAE6CD5EB}"/>
+                </a:ext>
+              </a:extLst>
+            </p:cNvPr>
+            <p:cNvSpPr txBox="1"/>
+            <p:nvPr/>
+          </p:nvSpPr>
+          <p:spPr>
+            <a:xfrm>
+              <a:off x="1002190" y="1572253"/>
+              <a:ext cx="216000" cy="216000"/>
+            </a:xfrm>
+            <a:prstGeom prst="rect">
+              <a:avLst/>
+            </a:prstGeom>
+            <a:noFill/>
+          </p:spPr>
+          <p:txBody>
+            <a:bodyPr wrap="square" rtlCol="0">
+              <a:spAutoFit/>
+            </a:bodyPr>
+            <a:lstStyle>
+              <a:defPPr>
+                <a:defRPr lang="en-US"/>
+              </a:defPPr>
+              <a:lvl1pPr marL="0" algn="l" defTabSz="457200" rtl="0" eaLnBrk="1" latinLnBrk="0" hangingPunct="1">
+                <a:defRPr sz="1800" kern="1200">
+                  <a:solidFill>
+                    <a:schemeClr val="tx1"/>
+                  </a:solidFill>
+                  <a:latin typeface="+mn-lt"/>
+                  <a:ea typeface="+mn-ea"/>
+                  <a:cs typeface="+mn-cs"/>
+                </a:defRPr>
+              </a:lvl1pPr>
+              <a:lvl2pPr marL="457200" algn="l" defTabSz="457200" rtl="0" eaLnBrk="1" latinLnBrk="0" hangingPunct="1">
+                <a:defRPr sz="1800" kern="1200">
+                  <a:solidFill>
+                    <a:schemeClr val="tx1"/>
+                  </a:solidFill>
+                  <a:latin typeface="+mn-lt"/>
+                  <a:ea typeface="+mn-ea"/>
+                  <a:cs typeface="+mn-cs"/>
+                </a:defRPr>
+              </a:lvl2pPr>
+              <a:lvl3pPr marL="914400" algn="l" defTabSz="457200" rtl="0" eaLnBrk="1" latinLnBrk="0" hangingPunct="1">
+                <a:defRPr sz="1800" kern="1200">
+                  <a:solidFill>
+                    <a:schemeClr val="tx1"/>
+                  </a:solidFill>
+                  <a:latin typeface="+mn-lt"/>
+                  <a:ea typeface="+mn-ea"/>
+                  <a:cs typeface="+mn-cs"/>
+                </a:defRPr>
+              </a:lvl3pPr>
+              <a:lvl4pPr marL="1371600" algn="l" defTabSz="457200" rtl="0" eaLnBrk="1" latinLnBrk="0" hangingPunct="1">
+                <a:defRPr sz="1800" kern="1200">
+                  <a:solidFill>
+                    <a:schemeClr val="tx1"/>
+                  </a:solidFill>
+                  <a:latin typeface="+mn-lt"/>
+                  <a:ea typeface="+mn-ea"/>
+                  <a:cs typeface="+mn-cs"/>
+                </a:defRPr>
+              </a:lvl4pPr>
+              <a:lvl5pPr marL="1828800" algn="l" defTabSz="457200" rtl="0" eaLnBrk="1" latinLnBrk="0" hangingPunct="1">
+                <a:defRPr sz="1800" kern="1200">
+                  <a:solidFill>
+                    <a:schemeClr val="tx1"/>
+                  </a:solidFill>
+                  <a:latin typeface="+mn-lt"/>
+                  <a:ea typeface="+mn-ea"/>
+                  <a:cs typeface="+mn-cs"/>
+                </a:defRPr>
+              </a:lvl5pPr>
+              <a:lvl6pPr marL="2286000" algn="l" defTabSz="457200" rtl="0" eaLnBrk="1" latinLnBrk="0" hangingPunct="1">
+                <a:defRPr sz="1800" kern="1200">
+                  <a:solidFill>
+                    <a:schemeClr val="tx1"/>
+                  </a:solidFill>
+                  <a:latin typeface="+mn-lt"/>
+                  <a:ea typeface="+mn-ea"/>
+                  <a:cs typeface="+mn-cs"/>
+                </a:defRPr>
+              </a:lvl6pPr>
+              <a:lvl7pPr marL="2743200" algn="l" defTabSz="457200" rtl="0" eaLnBrk="1" latinLnBrk="0" hangingPunct="1">
+                <a:defRPr sz="1800" kern="1200">
+                  <a:solidFill>
+                    <a:schemeClr val="tx1"/>
+                  </a:solidFill>
+                  <a:latin typeface="+mn-lt"/>
+                  <a:ea typeface="+mn-ea"/>
+                  <a:cs typeface="+mn-cs"/>
+                </a:defRPr>
+              </a:lvl7pPr>
+              <a:lvl8pPr marL="3200400" algn="l" defTabSz="457200" rtl="0" eaLnBrk="1" latinLnBrk="0" hangingPunct="1">
+                <a:defRPr sz="1800" kern="1200">
+                  <a:solidFill>
+                    <a:schemeClr val="tx1"/>
+                  </a:solidFill>
+                  <a:latin typeface="+mn-lt"/>
+                  <a:ea typeface="+mn-ea"/>
+                  <a:cs typeface="+mn-cs"/>
+                </a:defRPr>
+              </a:lvl8pPr>
+              <a:lvl9pPr marL="3657600" algn="l" defTabSz="457200" rtl="0" eaLnBrk="1" latinLnBrk="0" hangingPunct="1">
+                <a:defRPr sz="1800" kern="1200">
+                  <a:solidFill>
+                    <a:schemeClr val="tx1"/>
+                  </a:solidFill>
+                  <a:latin typeface="+mn-lt"/>
+                  <a:ea typeface="+mn-ea"/>
+                  <a:cs typeface="+mn-cs"/>
+                </a:defRPr>
+              </a:lvl9pPr>
+            </a:lstStyle>
+            <a:p>
+              <a:r>
+                <a:rPr lang="en-US" sz="800" dirty="0">
+                  <a:latin typeface="Calibri" panose="020F0502020204030204" pitchFamily="34" charset="0"/>
+                  <a:cs typeface="Calibri" panose="020F0502020204030204" pitchFamily="34" charset="0"/>
+                </a:rPr>
+                <a:t>q</a:t>
+              </a:r>
+              <a:endParaRPr lang="en-GB" sz="800" dirty="0">
+                <a:latin typeface="Calibri" panose="020F0502020204030204" pitchFamily="34" charset="0"/>
+                <a:cs typeface="Calibri" panose="020F0502020204030204" pitchFamily="34" charset="0"/>
+              </a:endParaRPr>
+            </a:p>
+          </p:txBody>
+        </p:sp>
+        <p:sp>
+          <p:nvSpPr>
+            <p:cNvPr id="78" name="Rectangle 77">
+              <a:extLst>
+                <a:ext uri="{FF2B5EF4-FFF2-40B4-BE49-F238E27FC236}">
+                  <a16:creationId xmlns:a16="http://schemas.microsoft.com/office/drawing/2014/main" id="{7709B7CE-0135-DDFE-5C95-6F8781181154}"/>
+                </a:ext>
+              </a:extLst>
+            </p:cNvPr>
+            <p:cNvSpPr/>
+            <p:nvPr/>
+          </p:nvSpPr>
+          <p:spPr>
+            <a:xfrm>
+              <a:off x="1040747" y="1619373"/>
+              <a:ext cx="144000" cy="144000"/>
+            </a:xfrm>
+            <a:prstGeom prst="rect">
+              <a:avLst/>
+            </a:prstGeom>
+            <a:noFill/>
+            <a:ln w="3175">
+              <a:solidFill>
+                <a:schemeClr val="tx1">
+                  <a:lumMod val="75000"/>
+                  <a:lumOff val="25000"/>
+                </a:schemeClr>
+              </a:solidFill>
+            </a:ln>
+          </p:spPr>
+          <p:style>
+            <a:lnRef idx="2">
+              <a:schemeClr val="accent1">
+                <a:shade val="15000"/>
+              </a:schemeClr>
+            </a:lnRef>
+            <a:fillRef idx="1">
+              <a:schemeClr val="accent1"/>
+            </a:fillRef>
+            <a:effectRef idx="0">
+              <a:schemeClr val="accent1"/>
+            </a:effectRef>
+            <a:fontRef idx="minor">
+              <a:schemeClr val="lt1"/>
+            </a:fontRef>
+          </p:style>
+          <p:txBody>
+            <a:bodyPr rtlCol="0" anchor="ctr"/>
+            <a:lstStyle>
+              <a:defPPr>
+                <a:defRPr lang="en-US"/>
+              </a:defPPr>
+              <a:lvl1pPr marL="0" algn="l" defTabSz="457200" rtl="0" eaLnBrk="1" latinLnBrk="0" hangingPunct="1">
+                <a:defRPr sz="1800" kern="1200">
+                  <a:solidFill>
+                    <a:schemeClr val="lt1"/>
+                  </a:solidFill>
+                  <a:latin typeface="+mn-lt"/>
+                  <a:ea typeface="+mn-ea"/>
+                  <a:cs typeface="+mn-cs"/>
+                </a:defRPr>
+              </a:lvl1pPr>
+              <a:lvl2pPr marL="457200" algn="l" defTabSz="457200" rtl="0" eaLnBrk="1" latinLnBrk="0" hangingPunct="1">
+                <a:defRPr sz="1800" kern="1200">
+                  <a:solidFill>
+                    <a:schemeClr val="lt1"/>
+                  </a:solidFill>
+                  <a:latin typeface="+mn-lt"/>
+                  <a:ea typeface="+mn-ea"/>
+                  <a:cs typeface="+mn-cs"/>
+                </a:defRPr>
+              </a:lvl2pPr>
+              <a:lvl3pPr marL="914400" algn="l" defTabSz="457200" rtl="0" eaLnBrk="1" latinLnBrk="0" hangingPunct="1">
+                <a:defRPr sz="1800" kern="1200">
+                  <a:solidFill>
+                    <a:schemeClr val="lt1"/>
+                  </a:solidFill>
+                  <a:latin typeface="+mn-lt"/>
+                  <a:ea typeface="+mn-ea"/>
+                  <a:cs typeface="+mn-cs"/>
+                </a:defRPr>
+              </a:lvl3pPr>
+              <a:lvl4pPr marL="1371600" algn="l" defTabSz="457200" rtl="0" eaLnBrk="1" latinLnBrk="0" hangingPunct="1">
+                <a:defRPr sz="1800" kern="1200">
+                  <a:solidFill>
+                    <a:schemeClr val="lt1"/>
+                  </a:solidFill>
+                  <a:latin typeface="+mn-lt"/>
+                  <a:ea typeface="+mn-ea"/>
+                  <a:cs typeface="+mn-cs"/>
+                </a:defRPr>
+              </a:lvl4pPr>
+              <a:lvl5pPr marL="1828800" algn="l" defTabSz="457200" rtl="0" eaLnBrk="1" latinLnBrk="0" hangingPunct="1">
+                <a:defRPr sz="1800" kern="1200">
+                  <a:solidFill>
+                    <a:schemeClr val="lt1"/>
+                  </a:solidFill>
+                  <a:latin typeface="+mn-lt"/>
+                  <a:ea typeface="+mn-ea"/>
+                  <a:cs typeface="+mn-cs"/>
+                </a:defRPr>
+              </a:lvl5pPr>
+              <a:lvl6pPr marL="2286000" algn="l" defTabSz="457200" rtl="0" eaLnBrk="1" latinLnBrk="0" hangingPunct="1">
+                <a:defRPr sz="1800" kern="1200">
+                  <a:solidFill>
+                    <a:schemeClr val="lt1"/>
+                  </a:solidFill>
+                  <a:latin typeface="+mn-lt"/>
+                  <a:ea typeface="+mn-ea"/>
+                  <a:cs typeface="+mn-cs"/>
+                </a:defRPr>
+              </a:lvl6pPr>
+              <a:lvl7pPr marL="2743200" algn="l" defTabSz="457200" rtl="0" eaLnBrk="1" latinLnBrk="0" hangingPunct="1">
+                <a:defRPr sz="1800" kern="1200">
+                  <a:solidFill>
+                    <a:schemeClr val="lt1"/>
+                  </a:solidFill>
+                  <a:latin typeface="+mn-lt"/>
+                  <a:ea typeface="+mn-ea"/>
+                  <a:cs typeface="+mn-cs"/>
+                </a:defRPr>
+              </a:lvl7pPr>
+              <a:lvl8pPr marL="3200400" algn="l" defTabSz="457200" rtl="0" eaLnBrk="1" latinLnBrk="0" hangingPunct="1">
+                <a:defRPr sz="1800" kern="1200">
+                  <a:solidFill>
+                    <a:schemeClr val="lt1"/>
+                  </a:solidFill>
+                  <a:latin typeface="+mn-lt"/>
+                  <a:ea typeface="+mn-ea"/>
+                  <a:cs typeface="+mn-cs"/>
+                </a:defRPr>
+              </a:lvl8pPr>
+              <a:lvl9pPr marL="3657600" algn="l" defTabSz="457200" rtl="0" eaLnBrk="1" latinLnBrk="0" hangingPunct="1">
+                <a:defRPr sz="1800" kern="1200">
+                  <a:solidFill>
+                    <a:schemeClr val="lt1"/>
+                  </a:solidFill>
+                  <a:latin typeface="+mn-lt"/>
+                  <a:ea typeface="+mn-ea"/>
+                  <a:cs typeface="+mn-cs"/>
+                </a:defRPr>
+              </a:lvl9pPr>
+            </a:lstStyle>
+            <a:p>
+              <a:pPr algn="ctr"/>
+              <a:endParaRPr lang="en-GB"/>
+            </a:p>
+          </p:txBody>
+        </p:sp>
+      </p:grpSp>
+      <p:grpSp>
+        <p:nvGrpSpPr>
+          <p:cNvPr id="56" name="Group 55">
+            <a:extLst>
+              <a:ext uri="{FF2B5EF4-FFF2-40B4-BE49-F238E27FC236}">
+                <a16:creationId xmlns:a16="http://schemas.microsoft.com/office/drawing/2014/main" id="{4D2AAAEE-4DF0-CAC9-D317-27F86D129FF8}"/>
+              </a:ext>
+            </a:extLst>
+          </p:cNvPr>
+          <p:cNvGrpSpPr/>
+          <p:nvPr/>
+        </p:nvGrpSpPr>
+        <p:grpSpPr>
+          <a:xfrm>
+            <a:off x="3077026" y="5147214"/>
+            <a:ext cx="216000" cy="216000"/>
+            <a:chOff x="1002190" y="1572253"/>
+            <a:chExt cx="216000" cy="216000"/>
+          </a:xfrm>
+        </p:grpSpPr>
+        <p:sp>
+          <p:nvSpPr>
+            <p:cNvPr id="75" name="TextBox 154">
+              <a:extLst>
+                <a:ext uri="{FF2B5EF4-FFF2-40B4-BE49-F238E27FC236}">
+                  <a16:creationId xmlns:a16="http://schemas.microsoft.com/office/drawing/2014/main" id="{682F650E-C0E6-DC56-06B5-B5FEF66D9DAC}"/>
+                </a:ext>
+              </a:extLst>
+            </p:cNvPr>
+            <p:cNvSpPr txBox="1"/>
+            <p:nvPr/>
+          </p:nvSpPr>
+          <p:spPr>
+            <a:xfrm>
+              <a:off x="1002190" y="1572253"/>
+              <a:ext cx="216000" cy="216000"/>
+            </a:xfrm>
+            <a:prstGeom prst="rect">
+              <a:avLst/>
+            </a:prstGeom>
+            <a:noFill/>
+          </p:spPr>
+          <p:txBody>
+            <a:bodyPr wrap="square" rtlCol="0">
+              <a:spAutoFit/>
+            </a:bodyPr>
+            <a:lstStyle>
+              <a:defPPr>
+                <a:defRPr lang="en-US"/>
+              </a:defPPr>
+              <a:lvl1pPr marL="0" algn="l" defTabSz="457200" rtl="0" eaLnBrk="1" latinLnBrk="0" hangingPunct="1">
+                <a:defRPr sz="1800" kern="1200">
+                  <a:solidFill>
+                    <a:schemeClr val="tx1"/>
+                  </a:solidFill>
+                  <a:latin typeface="+mn-lt"/>
+                  <a:ea typeface="+mn-ea"/>
+                  <a:cs typeface="+mn-cs"/>
+                </a:defRPr>
+              </a:lvl1pPr>
+              <a:lvl2pPr marL="457200" algn="l" defTabSz="457200" rtl="0" eaLnBrk="1" latinLnBrk="0" hangingPunct="1">
+                <a:defRPr sz="1800" kern="1200">
+                  <a:solidFill>
+                    <a:schemeClr val="tx1"/>
+                  </a:solidFill>
+                  <a:latin typeface="+mn-lt"/>
+                  <a:ea typeface="+mn-ea"/>
+                  <a:cs typeface="+mn-cs"/>
+                </a:defRPr>
+              </a:lvl2pPr>
+              <a:lvl3pPr marL="914400" algn="l" defTabSz="457200" rtl="0" eaLnBrk="1" latinLnBrk="0" hangingPunct="1">
+                <a:defRPr sz="1800" kern="1200">
+                  <a:solidFill>
+                    <a:schemeClr val="tx1"/>
+                  </a:solidFill>
+                  <a:latin typeface="+mn-lt"/>
+                  <a:ea typeface="+mn-ea"/>
+                  <a:cs typeface="+mn-cs"/>
+                </a:defRPr>
+              </a:lvl3pPr>
+              <a:lvl4pPr marL="1371600" algn="l" defTabSz="457200" rtl="0" eaLnBrk="1" latinLnBrk="0" hangingPunct="1">
+                <a:defRPr sz="1800" kern="1200">
+                  <a:solidFill>
+                    <a:schemeClr val="tx1"/>
+                  </a:solidFill>
+                  <a:latin typeface="+mn-lt"/>
+                  <a:ea typeface="+mn-ea"/>
+                  <a:cs typeface="+mn-cs"/>
+                </a:defRPr>
+              </a:lvl4pPr>
+              <a:lvl5pPr marL="1828800" algn="l" defTabSz="457200" rtl="0" eaLnBrk="1" latinLnBrk="0" hangingPunct="1">
+                <a:defRPr sz="1800" kern="1200">
+                  <a:solidFill>
+                    <a:schemeClr val="tx1"/>
+                  </a:solidFill>
+                  <a:latin typeface="+mn-lt"/>
+                  <a:ea typeface="+mn-ea"/>
+                  <a:cs typeface="+mn-cs"/>
+                </a:defRPr>
+              </a:lvl5pPr>
+              <a:lvl6pPr marL="2286000" algn="l" defTabSz="457200" rtl="0" eaLnBrk="1" latinLnBrk="0" hangingPunct="1">
+                <a:defRPr sz="1800" kern="1200">
+                  <a:solidFill>
+                    <a:schemeClr val="tx1"/>
+                  </a:solidFill>
+                  <a:latin typeface="+mn-lt"/>
+                  <a:ea typeface="+mn-ea"/>
+                  <a:cs typeface="+mn-cs"/>
+                </a:defRPr>
+              </a:lvl6pPr>
+              <a:lvl7pPr marL="2743200" algn="l" defTabSz="457200" rtl="0" eaLnBrk="1" latinLnBrk="0" hangingPunct="1">
+                <a:defRPr sz="1800" kern="1200">
+                  <a:solidFill>
+                    <a:schemeClr val="tx1"/>
+                  </a:solidFill>
+                  <a:latin typeface="+mn-lt"/>
+                  <a:ea typeface="+mn-ea"/>
+                  <a:cs typeface="+mn-cs"/>
+                </a:defRPr>
+              </a:lvl7pPr>
+              <a:lvl8pPr marL="3200400" algn="l" defTabSz="457200" rtl="0" eaLnBrk="1" latinLnBrk="0" hangingPunct="1">
+                <a:defRPr sz="1800" kern="1200">
+                  <a:solidFill>
+                    <a:schemeClr val="tx1"/>
+                  </a:solidFill>
+                  <a:latin typeface="+mn-lt"/>
+                  <a:ea typeface="+mn-ea"/>
+                  <a:cs typeface="+mn-cs"/>
+                </a:defRPr>
+              </a:lvl8pPr>
+              <a:lvl9pPr marL="3657600" algn="l" defTabSz="457200" rtl="0" eaLnBrk="1" latinLnBrk="0" hangingPunct="1">
+                <a:defRPr sz="1800" kern="1200">
+                  <a:solidFill>
+                    <a:schemeClr val="tx1"/>
+                  </a:solidFill>
+                  <a:latin typeface="+mn-lt"/>
+                  <a:ea typeface="+mn-ea"/>
+                  <a:cs typeface="+mn-cs"/>
+                </a:defRPr>
+              </a:lvl9pPr>
+            </a:lstStyle>
+            <a:p>
+              <a:r>
+                <a:rPr lang="en-US" sz="800" dirty="0">
+                  <a:latin typeface="Calibri" panose="020F0502020204030204" pitchFamily="34" charset="0"/>
+                  <a:cs typeface="Calibri" panose="020F0502020204030204" pitchFamily="34" charset="0"/>
+                </a:rPr>
+                <a:t>r</a:t>
+              </a:r>
+              <a:endParaRPr lang="en-GB" sz="800" dirty="0">
+                <a:latin typeface="Calibri" panose="020F0502020204030204" pitchFamily="34" charset="0"/>
+                <a:cs typeface="Calibri" panose="020F0502020204030204" pitchFamily="34" charset="0"/>
+              </a:endParaRPr>
+            </a:p>
+          </p:txBody>
+        </p:sp>
+        <p:sp>
+          <p:nvSpPr>
+            <p:cNvPr id="76" name="Rectangle 75">
+              <a:extLst>
+                <a:ext uri="{FF2B5EF4-FFF2-40B4-BE49-F238E27FC236}">
+                  <a16:creationId xmlns:a16="http://schemas.microsoft.com/office/drawing/2014/main" id="{D05539DD-6AFA-E4C9-7881-E46462113377}"/>
+                </a:ext>
+              </a:extLst>
+            </p:cNvPr>
+            <p:cNvSpPr/>
+            <p:nvPr/>
+          </p:nvSpPr>
+          <p:spPr>
+            <a:xfrm>
+              <a:off x="1040747" y="1619373"/>
+              <a:ext cx="144000" cy="144000"/>
+            </a:xfrm>
+            <a:prstGeom prst="rect">
+              <a:avLst/>
+            </a:prstGeom>
+            <a:noFill/>
+            <a:ln w="3175">
+              <a:solidFill>
+                <a:schemeClr val="tx1">
+                  <a:lumMod val="75000"/>
+                  <a:lumOff val="25000"/>
+                </a:schemeClr>
+              </a:solidFill>
+            </a:ln>
+          </p:spPr>
+          <p:style>
+            <a:lnRef idx="2">
+              <a:schemeClr val="accent1">
+                <a:shade val="15000"/>
+              </a:schemeClr>
+            </a:lnRef>
+            <a:fillRef idx="1">
+              <a:schemeClr val="accent1"/>
+            </a:fillRef>
+            <a:effectRef idx="0">
+              <a:schemeClr val="accent1"/>
+            </a:effectRef>
+            <a:fontRef idx="minor">
+              <a:schemeClr val="lt1"/>
+            </a:fontRef>
+          </p:style>
+          <p:txBody>
+            <a:bodyPr rtlCol="0" anchor="ctr"/>
+            <a:lstStyle>
+              <a:defPPr>
+                <a:defRPr lang="en-US"/>
+              </a:defPPr>
+              <a:lvl1pPr marL="0" algn="l" defTabSz="457200" rtl="0" eaLnBrk="1" latinLnBrk="0" hangingPunct="1">
+                <a:defRPr sz="1800" kern="1200">
+                  <a:solidFill>
+                    <a:schemeClr val="lt1"/>
+                  </a:solidFill>
+                  <a:latin typeface="+mn-lt"/>
+                  <a:ea typeface="+mn-ea"/>
+                  <a:cs typeface="+mn-cs"/>
+                </a:defRPr>
+              </a:lvl1pPr>
+              <a:lvl2pPr marL="457200" algn="l" defTabSz="457200" rtl="0" eaLnBrk="1" latinLnBrk="0" hangingPunct="1">
+                <a:defRPr sz="1800" kern="1200">
+                  <a:solidFill>
+                    <a:schemeClr val="lt1"/>
+                  </a:solidFill>
+                  <a:latin typeface="+mn-lt"/>
+                  <a:ea typeface="+mn-ea"/>
+                  <a:cs typeface="+mn-cs"/>
+                </a:defRPr>
+              </a:lvl2pPr>
+              <a:lvl3pPr marL="914400" algn="l" defTabSz="457200" rtl="0" eaLnBrk="1" latinLnBrk="0" hangingPunct="1">
+                <a:defRPr sz="1800" kern="1200">
+                  <a:solidFill>
+                    <a:schemeClr val="lt1"/>
+                  </a:solidFill>
+                  <a:latin typeface="+mn-lt"/>
+                  <a:ea typeface="+mn-ea"/>
+                  <a:cs typeface="+mn-cs"/>
+                </a:defRPr>
+              </a:lvl3pPr>
+              <a:lvl4pPr marL="1371600" algn="l" defTabSz="457200" rtl="0" eaLnBrk="1" latinLnBrk="0" hangingPunct="1">
+                <a:defRPr sz="1800" kern="1200">
+                  <a:solidFill>
+                    <a:schemeClr val="lt1"/>
+                  </a:solidFill>
+                  <a:latin typeface="+mn-lt"/>
+                  <a:ea typeface="+mn-ea"/>
+                  <a:cs typeface="+mn-cs"/>
+                </a:defRPr>
+              </a:lvl4pPr>
+              <a:lvl5pPr marL="1828800" algn="l" defTabSz="457200" rtl="0" eaLnBrk="1" latinLnBrk="0" hangingPunct="1">
+                <a:defRPr sz="1800" kern="1200">
+                  <a:solidFill>
+                    <a:schemeClr val="lt1"/>
+                  </a:solidFill>
+                  <a:latin typeface="+mn-lt"/>
+                  <a:ea typeface="+mn-ea"/>
+                  <a:cs typeface="+mn-cs"/>
+                </a:defRPr>
+              </a:lvl5pPr>
+              <a:lvl6pPr marL="2286000" algn="l" defTabSz="457200" rtl="0" eaLnBrk="1" latinLnBrk="0" hangingPunct="1">
+                <a:defRPr sz="1800" kern="1200">
+                  <a:solidFill>
+                    <a:schemeClr val="lt1"/>
+                  </a:solidFill>
+                  <a:latin typeface="+mn-lt"/>
+                  <a:ea typeface="+mn-ea"/>
+                  <a:cs typeface="+mn-cs"/>
+                </a:defRPr>
+              </a:lvl6pPr>
+              <a:lvl7pPr marL="2743200" algn="l" defTabSz="457200" rtl="0" eaLnBrk="1" latinLnBrk="0" hangingPunct="1">
+                <a:defRPr sz="1800" kern="1200">
+                  <a:solidFill>
+                    <a:schemeClr val="lt1"/>
+                  </a:solidFill>
+                  <a:latin typeface="+mn-lt"/>
+                  <a:ea typeface="+mn-ea"/>
+                  <a:cs typeface="+mn-cs"/>
+                </a:defRPr>
+              </a:lvl7pPr>
+              <a:lvl8pPr marL="3200400" algn="l" defTabSz="457200" rtl="0" eaLnBrk="1" latinLnBrk="0" hangingPunct="1">
+                <a:defRPr sz="1800" kern="1200">
+                  <a:solidFill>
+                    <a:schemeClr val="lt1"/>
+                  </a:solidFill>
+                  <a:latin typeface="+mn-lt"/>
+                  <a:ea typeface="+mn-ea"/>
+                  <a:cs typeface="+mn-cs"/>
+                </a:defRPr>
+              </a:lvl8pPr>
+              <a:lvl9pPr marL="3657600" algn="l" defTabSz="457200" rtl="0" eaLnBrk="1" latinLnBrk="0" hangingPunct="1">
+                <a:defRPr sz="1800" kern="1200">
+                  <a:solidFill>
+                    <a:schemeClr val="lt1"/>
+                  </a:solidFill>
+                  <a:latin typeface="+mn-lt"/>
+                  <a:ea typeface="+mn-ea"/>
+                  <a:cs typeface="+mn-cs"/>
+                </a:defRPr>
+              </a:lvl9pPr>
+            </a:lstStyle>
+            <a:p>
+              <a:pPr algn="ctr"/>
+              <a:endParaRPr lang="en-GB"/>
+            </a:p>
+          </p:txBody>
+        </p:sp>
+      </p:grpSp>
+      <p:grpSp>
+        <p:nvGrpSpPr>
+          <p:cNvPr id="57" name="Group 56">
+            <a:extLst>
+              <a:ext uri="{FF2B5EF4-FFF2-40B4-BE49-F238E27FC236}">
+                <a16:creationId xmlns:a16="http://schemas.microsoft.com/office/drawing/2014/main" id="{93C68509-CD09-F9C6-AB81-0E0A198BD776}"/>
+              </a:ext>
+            </a:extLst>
+          </p:cNvPr>
+          <p:cNvGrpSpPr/>
+          <p:nvPr/>
+        </p:nvGrpSpPr>
+        <p:grpSpPr>
+          <a:xfrm>
+            <a:off x="4035820" y="746950"/>
+            <a:ext cx="216000" cy="216000"/>
+            <a:chOff x="1002190" y="1572253"/>
+            <a:chExt cx="216000" cy="216000"/>
+          </a:xfrm>
+        </p:grpSpPr>
+        <p:sp>
+          <p:nvSpPr>
+            <p:cNvPr id="73" name="TextBox 157">
+              <a:extLst>
+                <a:ext uri="{FF2B5EF4-FFF2-40B4-BE49-F238E27FC236}">
+                  <a16:creationId xmlns:a16="http://schemas.microsoft.com/office/drawing/2014/main" id="{D2CD1009-8F78-4953-8CA0-D9DBC7CC21F6}"/>
+                </a:ext>
+              </a:extLst>
+            </p:cNvPr>
+            <p:cNvSpPr txBox="1"/>
+            <p:nvPr/>
+          </p:nvSpPr>
+          <p:spPr>
+            <a:xfrm>
+              <a:off x="1002190" y="1572253"/>
+              <a:ext cx="216000" cy="216000"/>
+            </a:xfrm>
+            <a:prstGeom prst="rect">
+              <a:avLst/>
+            </a:prstGeom>
+            <a:noFill/>
+          </p:spPr>
+          <p:txBody>
+            <a:bodyPr wrap="square" rtlCol="0">
+              <a:spAutoFit/>
+            </a:bodyPr>
+            <a:lstStyle>
+              <a:defPPr>
+                <a:defRPr lang="en-US"/>
+              </a:defPPr>
+              <a:lvl1pPr marL="0" algn="l" defTabSz="457200" rtl="0" eaLnBrk="1" latinLnBrk="0" hangingPunct="1">
+                <a:defRPr sz="1800" kern="1200">
+                  <a:solidFill>
+                    <a:schemeClr val="tx1"/>
+                  </a:solidFill>
+                  <a:latin typeface="+mn-lt"/>
+                  <a:ea typeface="+mn-ea"/>
+                  <a:cs typeface="+mn-cs"/>
+                </a:defRPr>
+              </a:lvl1pPr>
+              <a:lvl2pPr marL="457200" algn="l" defTabSz="457200" rtl="0" eaLnBrk="1" latinLnBrk="0" hangingPunct="1">
+                <a:defRPr sz="1800" kern="1200">
+                  <a:solidFill>
+                    <a:schemeClr val="tx1"/>
+                  </a:solidFill>
+                  <a:latin typeface="+mn-lt"/>
+                  <a:ea typeface="+mn-ea"/>
+                  <a:cs typeface="+mn-cs"/>
+                </a:defRPr>
+              </a:lvl2pPr>
+              <a:lvl3pPr marL="914400" algn="l" defTabSz="457200" rtl="0" eaLnBrk="1" latinLnBrk="0" hangingPunct="1">
+                <a:defRPr sz="1800" kern="1200">
+                  <a:solidFill>
+                    <a:schemeClr val="tx1"/>
+                  </a:solidFill>
+                  <a:latin typeface="+mn-lt"/>
+                  <a:ea typeface="+mn-ea"/>
+                  <a:cs typeface="+mn-cs"/>
+                </a:defRPr>
+              </a:lvl3pPr>
+              <a:lvl4pPr marL="1371600" algn="l" defTabSz="457200" rtl="0" eaLnBrk="1" latinLnBrk="0" hangingPunct="1">
+                <a:defRPr sz="1800" kern="1200">
+                  <a:solidFill>
+                    <a:schemeClr val="tx1"/>
+                  </a:solidFill>
+                  <a:latin typeface="+mn-lt"/>
+                  <a:ea typeface="+mn-ea"/>
+                  <a:cs typeface="+mn-cs"/>
+                </a:defRPr>
+              </a:lvl4pPr>
+              <a:lvl5pPr marL="1828800" algn="l" defTabSz="457200" rtl="0" eaLnBrk="1" latinLnBrk="0" hangingPunct="1">
+                <a:defRPr sz="1800" kern="1200">
+                  <a:solidFill>
+                    <a:schemeClr val="tx1"/>
+                  </a:solidFill>
+                  <a:latin typeface="+mn-lt"/>
+                  <a:ea typeface="+mn-ea"/>
+                  <a:cs typeface="+mn-cs"/>
+                </a:defRPr>
+              </a:lvl5pPr>
+              <a:lvl6pPr marL="2286000" algn="l" defTabSz="457200" rtl="0" eaLnBrk="1" latinLnBrk="0" hangingPunct="1">
+                <a:defRPr sz="1800" kern="1200">
+                  <a:solidFill>
+                    <a:schemeClr val="tx1"/>
+                  </a:solidFill>
+                  <a:latin typeface="+mn-lt"/>
+                  <a:ea typeface="+mn-ea"/>
+                  <a:cs typeface="+mn-cs"/>
+                </a:defRPr>
+              </a:lvl6pPr>
+              <a:lvl7pPr marL="2743200" algn="l" defTabSz="457200" rtl="0" eaLnBrk="1" latinLnBrk="0" hangingPunct="1">
+                <a:defRPr sz="1800" kern="1200">
+                  <a:solidFill>
+                    <a:schemeClr val="tx1"/>
+                  </a:solidFill>
+                  <a:latin typeface="+mn-lt"/>
+                  <a:ea typeface="+mn-ea"/>
+                  <a:cs typeface="+mn-cs"/>
+                </a:defRPr>
+              </a:lvl7pPr>
+              <a:lvl8pPr marL="3200400" algn="l" defTabSz="457200" rtl="0" eaLnBrk="1" latinLnBrk="0" hangingPunct="1">
+                <a:defRPr sz="1800" kern="1200">
+                  <a:solidFill>
+                    <a:schemeClr val="tx1"/>
+                  </a:solidFill>
+                  <a:latin typeface="+mn-lt"/>
+                  <a:ea typeface="+mn-ea"/>
+                  <a:cs typeface="+mn-cs"/>
+                </a:defRPr>
+              </a:lvl8pPr>
+              <a:lvl9pPr marL="3657600" algn="l" defTabSz="457200" rtl="0" eaLnBrk="1" latinLnBrk="0" hangingPunct="1">
+                <a:defRPr sz="1800" kern="1200">
+                  <a:solidFill>
+                    <a:schemeClr val="tx1"/>
+                  </a:solidFill>
+                  <a:latin typeface="+mn-lt"/>
+                  <a:ea typeface="+mn-ea"/>
+                  <a:cs typeface="+mn-cs"/>
+                </a:defRPr>
+              </a:lvl9pPr>
+            </a:lstStyle>
+            <a:p>
+              <a:r>
+                <a:rPr lang="en-US" sz="800" dirty="0">
+                  <a:latin typeface="Calibri" panose="020F0502020204030204" pitchFamily="34" charset="0"/>
+                  <a:cs typeface="Calibri" panose="020F0502020204030204" pitchFamily="34" charset="0"/>
+                </a:rPr>
+                <a:t>s</a:t>
+              </a:r>
+              <a:endParaRPr lang="en-GB" sz="800" dirty="0">
+                <a:latin typeface="Calibri" panose="020F0502020204030204" pitchFamily="34" charset="0"/>
+                <a:cs typeface="Calibri" panose="020F0502020204030204" pitchFamily="34" charset="0"/>
+              </a:endParaRPr>
+            </a:p>
+          </p:txBody>
+        </p:sp>
+        <p:sp>
+          <p:nvSpPr>
+            <p:cNvPr id="74" name="Rectangle 73">
+              <a:extLst>
+                <a:ext uri="{FF2B5EF4-FFF2-40B4-BE49-F238E27FC236}">
+                  <a16:creationId xmlns:a16="http://schemas.microsoft.com/office/drawing/2014/main" id="{1EE2CAB7-CD67-EB81-112B-303FC4699A6C}"/>
+                </a:ext>
+              </a:extLst>
+            </p:cNvPr>
+            <p:cNvSpPr/>
+            <p:nvPr/>
+          </p:nvSpPr>
+          <p:spPr>
+            <a:xfrm>
+              <a:off x="1040747" y="1619373"/>
+              <a:ext cx="144000" cy="144000"/>
+            </a:xfrm>
+            <a:prstGeom prst="rect">
+              <a:avLst/>
+            </a:prstGeom>
+            <a:noFill/>
+            <a:ln w="3175">
+              <a:solidFill>
+                <a:schemeClr val="tx1">
+                  <a:lumMod val="75000"/>
+                  <a:lumOff val="25000"/>
+                </a:schemeClr>
+              </a:solidFill>
+            </a:ln>
+          </p:spPr>
+          <p:style>
+            <a:lnRef idx="2">
+              <a:schemeClr val="accent1">
+                <a:shade val="15000"/>
+              </a:schemeClr>
+            </a:lnRef>
+            <a:fillRef idx="1">
+              <a:schemeClr val="accent1"/>
+            </a:fillRef>
+            <a:effectRef idx="0">
+              <a:schemeClr val="accent1"/>
+            </a:effectRef>
+            <a:fontRef idx="minor">
+              <a:schemeClr val="lt1"/>
+            </a:fontRef>
+          </p:style>
+          <p:txBody>
+            <a:bodyPr rtlCol="0" anchor="ctr"/>
+            <a:lstStyle>
+              <a:defPPr>
+                <a:defRPr lang="en-US"/>
+              </a:defPPr>
+              <a:lvl1pPr marL="0" algn="l" defTabSz="457200" rtl="0" eaLnBrk="1" latinLnBrk="0" hangingPunct="1">
+                <a:defRPr sz="1800" kern="1200">
+                  <a:solidFill>
+                    <a:schemeClr val="lt1"/>
+                  </a:solidFill>
+                  <a:latin typeface="+mn-lt"/>
+                  <a:ea typeface="+mn-ea"/>
+                  <a:cs typeface="+mn-cs"/>
+                </a:defRPr>
+              </a:lvl1pPr>
+              <a:lvl2pPr marL="457200" algn="l" defTabSz="457200" rtl="0" eaLnBrk="1" latinLnBrk="0" hangingPunct="1">
+                <a:defRPr sz="1800" kern="1200">
+                  <a:solidFill>
+                    <a:schemeClr val="lt1"/>
+                  </a:solidFill>
+                  <a:latin typeface="+mn-lt"/>
+                  <a:ea typeface="+mn-ea"/>
+                  <a:cs typeface="+mn-cs"/>
+                </a:defRPr>
+              </a:lvl2pPr>
+              <a:lvl3pPr marL="914400" algn="l" defTabSz="457200" rtl="0" eaLnBrk="1" latinLnBrk="0" hangingPunct="1">
+                <a:defRPr sz="1800" kern="1200">
+                  <a:solidFill>
+                    <a:schemeClr val="lt1"/>
+                  </a:solidFill>
+                  <a:latin typeface="+mn-lt"/>
+                  <a:ea typeface="+mn-ea"/>
+                  <a:cs typeface="+mn-cs"/>
+                </a:defRPr>
+              </a:lvl3pPr>
+              <a:lvl4pPr marL="1371600" algn="l" defTabSz="457200" rtl="0" eaLnBrk="1" latinLnBrk="0" hangingPunct="1">
+                <a:defRPr sz="1800" kern="1200">
+                  <a:solidFill>
+                    <a:schemeClr val="lt1"/>
+                  </a:solidFill>
+                  <a:latin typeface="+mn-lt"/>
+                  <a:ea typeface="+mn-ea"/>
+                  <a:cs typeface="+mn-cs"/>
+                </a:defRPr>
+              </a:lvl4pPr>
+              <a:lvl5pPr marL="1828800" algn="l" defTabSz="457200" rtl="0" eaLnBrk="1" latinLnBrk="0" hangingPunct="1">
+                <a:defRPr sz="1800" kern="1200">
+                  <a:solidFill>
+                    <a:schemeClr val="lt1"/>
+                  </a:solidFill>
+                  <a:latin typeface="+mn-lt"/>
+                  <a:ea typeface="+mn-ea"/>
+                  <a:cs typeface="+mn-cs"/>
+                </a:defRPr>
+              </a:lvl5pPr>
+              <a:lvl6pPr marL="2286000" algn="l" defTabSz="457200" rtl="0" eaLnBrk="1" latinLnBrk="0" hangingPunct="1">
+                <a:defRPr sz="1800" kern="1200">
+                  <a:solidFill>
+                    <a:schemeClr val="lt1"/>
+                  </a:solidFill>
+                  <a:latin typeface="+mn-lt"/>
+                  <a:ea typeface="+mn-ea"/>
+                  <a:cs typeface="+mn-cs"/>
+                </a:defRPr>
+              </a:lvl6pPr>
+              <a:lvl7pPr marL="2743200" algn="l" defTabSz="457200" rtl="0" eaLnBrk="1" latinLnBrk="0" hangingPunct="1">
+                <a:defRPr sz="1800" kern="1200">
+                  <a:solidFill>
+                    <a:schemeClr val="lt1"/>
+                  </a:solidFill>
+                  <a:latin typeface="+mn-lt"/>
+                  <a:ea typeface="+mn-ea"/>
+                  <a:cs typeface="+mn-cs"/>
+                </a:defRPr>
+              </a:lvl7pPr>
+              <a:lvl8pPr marL="3200400" algn="l" defTabSz="457200" rtl="0" eaLnBrk="1" latinLnBrk="0" hangingPunct="1">
+                <a:defRPr sz="1800" kern="1200">
+                  <a:solidFill>
+                    <a:schemeClr val="lt1"/>
+                  </a:solidFill>
+                  <a:latin typeface="+mn-lt"/>
+                  <a:ea typeface="+mn-ea"/>
+                  <a:cs typeface="+mn-cs"/>
+                </a:defRPr>
+              </a:lvl8pPr>
+              <a:lvl9pPr marL="3657600" algn="l" defTabSz="457200" rtl="0" eaLnBrk="1" latinLnBrk="0" hangingPunct="1">
+                <a:defRPr sz="1800" kern="1200">
+                  <a:solidFill>
+                    <a:schemeClr val="lt1"/>
+                  </a:solidFill>
+                  <a:latin typeface="+mn-lt"/>
+                  <a:ea typeface="+mn-ea"/>
+                  <a:cs typeface="+mn-cs"/>
+                </a:defRPr>
+              </a:lvl9pPr>
+            </a:lstStyle>
+            <a:p>
+              <a:pPr algn="ctr"/>
+              <a:endParaRPr lang="en-GB"/>
+            </a:p>
+          </p:txBody>
+        </p:sp>
+      </p:grpSp>
+      <p:grpSp>
+        <p:nvGrpSpPr>
+          <p:cNvPr id="58" name="Group 57">
+            <a:extLst>
+              <a:ext uri="{FF2B5EF4-FFF2-40B4-BE49-F238E27FC236}">
+                <a16:creationId xmlns:a16="http://schemas.microsoft.com/office/drawing/2014/main" id="{5531B576-52CC-628C-681B-4CDC5CEF2F00}"/>
+              </a:ext>
+            </a:extLst>
+          </p:cNvPr>
+          <p:cNvGrpSpPr/>
+          <p:nvPr/>
+        </p:nvGrpSpPr>
+        <p:grpSpPr>
+          <a:xfrm>
+            <a:off x="4035820" y="1628619"/>
+            <a:ext cx="216000" cy="216000"/>
+            <a:chOff x="1002190" y="1572253"/>
+            <a:chExt cx="216000" cy="216000"/>
+          </a:xfrm>
+        </p:grpSpPr>
+        <p:sp>
+          <p:nvSpPr>
+            <p:cNvPr id="71" name="TextBox 160">
+              <a:extLst>
+                <a:ext uri="{FF2B5EF4-FFF2-40B4-BE49-F238E27FC236}">
+                  <a16:creationId xmlns:a16="http://schemas.microsoft.com/office/drawing/2014/main" id="{EBCA519A-9B72-6F53-69C8-C2E08A6A15BB}"/>
+                </a:ext>
+              </a:extLst>
+            </p:cNvPr>
+            <p:cNvSpPr txBox="1"/>
+            <p:nvPr/>
+          </p:nvSpPr>
+          <p:spPr>
+            <a:xfrm>
+              <a:off x="1002190" y="1572253"/>
+              <a:ext cx="216000" cy="216000"/>
+            </a:xfrm>
+            <a:prstGeom prst="rect">
+              <a:avLst/>
+            </a:prstGeom>
+            <a:noFill/>
+          </p:spPr>
+          <p:txBody>
+            <a:bodyPr wrap="square" rtlCol="0">
+              <a:spAutoFit/>
+            </a:bodyPr>
+            <a:lstStyle>
+              <a:defPPr>
+                <a:defRPr lang="en-US"/>
+              </a:defPPr>
+              <a:lvl1pPr marL="0" algn="l" defTabSz="457200" rtl="0" eaLnBrk="1" latinLnBrk="0" hangingPunct="1">
+                <a:defRPr sz="1800" kern="1200">
+                  <a:solidFill>
+                    <a:schemeClr val="tx1"/>
+                  </a:solidFill>
+                  <a:latin typeface="+mn-lt"/>
+                  <a:ea typeface="+mn-ea"/>
+                  <a:cs typeface="+mn-cs"/>
+                </a:defRPr>
+              </a:lvl1pPr>
+              <a:lvl2pPr marL="457200" algn="l" defTabSz="457200" rtl="0" eaLnBrk="1" latinLnBrk="0" hangingPunct="1">
+                <a:defRPr sz="1800" kern="1200">
+                  <a:solidFill>
+                    <a:schemeClr val="tx1"/>
+                  </a:solidFill>
+                  <a:latin typeface="+mn-lt"/>
+                  <a:ea typeface="+mn-ea"/>
+                  <a:cs typeface="+mn-cs"/>
+                </a:defRPr>
+              </a:lvl2pPr>
+              <a:lvl3pPr marL="914400" algn="l" defTabSz="457200" rtl="0" eaLnBrk="1" latinLnBrk="0" hangingPunct="1">
+                <a:defRPr sz="1800" kern="1200">
+                  <a:solidFill>
+                    <a:schemeClr val="tx1"/>
+                  </a:solidFill>
+                  <a:latin typeface="+mn-lt"/>
+                  <a:ea typeface="+mn-ea"/>
+                  <a:cs typeface="+mn-cs"/>
+                </a:defRPr>
+              </a:lvl3pPr>
+              <a:lvl4pPr marL="1371600" algn="l" defTabSz="457200" rtl="0" eaLnBrk="1" latinLnBrk="0" hangingPunct="1">
+                <a:defRPr sz="1800" kern="1200">
+                  <a:solidFill>
+                    <a:schemeClr val="tx1"/>
+                  </a:solidFill>
+                  <a:latin typeface="+mn-lt"/>
+                  <a:ea typeface="+mn-ea"/>
+                  <a:cs typeface="+mn-cs"/>
+                </a:defRPr>
+              </a:lvl4pPr>
+              <a:lvl5pPr marL="1828800" algn="l" defTabSz="457200" rtl="0" eaLnBrk="1" latinLnBrk="0" hangingPunct="1">
+                <a:defRPr sz="1800" kern="1200">
+                  <a:solidFill>
+                    <a:schemeClr val="tx1"/>
+                  </a:solidFill>
+                  <a:latin typeface="+mn-lt"/>
+                  <a:ea typeface="+mn-ea"/>
+                  <a:cs typeface="+mn-cs"/>
+                </a:defRPr>
+              </a:lvl5pPr>
+              <a:lvl6pPr marL="2286000" algn="l" defTabSz="457200" rtl="0" eaLnBrk="1" latinLnBrk="0" hangingPunct="1">
+                <a:defRPr sz="1800" kern="1200">
+                  <a:solidFill>
+                    <a:schemeClr val="tx1"/>
+                  </a:solidFill>
+                  <a:latin typeface="+mn-lt"/>
+                  <a:ea typeface="+mn-ea"/>
+                  <a:cs typeface="+mn-cs"/>
+                </a:defRPr>
+              </a:lvl6pPr>
+              <a:lvl7pPr marL="2743200" algn="l" defTabSz="457200" rtl="0" eaLnBrk="1" latinLnBrk="0" hangingPunct="1">
+                <a:defRPr sz="1800" kern="1200">
+                  <a:solidFill>
+                    <a:schemeClr val="tx1"/>
+                  </a:solidFill>
+                  <a:latin typeface="+mn-lt"/>
+                  <a:ea typeface="+mn-ea"/>
+                  <a:cs typeface="+mn-cs"/>
+                </a:defRPr>
+              </a:lvl7pPr>
+              <a:lvl8pPr marL="3200400" algn="l" defTabSz="457200" rtl="0" eaLnBrk="1" latinLnBrk="0" hangingPunct="1">
+                <a:defRPr sz="1800" kern="1200">
+                  <a:solidFill>
+                    <a:schemeClr val="tx1"/>
+                  </a:solidFill>
+                  <a:latin typeface="+mn-lt"/>
+                  <a:ea typeface="+mn-ea"/>
+                  <a:cs typeface="+mn-cs"/>
+                </a:defRPr>
+              </a:lvl8pPr>
+              <a:lvl9pPr marL="3657600" algn="l" defTabSz="457200" rtl="0" eaLnBrk="1" latinLnBrk="0" hangingPunct="1">
+                <a:defRPr sz="1800" kern="1200">
+                  <a:solidFill>
+                    <a:schemeClr val="tx1"/>
+                  </a:solidFill>
+                  <a:latin typeface="+mn-lt"/>
+                  <a:ea typeface="+mn-ea"/>
+                  <a:cs typeface="+mn-cs"/>
+                </a:defRPr>
+              </a:lvl9pPr>
+            </a:lstStyle>
+            <a:p>
+              <a:r>
+                <a:rPr lang="en-US" sz="800" dirty="0">
+                  <a:latin typeface="Calibri" panose="020F0502020204030204" pitchFamily="34" charset="0"/>
+                  <a:cs typeface="Calibri" panose="020F0502020204030204" pitchFamily="34" charset="0"/>
+                </a:rPr>
+                <a:t>t</a:t>
+              </a:r>
+              <a:endParaRPr lang="en-GB" sz="800" dirty="0">
+                <a:latin typeface="Calibri" panose="020F0502020204030204" pitchFamily="34" charset="0"/>
+                <a:cs typeface="Calibri" panose="020F0502020204030204" pitchFamily="34" charset="0"/>
+              </a:endParaRPr>
+            </a:p>
+          </p:txBody>
+        </p:sp>
+        <p:sp>
+          <p:nvSpPr>
+            <p:cNvPr id="72" name="Rectangle 71">
+              <a:extLst>
+                <a:ext uri="{FF2B5EF4-FFF2-40B4-BE49-F238E27FC236}">
+                  <a16:creationId xmlns:a16="http://schemas.microsoft.com/office/drawing/2014/main" id="{E58BBBFF-228F-F117-5DAD-42E65361E70E}"/>
+                </a:ext>
+              </a:extLst>
+            </p:cNvPr>
+            <p:cNvSpPr/>
+            <p:nvPr/>
+          </p:nvSpPr>
+          <p:spPr>
+            <a:xfrm>
+              <a:off x="1040747" y="1619373"/>
+              <a:ext cx="144000" cy="144000"/>
+            </a:xfrm>
+            <a:prstGeom prst="rect">
+              <a:avLst/>
+            </a:prstGeom>
+            <a:noFill/>
+            <a:ln w="3175">
+              <a:solidFill>
+                <a:schemeClr val="tx1">
+                  <a:lumMod val="75000"/>
+                  <a:lumOff val="25000"/>
+                </a:schemeClr>
+              </a:solidFill>
+            </a:ln>
+          </p:spPr>
+          <p:style>
+            <a:lnRef idx="2">
+              <a:schemeClr val="accent1">
+                <a:shade val="15000"/>
+              </a:schemeClr>
+            </a:lnRef>
+            <a:fillRef idx="1">
+              <a:schemeClr val="accent1"/>
+            </a:fillRef>
+            <a:effectRef idx="0">
+              <a:schemeClr val="accent1"/>
+            </a:effectRef>
+            <a:fontRef idx="minor">
+              <a:schemeClr val="lt1"/>
+            </a:fontRef>
+          </p:style>
+          <p:txBody>
+            <a:bodyPr rtlCol="0" anchor="ctr"/>
+            <a:lstStyle>
+              <a:defPPr>
+                <a:defRPr lang="en-US"/>
+              </a:defPPr>
+              <a:lvl1pPr marL="0" algn="l" defTabSz="457200" rtl="0" eaLnBrk="1" latinLnBrk="0" hangingPunct="1">
+                <a:defRPr sz="1800" kern="1200">
+                  <a:solidFill>
+                    <a:schemeClr val="lt1"/>
+                  </a:solidFill>
+                  <a:latin typeface="+mn-lt"/>
+                  <a:ea typeface="+mn-ea"/>
+                  <a:cs typeface="+mn-cs"/>
+                </a:defRPr>
+              </a:lvl1pPr>
+              <a:lvl2pPr marL="457200" algn="l" defTabSz="457200" rtl="0" eaLnBrk="1" latinLnBrk="0" hangingPunct="1">
+                <a:defRPr sz="1800" kern="1200">
+                  <a:solidFill>
+                    <a:schemeClr val="lt1"/>
+                  </a:solidFill>
+                  <a:latin typeface="+mn-lt"/>
+                  <a:ea typeface="+mn-ea"/>
+                  <a:cs typeface="+mn-cs"/>
+                </a:defRPr>
+              </a:lvl2pPr>
+              <a:lvl3pPr marL="914400" algn="l" defTabSz="457200" rtl="0" eaLnBrk="1" latinLnBrk="0" hangingPunct="1">
+                <a:defRPr sz="1800" kern="1200">
+                  <a:solidFill>
+                    <a:schemeClr val="lt1"/>
+                  </a:solidFill>
+                  <a:latin typeface="+mn-lt"/>
+                  <a:ea typeface="+mn-ea"/>
+                  <a:cs typeface="+mn-cs"/>
+                </a:defRPr>
+              </a:lvl3pPr>
+              <a:lvl4pPr marL="1371600" algn="l" defTabSz="457200" rtl="0" eaLnBrk="1" latinLnBrk="0" hangingPunct="1">
+                <a:defRPr sz="1800" kern="1200">
+                  <a:solidFill>
+                    <a:schemeClr val="lt1"/>
+                  </a:solidFill>
+                  <a:latin typeface="+mn-lt"/>
+                  <a:ea typeface="+mn-ea"/>
+                  <a:cs typeface="+mn-cs"/>
+                </a:defRPr>
+              </a:lvl4pPr>
+              <a:lvl5pPr marL="1828800" algn="l" defTabSz="457200" rtl="0" eaLnBrk="1" latinLnBrk="0" hangingPunct="1">
+                <a:defRPr sz="1800" kern="1200">
+                  <a:solidFill>
+                    <a:schemeClr val="lt1"/>
+                  </a:solidFill>
+                  <a:latin typeface="+mn-lt"/>
+                  <a:ea typeface="+mn-ea"/>
+                  <a:cs typeface="+mn-cs"/>
+                </a:defRPr>
+              </a:lvl5pPr>
+              <a:lvl6pPr marL="2286000" algn="l" defTabSz="457200" rtl="0" eaLnBrk="1" latinLnBrk="0" hangingPunct="1">
+                <a:defRPr sz="1800" kern="1200">
+                  <a:solidFill>
+                    <a:schemeClr val="lt1"/>
+                  </a:solidFill>
+                  <a:latin typeface="+mn-lt"/>
+                  <a:ea typeface="+mn-ea"/>
+                  <a:cs typeface="+mn-cs"/>
+                </a:defRPr>
+              </a:lvl6pPr>
+              <a:lvl7pPr marL="2743200" algn="l" defTabSz="457200" rtl="0" eaLnBrk="1" latinLnBrk="0" hangingPunct="1">
+                <a:defRPr sz="1800" kern="1200">
+                  <a:solidFill>
+                    <a:schemeClr val="lt1"/>
+                  </a:solidFill>
+                  <a:latin typeface="+mn-lt"/>
+                  <a:ea typeface="+mn-ea"/>
+                  <a:cs typeface="+mn-cs"/>
+                </a:defRPr>
+              </a:lvl7pPr>
+              <a:lvl8pPr marL="3200400" algn="l" defTabSz="457200" rtl="0" eaLnBrk="1" latinLnBrk="0" hangingPunct="1">
+                <a:defRPr sz="1800" kern="1200">
+                  <a:solidFill>
+                    <a:schemeClr val="lt1"/>
+                  </a:solidFill>
+                  <a:latin typeface="+mn-lt"/>
+                  <a:ea typeface="+mn-ea"/>
+                  <a:cs typeface="+mn-cs"/>
+                </a:defRPr>
+              </a:lvl8pPr>
+              <a:lvl9pPr marL="3657600" algn="l" defTabSz="457200" rtl="0" eaLnBrk="1" latinLnBrk="0" hangingPunct="1">
+                <a:defRPr sz="1800" kern="1200">
+                  <a:solidFill>
+                    <a:schemeClr val="lt1"/>
+                  </a:solidFill>
+                  <a:latin typeface="+mn-lt"/>
+                  <a:ea typeface="+mn-ea"/>
+                  <a:cs typeface="+mn-cs"/>
+                </a:defRPr>
+              </a:lvl9pPr>
+            </a:lstStyle>
+            <a:p>
+              <a:pPr algn="ctr"/>
+              <a:endParaRPr lang="en-GB"/>
+            </a:p>
+          </p:txBody>
+        </p:sp>
+      </p:grpSp>
+      <p:grpSp>
+        <p:nvGrpSpPr>
+          <p:cNvPr id="59" name="Group 58">
+            <a:extLst>
+              <a:ext uri="{FF2B5EF4-FFF2-40B4-BE49-F238E27FC236}">
+                <a16:creationId xmlns:a16="http://schemas.microsoft.com/office/drawing/2014/main" id="{B4C205E4-C670-E617-504F-5147EA778540}"/>
+              </a:ext>
+            </a:extLst>
+          </p:cNvPr>
+          <p:cNvGrpSpPr/>
+          <p:nvPr/>
+        </p:nvGrpSpPr>
+        <p:grpSpPr>
+          <a:xfrm>
+            <a:off x="4035820" y="2502407"/>
+            <a:ext cx="216000" cy="216000"/>
+            <a:chOff x="1002190" y="1572253"/>
+            <a:chExt cx="216000" cy="216000"/>
+          </a:xfrm>
+        </p:grpSpPr>
+        <p:sp>
+          <p:nvSpPr>
+            <p:cNvPr id="69" name="TextBox 163">
+              <a:extLst>
+                <a:ext uri="{FF2B5EF4-FFF2-40B4-BE49-F238E27FC236}">
+                  <a16:creationId xmlns:a16="http://schemas.microsoft.com/office/drawing/2014/main" id="{E788FAF3-F6BC-014D-7FF9-B56E70B7B4A9}"/>
+                </a:ext>
+              </a:extLst>
+            </p:cNvPr>
+            <p:cNvSpPr txBox="1"/>
+            <p:nvPr/>
+          </p:nvSpPr>
+          <p:spPr>
+            <a:xfrm>
+              <a:off x="1002190" y="1572253"/>
+              <a:ext cx="216000" cy="216000"/>
+            </a:xfrm>
+            <a:prstGeom prst="rect">
+              <a:avLst/>
+            </a:prstGeom>
+            <a:noFill/>
+          </p:spPr>
+          <p:txBody>
+            <a:bodyPr wrap="square" rtlCol="0">
+              <a:spAutoFit/>
+            </a:bodyPr>
+            <a:lstStyle>
+              <a:defPPr>
+                <a:defRPr lang="en-US"/>
+              </a:defPPr>
+              <a:lvl1pPr marL="0" algn="l" defTabSz="457200" rtl="0" eaLnBrk="1" latinLnBrk="0" hangingPunct="1">
+                <a:defRPr sz="1800" kern="1200">
+                  <a:solidFill>
+                    <a:schemeClr val="tx1"/>
+                  </a:solidFill>
+                  <a:latin typeface="+mn-lt"/>
+                  <a:ea typeface="+mn-ea"/>
+                  <a:cs typeface="+mn-cs"/>
+                </a:defRPr>
+              </a:lvl1pPr>
+              <a:lvl2pPr marL="457200" algn="l" defTabSz="457200" rtl="0" eaLnBrk="1" latinLnBrk="0" hangingPunct="1">
+                <a:defRPr sz="1800" kern="1200">
+                  <a:solidFill>
+                    <a:schemeClr val="tx1"/>
+                  </a:solidFill>
+                  <a:latin typeface="+mn-lt"/>
+                  <a:ea typeface="+mn-ea"/>
+                  <a:cs typeface="+mn-cs"/>
+                </a:defRPr>
+              </a:lvl2pPr>
+              <a:lvl3pPr marL="914400" algn="l" defTabSz="457200" rtl="0" eaLnBrk="1" latinLnBrk="0" hangingPunct="1">
+                <a:defRPr sz="1800" kern="1200">
+                  <a:solidFill>
+                    <a:schemeClr val="tx1"/>
+                  </a:solidFill>
+                  <a:latin typeface="+mn-lt"/>
+                  <a:ea typeface="+mn-ea"/>
+                  <a:cs typeface="+mn-cs"/>
+                </a:defRPr>
+              </a:lvl3pPr>
+              <a:lvl4pPr marL="1371600" algn="l" defTabSz="457200" rtl="0" eaLnBrk="1" latinLnBrk="0" hangingPunct="1">
+                <a:defRPr sz="1800" kern="1200">
+                  <a:solidFill>
+                    <a:schemeClr val="tx1"/>
+                  </a:solidFill>
+                  <a:latin typeface="+mn-lt"/>
+                  <a:ea typeface="+mn-ea"/>
+                  <a:cs typeface="+mn-cs"/>
+                </a:defRPr>
+              </a:lvl4pPr>
+              <a:lvl5pPr marL="1828800" algn="l" defTabSz="457200" rtl="0" eaLnBrk="1" latinLnBrk="0" hangingPunct="1">
+                <a:defRPr sz="1800" kern="1200">
+                  <a:solidFill>
+                    <a:schemeClr val="tx1"/>
+                  </a:solidFill>
+                  <a:latin typeface="+mn-lt"/>
+                  <a:ea typeface="+mn-ea"/>
+                  <a:cs typeface="+mn-cs"/>
+                </a:defRPr>
+              </a:lvl5pPr>
+              <a:lvl6pPr marL="2286000" algn="l" defTabSz="457200" rtl="0" eaLnBrk="1" latinLnBrk="0" hangingPunct="1">
+                <a:defRPr sz="1800" kern="1200">
+                  <a:solidFill>
+                    <a:schemeClr val="tx1"/>
+                  </a:solidFill>
+                  <a:latin typeface="+mn-lt"/>
+                  <a:ea typeface="+mn-ea"/>
+                  <a:cs typeface="+mn-cs"/>
+                </a:defRPr>
+              </a:lvl6pPr>
+              <a:lvl7pPr marL="2743200" algn="l" defTabSz="457200" rtl="0" eaLnBrk="1" latinLnBrk="0" hangingPunct="1">
+                <a:defRPr sz="1800" kern="1200">
+                  <a:solidFill>
+                    <a:schemeClr val="tx1"/>
+                  </a:solidFill>
+                  <a:latin typeface="+mn-lt"/>
+                  <a:ea typeface="+mn-ea"/>
+                  <a:cs typeface="+mn-cs"/>
+                </a:defRPr>
+              </a:lvl7pPr>
+              <a:lvl8pPr marL="3200400" algn="l" defTabSz="457200" rtl="0" eaLnBrk="1" latinLnBrk="0" hangingPunct="1">
+                <a:defRPr sz="1800" kern="1200">
+                  <a:solidFill>
+                    <a:schemeClr val="tx1"/>
+                  </a:solidFill>
+                  <a:latin typeface="+mn-lt"/>
+                  <a:ea typeface="+mn-ea"/>
+                  <a:cs typeface="+mn-cs"/>
+                </a:defRPr>
+              </a:lvl8pPr>
+              <a:lvl9pPr marL="3657600" algn="l" defTabSz="457200" rtl="0" eaLnBrk="1" latinLnBrk="0" hangingPunct="1">
+                <a:defRPr sz="1800" kern="1200">
+                  <a:solidFill>
+                    <a:schemeClr val="tx1"/>
+                  </a:solidFill>
+                  <a:latin typeface="+mn-lt"/>
+                  <a:ea typeface="+mn-ea"/>
+                  <a:cs typeface="+mn-cs"/>
+                </a:defRPr>
+              </a:lvl9pPr>
+            </a:lstStyle>
+            <a:p>
+              <a:r>
+                <a:rPr lang="en-US" sz="800" dirty="0">
+                  <a:latin typeface="Calibri" panose="020F0502020204030204" pitchFamily="34" charset="0"/>
+                  <a:cs typeface="Calibri" panose="020F0502020204030204" pitchFamily="34" charset="0"/>
+                </a:rPr>
+                <a:t>u</a:t>
+              </a:r>
+              <a:endParaRPr lang="en-GB" sz="800" dirty="0">
+                <a:latin typeface="Calibri" panose="020F0502020204030204" pitchFamily="34" charset="0"/>
+                <a:cs typeface="Calibri" panose="020F0502020204030204" pitchFamily="34" charset="0"/>
+              </a:endParaRPr>
+            </a:p>
+          </p:txBody>
+        </p:sp>
+        <p:sp>
+          <p:nvSpPr>
+            <p:cNvPr id="70" name="Rectangle 69">
+              <a:extLst>
+                <a:ext uri="{FF2B5EF4-FFF2-40B4-BE49-F238E27FC236}">
+                  <a16:creationId xmlns:a16="http://schemas.microsoft.com/office/drawing/2014/main" id="{FEE27923-8CA7-DEF6-792D-F82BB9DE4DA4}"/>
+                </a:ext>
+              </a:extLst>
+            </p:cNvPr>
+            <p:cNvSpPr/>
+            <p:nvPr/>
+          </p:nvSpPr>
+          <p:spPr>
+            <a:xfrm>
+              <a:off x="1040747" y="1619373"/>
+              <a:ext cx="144000" cy="144000"/>
+            </a:xfrm>
+            <a:prstGeom prst="rect">
+              <a:avLst/>
+            </a:prstGeom>
+            <a:noFill/>
+            <a:ln w="3175">
+              <a:solidFill>
+                <a:schemeClr val="tx1">
+                  <a:lumMod val="75000"/>
+                  <a:lumOff val="25000"/>
+                </a:schemeClr>
+              </a:solidFill>
+            </a:ln>
+          </p:spPr>
+          <p:style>
+            <a:lnRef idx="2">
+              <a:schemeClr val="accent1">
+                <a:shade val="15000"/>
+              </a:schemeClr>
+            </a:lnRef>
+            <a:fillRef idx="1">
+              <a:schemeClr val="accent1"/>
+            </a:fillRef>
+            <a:effectRef idx="0">
+              <a:schemeClr val="accent1"/>
+            </a:effectRef>
+            <a:fontRef idx="minor">
+              <a:schemeClr val="lt1"/>
+            </a:fontRef>
+          </p:style>
+          <p:txBody>
+            <a:bodyPr rtlCol="0" anchor="ctr"/>
+            <a:lstStyle>
+              <a:defPPr>
+                <a:defRPr lang="en-US"/>
+              </a:defPPr>
+              <a:lvl1pPr marL="0" algn="l" defTabSz="457200" rtl="0" eaLnBrk="1" latinLnBrk="0" hangingPunct="1">
+                <a:defRPr sz="1800" kern="1200">
+                  <a:solidFill>
+                    <a:schemeClr val="lt1"/>
+                  </a:solidFill>
+                  <a:latin typeface="+mn-lt"/>
+                  <a:ea typeface="+mn-ea"/>
+                  <a:cs typeface="+mn-cs"/>
+                </a:defRPr>
+              </a:lvl1pPr>
+              <a:lvl2pPr marL="457200" algn="l" defTabSz="457200" rtl="0" eaLnBrk="1" latinLnBrk="0" hangingPunct="1">
+                <a:defRPr sz="1800" kern="1200">
+                  <a:solidFill>
+                    <a:schemeClr val="lt1"/>
+                  </a:solidFill>
+                  <a:latin typeface="+mn-lt"/>
+                  <a:ea typeface="+mn-ea"/>
+                  <a:cs typeface="+mn-cs"/>
+                </a:defRPr>
+              </a:lvl2pPr>
+              <a:lvl3pPr marL="914400" algn="l" defTabSz="457200" rtl="0" eaLnBrk="1" latinLnBrk="0" hangingPunct="1">
+                <a:defRPr sz="1800" kern="1200">
+                  <a:solidFill>
+                    <a:schemeClr val="lt1"/>
+                  </a:solidFill>
+                  <a:latin typeface="+mn-lt"/>
+                  <a:ea typeface="+mn-ea"/>
+                  <a:cs typeface="+mn-cs"/>
+                </a:defRPr>
+              </a:lvl3pPr>
+              <a:lvl4pPr marL="1371600" algn="l" defTabSz="457200" rtl="0" eaLnBrk="1" latinLnBrk="0" hangingPunct="1">
+                <a:defRPr sz="1800" kern="1200">
+                  <a:solidFill>
+                    <a:schemeClr val="lt1"/>
+                  </a:solidFill>
+                  <a:latin typeface="+mn-lt"/>
+                  <a:ea typeface="+mn-ea"/>
+                  <a:cs typeface="+mn-cs"/>
+                </a:defRPr>
+              </a:lvl4pPr>
+              <a:lvl5pPr marL="1828800" algn="l" defTabSz="457200" rtl="0" eaLnBrk="1" latinLnBrk="0" hangingPunct="1">
+                <a:defRPr sz="1800" kern="1200">
+                  <a:solidFill>
+                    <a:schemeClr val="lt1"/>
+                  </a:solidFill>
+                  <a:latin typeface="+mn-lt"/>
+                  <a:ea typeface="+mn-ea"/>
+                  <a:cs typeface="+mn-cs"/>
+                </a:defRPr>
+              </a:lvl5pPr>
+              <a:lvl6pPr marL="2286000" algn="l" defTabSz="457200" rtl="0" eaLnBrk="1" latinLnBrk="0" hangingPunct="1">
+                <a:defRPr sz="1800" kern="1200">
+                  <a:solidFill>
+                    <a:schemeClr val="lt1"/>
+                  </a:solidFill>
+                  <a:latin typeface="+mn-lt"/>
+                  <a:ea typeface="+mn-ea"/>
+                  <a:cs typeface="+mn-cs"/>
+                </a:defRPr>
+              </a:lvl6pPr>
+              <a:lvl7pPr marL="2743200" algn="l" defTabSz="457200" rtl="0" eaLnBrk="1" latinLnBrk="0" hangingPunct="1">
+                <a:defRPr sz="1800" kern="1200">
+                  <a:solidFill>
+                    <a:schemeClr val="lt1"/>
+                  </a:solidFill>
+                  <a:latin typeface="+mn-lt"/>
+                  <a:ea typeface="+mn-ea"/>
+                  <a:cs typeface="+mn-cs"/>
+                </a:defRPr>
+              </a:lvl7pPr>
+              <a:lvl8pPr marL="3200400" algn="l" defTabSz="457200" rtl="0" eaLnBrk="1" latinLnBrk="0" hangingPunct="1">
+                <a:defRPr sz="1800" kern="1200">
+                  <a:solidFill>
+                    <a:schemeClr val="lt1"/>
+                  </a:solidFill>
+                  <a:latin typeface="+mn-lt"/>
+                  <a:ea typeface="+mn-ea"/>
+                  <a:cs typeface="+mn-cs"/>
+                </a:defRPr>
+              </a:lvl8pPr>
+              <a:lvl9pPr marL="3657600" algn="l" defTabSz="457200" rtl="0" eaLnBrk="1" latinLnBrk="0" hangingPunct="1">
+                <a:defRPr sz="1800" kern="1200">
+                  <a:solidFill>
+                    <a:schemeClr val="lt1"/>
+                  </a:solidFill>
+                  <a:latin typeface="+mn-lt"/>
+                  <a:ea typeface="+mn-ea"/>
+                  <a:cs typeface="+mn-cs"/>
+                </a:defRPr>
+              </a:lvl9pPr>
+            </a:lstStyle>
+            <a:p>
+              <a:pPr algn="ctr"/>
+              <a:endParaRPr lang="en-GB"/>
+            </a:p>
+          </p:txBody>
+        </p:sp>
+      </p:grpSp>
+      <p:grpSp>
+        <p:nvGrpSpPr>
+          <p:cNvPr id="60" name="Group 59">
+            <a:extLst>
+              <a:ext uri="{FF2B5EF4-FFF2-40B4-BE49-F238E27FC236}">
+                <a16:creationId xmlns:a16="http://schemas.microsoft.com/office/drawing/2014/main" id="{127890CE-5719-1BE8-0B8E-A371EF4A3665}"/>
+              </a:ext>
+            </a:extLst>
+          </p:cNvPr>
+          <p:cNvGrpSpPr/>
+          <p:nvPr/>
+        </p:nvGrpSpPr>
+        <p:grpSpPr>
+          <a:xfrm>
+            <a:off x="4035820" y="3391825"/>
+            <a:ext cx="216000" cy="216000"/>
+            <a:chOff x="1002190" y="1572253"/>
+            <a:chExt cx="216000" cy="216000"/>
+          </a:xfrm>
+        </p:grpSpPr>
+        <p:sp>
+          <p:nvSpPr>
+            <p:cNvPr id="67" name="TextBox 166">
+              <a:extLst>
+                <a:ext uri="{FF2B5EF4-FFF2-40B4-BE49-F238E27FC236}">
+                  <a16:creationId xmlns:a16="http://schemas.microsoft.com/office/drawing/2014/main" id="{5DFAD630-B6F1-EF01-D3D9-9983613BEEF2}"/>
+                </a:ext>
+              </a:extLst>
+            </p:cNvPr>
+            <p:cNvSpPr txBox="1"/>
+            <p:nvPr/>
+          </p:nvSpPr>
+          <p:spPr>
+            <a:xfrm>
+              <a:off x="1002190" y="1572253"/>
+              <a:ext cx="216000" cy="216000"/>
+            </a:xfrm>
+            <a:prstGeom prst="rect">
+              <a:avLst/>
+            </a:prstGeom>
+            <a:noFill/>
+          </p:spPr>
+          <p:txBody>
+            <a:bodyPr wrap="square" rtlCol="0">
+              <a:spAutoFit/>
+            </a:bodyPr>
+            <a:lstStyle>
+              <a:defPPr>
+                <a:defRPr lang="en-US"/>
+              </a:defPPr>
+              <a:lvl1pPr marL="0" algn="l" defTabSz="457200" rtl="0" eaLnBrk="1" latinLnBrk="0" hangingPunct="1">
+                <a:defRPr sz="1800" kern="1200">
+                  <a:solidFill>
+                    <a:schemeClr val="tx1"/>
+                  </a:solidFill>
+                  <a:latin typeface="+mn-lt"/>
+                  <a:ea typeface="+mn-ea"/>
+                  <a:cs typeface="+mn-cs"/>
+                </a:defRPr>
+              </a:lvl1pPr>
+              <a:lvl2pPr marL="457200" algn="l" defTabSz="457200" rtl="0" eaLnBrk="1" latinLnBrk="0" hangingPunct="1">
+                <a:defRPr sz="1800" kern="1200">
+                  <a:solidFill>
+                    <a:schemeClr val="tx1"/>
+                  </a:solidFill>
+                  <a:latin typeface="+mn-lt"/>
+                  <a:ea typeface="+mn-ea"/>
+                  <a:cs typeface="+mn-cs"/>
+                </a:defRPr>
+              </a:lvl2pPr>
+              <a:lvl3pPr marL="914400" algn="l" defTabSz="457200" rtl="0" eaLnBrk="1" latinLnBrk="0" hangingPunct="1">
+                <a:defRPr sz="1800" kern="1200">
+                  <a:solidFill>
+                    <a:schemeClr val="tx1"/>
+                  </a:solidFill>
+                  <a:latin typeface="+mn-lt"/>
+                  <a:ea typeface="+mn-ea"/>
+                  <a:cs typeface="+mn-cs"/>
+                </a:defRPr>
+              </a:lvl3pPr>
+              <a:lvl4pPr marL="1371600" algn="l" defTabSz="457200" rtl="0" eaLnBrk="1" latinLnBrk="0" hangingPunct="1">
+                <a:defRPr sz="1800" kern="1200">
+                  <a:solidFill>
+                    <a:schemeClr val="tx1"/>
+                  </a:solidFill>
+                  <a:latin typeface="+mn-lt"/>
+                  <a:ea typeface="+mn-ea"/>
+                  <a:cs typeface="+mn-cs"/>
+                </a:defRPr>
+              </a:lvl4pPr>
+              <a:lvl5pPr marL="1828800" algn="l" defTabSz="457200" rtl="0" eaLnBrk="1" latinLnBrk="0" hangingPunct="1">
+                <a:defRPr sz="1800" kern="1200">
+                  <a:solidFill>
+                    <a:schemeClr val="tx1"/>
+                  </a:solidFill>
+                  <a:latin typeface="+mn-lt"/>
+                  <a:ea typeface="+mn-ea"/>
+                  <a:cs typeface="+mn-cs"/>
+                </a:defRPr>
+              </a:lvl5pPr>
+              <a:lvl6pPr marL="2286000" algn="l" defTabSz="457200" rtl="0" eaLnBrk="1" latinLnBrk="0" hangingPunct="1">
+                <a:defRPr sz="1800" kern="1200">
+                  <a:solidFill>
+                    <a:schemeClr val="tx1"/>
+                  </a:solidFill>
+                  <a:latin typeface="+mn-lt"/>
+                  <a:ea typeface="+mn-ea"/>
+                  <a:cs typeface="+mn-cs"/>
+                </a:defRPr>
+              </a:lvl6pPr>
+              <a:lvl7pPr marL="2743200" algn="l" defTabSz="457200" rtl="0" eaLnBrk="1" latinLnBrk="0" hangingPunct="1">
+                <a:defRPr sz="1800" kern="1200">
+                  <a:solidFill>
+                    <a:schemeClr val="tx1"/>
+                  </a:solidFill>
+                  <a:latin typeface="+mn-lt"/>
+                  <a:ea typeface="+mn-ea"/>
+                  <a:cs typeface="+mn-cs"/>
+                </a:defRPr>
+              </a:lvl7pPr>
+              <a:lvl8pPr marL="3200400" algn="l" defTabSz="457200" rtl="0" eaLnBrk="1" latinLnBrk="0" hangingPunct="1">
+                <a:defRPr sz="1800" kern="1200">
+                  <a:solidFill>
+                    <a:schemeClr val="tx1"/>
+                  </a:solidFill>
+                  <a:latin typeface="+mn-lt"/>
+                  <a:ea typeface="+mn-ea"/>
+                  <a:cs typeface="+mn-cs"/>
+                </a:defRPr>
+              </a:lvl8pPr>
+              <a:lvl9pPr marL="3657600" algn="l" defTabSz="457200" rtl="0" eaLnBrk="1" latinLnBrk="0" hangingPunct="1">
+                <a:defRPr sz="1800" kern="1200">
+                  <a:solidFill>
+                    <a:schemeClr val="tx1"/>
+                  </a:solidFill>
+                  <a:latin typeface="+mn-lt"/>
+                  <a:ea typeface="+mn-ea"/>
+                  <a:cs typeface="+mn-cs"/>
+                </a:defRPr>
+              </a:lvl9pPr>
+            </a:lstStyle>
+            <a:p>
+              <a:r>
+                <a:rPr lang="en-US" sz="800" dirty="0">
+                  <a:latin typeface="Calibri" panose="020F0502020204030204" pitchFamily="34" charset="0"/>
+                  <a:cs typeface="Calibri" panose="020F0502020204030204" pitchFamily="34" charset="0"/>
+                </a:rPr>
+                <a:t>v</a:t>
+              </a:r>
+              <a:endParaRPr lang="en-GB" sz="800" dirty="0">
+                <a:latin typeface="Calibri" panose="020F0502020204030204" pitchFamily="34" charset="0"/>
+                <a:cs typeface="Calibri" panose="020F0502020204030204" pitchFamily="34" charset="0"/>
+              </a:endParaRPr>
+            </a:p>
+          </p:txBody>
+        </p:sp>
+        <p:sp>
+          <p:nvSpPr>
+            <p:cNvPr id="68" name="Rectangle 67">
+              <a:extLst>
+                <a:ext uri="{FF2B5EF4-FFF2-40B4-BE49-F238E27FC236}">
+                  <a16:creationId xmlns:a16="http://schemas.microsoft.com/office/drawing/2014/main" id="{422BBFF7-FC41-25C9-A922-6CF0BBDDC962}"/>
+                </a:ext>
+              </a:extLst>
+            </p:cNvPr>
+            <p:cNvSpPr/>
+            <p:nvPr/>
+          </p:nvSpPr>
+          <p:spPr>
+            <a:xfrm>
+              <a:off x="1040747" y="1619373"/>
+              <a:ext cx="144000" cy="144000"/>
+            </a:xfrm>
+            <a:prstGeom prst="rect">
+              <a:avLst/>
+            </a:prstGeom>
+            <a:noFill/>
+            <a:ln w="3175">
+              <a:solidFill>
+                <a:schemeClr val="tx1">
+                  <a:lumMod val="75000"/>
+                  <a:lumOff val="25000"/>
+                </a:schemeClr>
+              </a:solidFill>
+            </a:ln>
+          </p:spPr>
+          <p:style>
+            <a:lnRef idx="2">
+              <a:schemeClr val="accent1">
+                <a:shade val="15000"/>
+              </a:schemeClr>
+            </a:lnRef>
+            <a:fillRef idx="1">
+              <a:schemeClr val="accent1"/>
+            </a:fillRef>
+            <a:effectRef idx="0">
+              <a:schemeClr val="accent1"/>
+            </a:effectRef>
+            <a:fontRef idx="minor">
+              <a:schemeClr val="lt1"/>
+            </a:fontRef>
+          </p:style>
+          <p:txBody>
+            <a:bodyPr rtlCol="0" anchor="ctr"/>
+            <a:lstStyle>
+              <a:defPPr>
+                <a:defRPr lang="en-US"/>
+              </a:defPPr>
+              <a:lvl1pPr marL="0" algn="l" defTabSz="457200" rtl="0" eaLnBrk="1" latinLnBrk="0" hangingPunct="1">
+                <a:defRPr sz="1800" kern="1200">
+                  <a:solidFill>
+                    <a:schemeClr val="lt1"/>
+                  </a:solidFill>
+                  <a:latin typeface="+mn-lt"/>
+                  <a:ea typeface="+mn-ea"/>
+                  <a:cs typeface="+mn-cs"/>
+                </a:defRPr>
+              </a:lvl1pPr>
+              <a:lvl2pPr marL="457200" algn="l" defTabSz="457200" rtl="0" eaLnBrk="1" latinLnBrk="0" hangingPunct="1">
+                <a:defRPr sz="1800" kern="1200">
+                  <a:solidFill>
+                    <a:schemeClr val="lt1"/>
+                  </a:solidFill>
+                  <a:latin typeface="+mn-lt"/>
+                  <a:ea typeface="+mn-ea"/>
+                  <a:cs typeface="+mn-cs"/>
+                </a:defRPr>
+              </a:lvl2pPr>
+              <a:lvl3pPr marL="914400" algn="l" defTabSz="457200" rtl="0" eaLnBrk="1" latinLnBrk="0" hangingPunct="1">
+                <a:defRPr sz="1800" kern="1200">
+                  <a:solidFill>
+                    <a:schemeClr val="lt1"/>
+                  </a:solidFill>
+                  <a:latin typeface="+mn-lt"/>
+                  <a:ea typeface="+mn-ea"/>
+                  <a:cs typeface="+mn-cs"/>
+                </a:defRPr>
+              </a:lvl3pPr>
+              <a:lvl4pPr marL="1371600" algn="l" defTabSz="457200" rtl="0" eaLnBrk="1" latinLnBrk="0" hangingPunct="1">
+                <a:defRPr sz="1800" kern="1200">
+                  <a:solidFill>
+                    <a:schemeClr val="lt1"/>
+                  </a:solidFill>
+                  <a:latin typeface="+mn-lt"/>
+                  <a:ea typeface="+mn-ea"/>
+                  <a:cs typeface="+mn-cs"/>
+                </a:defRPr>
+              </a:lvl4pPr>
+              <a:lvl5pPr marL="1828800" algn="l" defTabSz="457200" rtl="0" eaLnBrk="1" latinLnBrk="0" hangingPunct="1">
+                <a:defRPr sz="1800" kern="1200">
+                  <a:solidFill>
+                    <a:schemeClr val="lt1"/>
+                  </a:solidFill>
+                  <a:latin typeface="+mn-lt"/>
+                  <a:ea typeface="+mn-ea"/>
+                  <a:cs typeface="+mn-cs"/>
+                </a:defRPr>
+              </a:lvl5pPr>
+              <a:lvl6pPr marL="2286000" algn="l" defTabSz="457200" rtl="0" eaLnBrk="1" latinLnBrk="0" hangingPunct="1">
+                <a:defRPr sz="1800" kern="1200">
+                  <a:solidFill>
+                    <a:schemeClr val="lt1"/>
+                  </a:solidFill>
+                  <a:latin typeface="+mn-lt"/>
+                  <a:ea typeface="+mn-ea"/>
+                  <a:cs typeface="+mn-cs"/>
+                </a:defRPr>
+              </a:lvl6pPr>
+              <a:lvl7pPr marL="2743200" algn="l" defTabSz="457200" rtl="0" eaLnBrk="1" latinLnBrk="0" hangingPunct="1">
+                <a:defRPr sz="1800" kern="1200">
+                  <a:solidFill>
+                    <a:schemeClr val="lt1"/>
+                  </a:solidFill>
+                  <a:latin typeface="+mn-lt"/>
+                  <a:ea typeface="+mn-ea"/>
+                  <a:cs typeface="+mn-cs"/>
+                </a:defRPr>
+              </a:lvl7pPr>
+              <a:lvl8pPr marL="3200400" algn="l" defTabSz="457200" rtl="0" eaLnBrk="1" latinLnBrk="0" hangingPunct="1">
+                <a:defRPr sz="1800" kern="1200">
+                  <a:solidFill>
+                    <a:schemeClr val="lt1"/>
+                  </a:solidFill>
+                  <a:latin typeface="+mn-lt"/>
+                  <a:ea typeface="+mn-ea"/>
+                  <a:cs typeface="+mn-cs"/>
+                </a:defRPr>
+              </a:lvl8pPr>
+              <a:lvl9pPr marL="3657600" algn="l" defTabSz="457200" rtl="0" eaLnBrk="1" latinLnBrk="0" hangingPunct="1">
+                <a:defRPr sz="1800" kern="1200">
+                  <a:solidFill>
+                    <a:schemeClr val="lt1"/>
+                  </a:solidFill>
+                  <a:latin typeface="+mn-lt"/>
+                  <a:ea typeface="+mn-ea"/>
+                  <a:cs typeface="+mn-cs"/>
+                </a:defRPr>
+              </a:lvl9pPr>
+            </a:lstStyle>
+            <a:p>
+              <a:pPr algn="ctr"/>
+              <a:endParaRPr lang="en-GB"/>
+            </a:p>
+          </p:txBody>
+        </p:sp>
+      </p:grpSp>
+      <p:grpSp>
+        <p:nvGrpSpPr>
+          <p:cNvPr id="61" name="Group 60">
+            <a:extLst>
+              <a:ext uri="{FF2B5EF4-FFF2-40B4-BE49-F238E27FC236}">
+                <a16:creationId xmlns:a16="http://schemas.microsoft.com/office/drawing/2014/main" id="{EA972415-6B96-F9ED-DDF7-6EE84B43956E}"/>
+              </a:ext>
+            </a:extLst>
+          </p:cNvPr>
+          <p:cNvGrpSpPr/>
+          <p:nvPr/>
+        </p:nvGrpSpPr>
+        <p:grpSpPr>
+          <a:xfrm>
+            <a:off x="4035820" y="4262061"/>
+            <a:ext cx="216000" cy="216000"/>
+            <a:chOff x="1002190" y="1572253"/>
+            <a:chExt cx="216000" cy="216000"/>
+          </a:xfrm>
+        </p:grpSpPr>
+        <p:sp>
+          <p:nvSpPr>
+            <p:cNvPr id="65" name="TextBox 169">
+              <a:extLst>
+                <a:ext uri="{FF2B5EF4-FFF2-40B4-BE49-F238E27FC236}">
+                  <a16:creationId xmlns:a16="http://schemas.microsoft.com/office/drawing/2014/main" id="{B98DB5ED-7BC0-3E40-5F10-81F5CD0DF69A}"/>
+                </a:ext>
+              </a:extLst>
+            </p:cNvPr>
+            <p:cNvSpPr txBox="1"/>
+            <p:nvPr/>
+          </p:nvSpPr>
+          <p:spPr>
+            <a:xfrm>
+              <a:off x="1002190" y="1572253"/>
+              <a:ext cx="216000" cy="216000"/>
+            </a:xfrm>
+            <a:prstGeom prst="rect">
+              <a:avLst/>
+            </a:prstGeom>
+            <a:noFill/>
+          </p:spPr>
+          <p:txBody>
+            <a:bodyPr wrap="square" rtlCol="0">
+              <a:spAutoFit/>
+            </a:bodyPr>
+            <a:lstStyle>
+              <a:defPPr>
+                <a:defRPr lang="en-US"/>
+              </a:defPPr>
+              <a:lvl1pPr marL="0" algn="l" defTabSz="457200" rtl="0" eaLnBrk="1" latinLnBrk="0" hangingPunct="1">
+                <a:defRPr sz="1800" kern="1200">
+                  <a:solidFill>
+                    <a:schemeClr val="tx1"/>
+                  </a:solidFill>
+                  <a:latin typeface="+mn-lt"/>
+                  <a:ea typeface="+mn-ea"/>
+                  <a:cs typeface="+mn-cs"/>
+                </a:defRPr>
+              </a:lvl1pPr>
+              <a:lvl2pPr marL="457200" algn="l" defTabSz="457200" rtl="0" eaLnBrk="1" latinLnBrk="0" hangingPunct="1">
+                <a:defRPr sz="1800" kern="1200">
+                  <a:solidFill>
+                    <a:schemeClr val="tx1"/>
+                  </a:solidFill>
+                  <a:latin typeface="+mn-lt"/>
+                  <a:ea typeface="+mn-ea"/>
+                  <a:cs typeface="+mn-cs"/>
+                </a:defRPr>
+              </a:lvl2pPr>
+              <a:lvl3pPr marL="914400" algn="l" defTabSz="457200" rtl="0" eaLnBrk="1" latinLnBrk="0" hangingPunct="1">
+                <a:defRPr sz="1800" kern="1200">
+                  <a:solidFill>
+                    <a:schemeClr val="tx1"/>
+                  </a:solidFill>
+                  <a:latin typeface="+mn-lt"/>
+                  <a:ea typeface="+mn-ea"/>
+                  <a:cs typeface="+mn-cs"/>
+                </a:defRPr>
+              </a:lvl3pPr>
+              <a:lvl4pPr marL="1371600" algn="l" defTabSz="457200" rtl="0" eaLnBrk="1" latinLnBrk="0" hangingPunct="1">
+                <a:defRPr sz="1800" kern="1200">
+                  <a:solidFill>
+                    <a:schemeClr val="tx1"/>
+                  </a:solidFill>
+                  <a:latin typeface="+mn-lt"/>
+                  <a:ea typeface="+mn-ea"/>
+                  <a:cs typeface="+mn-cs"/>
+                </a:defRPr>
+              </a:lvl4pPr>
+              <a:lvl5pPr marL="1828800" algn="l" defTabSz="457200" rtl="0" eaLnBrk="1" latinLnBrk="0" hangingPunct="1">
+                <a:defRPr sz="1800" kern="1200">
+                  <a:solidFill>
+                    <a:schemeClr val="tx1"/>
+                  </a:solidFill>
+                  <a:latin typeface="+mn-lt"/>
+                  <a:ea typeface="+mn-ea"/>
+                  <a:cs typeface="+mn-cs"/>
+                </a:defRPr>
+              </a:lvl5pPr>
+              <a:lvl6pPr marL="2286000" algn="l" defTabSz="457200" rtl="0" eaLnBrk="1" latinLnBrk="0" hangingPunct="1">
+                <a:defRPr sz="1800" kern="1200">
+                  <a:solidFill>
+                    <a:schemeClr val="tx1"/>
+                  </a:solidFill>
+                  <a:latin typeface="+mn-lt"/>
+                  <a:ea typeface="+mn-ea"/>
+                  <a:cs typeface="+mn-cs"/>
+                </a:defRPr>
+              </a:lvl6pPr>
+              <a:lvl7pPr marL="2743200" algn="l" defTabSz="457200" rtl="0" eaLnBrk="1" latinLnBrk="0" hangingPunct="1">
+                <a:defRPr sz="1800" kern="1200">
+                  <a:solidFill>
+                    <a:schemeClr val="tx1"/>
+                  </a:solidFill>
+                  <a:latin typeface="+mn-lt"/>
+                  <a:ea typeface="+mn-ea"/>
+                  <a:cs typeface="+mn-cs"/>
+                </a:defRPr>
+              </a:lvl7pPr>
+              <a:lvl8pPr marL="3200400" algn="l" defTabSz="457200" rtl="0" eaLnBrk="1" latinLnBrk="0" hangingPunct="1">
+                <a:defRPr sz="1800" kern="1200">
+                  <a:solidFill>
+                    <a:schemeClr val="tx1"/>
+                  </a:solidFill>
+                  <a:latin typeface="+mn-lt"/>
+                  <a:ea typeface="+mn-ea"/>
+                  <a:cs typeface="+mn-cs"/>
+                </a:defRPr>
+              </a:lvl8pPr>
+              <a:lvl9pPr marL="3657600" algn="l" defTabSz="457200" rtl="0" eaLnBrk="1" latinLnBrk="0" hangingPunct="1">
+                <a:defRPr sz="1800" kern="1200">
+                  <a:solidFill>
+                    <a:schemeClr val="tx1"/>
+                  </a:solidFill>
+                  <a:latin typeface="+mn-lt"/>
+                  <a:ea typeface="+mn-ea"/>
+                  <a:cs typeface="+mn-cs"/>
+                </a:defRPr>
+              </a:lvl9pPr>
+            </a:lstStyle>
+            <a:p>
+              <a:r>
+                <a:rPr lang="en-US" sz="800" dirty="0">
+                  <a:latin typeface="Calibri" panose="020F0502020204030204" pitchFamily="34" charset="0"/>
+                  <a:cs typeface="Calibri" panose="020F0502020204030204" pitchFamily="34" charset="0"/>
+                </a:rPr>
+                <a:t>w</a:t>
+              </a:r>
+              <a:endParaRPr lang="en-GB" sz="800" dirty="0">
+                <a:latin typeface="Calibri" panose="020F0502020204030204" pitchFamily="34" charset="0"/>
+                <a:cs typeface="Calibri" panose="020F0502020204030204" pitchFamily="34" charset="0"/>
+              </a:endParaRPr>
+            </a:p>
+          </p:txBody>
+        </p:sp>
+        <p:sp>
+          <p:nvSpPr>
+            <p:cNvPr id="66" name="Rectangle 65">
+              <a:extLst>
+                <a:ext uri="{FF2B5EF4-FFF2-40B4-BE49-F238E27FC236}">
+                  <a16:creationId xmlns:a16="http://schemas.microsoft.com/office/drawing/2014/main" id="{C52D8A27-9766-A4EF-7421-9552168B7CB8}"/>
+                </a:ext>
+              </a:extLst>
+            </p:cNvPr>
+            <p:cNvSpPr/>
+            <p:nvPr/>
+          </p:nvSpPr>
+          <p:spPr>
+            <a:xfrm>
+              <a:off x="1040747" y="1619373"/>
+              <a:ext cx="144000" cy="144000"/>
+            </a:xfrm>
+            <a:prstGeom prst="rect">
+              <a:avLst/>
+            </a:prstGeom>
+            <a:noFill/>
+            <a:ln w="3175">
+              <a:solidFill>
+                <a:schemeClr val="tx1">
+                  <a:lumMod val="75000"/>
+                  <a:lumOff val="25000"/>
+                </a:schemeClr>
+              </a:solidFill>
+            </a:ln>
+          </p:spPr>
+          <p:style>
+            <a:lnRef idx="2">
+              <a:schemeClr val="accent1">
+                <a:shade val="15000"/>
+              </a:schemeClr>
+            </a:lnRef>
+            <a:fillRef idx="1">
+              <a:schemeClr val="accent1"/>
+            </a:fillRef>
+            <a:effectRef idx="0">
+              <a:schemeClr val="accent1"/>
+            </a:effectRef>
+            <a:fontRef idx="minor">
+              <a:schemeClr val="lt1"/>
+            </a:fontRef>
+          </p:style>
+          <p:txBody>
+            <a:bodyPr rtlCol="0" anchor="ctr"/>
+            <a:lstStyle>
+              <a:defPPr>
+                <a:defRPr lang="en-US"/>
+              </a:defPPr>
+              <a:lvl1pPr marL="0" algn="l" defTabSz="457200" rtl="0" eaLnBrk="1" latinLnBrk="0" hangingPunct="1">
+                <a:defRPr sz="1800" kern="1200">
+                  <a:solidFill>
+                    <a:schemeClr val="lt1"/>
+                  </a:solidFill>
+                  <a:latin typeface="+mn-lt"/>
+                  <a:ea typeface="+mn-ea"/>
+                  <a:cs typeface="+mn-cs"/>
+                </a:defRPr>
+              </a:lvl1pPr>
+              <a:lvl2pPr marL="457200" algn="l" defTabSz="457200" rtl="0" eaLnBrk="1" latinLnBrk="0" hangingPunct="1">
+                <a:defRPr sz="1800" kern="1200">
+                  <a:solidFill>
+                    <a:schemeClr val="lt1"/>
+                  </a:solidFill>
+                  <a:latin typeface="+mn-lt"/>
+                  <a:ea typeface="+mn-ea"/>
+                  <a:cs typeface="+mn-cs"/>
+                </a:defRPr>
+              </a:lvl2pPr>
+              <a:lvl3pPr marL="914400" algn="l" defTabSz="457200" rtl="0" eaLnBrk="1" latinLnBrk="0" hangingPunct="1">
+                <a:defRPr sz="1800" kern="1200">
+                  <a:solidFill>
+                    <a:schemeClr val="lt1"/>
+                  </a:solidFill>
+                  <a:latin typeface="+mn-lt"/>
+                  <a:ea typeface="+mn-ea"/>
+                  <a:cs typeface="+mn-cs"/>
+                </a:defRPr>
+              </a:lvl3pPr>
+              <a:lvl4pPr marL="1371600" algn="l" defTabSz="457200" rtl="0" eaLnBrk="1" latinLnBrk="0" hangingPunct="1">
+                <a:defRPr sz="1800" kern="1200">
+                  <a:solidFill>
+                    <a:schemeClr val="lt1"/>
+                  </a:solidFill>
+                  <a:latin typeface="+mn-lt"/>
+                  <a:ea typeface="+mn-ea"/>
+                  <a:cs typeface="+mn-cs"/>
+                </a:defRPr>
+              </a:lvl4pPr>
+              <a:lvl5pPr marL="1828800" algn="l" defTabSz="457200" rtl="0" eaLnBrk="1" latinLnBrk="0" hangingPunct="1">
+                <a:defRPr sz="1800" kern="1200">
+                  <a:solidFill>
+                    <a:schemeClr val="lt1"/>
+                  </a:solidFill>
+                  <a:latin typeface="+mn-lt"/>
+                  <a:ea typeface="+mn-ea"/>
+                  <a:cs typeface="+mn-cs"/>
+                </a:defRPr>
+              </a:lvl5pPr>
+              <a:lvl6pPr marL="2286000" algn="l" defTabSz="457200" rtl="0" eaLnBrk="1" latinLnBrk="0" hangingPunct="1">
+                <a:defRPr sz="1800" kern="1200">
+                  <a:solidFill>
+                    <a:schemeClr val="lt1"/>
+                  </a:solidFill>
+                  <a:latin typeface="+mn-lt"/>
+                  <a:ea typeface="+mn-ea"/>
+                  <a:cs typeface="+mn-cs"/>
+                </a:defRPr>
+              </a:lvl6pPr>
+              <a:lvl7pPr marL="2743200" algn="l" defTabSz="457200" rtl="0" eaLnBrk="1" latinLnBrk="0" hangingPunct="1">
+                <a:defRPr sz="1800" kern="1200">
+                  <a:solidFill>
+                    <a:schemeClr val="lt1"/>
+                  </a:solidFill>
+                  <a:latin typeface="+mn-lt"/>
+                  <a:ea typeface="+mn-ea"/>
+                  <a:cs typeface="+mn-cs"/>
+                </a:defRPr>
+              </a:lvl7pPr>
+              <a:lvl8pPr marL="3200400" algn="l" defTabSz="457200" rtl="0" eaLnBrk="1" latinLnBrk="0" hangingPunct="1">
+                <a:defRPr sz="1800" kern="1200">
+                  <a:solidFill>
+                    <a:schemeClr val="lt1"/>
+                  </a:solidFill>
+                  <a:latin typeface="+mn-lt"/>
+                  <a:ea typeface="+mn-ea"/>
+                  <a:cs typeface="+mn-cs"/>
+                </a:defRPr>
+              </a:lvl8pPr>
+              <a:lvl9pPr marL="3657600" algn="l" defTabSz="457200" rtl="0" eaLnBrk="1" latinLnBrk="0" hangingPunct="1">
+                <a:defRPr sz="1800" kern="1200">
+                  <a:solidFill>
+                    <a:schemeClr val="lt1"/>
+                  </a:solidFill>
+                  <a:latin typeface="+mn-lt"/>
+                  <a:ea typeface="+mn-ea"/>
+                  <a:cs typeface="+mn-cs"/>
+                </a:defRPr>
+              </a:lvl9pPr>
+            </a:lstStyle>
+            <a:p>
+              <a:pPr algn="ctr"/>
+              <a:endParaRPr lang="en-GB"/>
+            </a:p>
+          </p:txBody>
+        </p:sp>
+      </p:grpSp>
+      <p:grpSp>
+        <p:nvGrpSpPr>
+          <p:cNvPr id="62" name="Group 61">
+            <a:extLst>
+              <a:ext uri="{FF2B5EF4-FFF2-40B4-BE49-F238E27FC236}">
+                <a16:creationId xmlns:a16="http://schemas.microsoft.com/office/drawing/2014/main" id="{F92D72A9-0A55-FF71-DA80-530852A0ECD1}"/>
+              </a:ext>
+            </a:extLst>
+          </p:cNvPr>
+          <p:cNvGrpSpPr/>
+          <p:nvPr/>
+        </p:nvGrpSpPr>
+        <p:grpSpPr>
+          <a:xfrm>
+            <a:off x="4035820" y="5139399"/>
+            <a:ext cx="216000" cy="216000"/>
+            <a:chOff x="1002190" y="1572253"/>
+            <a:chExt cx="216000" cy="216000"/>
+          </a:xfrm>
+        </p:grpSpPr>
+        <p:sp>
+          <p:nvSpPr>
+            <p:cNvPr id="63" name="TextBox 172">
+              <a:extLst>
+                <a:ext uri="{FF2B5EF4-FFF2-40B4-BE49-F238E27FC236}">
+                  <a16:creationId xmlns:a16="http://schemas.microsoft.com/office/drawing/2014/main" id="{F202536B-EDFA-2985-D247-DFF25F396E3C}"/>
+                </a:ext>
+              </a:extLst>
+            </p:cNvPr>
+            <p:cNvSpPr txBox="1"/>
+            <p:nvPr/>
+          </p:nvSpPr>
+          <p:spPr>
+            <a:xfrm>
+              <a:off x="1002190" y="1572253"/>
+              <a:ext cx="216000" cy="216000"/>
+            </a:xfrm>
+            <a:prstGeom prst="rect">
+              <a:avLst/>
+            </a:prstGeom>
+            <a:noFill/>
+          </p:spPr>
+          <p:txBody>
+            <a:bodyPr wrap="square" rtlCol="0">
+              <a:spAutoFit/>
+            </a:bodyPr>
+            <a:lstStyle>
+              <a:defPPr>
+                <a:defRPr lang="en-US"/>
+              </a:defPPr>
+              <a:lvl1pPr marL="0" algn="l" defTabSz="457200" rtl="0" eaLnBrk="1" latinLnBrk="0" hangingPunct="1">
+                <a:defRPr sz="1800" kern="1200">
+                  <a:solidFill>
+                    <a:schemeClr val="tx1"/>
+                  </a:solidFill>
+                  <a:latin typeface="+mn-lt"/>
+                  <a:ea typeface="+mn-ea"/>
+                  <a:cs typeface="+mn-cs"/>
+                </a:defRPr>
+              </a:lvl1pPr>
+              <a:lvl2pPr marL="457200" algn="l" defTabSz="457200" rtl="0" eaLnBrk="1" latinLnBrk="0" hangingPunct="1">
+                <a:defRPr sz="1800" kern="1200">
+                  <a:solidFill>
+                    <a:schemeClr val="tx1"/>
+                  </a:solidFill>
+                  <a:latin typeface="+mn-lt"/>
+                  <a:ea typeface="+mn-ea"/>
+                  <a:cs typeface="+mn-cs"/>
+                </a:defRPr>
+              </a:lvl2pPr>
+              <a:lvl3pPr marL="914400" algn="l" defTabSz="457200" rtl="0" eaLnBrk="1" latinLnBrk="0" hangingPunct="1">
+                <a:defRPr sz="1800" kern="1200">
+                  <a:solidFill>
+                    <a:schemeClr val="tx1"/>
+                  </a:solidFill>
+                  <a:latin typeface="+mn-lt"/>
+                  <a:ea typeface="+mn-ea"/>
+                  <a:cs typeface="+mn-cs"/>
+                </a:defRPr>
+              </a:lvl3pPr>
+              <a:lvl4pPr marL="1371600" algn="l" defTabSz="457200" rtl="0" eaLnBrk="1" latinLnBrk="0" hangingPunct="1">
+                <a:defRPr sz="1800" kern="1200">
+                  <a:solidFill>
+                    <a:schemeClr val="tx1"/>
+                  </a:solidFill>
+                  <a:latin typeface="+mn-lt"/>
+                  <a:ea typeface="+mn-ea"/>
+                  <a:cs typeface="+mn-cs"/>
+                </a:defRPr>
+              </a:lvl4pPr>
+              <a:lvl5pPr marL="1828800" algn="l" defTabSz="457200" rtl="0" eaLnBrk="1" latinLnBrk="0" hangingPunct="1">
+                <a:defRPr sz="1800" kern="1200">
+                  <a:solidFill>
+                    <a:schemeClr val="tx1"/>
+                  </a:solidFill>
+                  <a:latin typeface="+mn-lt"/>
+                  <a:ea typeface="+mn-ea"/>
+                  <a:cs typeface="+mn-cs"/>
+                </a:defRPr>
+              </a:lvl5pPr>
+              <a:lvl6pPr marL="2286000" algn="l" defTabSz="457200" rtl="0" eaLnBrk="1" latinLnBrk="0" hangingPunct="1">
+                <a:defRPr sz="1800" kern="1200">
+                  <a:solidFill>
+                    <a:schemeClr val="tx1"/>
+                  </a:solidFill>
+                  <a:latin typeface="+mn-lt"/>
+                  <a:ea typeface="+mn-ea"/>
+                  <a:cs typeface="+mn-cs"/>
+                </a:defRPr>
+              </a:lvl6pPr>
+              <a:lvl7pPr marL="2743200" algn="l" defTabSz="457200" rtl="0" eaLnBrk="1" latinLnBrk="0" hangingPunct="1">
+                <a:defRPr sz="1800" kern="1200">
+                  <a:solidFill>
+                    <a:schemeClr val="tx1"/>
+                  </a:solidFill>
+                  <a:latin typeface="+mn-lt"/>
+                  <a:ea typeface="+mn-ea"/>
+                  <a:cs typeface="+mn-cs"/>
+                </a:defRPr>
+              </a:lvl7pPr>
+              <a:lvl8pPr marL="3200400" algn="l" defTabSz="457200" rtl="0" eaLnBrk="1" latinLnBrk="0" hangingPunct="1">
+                <a:defRPr sz="1800" kern="1200">
+                  <a:solidFill>
+                    <a:schemeClr val="tx1"/>
+                  </a:solidFill>
+                  <a:latin typeface="+mn-lt"/>
+                  <a:ea typeface="+mn-ea"/>
+                  <a:cs typeface="+mn-cs"/>
+                </a:defRPr>
+              </a:lvl8pPr>
+              <a:lvl9pPr marL="3657600" algn="l" defTabSz="457200" rtl="0" eaLnBrk="1" latinLnBrk="0" hangingPunct="1">
+                <a:defRPr sz="1800" kern="1200">
+                  <a:solidFill>
+                    <a:schemeClr val="tx1"/>
+                  </a:solidFill>
+                  <a:latin typeface="+mn-lt"/>
+                  <a:ea typeface="+mn-ea"/>
+                  <a:cs typeface="+mn-cs"/>
+                </a:defRPr>
+              </a:lvl9pPr>
+            </a:lstStyle>
+            <a:p>
+              <a:r>
+                <a:rPr lang="en-US" sz="800" dirty="0">
+                  <a:latin typeface="Calibri" panose="020F0502020204030204" pitchFamily="34" charset="0"/>
+                  <a:cs typeface="Calibri" panose="020F0502020204030204" pitchFamily="34" charset="0"/>
+                </a:rPr>
+                <a:t>x</a:t>
+              </a:r>
+              <a:endParaRPr lang="en-GB" sz="800" dirty="0">
+                <a:latin typeface="Calibri" panose="020F0502020204030204" pitchFamily="34" charset="0"/>
+                <a:cs typeface="Calibri" panose="020F0502020204030204" pitchFamily="34" charset="0"/>
+              </a:endParaRPr>
+            </a:p>
+          </p:txBody>
+        </p:sp>
+        <p:sp>
+          <p:nvSpPr>
+            <p:cNvPr id="64" name="Rectangle 63">
+              <a:extLst>
+                <a:ext uri="{FF2B5EF4-FFF2-40B4-BE49-F238E27FC236}">
+                  <a16:creationId xmlns:a16="http://schemas.microsoft.com/office/drawing/2014/main" id="{B637CF7A-D6B1-A968-FF70-0D7FCDE182C0}"/>
+                </a:ext>
+              </a:extLst>
+            </p:cNvPr>
+            <p:cNvSpPr/>
+            <p:nvPr/>
+          </p:nvSpPr>
+          <p:spPr>
+            <a:xfrm>
+              <a:off x="1040747" y="1619373"/>
+              <a:ext cx="144000" cy="144000"/>
+            </a:xfrm>
+            <a:prstGeom prst="rect">
+              <a:avLst/>
+            </a:prstGeom>
+            <a:noFill/>
+            <a:ln w="3175">
+              <a:solidFill>
+                <a:schemeClr val="tx1">
+                  <a:lumMod val="75000"/>
+                  <a:lumOff val="25000"/>
+                </a:schemeClr>
+              </a:solidFill>
+            </a:ln>
+          </p:spPr>
+          <p:style>
+            <a:lnRef idx="2">
+              <a:schemeClr val="accent1">
+                <a:shade val="15000"/>
+              </a:schemeClr>
+            </a:lnRef>
+            <a:fillRef idx="1">
+              <a:schemeClr val="accent1"/>
+            </a:fillRef>
+            <a:effectRef idx="0">
+              <a:schemeClr val="accent1"/>
+            </a:effectRef>
+            <a:fontRef idx="minor">
+              <a:schemeClr val="lt1"/>
+            </a:fontRef>
+          </p:style>
+          <p:txBody>
+            <a:bodyPr rtlCol="0" anchor="ctr"/>
+            <a:lstStyle>
+              <a:defPPr>
+                <a:defRPr lang="en-US"/>
+              </a:defPPr>
+              <a:lvl1pPr marL="0" algn="l" defTabSz="457200" rtl="0" eaLnBrk="1" latinLnBrk="0" hangingPunct="1">
+                <a:defRPr sz="1800" kern="1200">
+                  <a:solidFill>
+                    <a:schemeClr val="lt1"/>
+                  </a:solidFill>
+                  <a:latin typeface="+mn-lt"/>
+                  <a:ea typeface="+mn-ea"/>
+                  <a:cs typeface="+mn-cs"/>
+                </a:defRPr>
+              </a:lvl1pPr>
+              <a:lvl2pPr marL="457200" algn="l" defTabSz="457200" rtl="0" eaLnBrk="1" latinLnBrk="0" hangingPunct="1">
+                <a:defRPr sz="1800" kern="1200">
+                  <a:solidFill>
+                    <a:schemeClr val="lt1"/>
+                  </a:solidFill>
+                  <a:latin typeface="+mn-lt"/>
+                  <a:ea typeface="+mn-ea"/>
+                  <a:cs typeface="+mn-cs"/>
+                </a:defRPr>
+              </a:lvl2pPr>
+              <a:lvl3pPr marL="914400" algn="l" defTabSz="457200" rtl="0" eaLnBrk="1" latinLnBrk="0" hangingPunct="1">
+                <a:defRPr sz="1800" kern="1200">
+                  <a:solidFill>
+                    <a:schemeClr val="lt1"/>
+                  </a:solidFill>
+                  <a:latin typeface="+mn-lt"/>
+                  <a:ea typeface="+mn-ea"/>
+                  <a:cs typeface="+mn-cs"/>
+                </a:defRPr>
+              </a:lvl3pPr>
+              <a:lvl4pPr marL="1371600" algn="l" defTabSz="457200" rtl="0" eaLnBrk="1" latinLnBrk="0" hangingPunct="1">
+                <a:defRPr sz="1800" kern="1200">
+                  <a:solidFill>
+                    <a:schemeClr val="lt1"/>
+                  </a:solidFill>
+                  <a:latin typeface="+mn-lt"/>
+                  <a:ea typeface="+mn-ea"/>
+                  <a:cs typeface="+mn-cs"/>
+                </a:defRPr>
+              </a:lvl4pPr>
+              <a:lvl5pPr marL="1828800" algn="l" defTabSz="457200" rtl="0" eaLnBrk="1" latinLnBrk="0" hangingPunct="1">
+                <a:defRPr sz="1800" kern="1200">
+                  <a:solidFill>
+                    <a:schemeClr val="lt1"/>
+                  </a:solidFill>
+                  <a:latin typeface="+mn-lt"/>
+                  <a:ea typeface="+mn-ea"/>
+                  <a:cs typeface="+mn-cs"/>
+                </a:defRPr>
+              </a:lvl5pPr>
+              <a:lvl6pPr marL="2286000" algn="l" defTabSz="457200" rtl="0" eaLnBrk="1" latinLnBrk="0" hangingPunct="1">
+                <a:defRPr sz="1800" kern="1200">
+                  <a:solidFill>
+                    <a:schemeClr val="lt1"/>
+                  </a:solidFill>
+                  <a:latin typeface="+mn-lt"/>
+                  <a:ea typeface="+mn-ea"/>
+                  <a:cs typeface="+mn-cs"/>
+                </a:defRPr>
+              </a:lvl6pPr>
+              <a:lvl7pPr marL="2743200" algn="l" defTabSz="457200" rtl="0" eaLnBrk="1" latinLnBrk="0" hangingPunct="1">
+                <a:defRPr sz="1800" kern="1200">
+                  <a:solidFill>
+                    <a:schemeClr val="lt1"/>
+                  </a:solidFill>
+                  <a:latin typeface="+mn-lt"/>
+                  <a:ea typeface="+mn-ea"/>
+                  <a:cs typeface="+mn-cs"/>
+                </a:defRPr>
+              </a:lvl7pPr>
+              <a:lvl8pPr marL="3200400" algn="l" defTabSz="457200" rtl="0" eaLnBrk="1" latinLnBrk="0" hangingPunct="1">
+                <a:defRPr sz="1800" kern="1200">
+                  <a:solidFill>
+                    <a:schemeClr val="lt1"/>
+                  </a:solidFill>
+                  <a:latin typeface="+mn-lt"/>
+                  <a:ea typeface="+mn-ea"/>
+                  <a:cs typeface="+mn-cs"/>
+                </a:defRPr>
+              </a:lvl8pPr>
+              <a:lvl9pPr marL="3657600" algn="l" defTabSz="457200" rtl="0" eaLnBrk="1" latinLnBrk="0" hangingPunct="1">
+                <a:defRPr sz="1800" kern="1200">
+                  <a:solidFill>
+                    <a:schemeClr val="lt1"/>
+                  </a:solidFill>
+                  <a:latin typeface="+mn-lt"/>
+                  <a:ea typeface="+mn-ea"/>
+                  <a:cs typeface="+mn-cs"/>
+                </a:defRPr>
+              </a:lvl9pPr>
+            </a:lstStyle>
+            <a:p>
+              <a:pPr algn="ctr"/>
+              <a:endParaRPr lang="en-GB"/>
+            </a:p>
+          </p:txBody>
+        </p:sp>
+      </p:grpSp>
     </p:spTree>
     <p:extLst>
       <p:ext uri="{BB962C8B-B14F-4D97-AF65-F5344CB8AC3E}">

--- a/chapter_06/figures/verif_training_test_breakdown_pr_curve.pptx
+++ b/chapter_06/figures/verif_training_test_breakdown_pr_curve.pptx
@@ -125,12 +125,12 @@
   <pc:docChgLst>
     <pc:chgData name="Fatima Pillosu" userId="a6295d4dc9e22643" providerId="LiveId" clId="{39E4DD93-62FF-426E-ACE3-AEC539F82A6D}"/>
     <pc:docChg chg="undo custSel modSld modMainMaster">
-      <pc:chgData name="Fatima Pillosu" userId="a6295d4dc9e22643" providerId="LiveId" clId="{39E4DD93-62FF-426E-ACE3-AEC539F82A6D}" dt="2025-07-08T13:18:25.639" v="922" actId="1037"/>
+      <pc:chgData name="Fatima Pillosu" userId="a6295d4dc9e22643" providerId="LiveId" clId="{39E4DD93-62FF-426E-ACE3-AEC539F82A6D}" dt="2025-07-10T09:36:52.618" v="923" actId="20577"/>
       <pc:docMkLst>
         <pc:docMk/>
       </pc:docMkLst>
       <pc:sldChg chg="addSp delSp modSp mod">
-        <pc:chgData name="Fatima Pillosu" userId="a6295d4dc9e22643" providerId="LiveId" clId="{39E4DD93-62FF-426E-ACE3-AEC539F82A6D}" dt="2025-07-08T13:18:25.639" v="922" actId="1037"/>
+        <pc:chgData name="Fatima Pillosu" userId="a6295d4dc9e22643" providerId="LiveId" clId="{39E4DD93-62FF-426E-ACE3-AEC539F82A6D}" dt="2025-07-10T09:36:52.618" v="923" actId="20577"/>
         <pc:sldMkLst>
           <pc:docMk/>
           <pc:sldMk cId="2517527664" sldId="257"/>
@@ -152,7 +152,7 @@
           </ac:spMkLst>
         </pc:spChg>
         <pc:spChg chg="add mod">
-          <ac:chgData name="Fatima Pillosu" userId="a6295d4dc9e22643" providerId="LiveId" clId="{39E4DD93-62FF-426E-ACE3-AEC539F82A6D}" dt="2025-07-04T22:14:33.371" v="818"/>
+          <ac:chgData name="Fatima Pillosu" userId="a6295d4dc9e22643" providerId="LiveId" clId="{39E4DD93-62FF-426E-ACE3-AEC539F82A6D}" dt="2025-07-10T09:36:52.618" v="923" actId="20577"/>
           <ac:spMkLst>
             <pc:docMk/>
             <pc:sldMk cId="2517527664" sldId="257"/>
@@ -2906,7 +2906,7 @@
           <a:p>
             <a:fld id="{F0820250-0589-45C6-A87F-3E34BBC48915}" type="datetimeFigureOut">
               <a:rPr lang="en-GB" smtClean="0"/>
-              <a:t>08/07/2025</a:t>
+              <a:t>10/07/2025</a:t>
             </a:fld>
             <a:endParaRPr lang="en-GB"/>
           </a:p>
@@ -3076,7 +3076,7 @@
           <a:p>
             <a:fld id="{F0820250-0589-45C6-A87F-3E34BBC48915}" type="datetimeFigureOut">
               <a:rPr lang="en-GB" smtClean="0"/>
-              <a:t>08/07/2025</a:t>
+              <a:t>10/07/2025</a:t>
             </a:fld>
             <a:endParaRPr lang="en-GB"/>
           </a:p>
@@ -3256,7 +3256,7 @@
           <a:p>
             <a:fld id="{F0820250-0589-45C6-A87F-3E34BBC48915}" type="datetimeFigureOut">
               <a:rPr lang="en-GB" smtClean="0"/>
-              <a:t>08/07/2025</a:t>
+              <a:t>10/07/2025</a:t>
             </a:fld>
             <a:endParaRPr lang="en-GB"/>
           </a:p>
@@ -3426,7 +3426,7 @@
           <a:p>
             <a:fld id="{F0820250-0589-45C6-A87F-3E34BBC48915}" type="datetimeFigureOut">
               <a:rPr lang="en-GB" smtClean="0"/>
-              <a:t>08/07/2025</a:t>
+              <a:t>10/07/2025</a:t>
             </a:fld>
             <a:endParaRPr lang="en-GB"/>
           </a:p>
@@ -3672,7 +3672,7 @@
           <a:p>
             <a:fld id="{F0820250-0589-45C6-A87F-3E34BBC48915}" type="datetimeFigureOut">
               <a:rPr lang="en-GB" smtClean="0"/>
-              <a:t>08/07/2025</a:t>
+              <a:t>10/07/2025</a:t>
             </a:fld>
             <a:endParaRPr lang="en-GB"/>
           </a:p>
@@ -3904,7 +3904,7 @@
           <a:p>
             <a:fld id="{F0820250-0589-45C6-A87F-3E34BBC48915}" type="datetimeFigureOut">
               <a:rPr lang="en-GB" smtClean="0"/>
-              <a:t>08/07/2025</a:t>
+              <a:t>10/07/2025</a:t>
             </a:fld>
             <a:endParaRPr lang="en-GB"/>
           </a:p>
@@ -4271,7 +4271,7 @@
           <a:p>
             <a:fld id="{F0820250-0589-45C6-A87F-3E34BBC48915}" type="datetimeFigureOut">
               <a:rPr lang="en-GB" smtClean="0"/>
-              <a:t>08/07/2025</a:t>
+              <a:t>10/07/2025</a:t>
             </a:fld>
             <a:endParaRPr lang="en-GB"/>
           </a:p>
@@ -4389,7 +4389,7 @@
           <a:p>
             <a:fld id="{F0820250-0589-45C6-A87F-3E34BBC48915}" type="datetimeFigureOut">
               <a:rPr lang="en-GB" smtClean="0"/>
-              <a:t>08/07/2025</a:t>
+              <a:t>10/07/2025</a:t>
             </a:fld>
             <a:endParaRPr lang="en-GB"/>
           </a:p>
@@ -4484,7 +4484,7 @@
           <a:p>
             <a:fld id="{F0820250-0589-45C6-A87F-3E34BBC48915}" type="datetimeFigureOut">
               <a:rPr lang="en-GB" smtClean="0"/>
-              <a:t>08/07/2025</a:t>
+              <a:t>10/07/2025</a:t>
             </a:fld>
             <a:endParaRPr lang="en-GB"/>
           </a:p>
@@ -4761,7 +4761,7 @@
           <a:p>
             <a:fld id="{F0820250-0589-45C6-A87F-3E34BBC48915}" type="datetimeFigureOut">
               <a:rPr lang="en-GB" smtClean="0"/>
-              <a:t>08/07/2025</a:t>
+              <a:t>10/07/2025</a:t>
             </a:fld>
             <a:endParaRPr lang="en-GB"/>
           </a:p>
@@ -5018,7 +5018,7 @@
           <a:p>
             <a:fld id="{F0820250-0589-45C6-A87F-3E34BBC48915}" type="datetimeFigureOut">
               <a:rPr lang="en-GB" smtClean="0"/>
-              <a:t>08/07/2025</a:t>
+              <a:t>10/07/2025</a:t>
             </a:fld>
             <a:endParaRPr lang="en-GB"/>
           </a:p>
@@ -5231,7 +5231,7 @@
           <a:p>
             <a:fld id="{F0820250-0589-45C6-A87F-3E34BBC48915}" type="datetimeFigureOut">
               <a:rPr lang="en-GB" smtClean="0"/>
-              <a:t>08/07/2025</a:t>
+              <a:t>10/07/2025</a:t>
             </a:fld>
             <a:endParaRPr lang="en-GB"/>
           </a:p>
@@ -5692,7 +5692,7 @@
                 <a:latin typeface="Calibri" panose="020F0502020204030204" pitchFamily="34" charset="0"/>
                 <a:cs typeface="Calibri" panose="020F0502020204030204" pitchFamily="34" charset="0"/>
               </a:rPr>
-              <a:t>Verification results – Precision-Recall curve (breakdown score)</a:t>
+              <a:t>Verification results – Precision-Recall curves (breakdown score)</a:t>
             </a:r>
           </a:p>
           <a:p>
